--- a/slides/crowdsourcing-speech-recognition.pptx
+++ b/slides/crowdsourcing-speech-recognition.pptx
@@ -5,64 +5,63 @@
     <p:sldMasterId id="2147483648" r:id="rId1"/>
   </p:sldMasterIdLst>
   <p:notesMasterIdLst>
-    <p:notesMasterId r:id="rId57"/>
+    <p:notesMasterId r:id="rId56"/>
   </p:notesMasterIdLst>
   <p:sldIdLst>
-    <p:sldId id="266" r:id="rId2"/>
-    <p:sldId id="370" r:id="rId3"/>
-    <p:sldId id="344" r:id="rId4"/>
-    <p:sldId id="346" r:id="rId5"/>
-    <p:sldId id="347" r:id="rId6"/>
-    <p:sldId id="369" r:id="rId7"/>
-    <p:sldId id="345" r:id="rId8"/>
-    <p:sldId id="358" r:id="rId9"/>
-    <p:sldId id="354" r:id="rId10"/>
-    <p:sldId id="359" r:id="rId11"/>
-    <p:sldId id="351" r:id="rId12"/>
-    <p:sldId id="353" r:id="rId13"/>
-    <p:sldId id="356" r:id="rId14"/>
-    <p:sldId id="360" r:id="rId15"/>
-    <p:sldId id="363" r:id="rId16"/>
-    <p:sldId id="362" r:id="rId17"/>
-    <p:sldId id="364" r:id="rId18"/>
-    <p:sldId id="365" r:id="rId19"/>
-    <p:sldId id="350" r:id="rId20"/>
-    <p:sldId id="361" r:id="rId21"/>
-    <p:sldId id="268" r:id="rId22"/>
-    <p:sldId id="309" r:id="rId23"/>
-    <p:sldId id="311" r:id="rId24"/>
-    <p:sldId id="313" r:id="rId25"/>
-    <p:sldId id="314" r:id="rId26"/>
-    <p:sldId id="274" r:id="rId27"/>
-    <p:sldId id="367" r:id="rId28"/>
-    <p:sldId id="315" r:id="rId29"/>
-    <p:sldId id="325" r:id="rId30"/>
-    <p:sldId id="318" r:id="rId31"/>
-    <p:sldId id="330" r:id="rId32"/>
-    <p:sldId id="333" r:id="rId33"/>
-    <p:sldId id="329" r:id="rId34"/>
-    <p:sldId id="326" r:id="rId35"/>
-    <p:sldId id="331" r:id="rId36"/>
-    <p:sldId id="320" r:id="rId37"/>
-    <p:sldId id="332" r:id="rId38"/>
-    <p:sldId id="342" r:id="rId39"/>
-    <p:sldId id="328" r:id="rId40"/>
-    <p:sldId id="288" r:id="rId41"/>
-    <p:sldId id="279" r:id="rId42"/>
-    <p:sldId id="275" r:id="rId43"/>
-    <p:sldId id="321" r:id="rId44"/>
-    <p:sldId id="339" r:id="rId45"/>
-    <p:sldId id="334" r:id="rId46"/>
-    <p:sldId id="335" r:id="rId47"/>
-    <p:sldId id="289" r:id="rId48"/>
-    <p:sldId id="291" r:id="rId49"/>
-    <p:sldId id="287" r:id="rId50"/>
-    <p:sldId id="293" r:id="rId51"/>
-    <p:sldId id="366" r:id="rId52"/>
-    <p:sldId id="349" r:id="rId53"/>
-    <p:sldId id="368" r:id="rId54"/>
-    <p:sldId id="338" r:id="rId55"/>
-    <p:sldId id="317" r:id="rId56"/>
+    <p:sldId id="370" r:id="rId2"/>
+    <p:sldId id="344" r:id="rId3"/>
+    <p:sldId id="346" r:id="rId4"/>
+    <p:sldId id="347" r:id="rId5"/>
+    <p:sldId id="369" r:id="rId6"/>
+    <p:sldId id="345" r:id="rId7"/>
+    <p:sldId id="358" r:id="rId8"/>
+    <p:sldId id="354" r:id="rId9"/>
+    <p:sldId id="359" r:id="rId10"/>
+    <p:sldId id="351" r:id="rId11"/>
+    <p:sldId id="353" r:id="rId12"/>
+    <p:sldId id="356" r:id="rId13"/>
+    <p:sldId id="360" r:id="rId14"/>
+    <p:sldId id="363" r:id="rId15"/>
+    <p:sldId id="362" r:id="rId16"/>
+    <p:sldId id="364" r:id="rId17"/>
+    <p:sldId id="365" r:id="rId18"/>
+    <p:sldId id="350" r:id="rId19"/>
+    <p:sldId id="361" r:id="rId20"/>
+    <p:sldId id="268" r:id="rId21"/>
+    <p:sldId id="309" r:id="rId22"/>
+    <p:sldId id="311" r:id="rId23"/>
+    <p:sldId id="313" r:id="rId24"/>
+    <p:sldId id="314" r:id="rId25"/>
+    <p:sldId id="274" r:id="rId26"/>
+    <p:sldId id="367" r:id="rId27"/>
+    <p:sldId id="315" r:id="rId28"/>
+    <p:sldId id="325" r:id="rId29"/>
+    <p:sldId id="318" r:id="rId30"/>
+    <p:sldId id="330" r:id="rId31"/>
+    <p:sldId id="333" r:id="rId32"/>
+    <p:sldId id="329" r:id="rId33"/>
+    <p:sldId id="326" r:id="rId34"/>
+    <p:sldId id="331" r:id="rId35"/>
+    <p:sldId id="320" r:id="rId36"/>
+    <p:sldId id="332" r:id="rId37"/>
+    <p:sldId id="342" r:id="rId38"/>
+    <p:sldId id="328" r:id="rId39"/>
+    <p:sldId id="288" r:id="rId40"/>
+    <p:sldId id="279" r:id="rId41"/>
+    <p:sldId id="275" r:id="rId42"/>
+    <p:sldId id="321" r:id="rId43"/>
+    <p:sldId id="339" r:id="rId44"/>
+    <p:sldId id="334" r:id="rId45"/>
+    <p:sldId id="335" r:id="rId46"/>
+    <p:sldId id="289" r:id="rId47"/>
+    <p:sldId id="291" r:id="rId48"/>
+    <p:sldId id="287" r:id="rId49"/>
+    <p:sldId id="293" r:id="rId50"/>
+    <p:sldId id="366" r:id="rId51"/>
+    <p:sldId id="349" r:id="rId52"/>
+    <p:sldId id="368" r:id="rId53"/>
+    <p:sldId id="338" r:id="rId54"/>
+    <p:sldId id="317" r:id="rId55"/>
   </p:sldIdLst>
   <p:sldSz cx="9144000" cy="6858000" type="screen4x3"/>
   <p:notesSz cx="6858000" cy="9144000"/>
@@ -269,11 +268,11 @@
           <c:showPercent val="0"/>
           <c:showBubbleSize val="0"/>
         </c:dLbls>
-        <c:axId val="2114847208"/>
-        <c:axId val="2115346904"/>
+        <c:axId val="-2115974328"/>
+        <c:axId val="-2115980056"/>
       </c:scatterChart>
       <c:valAx>
-        <c:axId val="2114847208"/>
+        <c:axId val="-2115974328"/>
         <c:scaling>
           <c:logBase val="10.0"/>
           <c:orientation val="minMax"/>
@@ -315,12 +314,12 @@
             <a:endParaRPr lang="en-US"/>
           </a:p>
         </c:txPr>
-        <c:crossAx val="2115346904"/>
+        <c:crossAx val="-2115980056"/>
         <c:crosses val="autoZero"/>
         <c:crossBetween val="midCat"/>
       </c:valAx>
       <c:valAx>
-        <c:axId val="2115346904"/>
+        <c:axId val="-2115980056"/>
         <c:scaling>
           <c:orientation val="minMax"/>
           <c:min val="0.0"/>
@@ -366,7 +365,7 @@
             <a:endParaRPr lang="en-US"/>
           </a:p>
         </c:txPr>
-        <c:crossAx val="2114847208"/>
+        <c:crossAx val="-2115974328"/>
         <c:crossesAt val="1.0"/>
         <c:crossBetween val="midCat"/>
       </c:valAx>
@@ -718,11 +717,11 @@
         </c:dLbls>
         <c:marker val="1"/>
         <c:smooth val="0"/>
-        <c:axId val="2121916728"/>
-        <c:axId val="2121923832"/>
+        <c:axId val="-2117905432"/>
+        <c:axId val="-2117886680"/>
       </c:lineChart>
       <c:catAx>
-        <c:axId val="2121916728"/>
+        <c:axId val="-2117905432"/>
         <c:scaling>
           <c:orientation val="minMax"/>
         </c:scaling>
@@ -750,7 +749,6 @@
               </a:p>
             </c:rich>
           </c:tx>
-          <c:layout/>
           <c:overlay val="0"/>
         </c:title>
         <c:numFmt formatCode="General" sourceLinked="1"/>
@@ -770,7 +768,7 @@
             <a:endParaRPr lang="en-US"/>
           </a:p>
         </c:txPr>
-        <c:crossAx val="2121923832"/>
+        <c:crossAx val="-2117886680"/>
         <c:crosses val="autoZero"/>
         <c:auto val="1"/>
         <c:lblAlgn val="ctr"/>
@@ -778,7 +776,7 @@
         <c:noMultiLvlLbl val="0"/>
       </c:catAx>
       <c:valAx>
-        <c:axId val="2121923832"/>
+        <c:axId val="-2117886680"/>
         <c:scaling>
           <c:orientation val="minMax"/>
           <c:max val="60.0"/>
@@ -819,7 +817,6 @@
               </a:p>
             </c:rich>
           </c:tx>
-          <c:layout/>
           <c:overlay val="0"/>
         </c:title>
         <c:numFmt formatCode="General" sourceLinked="1"/>
@@ -842,7 +839,7 @@
             <a:endParaRPr lang="en-US"/>
           </a:p>
         </c:txPr>
-        <c:crossAx val="2121916728"/>
+        <c:crossAx val="-2117905432"/>
         <c:crosses val="autoZero"/>
         <c:crossBetween val="between"/>
       </c:valAx>
@@ -1138,11 +1135,11 @@
           <c:showPercent val="0"/>
           <c:showBubbleSize val="0"/>
         </c:dLbls>
-        <c:axId val="2121189544"/>
-        <c:axId val="2121196904"/>
+        <c:axId val="-2124139448"/>
+        <c:axId val="-2124132184"/>
       </c:scatterChart>
       <c:valAx>
-        <c:axId val="2121189544"/>
+        <c:axId val="-2124139448"/>
         <c:scaling>
           <c:logBase val="10.0"/>
           <c:orientation val="minMax"/>
@@ -1171,7 +1168,6 @@
               </a:p>
             </c:rich>
           </c:tx>
-          <c:layout/>
           <c:overlay val="0"/>
         </c:title>
         <c:numFmt formatCode="&quot;$&quot;#,##0" sourceLinked="0"/>
@@ -1188,12 +1184,12 @@
             <a:endParaRPr lang="en-US"/>
           </a:p>
         </c:txPr>
-        <c:crossAx val="2121196904"/>
+        <c:crossAx val="-2124132184"/>
         <c:crosses val="autoZero"/>
         <c:crossBetween val="midCat"/>
       </c:valAx>
       <c:valAx>
-        <c:axId val="2121196904"/>
+        <c:axId val="-2124132184"/>
         <c:scaling>
           <c:orientation val="minMax"/>
           <c:max val="45.0"/>
@@ -1219,7 +1215,6 @@
               </a:p>
             </c:rich>
           </c:tx>
-          <c:layout/>
           <c:overlay val="0"/>
         </c:title>
         <c:numFmt formatCode="General" sourceLinked="1"/>
@@ -1236,7 +1231,7 @@
             <a:endParaRPr lang="en-US"/>
           </a:p>
         </c:txPr>
-        <c:crossAx val="2121189544"/>
+        <c:crossAx val="-2124139448"/>
         <c:crosses val="autoZero"/>
         <c:crossBetween val="midCat"/>
         <c:majorUnit val="2.0"/>
@@ -1553,11 +1548,11 @@
           <c:showPercent val="0"/>
           <c:showBubbleSize val="0"/>
         </c:dLbls>
-        <c:axId val="2122164888"/>
-        <c:axId val="2122172376"/>
+        <c:axId val="-2117577704"/>
+        <c:axId val="-2117356632"/>
       </c:scatterChart>
       <c:valAx>
-        <c:axId val="2122164888"/>
+        <c:axId val="-2117577704"/>
         <c:scaling>
           <c:logBase val="10.0"/>
           <c:orientation val="minMax"/>
@@ -1586,7 +1581,6 @@
               </a:p>
             </c:rich>
           </c:tx>
-          <c:layout/>
           <c:overlay val="0"/>
         </c:title>
         <c:numFmt formatCode="&quot;$&quot;#,##0" sourceLinked="0"/>
@@ -1603,12 +1597,12 @@
             <a:endParaRPr lang="en-US"/>
           </a:p>
         </c:txPr>
-        <c:crossAx val="2122172376"/>
+        <c:crossAx val="-2117356632"/>
         <c:crosses val="autoZero"/>
         <c:crossBetween val="midCat"/>
       </c:valAx>
       <c:valAx>
-        <c:axId val="2122172376"/>
+        <c:axId val="-2117356632"/>
         <c:scaling>
           <c:orientation val="minMax"/>
           <c:max val="45.0"/>
@@ -1634,7 +1628,6 @@
               </a:p>
             </c:rich>
           </c:tx>
-          <c:layout/>
           <c:overlay val="0"/>
         </c:title>
         <c:numFmt formatCode="General" sourceLinked="1"/>
@@ -1651,7 +1644,7 @@
             <a:endParaRPr lang="en-US"/>
           </a:p>
         </c:txPr>
-        <c:crossAx val="2122164888"/>
+        <c:crossAx val="-2117577704"/>
         <c:crosses val="autoZero"/>
         <c:crossBetween val="midCat"/>
         <c:majorUnit val="2.0"/>
@@ -1803,7 +1796,7 @@
               <a:pPr>
                 <a:defRPr/>
               </a:pPr>
-              <a:t>11/17/14</a:t>
+              <a:t>4/4/16</a:t>
             </a:fld>
             <a:endParaRPr lang="en-US"/>
           </a:p>
@@ -2249,7 +2242,37 @@
           </a:bodyPr>
           <a:lstStyle/>
           <a:p>
-            <a:endParaRPr lang="en-US"/>
+            <a:r>
+              <a:rPr lang="en-US" dirty="0" smtClean="0"/>
+              <a:t>Cleaner transition to previous slides</a:t>
+            </a:r>
+          </a:p>
+          <a:p>
+            <a:r>
+              <a:rPr lang="en-US" dirty="0" smtClean="0"/>
+              <a:t>Very few good, long tail of bad workers,</a:t>
+            </a:r>
+            <a:r>
+              <a:rPr lang="en-US" baseline="0" dirty="0" smtClean="0"/>
+              <a:t> but most are average</a:t>
+            </a:r>
+            <a:endParaRPr lang="en-US" dirty="0" smtClean="0"/>
+          </a:p>
+          <a:p>
+            <a:r>
+              <a:rPr lang="en-US" dirty="0" smtClean="0"/>
+              <a:t>23% error might seem high compared to previous work which used simpler data sets with cleaner audio</a:t>
+            </a:r>
+          </a:p>
+          <a:p>
+            <a:endParaRPr lang="en-US" dirty="0" smtClean="0"/>
+          </a:p>
+          <a:p>
+            <a:r>
+              <a:rPr lang="en-US" dirty="0" smtClean="0"/>
+              <a:t>Can we do quality control without having the gold standard LDC transcriptions?</a:t>
+            </a:r>
+            <a:endParaRPr lang="en-US" dirty="0"/>
           </a:p>
         </p:txBody>
       </p:sp>
@@ -2336,37 +2359,7 @@
           </a:bodyPr>
           <a:lstStyle/>
           <a:p>
-            <a:r>
-              <a:rPr lang="en-US" dirty="0" smtClean="0"/>
-              <a:t>Cleaner transition to previous slides</a:t>
-            </a:r>
-          </a:p>
-          <a:p>
-            <a:r>
-              <a:rPr lang="en-US" dirty="0" smtClean="0"/>
-              <a:t>Very few good, long tail of bad workers,</a:t>
-            </a:r>
-            <a:r>
-              <a:rPr lang="en-US" baseline="0" dirty="0" smtClean="0"/>
-              <a:t> but most are average</a:t>
-            </a:r>
-            <a:endParaRPr lang="en-US" dirty="0" smtClean="0"/>
-          </a:p>
-          <a:p>
-            <a:r>
-              <a:rPr lang="en-US" dirty="0" smtClean="0"/>
-              <a:t>23% error might seem high compared to previous work which used simpler data sets with cleaner audio</a:t>
-            </a:r>
-          </a:p>
-          <a:p>
-            <a:endParaRPr lang="en-US" dirty="0" smtClean="0"/>
-          </a:p>
-          <a:p>
-            <a:r>
-              <a:rPr lang="en-US" dirty="0" smtClean="0"/>
-              <a:t>Can we do quality control without having the gold standard LDC transcriptions?</a:t>
-            </a:r>
-            <a:endParaRPr lang="en-US" dirty="0"/>
+            <a:endParaRPr lang="en-US"/>
           </a:p>
         </p:txBody>
       </p:sp>
@@ -2453,7 +2446,11 @@
           </a:bodyPr>
           <a:lstStyle/>
           <a:p>
-            <a:endParaRPr lang="en-US"/>
+            <a:r>
+              <a:rPr lang="en-US" dirty="0" smtClean="0"/>
+              <a:t>Correlation: 86%</a:t>
+            </a:r>
+            <a:endParaRPr lang="en-US" dirty="0"/>
           </a:p>
         </p:txBody>
       </p:sp>
@@ -2540,11 +2537,7 @@
           </a:bodyPr>
           <a:lstStyle/>
           <a:p>
-            <a:r>
-              <a:rPr lang="en-US" dirty="0" smtClean="0"/>
-              <a:t>Correlation: 86%</a:t>
-            </a:r>
-            <a:endParaRPr lang="en-US" dirty="0"/>
+            <a:endParaRPr lang="en-US"/>
           </a:p>
         </p:txBody>
       </p:sp>
@@ -3180,7 +3173,7 @@
               <a:pPr>
                 <a:defRPr/>
               </a:pPr>
-              <a:t>2</a:t>
+              <a:t>12</a:t>
             </a:fld>
             <a:endParaRPr lang="en-US"/>
           </a:p>
@@ -3327,7 +3320,7 @@
           </a:bodyPr>
           <a:lstStyle/>
           <a:p>
-            <a:endParaRPr lang="en-US"/>
+            <a:endParaRPr lang="en-US" dirty="0"/>
           </a:p>
         </p:txBody>
       </p:sp>
@@ -3414,7 +3407,7 @@
           </a:bodyPr>
           <a:lstStyle/>
           <a:p>
-            <a:endParaRPr lang="en-US" dirty="0"/>
+            <a:endParaRPr lang="en-US"/>
           </a:p>
         </p:txBody>
       </p:sp>
@@ -3588,7 +3581,15 @@
           </a:bodyPr>
           <a:lstStyle/>
           <a:p>
-            <a:endParaRPr lang="en-US"/>
+            <a:r>
+              <a:rPr lang="en-US" dirty="0" smtClean="0"/>
+              <a:t>Should</a:t>
+            </a:r>
+            <a:r>
+              <a:rPr lang="en-US" baseline="0" dirty="0" smtClean="0"/>
+              <a:t> we transcribe every hour three times or transcribe three times as much data</a:t>
+            </a:r>
+            <a:endParaRPr lang="en-US" dirty="0"/>
           </a:p>
         </p:txBody>
       </p:sp>
@@ -3677,13 +3678,23 @@
           <a:p>
             <a:r>
               <a:rPr lang="en-US" dirty="0" smtClean="0"/>
-              <a:t>Should</a:t>
+              <a:t>This changed our thinking when using mechanical </a:t>
+            </a:r>
+            <a:r>
+              <a:rPr lang="en-US" dirty="0" err="1" smtClean="0"/>
+              <a:t>turk</a:t>
+            </a:r>
+            <a:endParaRPr lang="en-US" dirty="0" smtClean="0"/>
+          </a:p>
+          <a:p>
+            <a:r>
+              <a:rPr lang="en-US" dirty="0" smtClean="0"/>
+              <a:t>We’re no longer as worried</a:t>
             </a:r>
             <a:r>
               <a:rPr lang="en-US" baseline="0" dirty="0" smtClean="0"/>
-              <a:t> we transcribe every hour three times or transcribe three times as much data</a:t>
-            </a:r>
-            <a:endParaRPr lang="en-US" dirty="0"/>
+              <a:t> about QC as we initially thought</a:t>
+            </a:r>
           </a:p>
         </p:txBody>
       </p:sp>
@@ -3877,23 +3888,13 @@
           <a:p>
             <a:r>
               <a:rPr lang="en-US" dirty="0" smtClean="0"/>
-              <a:t>This changed our thinking when using mechanical </a:t>
-            </a:r>
-            <a:r>
-              <a:rPr lang="en-US" dirty="0" err="1" smtClean="0"/>
-              <a:t>turk</a:t>
-            </a:r>
-            <a:endParaRPr lang="en-US" dirty="0" smtClean="0"/>
-          </a:p>
-          <a:p>
-            <a:r>
-              <a:rPr lang="en-US" dirty="0" smtClean="0"/>
-              <a:t>We’re no longer as worried</a:t>
+              <a:t>Draw red and blue lines, fix legend</a:t>
             </a:r>
             <a:r>
               <a:rPr lang="en-US" baseline="0" dirty="0" smtClean="0"/>
-              <a:t> about QC as we initially thought</a:t>
-            </a:r>
+              <a:t> (casting words wrong color)</a:t>
+            </a:r>
+            <a:endParaRPr lang="en-US" dirty="0"/>
           </a:p>
         </p:txBody>
       </p:sp>
@@ -3982,11 +3983,11 @@
           <a:p>
             <a:r>
               <a:rPr lang="en-US" dirty="0" smtClean="0"/>
-              <a:t>Draw red and blue lines, fix legend</a:t>
+              <a:t>Bring up VOA, could</a:t>
             </a:r>
             <a:r>
               <a:rPr lang="en-US" baseline="0" dirty="0" smtClean="0"/>
-              <a:t> (casting words wrong color)</a:t>
+              <a:t> we do 1000 hours in 30 languages for 5*100*30 for $150k</a:t>
             </a:r>
             <a:endParaRPr lang="en-US" dirty="0"/>
           </a:p>
@@ -4077,11 +4078,57 @@
           <a:p>
             <a:r>
               <a:rPr lang="en-US" dirty="0" smtClean="0"/>
-              <a:t>Bring up VOA, could</a:t>
+              <a:t>Even with a high disagreement,</a:t>
             </a:r>
             <a:r>
               <a:rPr lang="en-US" baseline="0" dirty="0" smtClean="0"/>
-              <a:t> we do 1000 hours in 30 languages for 5*100*30 for $150k</a:t>
+              <a:t> system performance isn’t as impacted</a:t>
+            </a:r>
+          </a:p>
+          <a:p>
+            <a:r>
+              <a:rPr lang="en-US" baseline="0" dirty="0" smtClean="0"/>
+              <a:t>Tried $5/hour got nothing, bumped it to $20 hour</a:t>
+            </a:r>
+          </a:p>
+          <a:p>
+            <a:endParaRPr lang="en-US" baseline="0" dirty="0" smtClean="0"/>
+          </a:p>
+          <a:p>
+            <a:pPr marL="0" marR="0" lvl="1" indent="0" algn="l" defTabSz="914400" rtl="0" eaLnBrk="1" fontAlgn="base" latinLnBrk="0" hangingPunct="1">
+              <a:lnSpc>
+                <a:spcPct val="100000"/>
+              </a:lnSpc>
+              <a:spcBef>
+                <a:spcPct val="30000"/>
+              </a:spcBef>
+              <a:spcAft>
+                <a:spcPct val="0"/>
+              </a:spcAft>
+              <a:buClrTx/>
+              <a:buSzTx/>
+              <a:buFontTx/>
+              <a:buNone/>
+              <a:tabLst/>
+              <a:defRPr/>
+            </a:pPr>
+            <a:r>
+              <a:rPr lang="en-US" dirty="0" smtClean="0"/>
+              <a:t>If this seems high, 27 hours of LDC has 41.2% CER – say it if it comes up</a:t>
+            </a:r>
+          </a:p>
+          <a:p>
+            <a:r>
+              <a:rPr lang="en-US" dirty="0" smtClean="0"/>
+              <a:t>But it’s not a </a:t>
+            </a:r>
+            <a:r>
+              <a:rPr lang="en-US" dirty="0" err="1" smtClean="0"/>
+              <a:t>magicaly</a:t>
+            </a:r>
+            <a:r>
+              <a:rPr lang="en-US" dirty="0" smtClean="0"/>
+              <a:t> mystery box</a:t>
             </a:r>
             <a:endParaRPr lang="en-US" dirty="0"/>
           </a:p>
@@ -4170,7 +4217,7 @@
           </a:bodyPr>
           <a:lstStyle/>
           <a:p>
-            <a:endParaRPr lang="en-US" dirty="0"/>
+            <a:endParaRPr lang="en-US"/>
           </a:p>
         </p:txBody>
       </p:sp>
@@ -4197,7 +4244,7 @@
               <a:pPr>
                 <a:defRPr/>
               </a:pPr>
-              <a:t>13</a:t>
+              <a:t>20</a:t>
             </a:fld>
             <a:endParaRPr lang="en-US"/>
           </a:p>
@@ -4259,57 +4306,15 @@
           <a:p>
             <a:r>
               <a:rPr lang="en-US" dirty="0" smtClean="0"/>
-              <a:t>Even with a high disagreement,</a:t>
-            </a:r>
-            <a:r>
-              <a:rPr lang="en-US" baseline="0" dirty="0" smtClean="0"/>
-              <a:t> system performance isn’t as impacted</a:t>
-            </a:r>
-          </a:p>
-          <a:p>
-            <a:r>
-              <a:rPr lang="en-US" baseline="0" dirty="0" smtClean="0"/>
-              <a:t>Tried $5/hour got nothing, bumped it to $20 hour</a:t>
-            </a:r>
-          </a:p>
-          <a:p>
-            <a:endParaRPr lang="en-US" baseline="0" dirty="0" smtClean="0"/>
-          </a:p>
-          <a:p>
-            <a:pPr marL="0" marR="0" lvl="1" indent="0" algn="l" defTabSz="914400" rtl="0" eaLnBrk="1" fontAlgn="base" latinLnBrk="0" hangingPunct="1">
-              <a:lnSpc>
-                <a:spcPct val="100000"/>
-              </a:lnSpc>
-              <a:spcBef>
-                <a:spcPct val="30000"/>
-              </a:spcBef>
-              <a:spcAft>
-                <a:spcPct val="0"/>
-              </a:spcAft>
-              <a:buClrTx/>
-              <a:buSzTx/>
-              <a:buFontTx/>
-              <a:buNone/>
-              <a:tabLst/>
-              <a:defRPr/>
-            </a:pPr>
+              <a:t>Say thanks to </a:t>
+            </a:r>
+            <a:r>
+              <a:rPr lang="en-US" dirty="0" err="1" smtClean="0"/>
+              <a:t>Nagendra</a:t>
+            </a:r>
             <a:r>
               <a:rPr lang="en-US" dirty="0" smtClean="0"/>
-              <a:t>If this seems high, 27 hours of LDC has 41.2% CER – say it if it comes up</a:t>
-            </a:r>
-          </a:p>
-          <a:p>
-            <a:r>
-              <a:rPr lang="en-US" dirty="0" smtClean="0"/>
-              <a:t>But it’s not a </a:t>
-            </a:r>
-            <a:r>
-              <a:rPr lang="en-US" dirty="0" err="1" smtClean="0"/>
-              <a:t>magicaly</a:t>
-            </a:r>
-            <a:r>
-              <a:rPr lang="en-US" dirty="0" smtClean="0"/>
-              <a:t> mystery box</a:t>
+              <a:t> </a:t>
             </a:r>
             <a:endParaRPr lang="en-US" dirty="0"/>
           </a:p>
@@ -4400,15 +4405,7 @@
           <a:p>
             <a:r>
               <a:rPr lang="en-US" dirty="0" smtClean="0"/>
-              <a:t>Say thanks to </a:t>
-            </a:r>
-            <a:r>
-              <a:rPr lang="en-US" dirty="0" err="1" smtClean="0"/>
-              <a:t>Nagendra</a:t>
-            </a:r>
-            <a:r>
-              <a:rPr lang="en-US" dirty="0" smtClean="0"/>
-              <a:t> </a:t>
+              <a:t>QC isn’t worth the effort</a:t>
             </a:r>
             <a:endParaRPr lang="en-US" dirty="0"/>
           </a:p>
@@ -4497,11 +4494,7 @@
           </a:bodyPr>
           <a:lstStyle/>
           <a:p>
-            <a:r>
-              <a:rPr lang="en-US" dirty="0" smtClean="0"/>
-              <a:t>QC isn’t worth the effort</a:t>
-            </a:r>
-            <a:endParaRPr lang="en-US" dirty="0"/>
+            <a:endParaRPr lang="en-US"/>
           </a:p>
         </p:txBody>
       </p:sp>
@@ -4615,7 +4608,7 @@
               <a:pPr>
                 <a:defRPr/>
               </a:pPr>
-              <a:t>50</a:t>
+              <a:t>53</a:t>
             </a:fld>
             <a:endParaRPr lang="en-US"/>
           </a:p>
@@ -4716,93 +4709,6 @@
 </p:notes>
 </file>
 
-<file path=ppt/notesSlides/notesSlide35.xml><?xml version="1.0" encoding="utf-8"?>
-<p:notes xmlns:a="http://schemas.openxmlformats.org/drawingml/2006/main" xmlns:r="http://schemas.openxmlformats.org/officeDocument/2006/relationships" xmlns:p="http://schemas.openxmlformats.org/presentationml/2006/main">
-  <p:cSld>
-    <p:spTree>
-      <p:nvGrpSpPr>
-        <p:cNvPr id="1" name=""/>
-        <p:cNvGrpSpPr/>
-        <p:nvPr/>
-      </p:nvGrpSpPr>
-      <p:grpSpPr>
-        <a:xfrm>
-          <a:off x="0" y="0"/>
-          <a:ext cx="0" cy="0"/>
-          <a:chOff x="0" y="0"/>
-          <a:chExt cx="0" cy="0"/>
-        </a:xfrm>
-      </p:grpSpPr>
-      <p:sp>
-        <p:nvSpPr>
-          <p:cNvPr id="2" name="Slide Image Placeholder 1"/>
-          <p:cNvSpPr>
-            <a:spLocks noGrp="1" noRot="1" noChangeAspect="1"/>
-          </p:cNvSpPr>
-          <p:nvPr>
-            <p:ph type="sldImg"/>
-          </p:nvPr>
-        </p:nvSpPr>
-        <p:spPr/>
-      </p:sp>
-      <p:sp>
-        <p:nvSpPr>
-          <p:cNvPr id="3" name="Notes Placeholder 2"/>
-          <p:cNvSpPr>
-            <a:spLocks noGrp="1"/>
-          </p:cNvSpPr>
-          <p:nvPr>
-            <p:ph type="body" idx="1"/>
-          </p:nvPr>
-        </p:nvSpPr>
-        <p:spPr/>
-        <p:txBody>
-          <a:bodyPr>
-            <a:normAutofit/>
-          </a:bodyPr>
-          <a:lstStyle/>
-          <a:p>
-            <a:endParaRPr lang="en-US"/>
-          </a:p>
-        </p:txBody>
-      </p:sp>
-      <p:sp>
-        <p:nvSpPr>
-          <p:cNvPr id="4" name="Slide Number Placeholder 3"/>
-          <p:cNvSpPr>
-            <a:spLocks noGrp="1"/>
-          </p:cNvSpPr>
-          <p:nvPr>
-            <p:ph type="sldNum" sz="quarter" idx="10"/>
-          </p:nvPr>
-        </p:nvSpPr>
-        <p:spPr/>
-        <p:txBody>
-          <a:bodyPr/>
-          <a:lstStyle/>
-          <a:p>
-            <a:pPr>
-              <a:defRPr/>
-            </a:pPr>
-            <a:fld id="{A43E3DEB-745C-4D24-A14F-404050365396}" type="slidenum">
-              <a:rPr lang="en-US" smtClean="0"/>
-              <a:pPr>
-                <a:defRPr/>
-              </a:pPr>
-              <a:t>55</a:t>
-            </a:fld>
-            <a:endParaRPr lang="en-US"/>
-          </a:p>
-        </p:txBody>
-      </p:sp>
-    </p:spTree>
-  </p:cSld>
-  <p:clrMapOvr>
-    <a:masterClrMapping/>
-  </p:clrMapOvr>
-</p:notes>
-</file>
-
 <file path=ppt/notesSlides/notesSlide4.xml><?xml version="1.0" encoding="utf-8"?>
 <p:notes xmlns:a="http://schemas.openxmlformats.org/drawingml/2006/main" xmlns:r="http://schemas.openxmlformats.org/officeDocument/2006/relationships" xmlns:p="http://schemas.openxmlformats.org/presentationml/2006/main">
   <p:cSld>
@@ -5197,7 +5103,11 @@
           </a:bodyPr>
           <a:lstStyle/>
           <a:p>
-            <a:endParaRPr lang="en-US"/>
+            <a:r>
+              <a:rPr lang="en-US" dirty="0" smtClean="0"/>
+              <a:t>The quality degrades</a:t>
+            </a:r>
+            <a:endParaRPr lang="en-US" dirty="0"/>
           </a:p>
         </p:txBody>
       </p:sp>
@@ -5284,11 +5194,7 @@
           </a:bodyPr>
           <a:lstStyle/>
           <a:p>
-            <a:r>
-              <a:rPr lang="en-US" dirty="0" smtClean="0"/>
-              <a:t>The quality degrades</a:t>
-            </a:r>
-            <a:endParaRPr lang="en-US" dirty="0"/>
+            <a:endParaRPr lang="en-US"/>
           </a:p>
         </p:txBody>
       </p:sp>
@@ -5520,7 +5426,7 @@
               <a:pPr>
                 <a:defRPr/>
               </a:pPr>
-              <a:t>11/17/14</a:t>
+              <a:t>4/4/16</a:t>
             </a:fld>
             <a:endParaRPr lang="en-US" dirty="0"/>
           </a:p>
@@ -5712,7 +5618,7 @@
               <a:pPr>
                 <a:defRPr/>
               </a:pPr>
-              <a:t>11/17/14</a:t>
+              <a:t>4/4/16</a:t>
             </a:fld>
             <a:endParaRPr lang="en-US"/>
           </a:p>
@@ -5914,7 +5820,7 @@
               <a:pPr>
                 <a:defRPr/>
               </a:pPr>
-              <a:t>11/17/14</a:t>
+              <a:t>4/4/16</a:t>
             </a:fld>
             <a:endParaRPr lang="en-US"/>
           </a:p>
@@ -6157,7 +6063,7 @@
               <a:pPr>
                 <a:defRPr/>
               </a:pPr>
-              <a:t>11/17/14</a:t>
+              <a:t>4/4/16</a:t>
             </a:fld>
             <a:endParaRPr lang="en-US"/>
           </a:p>
@@ -6462,7 +6368,7 @@
               <a:pPr>
                 <a:defRPr/>
               </a:pPr>
-              <a:t>11/17/14</a:t>
+              <a:t>4/4/16</a:t>
             </a:fld>
             <a:endParaRPr lang="en-US"/>
           </a:p>
@@ -6772,7 +6678,7 @@
               <a:pPr>
                 <a:defRPr/>
               </a:pPr>
-              <a:t>11/17/14</a:t>
+              <a:t>4/4/16</a:t>
             </a:fld>
             <a:endParaRPr lang="en-US"/>
           </a:p>
@@ -7216,7 +7122,7 @@
               <a:pPr>
                 <a:defRPr/>
               </a:pPr>
-              <a:t>11/17/14</a:t>
+              <a:t>4/4/16</a:t>
             </a:fld>
             <a:endParaRPr lang="en-US"/>
           </a:p>
@@ -7356,7 +7262,7 @@
               <a:pPr>
                 <a:defRPr/>
               </a:pPr>
-              <a:t>11/17/14</a:t>
+              <a:t>4/4/16</a:t>
             </a:fld>
             <a:endParaRPr lang="en-US"/>
           </a:p>
@@ -7473,7 +7379,7 @@
               <a:pPr>
                 <a:defRPr/>
               </a:pPr>
-              <a:t>11/17/14</a:t>
+              <a:t>4/4/16</a:t>
             </a:fld>
             <a:endParaRPr lang="en-US"/>
           </a:p>
@@ -7772,7 +7678,7 @@
               <a:pPr>
                 <a:defRPr/>
               </a:pPr>
-              <a:t>11/17/14</a:t>
+              <a:t>4/4/16</a:t>
             </a:fld>
             <a:endParaRPr lang="en-US"/>
           </a:p>
@@ -8050,7 +7956,7 @@
               <a:pPr>
                 <a:defRPr/>
               </a:pPr>
-              <a:t>11/17/14</a:t>
+              <a:t>4/4/16</a:t>
             </a:fld>
             <a:endParaRPr lang="en-US"/>
           </a:p>
@@ -8305,7 +8211,7 @@
               <a:pPr>
                 <a:defRPr/>
               </a:pPr>
-              <a:t>11/17/14</a:t>
+              <a:t>4/4/16</a:t>
             </a:fld>
             <a:endParaRPr lang="en-US" dirty="0"/>
           </a:p>
@@ -8852,55 +8758,41 @@
           <a:lstStyle/>
           <a:p>
             <a:r>
-              <a:rPr lang="en-US" dirty="0" smtClean="0"/>
-              <a:t/>
+              <a:rPr lang="en-US" b="1" i="1" dirty="0" smtClean="0">
+                <a:solidFill>
+                  <a:schemeClr val="bg1">
+                    <a:lumMod val="50000"/>
+                  </a:schemeClr>
+                </a:solidFill>
+              </a:rPr>
+              <a:t>Speech Transcription with</a:t>
             </a:r>
             <a:br>
-              <a:rPr lang="en-US" dirty="0" smtClean="0"/>
+              <a:rPr lang="en-US" b="1" i="1" dirty="0" smtClean="0">
+                <a:solidFill>
+                  <a:schemeClr val="bg1">
+                    <a:lumMod val="50000"/>
+                  </a:schemeClr>
+                </a:solidFill>
+              </a:rPr>
             </a:br>
             <a:r>
-              <a:rPr lang="en-US" dirty="0" smtClean="0"/>
-              <a:t>Company Profiles:</a:t>
-            </a:r>
-            <a:r>
-              <a:rPr lang="en-US" dirty="0"/>
-              <a:t/>
-            </a:r>
-            <a:br>
-              <a:rPr lang="en-US" dirty="0"/>
-            </a:br>
-            <a:r>
-              <a:rPr lang="en-US" dirty="0" err="1" smtClean="0"/>
-              <a:t>Varun</a:t>
-            </a:r>
-            <a:r>
-              <a:rPr lang="en-US" dirty="0" smtClean="0"/>
-              <a:t> – </a:t>
-            </a:r>
-            <a:r>
-              <a:rPr lang="en-US" dirty="0" err="1" smtClean="0"/>
-              <a:t>FourSquare</a:t>
-            </a:r>
-            <a:r>
-              <a:rPr lang="en-US" dirty="0" smtClean="0"/>
-              <a:t/>
-            </a:r>
-            <a:br>
-              <a:rPr lang="en-US" dirty="0" smtClean="0"/>
-            </a:br>
-            <a:r>
-              <a:rPr lang="en-US" dirty="0" err="1" smtClean="0"/>
-              <a:t>Shreshth</a:t>
-            </a:r>
-            <a:r>
-              <a:rPr lang="en-US" dirty="0"/>
-              <a:t> </a:t>
-            </a:r>
-            <a:r>
-              <a:rPr lang="en-US" dirty="0" smtClean="0"/>
-              <a:t>– Silk Road</a:t>
-            </a:r>
-            <a:endParaRPr lang="en-US" dirty="0"/>
+              <a:rPr lang="en-US" b="1" i="1" dirty="0" err="1" smtClean="0">
+                <a:solidFill>
+                  <a:schemeClr val="bg1">
+                    <a:lumMod val="50000"/>
+                  </a:schemeClr>
+                </a:solidFill>
+              </a:rPr>
+              <a:t>Crowdsourcing</a:t>
+            </a:r>
+            <a:endParaRPr lang="en-US" b="1" i="1" dirty="0">
+              <a:solidFill>
+                <a:schemeClr val="bg1">
+                  <a:lumMod val="50000"/>
+                </a:schemeClr>
+              </a:solidFill>
+            </a:endParaRPr>
           </a:p>
         </p:txBody>
       </p:sp>
@@ -9105,389 +8997,101 @@
             </a:lvl9pPr>
           </a:lstStyle>
           <a:p>
+            <a:r>
+              <a:rPr lang="en-US" b="1" dirty="0" smtClean="0">
+                <a:solidFill>
+                  <a:schemeClr val="tx1"/>
+                </a:solidFill>
+              </a:rPr>
+              <a:t>Crowdsourcing and Human Computation</a:t>
+            </a:r>
+          </a:p>
+          <a:p>
+            <a:r>
+              <a:rPr lang="en-US" b="1" dirty="0" smtClean="0">
+                <a:solidFill>
+                  <a:schemeClr val="tx1"/>
+                </a:solidFill>
+              </a:rPr>
+              <a:t>Instructor</a:t>
+            </a:r>
+            <a:r>
+              <a:rPr lang="en-US" b="1" dirty="0" smtClean="0">
+                <a:solidFill>
+                  <a:schemeClr val="tx1"/>
+                </a:solidFill>
+              </a:rPr>
+              <a:t>: Chris Callison-</a:t>
+            </a:r>
+            <a:r>
+              <a:rPr lang="en-US" b="1" dirty="0" smtClean="0">
+                <a:solidFill>
+                  <a:schemeClr val="tx1"/>
+                </a:solidFill>
+              </a:rPr>
+              <a:t>Burch</a:t>
+            </a:r>
+          </a:p>
+          <a:p>
             <a:endParaRPr lang="en-US" b="1" dirty="0">
               <a:solidFill>
                 <a:schemeClr val="tx1"/>
               </a:solidFill>
             </a:endParaRPr>
           </a:p>
-        </p:txBody>
-      </p:sp>
-    </p:spTree>
-  </p:cSld>
-  <p:clrMapOvr>
-    <a:masterClrMapping/>
-  </p:clrMapOvr>
-  <p:timing>
-    <p:tnLst>
-      <p:par>
-        <p:cTn xmlns:p14="http://schemas.microsoft.com/office/powerpoint/2010/main" id="1" dur="indefinite" restart="never" nodeType="tmRoot"/>
-      </p:par>
-    </p:tnLst>
-  </p:timing>
-</p:sld>
-</file>
-
-<file path=ppt/slides/slide10.xml><?xml version="1.0" encoding="utf-8"?>
-<p:sld xmlns:a="http://schemas.openxmlformats.org/drawingml/2006/main" xmlns:r="http://schemas.openxmlformats.org/officeDocument/2006/relationships" xmlns:p="http://schemas.openxmlformats.org/presentationml/2006/main">
-  <p:cSld>
-    <p:spTree>
-      <p:nvGrpSpPr>
-        <p:cNvPr id="1" name=""/>
-        <p:cNvGrpSpPr/>
-        <p:nvPr/>
-      </p:nvGrpSpPr>
-      <p:grpSpPr>
-        <a:xfrm>
-          <a:off x="0" y="0"/>
-          <a:ext cx="0" cy="0"/>
-          <a:chOff x="0" y="0"/>
-          <a:chExt cx="0" cy="0"/>
-        </a:xfrm>
-      </p:grpSpPr>
-      <p:sp>
-        <p:nvSpPr>
-          <p:cNvPr id="2" name="Title 1"/>
-          <p:cNvSpPr>
-            <a:spLocks noGrp="1"/>
-          </p:cNvSpPr>
-          <p:nvPr>
-            <p:ph type="title"/>
-          </p:nvPr>
-        </p:nvSpPr>
-        <p:spPr/>
-        <p:txBody>
-          <a:bodyPr/>
-          <a:lstStyle/>
-          <a:p>
-            <a:r>
-              <a:rPr lang="en-US" dirty="0" smtClean="0"/>
-              <a:t>Digit Recognition</a:t>
-            </a:r>
-            <a:endParaRPr lang="en-US" dirty="0"/>
-          </a:p>
-        </p:txBody>
-      </p:sp>
-      <p:sp>
-        <p:nvSpPr>
-          <p:cNvPr id="3" name="Content Placeholder 2"/>
-          <p:cNvSpPr>
-            <a:spLocks noGrp="1"/>
-          </p:cNvSpPr>
-          <p:nvPr>
-            <p:ph idx="1"/>
-          </p:nvPr>
-        </p:nvSpPr>
-        <p:spPr/>
-        <p:txBody>
-          <a:bodyPr/>
-          <a:lstStyle/>
-          <a:p>
-            <a:pPr marL="0" indent="0">
-              <a:buNone/>
-            </a:pPr>
-            <a:endParaRPr lang="en-US" dirty="0"/>
-          </a:p>
-          <a:p>
-            <a:endParaRPr lang="en-US" dirty="0" smtClean="0"/>
-          </a:p>
-        </p:txBody>
-      </p:sp>
-      <p:grpSp>
-        <p:nvGrpSpPr>
-          <p:cNvPr id="21" name="Group 20"/>
-          <p:cNvGrpSpPr/>
-          <p:nvPr/>
-        </p:nvGrpSpPr>
-        <p:grpSpPr>
-          <a:xfrm>
-            <a:off x="457200" y="990600"/>
-            <a:ext cx="8382000" cy="1323439"/>
-            <a:chOff x="457200" y="2492514"/>
-            <a:chExt cx="8382000" cy="1323439"/>
-          </a:xfrm>
-        </p:grpSpPr>
-        <p:grpSp>
-          <p:nvGrpSpPr>
-            <p:cNvPr id="15" name="Group 14"/>
-            <p:cNvGrpSpPr/>
-            <p:nvPr/>
-          </p:nvGrpSpPr>
-          <p:grpSpPr>
-            <a:xfrm>
-              <a:off x="457200" y="2492514"/>
-              <a:ext cx="8382000" cy="1323439"/>
-              <a:chOff x="457200" y="1752600"/>
-              <a:chExt cx="8382000" cy="1323439"/>
-            </a:xfrm>
-          </p:grpSpPr>
-          <p:sp>
-            <p:nvSpPr>
-              <p:cNvPr id="13" name="TextBox 12"/>
-              <p:cNvSpPr txBox="1"/>
-              <p:nvPr/>
-            </p:nvSpPr>
-            <p:spPr>
-              <a:xfrm>
-                <a:off x="457200" y="1752600"/>
-                <a:ext cx="8382000" cy="1323439"/>
-              </a:xfrm>
-              <a:prstGeom prst="rect">
-                <a:avLst/>
-              </a:prstGeom>
-              <a:noFill/>
-            </p:spPr>
-            <p:txBody>
-              <a:bodyPr wrap="square" rtlCol="0">
-                <a:spAutoFit/>
-              </a:bodyPr>
-              <a:lstStyle/>
-              <a:p>
-                <a:r>
-                  <a:rPr lang="en-US" sz="4000" dirty="0" smtClean="0"/>
-                  <a:t>P(one|       ) = P(       |one) P(one)</a:t>
-                </a:r>
-              </a:p>
-              <a:p>
-                <a:r>
-                  <a:rPr lang="en-US" sz="4000" dirty="0"/>
-                  <a:t> </a:t>
-                </a:r>
-                <a:r>
-                  <a:rPr lang="en-US" sz="4000" dirty="0" smtClean="0"/>
-                  <a:t>                               </a:t>
-                </a:r>
-                <a:endParaRPr lang="en-US" sz="4000" dirty="0"/>
-              </a:p>
-            </p:txBody>
-          </p:sp>
-          <p:pic>
-            <p:nvPicPr>
-              <p:cNvPr id="14" name="Picture 5" descr="C:\Users\Scott\Documents\presentations\CLSP KWS talk 2012\waveform.png"/>
-              <p:cNvPicPr>
-                <a:picLocks noChangeAspect="1" noChangeArrowheads="1"/>
-              </p:cNvPicPr>
-              <p:nvPr/>
-            </p:nvPicPr>
-            <p:blipFill>
-              <a:blip r:embed="rId2" cstate="print"/>
-              <a:srcRect/>
-              <a:stretch>
-                <a:fillRect/>
-              </a:stretch>
-            </p:blipFill>
-            <p:spPr bwMode="auto">
-              <a:xfrm>
-                <a:off x="2057400" y="1846896"/>
-                <a:ext cx="914400" cy="579171"/>
-              </a:xfrm>
-              <a:prstGeom prst="rect">
-                <a:avLst/>
-              </a:prstGeom>
-              <a:noFill/>
-            </p:spPr>
-          </p:pic>
-        </p:grpSp>
-        <p:pic>
-          <p:nvPicPr>
-            <p:cNvPr id="16" name="Picture 5" descr="C:\Users\Scott\Documents\presentations\CLSP KWS talk 2012\waveform.png"/>
-            <p:cNvPicPr>
-              <a:picLocks noChangeAspect="1" noChangeArrowheads="1"/>
-            </p:cNvPicPr>
-            <p:nvPr/>
-          </p:nvPicPr>
-          <p:blipFill>
-            <a:blip r:embed="rId2" cstate="print"/>
-            <a:srcRect/>
-            <a:stretch>
-              <a:fillRect/>
-            </a:stretch>
-          </p:blipFill>
-          <p:spPr bwMode="auto">
-            <a:xfrm>
-              <a:off x="4343400" y="2590800"/>
-              <a:ext cx="914400" cy="579171"/>
-            </a:xfrm>
-            <a:prstGeom prst="rect">
-              <a:avLst/>
-            </a:prstGeom>
-            <a:noFill/>
-          </p:spPr>
-        </p:pic>
-      </p:grpSp>
-      <p:sp>
-        <p:nvSpPr>
-          <p:cNvPr id="18" name="Rectangle 17"/>
-          <p:cNvSpPr/>
-          <p:nvPr/>
-        </p:nvSpPr>
-        <p:spPr>
-          <a:xfrm>
-            <a:off x="3733800" y="1088885"/>
-            <a:ext cx="2743200" cy="563433"/>
-          </a:xfrm>
-          <a:prstGeom prst="rect">
-            <a:avLst/>
-          </a:prstGeom>
-          <a:solidFill>
-            <a:srgbClr val="FFC000">
-              <a:alpha val="51000"/>
-            </a:srgbClr>
-          </a:solidFill>
-          <a:ln>
-            <a:solidFill>
-              <a:schemeClr val="tx1"/>
-            </a:solidFill>
-          </a:ln>
-        </p:spPr>
-        <p:style>
-          <a:lnRef idx="2">
-            <a:schemeClr val="accent1">
-              <a:shade val="50000"/>
-            </a:schemeClr>
-          </a:lnRef>
-          <a:fillRef idx="1">
-            <a:schemeClr val="accent1"/>
-          </a:fillRef>
-          <a:effectRef idx="0">
-            <a:schemeClr val="accent1"/>
-          </a:effectRef>
-          <a:fontRef idx="minor">
-            <a:schemeClr val="lt1"/>
-          </a:fontRef>
-        </p:style>
-        <p:txBody>
-          <a:bodyPr rtlCol="0" anchor="ctr"/>
-          <a:lstStyle/>
-          <a:p>
-            <a:pPr algn="ctr"/>
-            <a:endParaRPr lang="en-US"/>
-          </a:p>
-        </p:txBody>
-      </p:sp>
-      <p:sp>
-        <p:nvSpPr>
-          <p:cNvPr id="20" name="Rectangle 19"/>
-          <p:cNvSpPr/>
-          <p:nvPr/>
-        </p:nvSpPr>
-        <p:spPr>
-          <a:xfrm>
-            <a:off x="6553200" y="1084896"/>
-            <a:ext cx="1676400" cy="567422"/>
-          </a:xfrm>
-          <a:prstGeom prst="rect">
-            <a:avLst/>
-          </a:prstGeom>
-          <a:solidFill>
-            <a:srgbClr val="92D050">
-              <a:alpha val="51000"/>
-            </a:srgbClr>
-          </a:solidFill>
-          <a:ln>
-            <a:solidFill>
-              <a:schemeClr val="tx1"/>
-            </a:solidFill>
-          </a:ln>
-        </p:spPr>
-        <p:style>
-          <a:lnRef idx="2">
-            <a:schemeClr val="accent1">
-              <a:shade val="50000"/>
-            </a:schemeClr>
-          </a:lnRef>
-          <a:fillRef idx="1">
-            <a:schemeClr val="accent1"/>
-          </a:fillRef>
-          <a:effectRef idx="0">
-            <a:schemeClr val="accent1"/>
-          </a:effectRef>
-          <a:fontRef idx="minor">
-            <a:schemeClr val="lt1"/>
-          </a:fontRef>
-        </p:style>
-        <p:txBody>
-          <a:bodyPr rtlCol="0" anchor="ctr"/>
-          <a:lstStyle/>
-          <a:p>
-            <a:pPr algn="ctr"/>
-            <a:endParaRPr lang="en-US"/>
-          </a:p>
-        </p:txBody>
-      </p:sp>
-      <p:sp>
-        <p:nvSpPr>
-          <p:cNvPr id="24" name="TextBox 23"/>
-          <p:cNvSpPr txBox="1"/>
-          <p:nvPr/>
-        </p:nvSpPr>
-        <p:spPr>
-          <a:xfrm>
-            <a:off x="3685847" y="1824335"/>
-            <a:ext cx="2839106" cy="461665"/>
-          </a:xfrm>
-          <a:prstGeom prst="rect">
-            <a:avLst/>
-          </a:prstGeom>
-          <a:noFill/>
-        </p:spPr>
-        <p:txBody>
-          <a:bodyPr wrap="square" rtlCol="0">
-            <a:spAutoFit/>
-          </a:bodyPr>
-          <a:lstStyle/>
-          <a:p>
-            <a:pPr algn="ctr"/>
-            <a:r>
-              <a:rPr lang="en-US" sz="2400" b="1" dirty="0" smtClean="0"/>
-              <a:t>Acoustic Model</a:t>
-            </a:r>
-            <a:endParaRPr lang="en-US" sz="2400" b="1" dirty="0"/>
-          </a:p>
-        </p:txBody>
-      </p:sp>
-      <p:sp>
-        <p:nvSpPr>
-          <p:cNvPr id="26" name="TextBox 25"/>
-          <p:cNvSpPr txBox="1"/>
-          <p:nvPr/>
-        </p:nvSpPr>
-        <p:spPr>
-          <a:xfrm>
-            <a:off x="6572906" y="1828800"/>
-            <a:ext cx="1636988" cy="830997"/>
-          </a:xfrm>
-          <a:prstGeom prst="rect">
-            <a:avLst/>
-          </a:prstGeom>
-          <a:noFill/>
-        </p:spPr>
-        <p:txBody>
-          <a:bodyPr wrap="none" rtlCol="0">
-            <a:spAutoFit/>
-          </a:bodyPr>
-          <a:lstStyle/>
-          <a:p>
-            <a:pPr algn="ctr"/>
-            <a:r>
-              <a:rPr lang="en-US" sz="2400" b="1" dirty="0" smtClean="0"/>
-              <a:t>Language</a:t>
-            </a:r>
-          </a:p>
-          <a:p>
-            <a:pPr algn="ctr"/>
-            <a:r>
-              <a:rPr lang="en-US" sz="2400" b="1" dirty="0" smtClean="0"/>
-              <a:t>Model</a:t>
-            </a:r>
-            <a:endParaRPr lang="en-US" sz="2400" b="1" dirty="0"/>
+          <a:p>
+            <a:r>
+              <a:rPr lang="en-US" b="1" dirty="0" smtClean="0">
+                <a:solidFill>
+                  <a:schemeClr val="tx1"/>
+                </a:solidFill>
+              </a:rPr>
+              <a:t>Thanks to </a:t>
+            </a:r>
+            <a:r>
+              <a:rPr lang="en-US" b="1" dirty="0">
+                <a:solidFill>
+                  <a:schemeClr val="tx1"/>
+                </a:solidFill>
+              </a:rPr>
+              <a:t>Scott </a:t>
+            </a:r>
+            <a:r>
+              <a:rPr lang="en-US" b="1" dirty="0" err="1" smtClean="0">
+                <a:solidFill>
+                  <a:schemeClr val="tx1"/>
+                </a:solidFill>
+              </a:rPr>
+              <a:t>Novotney</a:t>
+            </a:r>
+            <a:r>
+              <a:rPr lang="en-US" b="1" dirty="0">
+                <a:solidFill>
+                  <a:schemeClr val="tx1"/>
+                </a:solidFill>
+              </a:rPr>
+              <a:t> </a:t>
+            </a:r>
+            <a:r>
+              <a:rPr lang="en-US" b="1" dirty="0" smtClean="0">
+                <a:solidFill>
+                  <a:schemeClr val="tx1"/>
+                </a:solidFill>
+              </a:rPr>
+              <a:t>for today’s slides!</a:t>
+            </a:r>
+            <a:endParaRPr lang="en-US" b="1" dirty="0">
+              <a:solidFill>
+                <a:schemeClr val="tx1"/>
+              </a:solidFill>
+            </a:endParaRPr>
           </a:p>
         </p:txBody>
       </p:sp>
     </p:spTree>
     <p:extLst>
       <p:ext uri="{BB962C8B-B14F-4D97-AF65-F5344CB8AC3E}">
-        <p14:creationId xmlns:p14="http://schemas.microsoft.com/office/powerpoint/2010/main" val="2328317698"/>
+        <p14:creationId xmlns:p14="http://schemas.microsoft.com/office/powerpoint/2010/main" val="3610370829"/>
       </p:ext>
     </p:extLst>
   </p:cSld>
@@ -9504,7 +9108,7 @@
 </p:sld>
 </file>
 
-<file path=ppt/slides/slide11.xml><?xml version="1.0" encoding="utf-8"?>
+<file path=ppt/slides/slide10.xml><?xml version="1.0" encoding="utf-8"?>
 <p:sld xmlns:a="http://schemas.openxmlformats.org/drawingml/2006/main" xmlns:r="http://schemas.openxmlformats.org/officeDocument/2006/relationships" xmlns:p="http://schemas.openxmlformats.org/presentationml/2006/main">
   <p:cSld>
     <p:spTree>
@@ -9955,7 +9559,7 @@
 </p:sld>
 </file>
 
-<file path=ppt/slides/slide12.xml><?xml version="1.0" encoding="utf-8"?>
+<file path=ppt/slides/slide11.xml><?xml version="1.0" encoding="utf-8"?>
 <p:sld xmlns:a="http://schemas.openxmlformats.org/drawingml/2006/main" xmlns:r="http://schemas.openxmlformats.org/officeDocument/2006/relationships" xmlns:p="http://schemas.openxmlformats.org/presentationml/2006/main">
   <p:cSld>
     <p:spTree>
@@ -10630,7 +10234,7 @@
 </p:sld>
 </file>
 
-<file path=ppt/slides/slide13.xml><?xml version="1.0" encoding="utf-8"?>
+<file path=ppt/slides/slide12.xml><?xml version="1.0" encoding="utf-8"?>
 <p:sld xmlns:a="http://schemas.openxmlformats.org/drawingml/2006/main" xmlns:r="http://schemas.openxmlformats.org/officeDocument/2006/relationships" xmlns:p="http://schemas.openxmlformats.org/presentationml/2006/main">
   <p:cSld>
     <p:spTree>
@@ -11351,7 +10955,7 @@
 </p:sld>
 </file>
 
-<file path=ppt/slides/slide14.xml><?xml version="1.0" encoding="utf-8"?>
+<file path=ppt/slides/slide13.xml><?xml version="1.0" encoding="utf-8"?>
 <p:sld xmlns:a="http://schemas.openxmlformats.org/drawingml/2006/main" xmlns:r="http://schemas.openxmlformats.org/officeDocument/2006/relationships" xmlns:p="http://schemas.openxmlformats.org/presentationml/2006/main">
   <p:cSld>
     <p:spTree>
@@ -11944,6 +11548,952 @@
                     <a:bodyPr/>
                     <a:lstStyle/>
                     <a:p>
+                      <a:endParaRPr lang="en-US" sz="2800" b="0" dirty="0">
+                        <a:solidFill>
+                          <a:sysClr val="windowText" lastClr="000000"/>
+                        </a:solidFill>
+                      </a:endParaRPr>
+                    </a:p>
+                  </a:txBody>
+                  <a:tcPr>
+                    <a:lnL w="12700" cmpd="sng">
+                      <a:noFill/>
+                    </a:lnL>
+                    <a:lnR w="12700" cmpd="sng">
+                      <a:noFill/>
+                    </a:lnR>
+                    <a:lnT w="38100" cmpd="sng">
+                      <a:noFill/>
+                    </a:lnT>
+                    <a:lnB w="12700" cmpd="sng">
+                      <a:noFill/>
+                    </a:lnB>
+                    <a:lnTlToBr w="12700" cmpd="sng">
+                      <a:noFill/>
+                      <a:prstDash val="solid"/>
+                    </a:lnTlToBr>
+                    <a:lnBlToTr w="12700" cmpd="sng">
+                      <a:noFill/>
+                      <a:prstDash val="solid"/>
+                    </a:lnBlToTr>
+                    <a:noFill/>
+                  </a:tcPr>
+                </a:tc>
+              </a:tr>
+              <a:tr h="384110">
+                <a:tc>
+                  <a:txBody>
+                    <a:bodyPr/>
+                    <a:lstStyle/>
+                    <a:p>
+                      <a:endParaRPr lang="en-US" sz="2800" b="1" dirty="0">
+                        <a:solidFill>
+                          <a:sysClr val="windowText" lastClr="000000"/>
+                        </a:solidFill>
+                      </a:endParaRPr>
+                    </a:p>
+                  </a:txBody>
+                  <a:tcPr>
+                    <a:lnL w="12700" cmpd="sng">
+                      <a:noFill/>
+                    </a:lnL>
+                    <a:lnR w="12700" cmpd="sng">
+                      <a:noFill/>
+                    </a:lnR>
+                    <a:lnT w="12700" cmpd="sng">
+                      <a:noFill/>
+                    </a:lnT>
+                    <a:lnB w="12700" cmpd="sng">
+                      <a:noFill/>
+                    </a:lnB>
+                    <a:lnTlToBr w="12700" cmpd="sng">
+                      <a:noFill/>
+                      <a:prstDash val="solid"/>
+                    </a:lnTlToBr>
+                    <a:lnBlToTr w="12700" cmpd="sng">
+                      <a:noFill/>
+                      <a:prstDash val="solid"/>
+                    </a:lnBlToTr>
+                    <a:noFill/>
+                  </a:tcPr>
+                </a:tc>
+                <a:tc>
+                  <a:txBody>
+                    <a:bodyPr/>
+                    <a:lstStyle/>
+                    <a:p>
+                      <a:endParaRPr lang="en-US" sz="2800" b="0" dirty="0">
+                        <a:solidFill>
+                          <a:sysClr val="windowText" lastClr="000000"/>
+                        </a:solidFill>
+                      </a:endParaRPr>
+                    </a:p>
+                  </a:txBody>
+                  <a:tcPr>
+                    <a:lnL w="12700" cmpd="sng">
+                      <a:noFill/>
+                    </a:lnL>
+                    <a:lnR w="12700" cmpd="sng">
+                      <a:noFill/>
+                    </a:lnR>
+                    <a:lnT w="12700" cmpd="sng">
+                      <a:noFill/>
+                    </a:lnT>
+                    <a:lnB w="12700" cmpd="sng">
+                      <a:noFill/>
+                    </a:lnB>
+                    <a:lnTlToBr w="12700" cmpd="sng">
+                      <a:noFill/>
+                      <a:prstDash val="solid"/>
+                    </a:lnTlToBr>
+                    <a:lnBlToTr w="12700" cmpd="sng">
+                      <a:noFill/>
+                      <a:prstDash val="solid"/>
+                    </a:lnBlToTr>
+                    <a:noFill/>
+                  </a:tcPr>
+                </a:tc>
+                <a:tc>
+                  <a:txBody>
+                    <a:bodyPr/>
+                    <a:lstStyle/>
+                    <a:p>
+                      <a:endParaRPr lang="en-US" sz="2800" b="0" dirty="0">
+                        <a:solidFill>
+                          <a:sysClr val="windowText" lastClr="000000"/>
+                        </a:solidFill>
+                      </a:endParaRPr>
+                    </a:p>
+                  </a:txBody>
+                  <a:tcPr>
+                    <a:lnL w="12700" cmpd="sng">
+                      <a:noFill/>
+                    </a:lnL>
+                    <a:lnR w="12700" cmpd="sng">
+                      <a:noFill/>
+                    </a:lnR>
+                    <a:lnT w="12700" cmpd="sng">
+                      <a:noFill/>
+                    </a:lnT>
+                    <a:lnB w="12700" cmpd="sng">
+                      <a:noFill/>
+                    </a:lnB>
+                    <a:lnTlToBr w="12700" cmpd="sng">
+                      <a:noFill/>
+                      <a:prstDash val="solid"/>
+                    </a:lnTlToBr>
+                    <a:lnBlToTr w="12700" cmpd="sng">
+                      <a:noFill/>
+                      <a:prstDash val="solid"/>
+                    </a:lnBlToTr>
+                    <a:noFill/>
+                  </a:tcPr>
+                </a:tc>
+                <a:tc>
+                  <a:txBody>
+                    <a:bodyPr/>
+                    <a:lstStyle/>
+                    <a:p>
+                      <a:endParaRPr lang="en-US" sz="2800" b="0" dirty="0">
+                        <a:solidFill>
+                          <a:sysClr val="windowText" lastClr="000000"/>
+                        </a:solidFill>
+                      </a:endParaRPr>
+                    </a:p>
+                  </a:txBody>
+                  <a:tcPr>
+                    <a:lnL w="12700" cmpd="sng">
+                      <a:noFill/>
+                    </a:lnL>
+                    <a:lnR w="12700" cmpd="sng">
+                      <a:noFill/>
+                    </a:lnR>
+                    <a:lnT w="12700" cmpd="sng">
+                      <a:noFill/>
+                    </a:lnT>
+                    <a:lnB w="12700" cmpd="sng">
+                      <a:noFill/>
+                    </a:lnB>
+                    <a:lnTlToBr w="12700" cmpd="sng">
+                      <a:noFill/>
+                      <a:prstDash val="solid"/>
+                    </a:lnTlToBr>
+                    <a:lnBlToTr w="12700" cmpd="sng">
+                      <a:noFill/>
+                      <a:prstDash val="solid"/>
+                    </a:lnBlToTr>
+                    <a:noFill/>
+                  </a:tcPr>
+                </a:tc>
+                <a:tc>
+                  <a:txBody>
+                    <a:bodyPr/>
+                    <a:lstStyle/>
+                    <a:p>
+                      <a:endParaRPr lang="en-US" sz="2800" b="0" dirty="0">
+                        <a:solidFill>
+                          <a:sysClr val="windowText" lastClr="000000"/>
+                        </a:solidFill>
+                      </a:endParaRPr>
+                    </a:p>
+                  </a:txBody>
+                  <a:tcPr>
+                    <a:lnL w="12700" cmpd="sng">
+                      <a:noFill/>
+                    </a:lnL>
+                    <a:lnR w="12700" cmpd="sng">
+                      <a:noFill/>
+                    </a:lnR>
+                    <a:lnT w="12700" cmpd="sng">
+                      <a:noFill/>
+                    </a:lnT>
+                    <a:lnB w="12700" cmpd="sng">
+                      <a:noFill/>
+                    </a:lnB>
+                    <a:lnTlToBr w="12700" cmpd="sng">
+                      <a:noFill/>
+                      <a:prstDash val="solid"/>
+                    </a:lnTlToBr>
+                    <a:lnBlToTr w="12700" cmpd="sng">
+                      <a:noFill/>
+                      <a:prstDash val="solid"/>
+                    </a:lnBlToTr>
+                    <a:noFill/>
+                  </a:tcPr>
+                </a:tc>
+                <a:tc>
+                  <a:txBody>
+                    <a:bodyPr/>
+                    <a:lstStyle/>
+                    <a:p>
+                      <a:endParaRPr lang="en-US" sz="2800" b="0" dirty="0">
+                        <a:solidFill>
+                          <a:sysClr val="windowText" lastClr="000000"/>
+                        </a:solidFill>
+                      </a:endParaRPr>
+                    </a:p>
+                  </a:txBody>
+                  <a:tcPr>
+                    <a:lnL w="12700" cmpd="sng">
+                      <a:noFill/>
+                    </a:lnL>
+                    <a:lnR w="12700" cmpd="sng">
+                      <a:noFill/>
+                    </a:lnR>
+                    <a:lnT w="12700" cmpd="sng">
+                      <a:noFill/>
+                    </a:lnT>
+                    <a:lnB w="12700" cmpd="sng">
+                      <a:noFill/>
+                    </a:lnB>
+                    <a:lnTlToBr w="12700" cmpd="sng">
+                      <a:noFill/>
+                      <a:prstDash val="solid"/>
+                    </a:lnTlToBr>
+                    <a:lnBlToTr w="12700" cmpd="sng">
+                      <a:noFill/>
+                      <a:prstDash val="solid"/>
+                    </a:lnBlToTr>
+                    <a:noFill/>
+                  </a:tcPr>
+                </a:tc>
+                <a:tc>
+                  <a:txBody>
+                    <a:bodyPr/>
+                    <a:lstStyle/>
+                    <a:p>
+                      <a:endParaRPr lang="en-US" sz="2800" b="0" dirty="0">
+                        <a:solidFill>
+                          <a:sysClr val="windowText" lastClr="000000"/>
+                        </a:solidFill>
+                      </a:endParaRPr>
+                    </a:p>
+                  </a:txBody>
+                  <a:tcPr>
+                    <a:lnL w="12700" cmpd="sng">
+                      <a:noFill/>
+                    </a:lnL>
+                    <a:lnR w="12700" cmpd="sng">
+                      <a:noFill/>
+                    </a:lnR>
+                    <a:lnT w="12700" cmpd="sng">
+                      <a:noFill/>
+                    </a:lnT>
+                    <a:lnB w="12700" cmpd="sng">
+                      <a:noFill/>
+                    </a:lnB>
+                    <a:lnTlToBr w="12700" cmpd="sng">
+                      <a:noFill/>
+                      <a:prstDash val="solid"/>
+                    </a:lnTlToBr>
+                    <a:lnBlToTr w="12700" cmpd="sng">
+                      <a:noFill/>
+                      <a:prstDash val="solid"/>
+                    </a:lnBlToTr>
+                    <a:noFill/>
+                  </a:tcPr>
+                </a:tc>
+              </a:tr>
+            </a:tbl>
+          </a:graphicData>
+        </a:graphic>
+      </p:graphicFrame>
+    </p:spTree>
+  </p:cSld>
+  <p:clrMapOvr>
+    <a:masterClrMapping/>
+  </p:clrMapOvr>
+  <p:timing>
+    <p:tnLst>
+      <p:par>
+        <p:cTn xmlns:p14="http://schemas.microsoft.com/office/powerpoint/2010/main" id="1" dur="indefinite" restart="never" nodeType="tmRoot"/>
+      </p:par>
+    </p:tnLst>
+  </p:timing>
+</p:sld>
+</file>
+
+<file path=ppt/slides/slide14.xml><?xml version="1.0" encoding="utf-8"?>
+<p:sld xmlns:a="http://schemas.openxmlformats.org/drawingml/2006/main" xmlns:r="http://schemas.openxmlformats.org/officeDocument/2006/relationships" xmlns:p="http://schemas.openxmlformats.org/presentationml/2006/main">
+  <p:cSld>
+    <p:spTree>
+      <p:nvGrpSpPr>
+        <p:cNvPr id="1" name=""/>
+        <p:cNvGrpSpPr/>
+        <p:nvPr/>
+      </p:nvGrpSpPr>
+      <p:grpSpPr>
+        <a:xfrm>
+          <a:off x="0" y="0"/>
+          <a:ext cx="0" cy="0"/>
+          <a:chOff x="0" y="0"/>
+          <a:chExt cx="0" cy="0"/>
+        </a:xfrm>
+      </p:grpSpPr>
+      <p:sp>
+        <p:nvSpPr>
+          <p:cNvPr id="2" name="Title 1"/>
+          <p:cNvSpPr>
+            <a:spLocks noGrp="1"/>
+          </p:cNvSpPr>
+          <p:nvPr>
+            <p:ph type="title"/>
+          </p:nvPr>
+        </p:nvSpPr>
+        <p:spPr/>
+        <p:txBody>
+          <a:bodyPr/>
+          <a:lstStyle/>
+          <a:p>
+            <a:r>
+              <a:rPr lang="en-US" dirty="0" smtClean="0"/>
+              <a:t>Evaluating Performance</a:t>
+            </a:r>
+            <a:endParaRPr lang="en-US" dirty="0"/>
+          </a:p>
+        </p:txBody>
+      </p:sp>
+      <p:graphicFrame>
+        <p:nvGraphicFramePr>
+          <p:cNvPr id="4" name="Content Placeholder 3"/>
+          <p:cNvGraphicFramePr>
+            <a:graphicFrameLocks noGrp="1"/>
+          </p:cNvGraphicFramePr>
+          <p:nvPr>
+            <p:ph idx="1"/>
+          </p:nvPr>
+        </p:nvGraphicFramePr>
+        <p:xfrm>
+          <a:off x="2" y="1219201"/>
+          <a:ext cx="8915397" cy="1715898"/>
+        </p:xfrm>
+        <a:graphic>
+          <a:graphicData uri="http://schemas.openxmlformats.org/drawingml/2006/table">
+            <a:tbl>
+              <a:tblPr firstRow="1" bandRow="1">
+                <a:tableStyleId>{5C22544A-7EE6-4342-B048-85BDC9FD1C3A}</a:tableStyleId>
+              </a:tblPr>
+              <a:tblGrid>
+                <a:gridCol w="1828798"/>
+                <a:gridCol w="914400"/>
+                <a:gridCol w="457200"/>
+                <a:gridCol w="990600"/>
+                <a:gridCol w="1600200"/>
+                <a:gridCol w="1752600"/>
+                <a:gridCol w="1371599"/>
+              </a:tblGrid>
+              <a:tr h="679579">
+                <a:tc>
+                  <a:txBody>
+                    <a:bodyPr/>
+                    <a:lstStyle/>
+                    <a:p>
+                      <a:r>
+                        <a:rPr lang="en-US" sz="2800" b="1" dirty="0" smtClean="0">
+                          <a:solidFill>
+                            <a:sysClr val="windowText" lastClr="000000"/>
+                          </a:solidFill>
+                        </a:rPr>
+                        <a:t>Reference</a:t>
+                      </a:r>
+                      <a:endParaRPr lang="en-US" sz="2800" b="1" dirty="0">
+                        <a:solidFill>
+                          <a:sysClr val="windowText" lastClr="000000"/>
+                        </a:solidFill>
+                      </a:endParaRPr>
+                    </a:p>
+                  </a:txBody>
+                  <a:tcPr>
+                    <a:lnL w="12700" cmpd="sng">
+                      <a:noFill/>
+                    </a:lnL>
+                    <a:lnR w="12700" cmpd="sng">
+                      <a:noFill/>
+                    </a:lnR>
+                    <a:lnT w="12700" cmpd="sng">
+                      <a:noFill/>
+                    </a:lnT>
+                    <a:lnB w="38100" cmpd="sng">
+                      <a:noFill/>
+                    </a:lnB>
+                    <a:lnTlToBr w="12700" cmpd="sng">
+                      <a:noFill/>
+                      <a:prstDash val="solid"/>
+                    </a:lnTlToBr>
+                    <a:lnBlToTr w="12700" cmpd="sng">
+                      <a:noFill/>
+                      <a:prstDash val="solid"/>
+                    </a:lnBlToTr>
+                    <a:noFill/>
+                  </a:tcPr>
+                </a:tc>
+                <a:tc>
+                  <a:txBody>
+                    <a:bodyPr/>
+                    <a:lstStyle/>
+                    <a:p>
+                      <a:r>
+                        <a:rPr lang="en-US" sz="2800" b="0" dirty="0" smtClean="0">
+                          <a:solidFill>
+                            <a:sysClr val="windowText" lastClr="000000"/>
+                          </a:solidFill>
+                        </a:rPr>
+                        <a:t>THIS</a:t>
+                      </a:r>
+                      <a:endParaRPr lang="en-US" sz="2800" b="0" dirty="0">
+                        <a:solidFill>
+                          <a:sysClr val="windowText" lastClr="000000"/>
+                        </a:solidFill>
+                      </a:endParaRPr>
+                    </a:p>
+                  </a:txBody>
+                  <a:tcPr>
+                    <a:lnL w="12700" cmpd="sng">
+                      <a:noFill/>
+                    </a:lnL>
+                    <a:lnR w="12700" cmpd="sng">
+                      <a:noFill/>
+                    </a:lnR>
+                    <a:lnT w="12700" cmpd="sng">
+                      <a:noFill/>
+                    </a:lnT>
+                    <a:lnB w="38100" cmpd="sng">
+                      <a:noFill/>
+                    </a:lnB>
+                    <a:lnTlToBr w="12700" cmpd="sng">
+                      <a:noFill/>
+                      <a:prstDash val="solid"/>
+                    </a:lnTlToBr>
+                    <a:lnBlToTr w="12700" cmpd="sng">
+                      <a:noFill/>
+                      <a:prstDash val="solid"/>
+                    </a:lnBlToTr>
+                    <a:noFill/>
+                  </a:tcPr>
+                </a:tc>
+                <a:tc>
+                  <a:txBody>
+                    <a:bodyPr/>
+                    <a:lstStyle/>
+                    <a:p>
+                      <a:r>
+                        <a:rPr lang="en-US" sz="2800" b="0" dirty="0" smtClean="0">
+                          <a:solidFill>
+                            <a:sysClr val="windowText" lastClr="000000"/>
+                          </a:solidFill>
+                        </a:rPr>
+                        <a:t>IS</a:t>
+                      </a:r>
+                      <a:endParaRPr lang="en-US" sz="2800" b="0" dirty="0">
+                        <a:solidFill>
+                          <a:sysClr val="windowText" lastClr="000000"/>
+                        </a:solidFill>
+                      </a:endParaRPr>
+                    </a:p>
+                  </a:txBody>
+                  <a:tcPr>
+                    <a:lnL w="12700" cmpd="sng">
+                      <a:noFill/>
+                    </a:lnL>
+                    <a:lnR w="12700" cmpd="sng">
+                      <a:noFill/>
+                    </a:lnR>
+                    <a:lnT w="12700" cmpd="sng">
+                      <a:noFill/>
+                    </a:lnT>
+                    <a:lnB w="38100" cmpd="sng">
+                      <a:noFill/>
+                    </a:lnB>
+                    <a:lnTlToBr w="12700" cmpd="sng">
+                      <a:noFill/>
+                      <a:prstDash val="solid"/>
+                    </a:lnTlToBr>
+                    <a:lnBlToTr w="12700" cmpd="sng">
+                      <a:noFill/>
+                      <a:prstDash val="solid"/>
+                    </a:lnBlToTr>
+                    <a:noFill/>
+                  </a:tcPr>
+                </a:tc>
+                <a:tc>
+                  <a:txBody>
+                    <a:bodyPr/>
+                    <a:lstStyle/>
+                    <a:p>
+                      <a:r>
+                        <a:rPr lang="en-US" sz="2800" b="0" dirty="0" smtClean="0">
+                          <a:solidFill>
+                            <a:sysClr val="windowText" lastClr="000000"/>
+                          </a:solidFill>
+                        </a:rPr>
+                        <a:t>AN</a:t>
+                      </a:r>
+                      <a:endParaRPr lang="en-US" sz="2800" b="0" dirty="0">
+                        <a:solidFill>
+                          <a:sysClr val="windowText" lastClr="000000"/>
+                        </a:solidFill>
+                      </a:endParaRPr>
+                    </a:p>
+                  </a:txBody>
+                  <a:tcPr>
+                    <a:lnL w="12700" cmpd="sng">
+                      <a:noFill/>
+                    </a:lnL>
+                    <a:lnR w="12700" cmpd="sng">
+                      <a:noFill/>
+                    </a:lnR>
+                    <a:lnT w="12700" cmpd="sng">
+                      <a:noFill/>
+                    </a:lnT>
+                    <a:lnB w="38100" cmpd="sng">
+                      <a:noFill/>
+                    </a:lnB>
+                    <a:lnTlToBr w="12700" cmpd="sng">
+                      <a:noFill/>
+                      <a:prstDash val="solid"/>
+                    </a:lnTlToBr>
+                    <a:lnBlToTr w="12700" cmpd="sng">
+                      <a:noFill/>
+                      <a:prstDash val="solid"/>
+                    </a:lnBlToTr>
+                    <a:noFill/>
+                  </a:tcPr>
+                </a:tc>
+                <a:tc>
+                  <a:txBody>
+                    <a:bodyPr/>
+                    <a:lstStyle/>
+                    <a:p>
+                      <a:r>
+                        <a:rPr lang="en-US" sz="2800" b="0" dirty="0" smtClean="0">
+                          <a:solidFill>
+                            <a:sysClr val="windowText" lastClr="000000"/>
+                          </a:solidFill>
+                        </a:rPr>
+                        <a:t>EXAMPLE</a:t>
+                      </a:r>
+                      <a:endParaRPr lang="en-US" sz="2800" b="0" dirty="0">
+                        <a:solidFill>
+                          <a:sysClr val="windowText" lastClr="000000"/>
+                        </a:solidFill>
+                      </a:endParaRPr>
+                    </a:p>
+                  </a:txBody>
+                  <a:tcPr>
+                    <a:lnL w="12700" cmpd="sng">
+                      <a:noFill/>
+                    </a:lnL>
+                    <a:lnR w="12700" cmpd="sng">
+                      <a:noFill/>
+                    </a:lnR>
+                    <a:lnT w="12700" cmpd="sng">
+                      <a:noFill/>
+                    </a:lnT>
+                    <a:lnB w="38100" cmpd="sng">
+                      <a:noFill/>
+                    </a:lnB>
+                    <a:lnTlToBr w="12700" cmpd="sng">
+                      <a:noFill/>
+                      <a:prstDash val="solid"/>
+                    </a:lnTlToBr>
+                    <a:lnBlToTr w="12700" cmpd="sng">
+                      <a:noFill/>
+                      <a:prstDash val="solid"/>
+                    </a:lnBlToTr>
+                    <a:noFill/>
+                  </a:tcPr>
+                </a:tc>
+                <a:tc>
+                  <a:txBody>
+                    <a:bodyPr/>
+                    <a:lstStyle/>
+                    <a:p>
+                      <a:r>
+                        <a:rPr lang="en-US" sz="2800" b="0" dirty="0" smtClean="0">
+                          <a:solidFill>
+                            <a:sysClr val="windowText" lastClr="000000"/>
+                          </a:solidFill>
+                        </a:rPr>
+                        <a:t>SENTENCE</a:t>
+                      </a:r>
+                      <a:endParaRPr lang="en-US" sz="2800" b="0" dirty="0">
+                        <a:solidFill>
+                          <a:sysClr val="windowText" lastClr="000000"/>
+                        </a:solidFill>
+                      </a:endParaRPr>
+                    </a:p>
+                  </a:txBody>
+                  <a:tcPr>
+                    <a:lnL w="12700" cmpd="sng">
+                      <a:noFill/>
+                    </a:lnL>
+                    <a:lnR w="12700" cmpd="sng">
+                      <a:noFill/>
+                    </a:lnR>
+                    <a:lnT w="12700" cmpd="sng">
+                      <a:noFill/>
+                    </a:lnT>
+                    <a:lnB w="38100" cmpd="sng">
+                      <a:noFill/>
+                    </a:lnB>
+                    <a:lnTlToBr w="12700" cmpd="sng">
+                      <a:noFill/>
+                      <a:prstDash val="solid"/>
+                    </a:lnTlToBr>
+                    <a:lnBlToTr w="12700" cmpd="sng">
+                      <a:noFill/>
+                      <a:prstDash val="solid"/>
+                    </a:lnBlToTr>
+                    <a:noFill/>
+                  </a:tcPr>
+                </a:tc>
+                <a:tc>
+                  <a:txBody>
+                    <a:bodyPr/>
+                    <a:lstStyle/>
+                    <a:p>
+                      <a:endParaRPr lang="en-US" sz="2800" b="0" dirty="0">
+                        <a:solidFill>
+                          <a:sysClr val="windowText" lastClr="000000"/>
+                        </a:solidFill>
+                      </a:endParaRPr>
+                    </a:p>
+                  </a:txBody>
+                  <a:tcPr>
+                    <a:lnL w="12700" cmpd="sng">
+                      <a:noFill/>
+                    </a:lnL>
+                    <a:lnR w="12700" cmpd="sng">
+                      <a:noFill/>
+                    </a:lnR>
+                    <a:lnT w="12700" cmpd="sng">
+                      <a:noFill/>
+                    </a:lnT>
+                    <a:lnB w="38100" cmpd="sng">
+                      <a:noFill/>
+                    </a:lnB>
+                    <a:lnTlToBr w="12700" cmpd="sng">
+                      <a:noFill/>
+                      <a:prstDash val="solid"/>
+                    </a:lnTlToBr>
+                    <a:lnBlToTr w="12700" cmpd="sng">
+                      <a:noFill/>
+                      <a:prstDash val="solid"/>
+                    </a:lnBlToTr>
+                    <a:noFill/>
+                  </a:tcPr>
+                </a:tc>
+              </a:tr>
+              <a:tr h="384110">
+                <a:tc>
+                  <a:txBody>
+                    <a:bodyPr/>
+                    <a:lstStyle/>
+                    <a:p>
+                      <a:r>
+                        <a:rPr lang="en-US" sz="2800" b="1" dirty="0" smtClean="0">
+                          <a:solidFill>
+                            <a:sysClr val="windowText" lastClr="000000"/>
+                          </a:solidFill>
+                        </a:rPr>
+                        <a:t>Hypothesis</a:t>
+                      </a:r>
+                      <a:endParaRPr lang="en-US" sz="2800" b="1" dirty="0">
+                        <a:solidFill>
+                          <a:sysClr val="windowText" lastClr="000000"/>
+                        </a:solidFill>
+                      </a:endParaRPr>
+                    </a:p>
+                  </a:txBody>
+                  <a:tcPr>
+                    <a:lnL w="12700" cmpd="sng">
+                      <a:noFill/>
+                    </a:lnL>
+                    <a:lnR w="12700" cmpd="sng">
+                      <a:noFill/>
+                    </a:lnR>
+                    <a:lnT w="38100" cmpd="sng">
+                      <a:noFill/>
+                    </a:lnT>
+                    <a:lnB w="12700" cmpd="sng">
+                      <a:noFill/>
+                    </a:lnB>
+                    <a:lnTlToBr w="12700" cmpd="sng">
+                      <a:noFill/>
+                      <a:prstDash val="solid"/>
+                    </a:lnTlToBr>
+                    <a:lnBlToTr w="12700" cmpd="sng">
+                      <a:noFill/>
+                      <a:prstDash val="solid"/>
+                    </a:lnBlToTr>
+                    <a:noFill/>
+                  </a:tcPr>
+                </a:tc>
+                <a:tc>
+                  <a:txBody>
+                    <a:bodyPr/>
+                    <a:lstStyle/>
+                    <a:p>
+                      <a:r>
+                        <a:rPr lang="en-US" sz="2800" b="0" dirty="0" smtClean="0">
+                          <a:solidFill>
+                            <a:sysClr val="windowText" lastClr="000000"/>
+                          </a:solidFill>
+                        </a:rPr>
+                        <a:t>THIS</a:t>
+                      </a:r>
+                      <a:endParaRPr lang="en-US" sz="2800" b="0" dirty="0">
+                        <a:solidFill>
+                          <a:sysClr val="windowText" lastClr="000000"/>
+                        </a:solidFill>
+                      </a:endParaRPr>
+                    </a:p>
+                  </a:txBody>
+                  <a:tcPr>
+                    <a:lnL w="12700" cmpd="sng">
+                      <a:noFill/>
+                    </a:lnL>
+                    <a:lnR w="12700" cmpd="sng">
+                      <a:noFill/>
+                    </a:lnR>
+                    <a:lnT w="38100" cmpd="sng">
+                      <a:noFill/>
+                    </a:lnT>
+                    <a:lnB w="12700" cmpd="sng">
+                      <a:noFill/>
+                    </a:lnB>
+                    <a:lnTlToBr w="12700" cmpd="sng">
+                      <a:noFill/>
+                      <a:prstDash val="solid"/>
+                    </a:lnTlToBr>
+                    <a:lnBlToTr w="12700" cmpd="sng">
+                      <a:noFill/>
+                      <a:prstDash val="solid"/>
+                    </a:lnBlToTr>
+                    <a:noFill/>
+                  </a:tcPr>
+                </a:tc>
+                <a:tc>
+                  <a:txBody>
+                    <a:bodyPr/>
+                    <a:lstStyle/>
+                    <a:p>
+                      <a:r>
+                        <a:rPr lang="en-US" sz="2800" b="0" dirty="0" smtClean="0">
+                          <a:solidFill>
+                            <a:sysClr val="windowText" lastClr="000000"/>
+                          </a:solidFill>
+                        </a:rPr>
+                        <a:t>IS</a:t>
+                      </a:r>
+                      <a:endParaRPr lang="en-US" sz="2800" b="0" dirty="0">
+                        <a:solidFill>
+                          <a:sysClr val="windowText" lastClr="000000"/>
+                        </a:solidFill>
+                      </a:endParaRPr>
+                    </a:p>
+                  </a:txBody>
+                  <a:tcPr>
+                    <a:lnL w="12700" cmpd="sng">
+                      <a:noFill/>
+                    </a:lnL>
+                    <a:lnR w="12700" cmpd="sng">
+                      <a:noFill/>
+                    </a:lnR>
+                    <a:lnT w="38100" cmpd="sng">
+                      <a:noFill/>
+                    </a:lnT>
+                    <a:lnB w="12700" cmpd="sng">
+                      <a:noFill/>
+                    </a:lnB>
+                    <a:lnTlToBr w="12700" cmpd="sng">
+                      <a:noFill/>
+                      <a:prstDash val="solid"/>
+                    </a:lnTlToBr>
+                    <a:lnBlToTr w="12700" cmpd="sng">
+                      <a:noFill/>
+                      <a:prstDash val="solid"/>
+                    </a:lnBlToTr>
+                    <a:noFill/>
+                  </a:tcPr>
+                </a:tc>
+                <a:tc>
+                  <a:txBody>
+                    <a:bodyPr/>
+                    <a:lstStyle/>
+                    <a:p>
+                      <a:endParaRPr lang="en-US" sz="2800" b="0" dirty="0">
+                        <a:solidFill>
+                          <a:sysClr val="windowText" lastClr="000000"/>
+                        </a:solidFill>
+                      </a:endParaRPr>
+                    </a:p>
+                  </a:txBody>
+                  <a:tcPr>
+                    <a:lnL w="12700" cmpd="sng">
+                      <a:noFill/>
+                    </a:lnL>
+                    <a:lnR w="12700" cmpd="sng">
+                      <a:noFill/>
+                    </a:lnR>
+                    <a:lnT w="38100" cmpd="sng">
+                      <a:noFill/>
+                    </a:lnT>
+                    <a:lnB w="12700" cmpd="sng">
+                      <a:noFill/>
+                    </a:lnB>
+                    <a:lnTlToBr w="12700" cmpd="sng">
+                      <a:noFill/>
+                      <a:prstDash val="solid"/>
+                    </a:lnTlToBr>
+                    <a:lnBlToTr w="12700" cmpd="sng">
+                      <a:noFill/>
+                      <a:prstDash val="solid"/>
+                    </a:lnBlToTr>
+                    <a:noFill/>
+                  </a:tcPr>
+                </a:tc>
+                <a:tc>
+                  <a:txBody>
+                    <a:bodyPr/>
+                    <a:lstStyle/>
+                    <a:p>
+                      <a:r>
+                        <a:rPr lang="en-US" sz="2800" b="0" dirty="0" smtClean="0">
+                          <a:solidFill>
+                            <a:sysClr val="windowText" lastClr="000000"/>
+                          </a:solidFill>
+                        </a:rPr>
+                        <a:t>EXAMPLE</a:t>
+                      </a:r>
+                      <a:endParaRPr lang="en-US" sz="2800" b="0" dirty="0">
+                        <a:solidFill>
+                          <a:sysClr val="windowText" lastClr="000000"/>
+                        </a:solidFill>
+                      </a:endParaRPr>
+                    </a:p>
+                  </a:txBody>
+                  <a:tcPr>
+                    <a:lnL w="12700" cmpd="sng">
+                      <a:noFill/>
+                    </a:lnL>
+                    <a:lnR w="12700" cmpd="sng">
+                      <a:noFill/>
+                    </a:lnR>
+                    <a:lnT w="38100" cmpd="sng">
+                      <a:noFill/>
+                    </a:lnT>
+                    <a:lnB w="12700" cmpd="sng">
+                      <a:noFill/>
+                    </a:lnB>
+                    <a:lnTlToBr w="12700" cmpd="sng">
+                      <a:noFill/>
+                      <a:prstDash val="solid"/>
+                    </a:lnTlToBr>
+                    <a:lnBlToTr w="12700" cmpd="sng">
+                      <a:noFill/>
+                      <a:prstDash val="solid"/>
+                    </a:lnBlToTr>
+                    <a:noFill/>
+                  </a:tcPr>
+                </a:tc>
+                <a:tc>
+                  <a:txBody>
+                    <a:bodyPr/>
+                    <a:lstStyle/>
+                    <a:p>
+                      <a:r>
+                        <a:rPr lang="en-US" sz="2800" b="0" dirty="0" smtClean="0">
+                          <a:solidFill>
+                            <a:sysClr val="windowText" lastClr="000000"/>
+                          </a:solidFill>
+                        </a:rPr>
+                        <a:t>CENT</a:t>
+                      </a:r>
+                      <a:endParaRPr lang="en-US" sz="2800" b="0" dirty="0">
+                        <a:solidFill>
+                          <a:sysClr val="windowText" lastClr="000000"/>
+                        </a:solidFill>
+                      </a:endParaRPr>
+                    </a:p>
+                  </a:txBody>
+                  <a:tcPr>
+                    <a:lnL w="12700" cmpd="sng">
+                      <a:noFill/>
+                    </a:lnL>
+                    <a:lnR w="12700" cmpd="sng">
+                      <a:noFill/>
+                    </a:lnR>
+                    <a:lnT w="38100" cmpd="sng">
+                      <a:noFill/>
+                    </a:lnT>
+                    <a:lnB w="12700" cmpd="sng">
+                      <a:noFill/>
+                    </a:lnB>
+                    <a:lnTlToBr w="12700" cmpd="sng">
+                      <a:noFill/>
+                      <a:prstDash val="solid"/>
+                    </a:lnTlToBr>
+                    <a:lnBlToTr w="12700" cmpd="sng">
+                      <a:noFill/>
+                      <a:prstDash val="solid"/>
+                    </a:lnBlToTr>
+                    <a:noFill/>
+                  </a:tcPr>
+                </a:tc>
+                <a:tc>
+                  <a:txBody>
+                    <a:bodyPr/>
+                    <a:lstStyle/>
+                    <a:p>
+                      <a:r>
+                        <a:rPr lang="en-US" sz="2800" b="0" dirty="0" smtClean="0">
+                          <a:solidFill>
+                            <a:sysClr val="windowText" lastClr="000000"/>
+                          </a:solidFill>
+                        </a:rPr>
+                        <a:t>TENSE</a:t>
+                      </a:r>
                       <a:endParaRPr lang="en-US" sz="2800" b="0" dirty="0">
                         <a:solidFill>
                           <a:sysClr val="windowText" lastClr="000000"/>
@@ -12928,6 +13478,14 @@
                     <a:bodyPr/>
                     <a:lstStyle/>
                     <a:p>
+                      <a:r>
+                        <a:rPr lang="en-US" sz="2800" b="1" dirty="0" smtClean="0">
+                          <a:solidFill>
+                            <a:sysClr val="windowText" lastClr="000000"/>
+                          </a:solidFill>
+                        </a:rPr>
+                        <a:t>Score</a:t>
+                      </a:r>
                       <a:endParaRPr lang="en-US" sz="2800" b="1" dirty="0">
                         <a:solidFill>
                           <a:sysClr val="windowText" lastClr="000000"/>
@@ -12964,7 +13522,7 @@
                     <a:bodyPr/>
                     <a:lstStyle/>
                     <a:p>
-                      <a:endParaRPr lang="en-US" sz="2800" b="0" dirty="0">
+                      <a:endParaRPr lang="en-US" sz="2800" b="0" i="1" dirty="0">
                         <a:solidFill>
                           <a:sysClr val="windowText" lastClr="000000"/>
                         </a:solidFill>
@@ -13000,7 +13558,7 @@
                     <a:bodyPr/>
                     <a:lstStyle/>
                     <a:p>
-                      <a:endParaRPr lang="en-US" sz="2800" b="0" dirty="0">
+                      <a:endParaRPr lang="en-US" sz="2800" b="0" i="1" dirty="0">
                         <a:solidFill>
                           <a:sysClr val="windowText" lastClr="000000"/>
                         </a:solidFill>
@@ -13036,7 +13594,15 @@
                     <a:bodyPr/>
                     <a:lstStyle/>
                     <a:p>
-                      <a:endParaRPr lang="en-US" sz="2800" b="0" dirty="0">
+                      <a:r>
+                        <a:rPr lang="en-US" sz="2800" b="0" i="1" dirty="0" smtClean="0">
+                          <a:solidFill>
+                            <a:sysClr val="windowText" lastClr="000000"/>
+                          </a:solidFill>
+                        </a:rPr>
+                        <a:t>Del.</a:t>
+                      </a:r>
+                      <a:endParaRPr lang="en-US" sz="2800" b="0" i="1" dirty="0">
                         <a:solidFill>
                           <a:sysClr val="windowText" lastClr="000000"/>
                         </a:solidFill>
@@ -13072,7 +13638,7 @@
                     <a:bodyPr/>
                     <a:lstStyle/>
                     <a:p>
-                      <a:endParaRPr lang="en-US" sz="2800" b="0" dirty="0">
+                      <a:endParaRPr lang="en-US" sz="2800" b="0" i="1" dirty="0">
                         <a:solidFill>
                           <a:sysClr val="windowText" lastClr="000000"/>
                         </a:solidFill>
@@ -13108,7 +13674,15 @@
                     <a:bodyPr/>
                     <a:lstStyle/>
                     <a:p>
-                      <a:endParaRPr lang="en-US" sz="2800" b="0" dirty="0">
+                      <a:r>
+                        <a:rPr lang="en-US" sz="2800" b="0" i="1" dirty="0" smtClean="0">
+                          <a:solidFill>
+                            <a:sysClr val="windowText" lastClr="000000"/>
+                          </a:solidFill>
+                        </a:rPr>
+                        <a:t>Subs.</a:t>
+                      </a:r>
+                      <a:endParaRPr lang="en-US" sz="2800" b="0" i="1" dirty="0">
                         <a:solidFill>
                           <a:sysClr val="windowText" lastClr="000000"/>
                         </a:solidFill>
@@ -13144,7 +13718,15 @@
                     <a:bodyPr/>
                     <a:lstStyle/>
                     <a:p>
-                      <a:endParaRPr lang="en-US" sz="2800" b="0" dirty="0">
+                      <a:r>
+                        <a:rPr lang="en-US" sz="2800" b="0" i="1" dirty="0" smtClean="0">
+                          <a:solidFill>
+                            <a:sysClr val="windowText" lastClr="000000"/>
+                          </a:solidFill>
+                        </a:rPr>
+                        <a:t>Insert.</a:t>
+                      </a:r>
+                      <a:endParaRPr lang="en-US" sz="2800" b="0" i="1" dirty="0">
                         <a:solidFill>
                           <a:sysClr val="windowText" lastClr="000000"/>
                         </a:solidFill>
@@ -13918,7 +14500,7 @@
                     <a:bodyPr/>
                     <a:lstStyle/>
                     <a:p>
-                      <a:endParaRPr lang="en-US" sz="2800" b="0" i="1" dirty="0">
+                      <a:endParaRPr lang="en-US" sz="2800" b="0" dirty="0">
                         <a:solidFill>
                           <a:sysClr val="windowText" lastClr="000000"/>
                         </a:solidFill>
@@ -13954,7 +14536,7 @@
                     <a:bodyPr/>
                     <a:lstStyle/>
                     <a:p>
-                      <a:endParaRPr lang="en-US" sz="2800" b="0" i="1" dirty="0">
+                      <a:endParaRPr lang="en-US" sz="2800" b="0" dirty="0">
                         <a:solidFill>
                           <a:sysClr val="windowText" lastClr="000000"/>
                         </a:solidFill>
@@ -14158,984 +14740,6 @@
           </a:graphicData>
         </a:graphic>
       </p:graphicFrame>
-    </p:spTree>
-  </p:cSld>
-  <p:clrMapOvr>
-    <a:masterClrMapping/>
-  </p:clrMapOvr>
-  <p:timing>
-    <p:tnLst>
-      <p:par>
-        <p:cTn xmlns:p14="http://schemas.microsoft.com/office/powerpoint/2010/main" id="1" dur="indefinite" restart="never" nodeType="tmRoot"/>
-      </p:par>
-    </p:tnLst>
-  </p:timing>
-</p:sld>
-</file>
-
-<file path=ppt/slides/slide17.xml><?xml version="1.0" encoding="utf-8"?>
-<p:sld xmlns:a="http://schemas.openxmlformats.org/drawingml/2006/main" xmlns:r="http://schemas.openxmlformats.org/officeDocument/2006/relationships" xmlns:p="http://schemas.openxmlformats.org/presentationml/2006/main">
-  <p:cSld>
-    <p:spTree>
-      <p:nvGrpSpPr>
-        <p:cNvPr id="1" name=""/>
-        <p:cNvGrpSpPr/>
-        <p:nvPr/>
-      </p:nvGrpSpPr>
-      <p:grpSpPr>
-        <a:xfrm>
-          <a:off x="0" y="0"/>
-          <a:ext cx="0" cy="0"/>
-          <a:chOff x="0" y="0"/>
-          <a:chExt cx="0" cy="0"/>
-        </a:xfrm>
-      </p:grpSpPr>
-      <p:sp>
-        <p:nvSpPr>
-          <p:cNvPr id="2" name="Title 1"/>
-          <p:cNvSpPr>
-            <a:spLocks noGrp="1"/>
-          </p:cNvSpPr>
-          <p:nvPr>
-            <p:ph type="title"/>
-          </p:nvPr>
-        </p:nvSpPr>
-        <p:spPr/>
-        <p:txBody>
-          <a:bodyPr/>
-          <a:lstStyle/>
-          <a:p>
-            <a:r>
-              <a:rPr lang="en-US" dirty="0" smtClean="0"/>
-              <a:t>Evaluating Performance</a:t>
-            </a:r>
-            <a:endParaRPr lang="en-US" dirty="0"/>
-          </a:p>
-        </p:txBody>
-      </p:sp>
-      <p:graphicFrame>
-        <p:nvGraphicFramePr>
-          <p:cNvPr id="4" name="Content Placeholder 3"/>
-          <p:cNvGraphicFramePr>
-            <a:graphicFrameLocks noGrp="1"/>
-          </p:cNvGraphicFramePr>
-          <p:nvPr>
-            <p:ph idx="1"/>
-          </p:nvPr>
-        </p:nvGraphicFramePr>
-        <p:xfrm>
-          <a:off x="2" y="1219201"/>
-          <a:ext cx="8915397" cy="1715898"/>
-        </p:xfrm>
-        <a:graphic>
-          <a:graphicData uri="http://schemas.openxmlformats.org/drawingml/2006/table">
-            <a:tbl>
-              <a:tblPr firstRow="1" bandRow="1">
-                <a:tableStyleId>{5C22544A-7EE6-4342-B048-85BDC9FD1C3A}</a:tableStyleId>
-              </a:tblPr>
-              <a:tblGrid>
-                <a:gridCol w="1828798"/>
-                <a:gridCol w="914400"/>
-                <a:gridCol w="457200"/>
-                <a:gridCol w="990600"/>
-                <a:gridCol w="1600200"/>
-                <a:gridCol w="1752600"/>
-                <a:gridCol w="1371599"/>
-              </a:tblGrid>
-              <a:tr h="679579">
-                <a:tc>
-                  <a:txBody>
-                    <a:bodyPr/>
-                    <a:lstStyle/>
-                    <a:p>
-                      <a:r>
-                        <a:rPr lang="en-US" sz="2800" b="1" dirty="0" smtClean="0">
-                          <a:solidFill>
-                            <a:sysClr val="windowText" lastClr="000000"/>
-                          </a:solidFill>
-                        </a:rPr>
-                        <a:t>Reference</a:t>
-                      </a:r>
-                      <a:endParaRPr lang="en-US" sz="2800" b="1" dirty="0">
-                        <a:solidFill>
-                          <a:sysClr val="windowText" lastClr="000000"/>
-                        </a:solidFill>
-                      </a:endParaRPr>
-                    </a:p>
-                  </a:txBody>
-                  <a:tcPr>
-                    <a:lnL w="12700" cmpd="sng">
-                      <a:noFill/>
-                    </a:lnL>
-                    <a:lnR w="12700" cmpd="sng">
-                      <a:noFill/>
-                    </a:lnR>
-                    <a:lnT w="12700" cmpd="sng">
-                      <a:noFill/>
-                    </a:lnT>
-                    <a:lnB w="38100" cmpd="sng">
-                      <a:noFill/>
-                    </a:lnB>
-                    <a:lnTlToBr w="12700" cmpd="sng">
-                      <a:noFill/>
-                      <a:prstDash val="solid"/>
-                    </a:lnTlToBr>
-                    <a:lnBlToTr w="12700" cmpd="sng">
-                      <a:noFill/>
-                      <a:prstDash val="solid"/>
-                    </a:lnBlToTr>
-                    <a:noFill/>
-                  </a:tcPr>
-                </a:tc>
-                <a:tc>
-                  <a:txBody>
-                    <a:bodyPr/>
-                    <a:lstStyle/>
-                    <a:p>
-                      <a:r>
-                        <a:rPr lang="en-US" sz="2800" b="0" dirty="0" smtClean="0">
-                          <a:solidFill>
-                            <a:sysClr val="windowText" lastClr="000000"/>
-                          </a:solidFill>
-                        </a:rPr>
-                        <a:t>THIS</a:t>
-                      </a:r>
-                      <a:endParaRPr lang="en-US" sz="2800" b="0" dirty="0">
-                        <a:solidFill>
-                          <a:sysClr val="windowText" lastClr="000000"/>
-                        </a:solidFill>
-                      </a:endParaRPr>
-                    </a:p>
-                  </a:txBody>
-                  <a:tcPr>
-                    <a:lnL w="12700" cmpd="sng">
-                      <a:noFill/>
-                    </a:lnL>
-                    <a:lnR w="12700" cmpd="sng">
-                      <a:noFill/>
-                    </a:lnR>
-                    <a:lnT w="12700" cmpd="sng">
-                      <a:noFill/>
-                    </a:lnT>
-                    <a:lnB w="38100" cmpd="sng">
-                      <a:noFill/>
-                    </a:lnB>
-                    <a:lnTlToBr w="12700" cmpd="sng">
-                      <a:noFill/>
-                      <a:prstDash val="solid"/>
-                    </a:lnTlToBr>
-                    <a:lnBlToTr w="12700" cmpd="sng">
-                      <a:noFill/>
-                      <a:prstDash val="solid"/>
-                    </a:lnBlToTr>
-                    <a:noFill/>
-                  </a:tcPr>
-                </a:tc>
-                <a:tc>
-                  <a:txBody>
-                    <a:bodyPr/>
-                    <a:lstStyle/>
-                    <a:p>
-                      <a:r>
-                        <a:rPr lang="en-US" sz="2800" b="0" dirty="0" smtClean="0">
-                          <a:solidFill>
-                            <a:sysClr val="windowText" lastClr="000000"/>
-                          </a:solidFill>
-                        </a:rPr>
-                        <a:t>IS</a:t>
-                      </a:r>
-                      <a:endParaRPr lang="en-US" sz="2800" b="0" dirty="0">
-                        <a:solidFill>
-                          <a:sysClr val="windowText" lastClr="000000"/>
-                        </a:solidFill>
-                      </a:endParaRPr>
-                    </a:p>
-                  </a:txBody>
-                  <a:tcPr>
-                    <a:lnL w="12700" cmpd="sng">
-                      <a:noFill/>
-                    </a:lnL>
-                    <a:lnR w="12700" cmpd="sng">
-                      <a:noFill/>
-                    </a:lnR>
-                    <a:lnT w="12700" cmpd="sng">
-                      <a:noFill/>
-                    </a:lnT>
-                    <a:lnB w="38100" cmpd="sng">
-                      <a:noFill/>
-                    </a:lnB>
-                    <a:lnTlToBr w="12700" cmpd="sng">
-                      <a:noFill/>
-                      <a:prstDash val="solid"/>
-                    </a:lnTlToBr>
-                    <a:lnBlToTr w="12700" cmpd="sng">
-                      <a:noFill/>
-                      <a:prstDash val="solid"/>
-                    </a:lnBlToTr>
-                    <a:noFill/>
-                  </a:tcPr>
-                </a:tc>
-                <a:tc>
-                  <a:txBody>
-                    <a:bodyPr/>
-                    <a:lstStyle/>
-                    <a:p>
-                      <a:r>
-                        <a:rPr lang="en-US" sz="2800" b="0" dirty="0" smtClean="0">
-                          <a:solidFill>
-                            <a:sysClr val="windowText" lastClr="000000"/>
-                          </a:solidFill>
-                        </a:rPr>
-                        <a:t>AN</a:t>
-                      </a:r>
-                      <a:endParaRPr lang="en-US" sz="2800" b="0" dirty="0">
-                        <a:solidFill>
-                          <a:sysClr val="windowText" lastClr="000000"/>
-                        </a:solidFill>
-                      </a:endParaRPr>
-                    </a:p>
-                  </a:txBody>
-                  <a:tcPr>
-                    <a:lnL w="12700" cmpd="sng">
-                      <a:noFill/>
-                    </a:lnL>
-                    <a:lnR w="12700" cmpd="sng">
-                      <a:noFill/>
-                    </a:lnR>
-                    <a:lnT w="12700" cmpd="sng">
-                      <a:noFill/>
-                    </a:lnT>
-                    <a:lnB w="38100" cmpd="sng">
-                      <a:noFill/>
-                    </a:lnB>
-                    <a:lnTlToBr w="12700" cmpd="sng">
-                      <a:noFill/>
-                      <a:prstDash val="solid"/>
-                    </a:lnTlToBr>
-                    <a:lnBlToTr w="12700" cmpd="sng">
-                      <a:noFill/>
-                      <a:prstDash val="solid"/>
-                    </a:lnBlToTr>
-                    <a:noFill/>
-                  </a:tcPr>
-                </a:tc>
-                <a:tc>
-                  <a:txBody>
-                    <a:bodyPr/>
-                    <a:lstStyle/>
-                    <a:p>
-                      <a:r>
-                        <a:rPr lang="en-US" sz="2800" b="0" dirty="0" smtClean="0">
-                          <a:solidFill>
-                            <a:sysClr val="windowText" lastClr="000000"/>
-                          </a:solidFill>
-                        </a:rPr>
-                        <a:t>EXAMPLE</a:t>
-                      </a:r>
-                      <a:endParaRPr lang="en-US" sz="2800" b="0" dirty="0">
-                        <a:solidFill>
-                          <a:sysClr val="windowText" lastClr="000000"/>
-                        </a:solidFill>
-                      </a:endParaRPr>
-                    </a:p>
-                  </a:txBody>
-                  <a:tcPr>
-                    <a:lnL w="12700" cmpd="sng">
-                      <a:noFill/>
-                    </a:lnL>
-                    <a:lnR w="12700" cmpd="sng">
-                      <a:noFill/>
-                    </a:lnR>
-                    <a:lnT w="12700" cmpd="sng">
-                      <a:noFill/>
-                    </a:lnT>
-                    <a:lnB w="38100" cmpd="sng">
-                      <a:noFill/>
-                    </a:lnB>
-                    <a:lnTlToBr w="12700" cmpd="sng">
-                      <a:noFill/>
-                      <a:prstDash val="solid"/>
-                    </a:lnTlToBr>
-                    <a:lnBlToTr w="12700" cmpd="sng">
-                      <a:noFill/>
-                      <a:prstDash val="solid"/>
-                    </a:lnBlToTr>
-                    <a:noFill/>
-                  </a:tcPr>
-                </a:tc>
-                <a:tc>
-                  <a:txBody>
-                    <a:bodyPr/>
-                    <a:lstStyle/>
-                    <a:p>
-                      <a:r>
-                        <a:rPr lang="en-US" sz="2800" b="0" dirty="0" smtClean="0">
-                          <a:solidFill>
-                            <a:sysClr val="windowText" lastClr="000000"/>
-                          </a:solidFill>
-                        </a:rPr>
-                        <a:t>SENTENCE</a:t>
-                      </a:r>
-                      <a:endParaRPr lang="en-US" sz="2800" b="0" dirty="0">
-                        <a:solidFill>
-                          <a:sysClr val="windowText" lastClr="000000"/>
-                        </a:solidFill>
-                      </a:endParaRPr>
-                    </a:p>
-                  </a:txBody>
-                  <a:tcPr>
-                    <a:lnL w="12700" cmpd="sng">
-                      <a:noFill/>
-                    </a:lnL>
-                    <a:lnR w="12700" cmpd="sng">
-                      <a:noFill/>
-                    </a:lnR>
-                    <a:lnT w="12700" cmpd="sng">
-                      <a:noFill/>
-                    </a:lnT>
-                    <a:lnB w="38100" cmpd="sng">
-                      <a:noFill/>
-                    </a:lnB>
-                    <a:lnTlToBr w="12700" cmpd="sng">
-                      <a:noFill/>
-                      <a:prstDash val="solid"/>
-                    </a:lnTlToBr>
-                    <a:lnBlToTr w="12700" cmpd="sng">
-                      <a:noFill/>
-                      <a:prstDash val="solid"/>
-                    </a:lnBlToTr>
-                    <a:noFill/>
-                  </a:tcPr>
-                </a:tc>
-                <a:tc>
-                  <a:txBody>
-                    <a:bodyPr/>
-                    <a:lstStyle/>
-                    <a:p>
-                      <a:endParaRPr lang="en-US" sz="2800" b="0" dirty="0">
-                        <a:solidFill>
-                          <a:sysClr val="windowText" lastClr="000000"/>
-                        </a:solidFill>
-                      </a:endParaRPr>
-                    </a:p>
-                  </a:txBody>
-                  <a:tcPr>
-                    <a:lnL w="12700" cmpd="sng">
-                      <a:noFill/>
-                    </a:lnL>
-                    <a:lnR w="12700" cmpd="sng">
-                      <a:noFill/>
-                    </a:lnR>
-                    <a:lnT w="12700" cmpd="sng">
-                      <a:noFill/>
-                    </a:lnT>
-                    <a:lnB w="38100" cmpd="sng">
-                      <a:noFill/>
-                    </a:lnB>
-                    <a:lnTlToBr w="12700" cmpd="sng">
-                      <a:noFill/>
-                      <a:prstDash val="solid"/>
-                    </a:lnTlToBr>
-                    <a:lnBlToTr w="12700" cmpd="sng">
-                      <a:noFill/>
-                      <a:prstDash val="solid"/>
-                    </a:lnBlToTr>
-                    <a:noFill/>
-                  </a:tcPr>
-                </a:tc>
-              </a:tr>
-              <a:tr h="384110">
-                <a:tc>
-                  <a:txBody>
-                    <a:bodyPr/>
-                    <a:lstStyle/>
-                    <a:p>
-                      <a:r>
-                        <a:rPr lang="en-US" sz="2800" b="1" dirty="0" smtClean="0">
-                          <a:solidFill>
-                            <a:sysClr val="windowText" lastClr="000000"/>
-                          </a:solidFill>
-                        </a:rPr>
-                        <a:t>Hypothesis</a:t>
-                      </a:r>
-                      <a:endParaRPr lang="en-US" sz="2800" b="1" dirty="0">
-                        <a:solidFill>
-                          <a:sysClr val="windowText" lastClr="000000"/>
-                        </a:solidFill>
-                      </a:endParaRPr>
-                    </a:p>
-                  </a:txBody>
-                  <a:tcPr>
-                    <a:lnL w="12700" cmpd="sng">
-                      <a:noFill/>
-                    </a:lnL>
-                    <a:lnR w="12700" cmpd="sng">
-                      <a:noFill/>
-                    </a:lnR>
-                    <a:lnT w="38100" cmpd="sng">
-                      <a:noFill/>
-                    </a:lnT>
-                    <a:lnB w="12700" cmpd="sng">
-                      <a:noFill/>
-                    </a:lnB>
-                    <a:lnTlToBr w="12700" cmpd="sng">
-                      <a:noFill/>
-                      <a:prstDash val="solid"/>
-                    </a:lnTlToBr>
-                    <a:lnBlToTr w="12700" cmpd="sng">
-                      <a:noFill/>
-                      <a:prstDash val="solid"/>
-                    </a:lnBlToTr>
-                    <a:noFill/>
-                  </a:tcPr>
-                </a:tc>
-                <a:tc>
-                  <a:txBody>
-                    <a:bodyPr/>
-                    <a:lstStyle/>
-                    <a:p>
-                      <a:r>
-                        <a:rPr lang="en-US" sz="2800" b="0" dirty="0" smtClean="0">
-                          <a:solidFill>
-                            <a:sysClr val="windowText" lastClr="000000"/>
-                          </a:solidFill>
-                        </a:rPr>
-                        <a:t>THIS</a:t>
-                      </a:r>
-                      <a:endParaRPr lang="en-US" sz="2800" b="0" dirty="0">
-                        <a:solidFill>
-                          <a:sysClr val="windowText" lastClr="000000"/>
-                        </a:solidFill>
-                      </a:endParaRPr>
-                    </a:p>
-                  </a:txBody>
-                  <a:tcPr>
-                    <a:lnL w="12700" cmpd="sng">
-                      <a:noFill/>
-                    </a:lnL>
-                    <a:lnR w="12700" cmpd="sng">
-                      <a:noFill/>
-                    </a:lnR>
-                    <a:lnT w="38100" cmpd="sng">
-                      <a:noFill/>
-                    </a:lnT>
-                    <a:lnB w="12700" cmpd="sng">
-                      <a:noFill/>
-                    </a:lnB>
-                    <a:lnTlToBr w="12700" cmpd="sng">
-                      <a:noFill/>
-                      <a:prstDash val="solid"/>
-                    </a:lnTlToBr>
-                    <a:lnBlToTr w="12700" cmpd="sng">
-                      <a:noFill/>
-                      <a:prstDash val="solid"/>
-                    </a:lnBlToTr>
-                    <a:noFill/>
-                  </a:tcPr>
-                </a:tc>
-                <a:tc>
-                  <a:txBody>
-                    <a:bodyPr/>
-                    <a:lstStyle/>
-                    <a:p>
-                      <a:r>
-                        <a:rPr lang="en-US" sz="2800" b="0" dirty="0" smtClean="0">
-                          <a:solidFill>
-                            <a:sysClr val="windowText" lastClr="000000"/>
-                          </a:solidFill>
-                        </a:rPr>
-                        <a:t>IS</a:t>
-                      </a:r>
-                      <a:endParaRPr lang="en-US" sz="2800" b="0" dirty="0">
-                        <a:solidFill>
-                          <a:sysClr val="windowText" lastClr="000000"/>
-                        </a:solidFill>
-                      </a:endParaRPr>
-                    </a:p>
-                  </a:txBody>
-                  <a:tcPr>
-                    <a:lnL w="12700" cmpd="sng">
-                      <a:noFill/>
-                    </a:lnL>
-                    <a:lnR w="12700" cmpd="sng">
-                      <a:noFill/>
-                    </a:lnR>
-                    <a:lnT w="38100" cmpd="sng">
-                      <a:noFill/>
-                    </a:lnT>
-                    <a:lnB w="12700" cmpd="sng">
-                      <a:noFill/>
-                    </a:lnB>
-                    <a:lnTlToBr w="12700" cmpd="sng">
-                      <a:noFill/>
-                      <a:prstDash val="solid"/>
-                    </a:lnTlToBr>
-                    <a:lnBlToTr w="12700" cmpd="sng">
-                      <a:noFill/>
-                      <a:prstDash val="solid"/>
-                    </a:lnBlToTr>
-                    <a:noFill/>
-                  </a:tcPr>
-                </a:tc>
-                <a:tc>
-                  <a:txBody>
-                    <a:bodyPr/>
-                    <a:lstStyle/>
-                    <a:p>
-                      <a:endParaRPr lang="en-US" sz="2800" b="0" dirty="0">
-                        <a:solidFill>
-                          <a:sysClr val="windowText" lastClr="000000"/>
-                        </a:solidFill>
-                      </a:endParaRPr>
-                    </a:p>
-                  </a:txBody>
-                  <a:tcPr>
-                    <a:lnL w="12700" cmpd="sng">
-                      <a:noFill/>
-                    </a:lnL>
-                    <a:lnR w="12700" cmpd="sng">
-                      <a:noFill/>
-                    </a:lnR>
-                    <a:lnT w="38100" cmpd="sng">
-                      <a:noFill/>
-                    </a:lnT>
-                    <a:lnB w="12700" cmpd="sng">
-                      <a:noFill/>
-                    </a:lnB>
-                    <a:lnTlToBr w="12700" cmpd="sng">
-                      <a:noFill/>
-                      <a:prstDash val="solid"/>
-                    </a:lnTlToBr>
-                    <a:lnBlToTr w="12700" cmpd="sng">
-                      <a:noFill/>
-                      <a:prstDash val="solid"/>
-                    </a:lnBlToTr>
-                    <a:noFill/>
-                  </a:tcPr>
-                </a:tc>
-                <a:tc>
-                  <a:txBody>
-                    <a:bodyPr/>
-                    <a:lstStyle/>
-                    <a:p>
-                      <a:r>
-                        <a:rPr lang="en-US" sz="2800" b="0" dirty="0" smtClean="0">
-                          <a:solidFill>
-                            <a:sysClr val="windowText" lastClr="000000"/>
-                          </a:solidFill>
-                        </a:rPr>
-                        <a:t>EXAMPLE</a:t>
-                      </a:r>
-                      <a:endParaRPr lang="en-US" sz="2800" b="0" dirty="0">
-                        <a:solidFill>
-                          <a:sysClr val="windowText" lastClr="000000"/>
-                        </a:solidFill>
-                      </a:endParaRPr>
-                    </a:p>
-                  </a:txBody>
-                  <a:tcPr>
-                    <a:lnL w="12700" cmpd="sng">
-                      <a:noFill/>
-                    </a:lnL>
-                    <a:lnR w="12700" cmpd="sng">
-                      <a:noFill/>
-                    </a:lnR>
-                    <a:lnT w="38100" cmpd="sng">
-                      <a:noFill/>
-                    </a:lnT>
-                    <a:lnB w="12700" cmpd="sng">
-                      <a:noFill/>
-                    </a:lnB>
-                    <a:lnTlToBr w="12700" cmpd="sng">
-                      <a:noFill/>
-                      <a:prstDash val="solid"/>
-                    </a:lnTlToBr>
-                    <a:lnBlToTr w="12700" cmpd="sng">
-                      <a:noFill/>
-                      <a:prstDash val="solid"/>
-                    </a:lnBlToTr>
-                    <a:noFill/>
-                  </a:tcPr>
-                </a:tc>
-                <a:tc>
-                  <a:txBody>
-                    <a:bodyPr/>
-                    <a:lstStyle/>
-                    <a:p>
-                      <a:r>
-                        <a:rPr lang="en-US" sz="2800" b="0" dirty="0" smtClean="0">
-                          <a:solidFill>
-                            <a:sysClr val="windowText" lastClr="000000"/>
-                          </a:solidFill>
-                        </a:rPr>
-                        <a:t>CENT</a:t>
-                      </a:r>
-                      <a:endParaRPr lang="en-US" sz="2800" b="0" dirty="0">
-                        <a:solidFill>
-                          <a:sysClr val="windowText" lastClr="000000"/>
-                        </a:solidFill>
-                      </a:endParaRPr>
-                    </a:p>
-                  </a:txBody>
-                  <a:tcPr>
-                    <a:lnL w="12700" cmpd="sng">
-                      <a:noFill/>
-                    </a:lnL>
-                    <a:lnR w="12700" cmpd="sng">
-                      <a:noFill/>
-                    </a:lnR>
-                    <a:lnT w="38100" cmpd="sng">
-                      <a:noFill/>
-                    </a:lnT>
-                    <a:lnB w="12700" cmpd="sng">
-                      <a:noFill/>
-                    </a:lnB>
-                    <a:lnTlToBr w="12700" cmpd="sng">
-                      <a:noFill/>
-                      <a:prstDash val="solid"/>
-                    </a:lnTlToBr>
-                    <a:lnBlToTr w="12700" cmpd="sng">
-                      <a:noFill/>
-                      <a:prstDash val="solid"/>
-                    </a:lnBlToTr>
-                    <a:noFill/>
-                  </a:tcPr>
-                </a:tc>
-                <a:tc>
-                  <a:txBody>
-                    <a:bodyPr/>
-                    <a:lstStyle/>
-                    <a:p>
-                      <a:r>
-                        <a:rPr lang="en-US" sz="2800" b="0" dirty="0" smtClean="0">
-                          <a:solidFill>
-                            <a:sysClr val="windowText" lastClr="000000"/>
-                          </a:solidFill>
-                        </a:rPr>
-                        <a:t>TENSE</a:t>
-                      </a:r>
-                      <a:endParaRPr lang="en-US" sz="2800" b="0" dirty="0">
-                        <a:solidFill>
-                          <a:sysClr val="windowText" lastClr="000000"/>
-                        </a:solidFill>
-                      </a:endParaRPr>
-                    </a:p>
-                  </a:txBody>
-                  <a:tcPr>
-                    <a:lnL w="12700" cmpd="sng">
-                      <a:noFill/>
-                    </a:lnL>
-                    <a:lnR w="12700" cmpd="sng">
-                      <a:noFill/>
-                    </a:lnR>
-                    <a:lnT w="38100" cmpd="sng">
-                      <a:noFill/>
-                    </a:lnT>
-                    <a:lnB w="12700" cmpd="sng">
-                      <a:noFill/>
-                    </a:lnB>
-                    <a:lnTlToBr w="12700" cmpd="sng">
-                      <a:noFill/>
-                      <a:prstDash val="solid"/>
-                    </a:lnTlToBr>
-                    <a:lnBlToTr w="12700" cmpd="sng">
-                      <a:noFill/>
-                      <a:prstDash val="solid"/>
-                    </a:lnBlToTr>
-                    <a:noFill/>
-                  </a:tcPr>
-                </a:tc>
-              </a:tr>
-              <a:tr h="384110">
-                <a:tc>
-                  <a:txBody>
-                    <a:bodyPr/>
-                    <a:lstStyle/>
-                    <a:p>
-                      <a:r>
-                        <a:rPr lang="en-US" sz="2800" b="1" dirty="0" smtClean="0">
-                          <a:solidFill>
-                            <a:sysClr val="windowText" lastClr="000000"/>
-                          </a:solidFill>
-                        </a:rPr>
-                        <a:t>Score</a:t>
-                      </a:r>
-                      <a:endParaRPr lang="en-US" sz="2800" b="1" dirty="0">
-                        <a:solidFill>
-                          <a:sysClr val="windowText" lastClr="000000"/>
-                        </a:solidFill>
-                      </a:endParaRPr>
-                    </a:p>
-                  </a:txBody>
-                  <a:tcPr>
-                    <a:lnL w="12700" cmpd="sng">
-                      <a:noFill/>
-                    </a:lnL>
-                    <a:lnR w="12700" cmpd="sng">
-                      <a:noFill/>
-                    </a:lnR>
-                    <a:lnT w="12700" cmpd="sng">
-                      <a:noFill/>
-                    </a:lnT>
-                    <a:lnB w="12700" cmpd="sng">
-                      <a:noFill/>
-                    </a:lnB>
-                    <a:lnTlToBr w="12700" cmpd="sng">
-                      <a:noFill/>
-                      <a:prstDash val="solid"/>
-                    </a:lnTlToBr>
-                    <a:lnBlToTr w="12700" cmpd="sng">
-                      <a:noFill/>
-                      <a:prstDash val="solid"/>
-                    </a:lnBlToTr>
-                    <a:noFill/>
-                  </a:tcPr>
-                </a:tc>
-                <a:tc>
-                  <a:txBody>
-                    <a:bodyPr/>
-                    <a:lstStyle/>
-                    <a:p>
-                      <a:endParaRPr lang="en-US" sz="2800" b="0" dirty="0">
-                        <a:solidFill>
-                          <a:sysClr val="windowText" lastClr="000000"/>
-                        </a:solidFill>
-                      </a:endParaRPr>
-                    </a:p>
-                  </a:txBody>
-                  <a:tcPr>
-                    <a:lnL w="12700" cmpd="sng">
-                      <a:noFill/>
-                    </a:lnL>
-                    <a:lnR w="12700" cmpd="sng">
-                      <a:noFill/>
-                    </a:lnR>
-                    <a:lnT w="12700" cmpd="sng">
-                      <a:noFill/>
-                    </a:lnT>
-                    <a:lnB w="12700" cmpd="sng">
-                      <a:noFill/>
-                    </a:lnB>
-                    <a:lnTlToBr w="12700" cmpd="sng">
-                      <a:noFill/>
-                      <a:prstDash val="solid"/>
-                    </a:lnTlToBr>
-                    <a:lnBlToTr w="12700" cmpd="sng">
-                      <a:noFill/>
-                      <a:prstDash val="solid"/>
-                    </a:lnBlToTr>
-                    <a:noFill/>
-                  </a:tcPr>
-                </a:tc>
-                <a:tc>
-                  <a:txBody>
-                    <a:bodyPr/>
-                    <a:lstStyle/>
-                    <a:p>
-                      <a:endParaRPr lang="en-US" sz="2800" b="0" dirty="0">
-                        <a:solidFill>
-                          <a:sysClr val="windowText" lastClr="000000"/>
-                        </a:solidFill>
-                      </a:endParaRPr>
-                    </a:p>
-                  </a:txBody>
-                  <a:tcPr>
-                    <a:lnL w="12700" cmpd="sng">
-                      <a:noFill/>
-                    </a:lnL>
-                    <a:lnR w="12700" cmpd="sng">
-                      <a:noFill/>
-                    </a:lnR>
-                    <a:lnT w="12700" cmpd="sng">
-                      <a:noFill/>
-                    </a:lnT>
-                    <a:lnB w="12700" cmpd="sng">
-                      <a:noFill/>
-                    </a:lnB>
-                    <a:lnTlToBr w="12700" cmpd="sng">
-                      <a:noFill/>
-                      <a:prstDash val="solid"/>
-                    </a:lnTlToBr>
-                    <a:lnBlToTr w="12700" cmpd="sng">
-                      <a:noFill/>
-                      <a:prstDash val="solid"/>
-                    </a:lnBlToTr>
-                    <a:noFill/>
-                  </a:tcPr>
-                </a:tc>
-                <a:tc>
-                  <a:txBody>
-                    <a:bodyPr/>
-                    <a:lstStyle/>
-                    <a:p>
-                      <a:r>
-                        <a:rPr lang="en-US" sz="2800" b="0" i="1" dirty="0" smtClean="0">
-                          <a:solidFill>
-                            <a:sysClr val="windowText" lastClr="000000"/>
-                          </a:solidFill>
-                        </a:rPr>
-                        <a:t>Del.</a:t>
-                      </a:r>
-                      <a:endParaRPr lang="en-US" sz="2800" b="0" i="1" dirty="0">
-                        <a:solidFill>
-                          <a:sysClr val="windowText" lastClr="000000"/>
-                        </a:solidFill>
-                      </a:endParaRPr>
-                    </a:p>
-                  </a:txBody>
-                  <a:tcPr>
-                    <a:lnL w="12700" cmpd="sng">
-                      <a:noFill/>
-                    </a:lnL>
-                    <a:lnR w="12700" cmpd="sng">
-                      <a:noFill/>
-                    </a:lnR>
-                    <a:lnT w="12700" cmpd="sng">
-                      <a:noFill/>
-                    </a:lnT>
-                    <a:lnB w="12700" cmpd="sng">
-                      <a:noFill/>
-                    </a:lnB>
-                    <a:lnTlToBr w="12700" cmpd="sng">
-                      <a:noFill/>
-                      <a:prstDash val="solid"/>
-                    </a:lnTlToBr>
-                    <a:lnBlToTr w="12700" cmpd="sng">
-                      <a:noFill/>
-                      <a:prstDash val="solid"/>
-                    </a:lnBlToTr>
-                    <a:noFill/>
-                  </a:tcPr>
-                </a:tc>
-                <a:tc>
-                  <a:txBody>
-                    <a:bodyPr/>
-                    <a:lstStyle/>
-                    <a:p>
-                      <a:endParaRPr lang="en-US" sz="2800" b="0" i="1" dirty="0">
-                        <a:solidFill>
-                          <a:sysClr val="windowText" lastClr="000000"/>
-                        </a:solidFill>
-                      </a:endParaRPr>
-                    </a:p>
-                  </a:txBody>
-                  <a:tcPr>
-                    <a:lnL w="12700" cmpd="sng">
-                      <a:noFill/>
-                    </a:lnL>
-                    <a:lnR w="12700" cmpd="sng">
-                      <a:noFill/>
-                    </a:lnR>
-                    <a:lnT w="12700" cmpd="sng">
-                      <a:noFill/>
-                    </a:lnT>
-                    <a:lnB w="12700" cmpd="sng">
-                      <a:noFill/>
-                    </a:lnB>
-                    <a:lnTlToBr w="12700" cmpd="sng">
-                      <a:noFill/>
-                      <a:prstDash val="solid"/>
-                    </a:lnTlToBr>
-                    <a:lnBlToTr w="12700" cmpd="sng">
-                      <a:noFill/>
-                      <a:prstDash val="solid"/>
-                    </a:lnBlToTr>
-                    <a:noFill/>
-                  </a:tcPr>
-                </a:tc>
-                <a:tc>
-                  <a:txBody>
-                    <a:bodyPr/>
-                    <a:lstStyle/>
-                    <a:p>
-                      <a:r>
-                        <a:rPr lang="en-US" sz="2800" b="0" i="1" dirty="0" smtClean="0">
-                          <a:solidFill>
-                            <a:sysClr val="windowText" lastClr="000000"/>
-                          </a:solidFill>
-                        </a:rPr>
-                        <a:t>Subs.</a:t>
-                      </a:r>
-                      <a:endParaRPr lang="en-US" sz="2800" b="0" i="1" dirty="0">
-                        <a:solidFill>
-                          <a:sysClr val="windowText" lastClr="000000"/>
-                        </a:solidFill>
-                      </a:endParaRPr>
-                    </a:p>
-                  </a:txBody>
-                  <a:tcPr>
-                    <a:lnL w="12700" cmpd="sng">
-                      <a:noFill/>
-                    </a:lnL>
-                    <a:lnR w="12700" cmpd="sng">
-                      <a:noFill/>
-                    </a:lnR>
-                    <a:lnT w="12700" cmpd="sng">
-                      <a:noFill/>
-                    </a:lnT>
-                    <a:lnB w="12700" cmpd="sng">
-                      <a:noFill/>
-                    </a:lnB>
-                    <a:lnTlToBr w="12700" cmpd="sng">
-                      <a:noFill/>
-                      <a:prstDash val="solid"/>
-                    </a:lnTlToBr>
-                    <a:lnBlToTr w="12700" cmpd="sng">
-                      <a:noFill/>
-                      <a:prstDash val="solid"/>
-                    </a:lnBlToTr>
-                    <a:noFill/>
-                  </a:tcPr>
-                </a:tc>
-                <a:tc>
-                  <a:txBody>
-                    <a:bodyPr/>
-                    <a:lstStyle/>
-                    <a:p>
-                      <a:r>
-                        <a:rPr lang="en-US" sz="2800" b="0" i="1" dirty="0" smtClean="0">
-                          <a:solidFill>
-                            <a:sysClr val="windowText" lastClr="000000"/>
-                          </a:solidFill>
-                        </a:rPr>
-                        <a:t>Insert.</a:t>
-                      </a:r>
-                      <a:endParaRPr lang="en-US" sz="2800" b="0" i="1" dirty="0">
-                        <a:solidFill>
-                          <a:sysClr val="windowText" lastClr="000000"/>
-                        </a:solidFill>
-                      </a:endParaRPr>
-                    </a:p>
-                  </a:txBody>
-                  <a:tcPr>
-                    <a:lnL w="12700" cmpd="sng">
-                      <a:noFill/>
-                    </a:lnL>
-                    <a:lnR w="12700" cmpd="sng">
-                      <a:noFill/>
-                    </a:lnR>
-                    <a:lnT w="12700" cmpd="sng">
-                      <a:noFill/>
-                    </a:lnT>
-                    <a:lnB w="12700" cmpd="sng">
-                      <a:noFill/>
-                    </a:lnB>
-                    <a:lnTlToBr w="12700" cmpd="sng">
-                      <a:noFill/>
-                      <a:prstDash val="solid"/>
-                    </a:lnTlToBr>
-                    <a:lnBlToTr w="12700" cmpd="sng">
-                      <a:noFill/>
-                      <a:prstDash val="solid"/>
-                    </a:lnBlToTr>
-                    <a:noFill/>
-                  </a:tcPr>
-                </a:tc>
-              </a:tr>
-            </a:tbl>
-          </a:graphicData>
-        </a:graphic>
-      </p:graphicFrame>
       <p:graphicFrame>
         <p:nvGraphicFramePr>
           <p:cNvPr id="5" name="Object 4"/>
@@ -15152,7 +14756,7 @@
           <a:graphicData uri="http://schemas.openxmlformats.org/presentationml/2006/ole">
             <mc:AlternateContent xmlns:mc="http://schemas.openxmlformats.org/markup-compatibility/2006">
               <mc:Choice xmlns:v="urn:schemas-microsoft-com:vml" Requires="v">
-                <p:oleObj spid="_x0000_s251913" name="Equation" r:id="rId3" imgW="2616120" imgH="419040" progId="Equation.3">
+                <p:oleObj spid="_x0000_s251916" name="Equation" r:id="rId3" imgW="2616120" imgH="419040" progId="Equation.3">
                   <p:embed/>
                 </p:oleObj>
               </mc:Choice>
@@ -15221,7 +14825,7 @@
 </p:sld>
 </file>
 
-<file path=ppt/slides/slide18.xml><?xml version="1.0" encoding="utf-8"?>
+<file path=ppt/slides/slide17.xml><?xml version="1.0" encoding="utf-8"?>
 <p:sld xmlns:a="http://schemas.openxmlformats.org/drawingml/2006/main" xmlns:r="http://schemas.openxmlformats.org/officeDocument/2006/relationships" xmlns:p="http://schemas.openxmlformats.org/presentationml/2006/main">
   <p:cSld>
     <p:spTree>
@@ -16343,7 +15947,7 @@
           <a:graphicData uri="http://schemas.openxmlformats.org/presentationml/2006/ole">
             <mc:AlternateContent xmlns:mc="http://schemas.openxmlformats.org/markup-compatibility/2006">
               <mc:Choice xmlns:v="urn:schemas-microsoft-com:vml" Requires="v">
-                <p:oleObj spid="_x0000_s252937" name="Equation" r:id="rId3" imgW="2616120" imgH="419040" progId="Equation.3">
+                <p:oleObj spid="_x0000_s252940" name="Equation" r:id="rId3" imgW="2616120" imgH="419040" progId="Equation.3">
                   <p:embed/>
                 </p:oleObj>
               </mc:Choice>
@@ -16412,7 +16016,7 @@
 </p:sld>
 </file>
 
-<file path=ppt/slides/slide19.xml><?xml version="1.0" encoding="utf-8"?>
+<file path=ppt/slides/slide18.xml><?xml version="1.0" encoding="utf-8"?>
 <p:sld xmlns:a="http://schemas.openxmlformats.org/drawingml/2006/main" xmlns:r="http://schemas.openxmlformats.org/officeDocument/2006/relationships" xmlns:p="http://schemas.openxmlformats.org/presentationml/2006/main">
   <p:cSld>
     <p:spTree>
@@ -17048,6 +16652,77 @@
 </p:sld>
 </file>
 
+<file path=ppt/slides/slide19.xml><?xml version="1.0" encoding="utf-8"?>
+<p:sld xmlns:a="http://schemas.openxmlformats.org/drawingml/2006/main" xmlns:r="http://schemas.openxmlformats.org/officeDocument/2006/relationships" xmlns:p="http://schemas.openxmlformats.org/presentationml/2006/main">
+  <p:cSld>
+    <p:spTree>
+      <p:nvGrpSpPr>
+        <p:cNvPr id="1" name=""/>
+        <p:cNvGrpSpPr/>
+        <p:nvPr/>
+      </p:nvGrpSpPr>
+      <p:grpSpPr>
+        <a:xfrm>
+          <a:off x="0" y="0"/>
+          <a:ext cx="0" cy="0"/>
+          <a:chOff x="0" y="0"/>
+          <a:chExt cx="0" cy="0"/>
+        </a:xfrm>
+      </p:grpSpPr>
+      <p:sp>
+        <p:nvSpPr>
+          <p:cNvPr id="2" name="Title 1"/>
+          <p:cNvSpPr>
+            <a:spLocks noGrp="1"/>
+          </p:cNvSpPr>
+          <p:nvPr>
+            <p:ph type="title"/>
+          </p:nvPr>
+        </p:nvSpPr>
+        <p:spPr/>
+        <p:txBody>
+          <a:bodyPr/>
+          <a:lstStyle/>
+          <a:p>
+            <a:r>
+              <a:rPr lang="en-US" dirty="0" smtClean="0"/>
+              <a:t>Why do we need data?</a:t>
+            </a:r>
+            <a:endParaRPr lang="en-US" dirty="0"/>
+          </a:p>
+        </p:txBody>
+      </p:sp>
+      <p:graphicFrame>
+        <p:nvGraphicFramePr>
+          <p:cNvPr id="4" name="Chart 3"/>
+          <p:cNvGraphicFramePr/>
+          <p:nvPr/>
+        </p:nvGraphicFramePr>
+        <p:xfrm>
+          <a:off x="304800" y="1143000"/>
+          <a:ext cx="8534400" cy="5257800"/>
+        </p:xfrm>
+        <a:graphic>
+          <a:graphicData uri="http://schemas.openxmlformats.org/drawingml/2006/chart">
+            <c:chart xmlns:c="http://schemas.openxmlformats.org/drawingml/2006/chart" xmlns:r="http://schemas.openxmlformats.org/officeDocument/2006/relationships" r:id="rId2"/>
+          </a:graphicData>
+        </a:graphic>
+      </p:graphicFrame>
+    </p:spTree>
+  </p:cSld>
+  <p:clrMapOvr>
+    <a:masterClrMapping/>
+  </p:clrMapOvr>
+  <p:timing>
+    <p:tnLst>
+      <p:par>
+        <p:cTn xmlns:p14="http://schemas.microsoft.com/office/powerpoint/2010/main" id="1" dur="indefinite" restart="never" nodeType="tmRoot"/>
+      </p:par>
+    </p:tnLst>
+  </p:timing>
+</p:sld>
+</file>
+
 <file path=ppt/slides/slide2.xml><?xml version="1.0" encoding="utf-8"?>
 <p:sld xmlns:a="http://schemas.openxmlformats.org/drawingml/2006/main" xmlns:r="http://schemas.openxmlformats.org/officeDocument/2006/relationships" xmlns:p="http://schemas.openxmlformats.org/presentationml/2006/main">
   <p:cSld>
@@ -17072,373 +16747,113 @@
             <a:spLocks noGrp="1"/>
           </p:cNvSpPr>
           <p:nvPr>
-            <p:ph type="ctrTitle"/>
+            <p:ph type="title"/>
           </p:nvPr>
         </p:nvSpPr>
-        <p:spPr>
-          <a:xfrm>
-            <a:off x="685800" y="1371600"/>
-            <a:ext cx="7772400" cy="1470025"/>
-          </a:xfrm>
-        </p:spPr>
+        <p:spPr/>
         <p:txBody>
           <a:bodyPr/>
           <a:lstStyle/>
           <a:p>
             <a:r>
-              <a:rPr lang="en-US" b="1" i="1" dirty="0" smtClean="0">
-                <a:solidFill>
-                  <a:schemeClr val="bg1">
-                    <a:lumMod val="50000"/>
-                  </a:schemeClr>
-                </a:solidFill>
-              </a:rPr>
-              <a:t>Speech Transcription with</a:t>
-            </a:r>
-            <a:br>
-              <a:rPr lang="en-US" b="1" i="1" dirty="0" smtClean="0">
-                <a:solidFill>
-                  <a:schemeClr val="bg1">
-                    <a:lumMod val="50000"/>
-                  </a:schemeClr>
-                </a:solidFill>
-              </a:rPr>
-            </a:br>
-            <a:r>
-              <a:rPr lang="en-US" b="1" i="1" dirty="0" err="1" smtClean="0">
-                <a:solidFill>
-                  <a:schemeClr val="bg1">
-                    <a:lumMod val="50000"/>
-                  </a:schemeClr>
-                </a:solidFill>
-              </a:rPr>
-              <a:t>Crowdsourcing</a:t>
-            </a:r>
-            <a:endParaRPr lang="en-US" b="1" i="1" dirty="0">
-              <a:solidFill>
-                <a:schemeClr val="bg1">
-                  <a:lumMod val="50000"/>
-                </a:schemeClr>
-              </a:solidFill>
-            </a:endParaRPr>
+              <a:rPr lang="en-US" dirty="0" smtClean="0"/>
+              <a:t>Lecture Takeaways</a:t>
+            </a:r>
+            <a:endParaRPr lang="en-US" dirty="0"/>
           </a:p>
         </p:txBody>
       </p:sp>
       <p:sp>
         <p:nvSpPr>
-          <p:cNvPr id="5" name="Subtitle 2"/>
-          <p:cNvSpPr txBox="1">
-            <a:spLocks/>
+          <p:cNvPr id="3" name="Content Placeholder 2"/>
+          <p:cNvSpPr>
+            <a:spLocks noGrp="1"/>
           </p:cNvSpPr>
-          <p:nvPr/>
+          <p:nvPr>
+            <p:ph idx="1"/>
+          </p:nvPr>
         </p:nvSpPr>
-        <p:spPr bwMode="auto">
-          <a:xfrm>
-            <a:off x="381000" y="3124200"/>
-            <a:ext cx="8610600" cy="2819400"/>
-          </a:xfrm>
-          <a:prstGeom prst="rect">
-            <a:avLst/>
-          </a:prstGeom>
-          <a:noFill/>
-          <a:ln w="9525">
-            <a:noFill/>
-            <a:miter lim="800000"/>
-            <a:headEnd/>
-            <a:tailEnd/>
-          </a:ln>
-        </p:spPr>
+        <p:spPr/>
         <p:txBody>
-          <a:bodyPr vert="horz" wrap="square" lIns="91440" tIns="45720" rIns="91440" bIns="45720" numCol="1" anchor="t" anchorCtr="0" compatLnSpc="1">
-            <a:prstTxWarp prst="textNoShape">
-              <a:avLst/>
-            </a:prstTxWarp>
-          </a:bodyPr>
-          <a:lstStyle>
-            <a:lvl1pPr marL="0" indent="0" algn="ctr" rtl="0" eaLnBrk="0" fontAlgn="base" hangingPunct="0">
-              <a:spcBef>
-                <a:spcPct val="20000"/>
-              </a:spcBef>
-              <a:spcAft>
-                <a:spcPct val="0"/>
-              </a:spcAft>
-              <a:buFont typeface="Arial" pitchFamily="34" charset="0"/>
-              <a:buNone/>
-              <a:defRPr sz="3200" kern="1200">
-                <a:solidFill>
-                  <a:schemeClr val="tx1">
-                    <a:tint val="75000"/>
-                  </a:schemeClr>
-                </a:solidFill>
-                <a:latin typeface="+mn-lt"/>
-                <a:ea typeface="+mn-ea"/>
-                <a:cs typeface="+mn-cs"/>
-              </a:defRPr>
-            </a:lvl1pPr>
-            <a:lvl2pPr marL="457200" indent="0" algn="ctr" rtl="0" eaLnBrk="0" fontAlgn="base" hangingPunct="0">
-              <a:spcBef>
-                <a:spcPct val="20000"/>
-              </a:spcBef>
-              <a:spcAft>
-                <a:spcPct val="0"/>
-              </a:spcAft>
-              <a:buFont typeface="Arial" pitchFamily="34" charset="0"/>
-              <a:buNone/>
-              <a:defRPr sz="2800" kern="1200">
-                <a:solidFill>
-                  <a:schemeClr val="tx1">
-                    <a:tint val="75000"/>
-                  </a:schemeClr>
-                </a:solidFill>
-                <a:latin typeface="+mn-lt"/>
-                <a:ea typeface="+mn-ea"/>
-                <a:cs typeface="+mn-cs"/>
-              </a:defRPr>
-            </a:lvl2pPr>
-            <a:lvl3pPr marL="914400" indent="0" algn="ctr" rtl="0" eaLnBrk="0" fontAlgn="base" hangingPunct="0">
-              <a:spcBef>
-                <a:spcPct val="20000"/>
-              </a:spcBef>
-              <a:spcAft>
-                <a:spcPct val="0"/>
-              </a:spcAft>
-              <a:buFont typeface="Arial" pitchFamily="34" charset="0"/>
-              <a:buNone/>
-              <a:defRPr sz="2400" kern="1200">
-                <a:solidFill>
-                  <a:schemeClr val="tx1">
-                    <a:tint val="75000"/>
-                  </a:schemeClr>
-                </a:solidFill>
-                <a:latin typeface="+mn-lt"/>
-                <a:ea typeface="+mn-ea"/>
-                <a:cs typeface="+mn-cs"/>
-              </a:defRPr>
-            </a:lvl3pPr>
-            <a:lvl4pPr marL="1371600" indent="0" algn="ctr" rtl="0" eaLnBrk="0" fontAlgn="base" hangingPunct="0">
-              <a:spcBef>
-                <a:spcPct val="20000"/>
-              </a:spcBef>
-              <a:spcAft>
-                <a:spcPct val="0"/>
-              </a:spcAft>
-              <a:buFont typeface="Arial" pitchFamily="34" charset="0"/>
-              <a:buNone/>
-              <a:defRPr sz="2000" kern="1200">
-                <a:solidFill>
-                  <a:schemeClr val="tx1">
-                    <a:tint val="75000"/>
-                  </a:schemeClr>
-                </a:solidFill>
-                <a:latin typeface="+mn-lt"/>
-                <a:ea typeface="+mn-ea"/>
-                <a:cs typeface="+mn-cs"/>
-              </a:defRPr>
-            </a:lvl4pPr>
-            <a:lvl5pPr marL="1828800" indent="0" algn="ctr" rtl="0" eaLnBrk="0" fontAlgn="base" hangingPunct="0">
-              <a:spcBef>
-                <a:spcPct val="20000"/>
-              </a:spcBef>
-              <a:spcAft>
-                <a:spcPct val="0"/>
-              </a:spcAft>
-              <a:buFont typeface="Arial" pitchFamily="34" charset="0"/>
-              <a:buNone/>
-              <a:defRPr sz="2000" kern="1200">
-                <a:solidFill>
-                  <a:schemeClr val="tx1">
-                    <a:tint val="75000"/>
-                  </a:schemeClr>
-                </a:solidFill>
-                <a:latin typeface="+mn-lt"/>
-                <a:ea typeface="+mn-ea"/>
-                <a:cs typeface="+mn-cs"/>
-              </a:defRPr>
-            </a:lvl5pPr>
-            <a:lvl6pPr marL="2286000" indent="0" algn="ctr" defTabSz="914400" rtl="0" eaLnBrk="1" latinLnBrk="0" hangingPunct="1">
-              <a:spcBef>
-                <a:spcPct val="20000"/>
-              </a:spcBef>
-              <a:buFont typeface="Arial" pitchFamily="34" charset="0"/>
-              <a:buNone/>
-              <a:defRPr sz="2000" kern="1200">
-                <a:solidFill>
-                  <a:schemeClr val="tx1">
-                    <a:tint val="75000"/>
-                  </a:schemeClr>
-                </a:solidFill>
-                <a:latin typeface="+mn-lt"/>
-                <a:ea typeface="+mn-ea"/>
-                <a:cs typeface="+mn-cs"/>
-              </a:defRPr>
-            </a:lvl6pPr>
-            <a:lvl7pPr marL="2743200" indent="0" algn="ctr" defTabSz="914400" rtl="0" eaLnBrk="1" latinLnBrk="0" hangingPunct="1">
-              <a:spcBef>
-                <a:spcPct val="20000"/>
-              </a:spcBef>
-              <a:buFont typeface="Arial" pitchFamily="34" charset="0"/>
-              <a:buNone/>
-              <a:defRPr sz="2000" kern="1200">
-                <a:solidFill>
-                  <a:schemeClr val="tx1">
-                    <a:tint val="75000"/>
-                  </a:schemeClr>
-                </a:solidFill>
-                <a:latin typeface="+mn-lt"/>
-                <a:ea typeface="+mn-ea"/>
-                <a:cs typeface="+mn-cs"/>
-              </a:defRPr>
-            </a:lvl7pPr>
-            <a:lvl8pPr marL="3200400" indent="0" algn="ctr" defTabSz="914400" rtl="0" eaLnBrk="1" latinLnBrk="0" hangingPunct="1">
-              <a:spcBef>
-                <a:spcPct val="20000"/>
-              </a:spcBef>
-              <a:buFont typeface="Arial" pitchFamily="34" charset="0"/>
-              <a:buNone/>
-              <a:defRPr sz="2000" kern="1200">
-                <a:solidFill>
-                  <a:schemeClr val="tx1">
-                    <a:tint val="75000"/>
-                  </a:schemeClr>
-                </a:solidFill>
-                <a:latin typeface="+mn-lt"/>
-                <a:ea typeface="+mn-ea"/>
-                <a:cs typeface="+mn-cs"/>
-              </a:defRPr>
-            </a:lvl8pPr>
-            <a:lvl9pPr marL="3657600" indent="0" algn="ctr" defTabSz="914400" rtl="0" eaLnBrk="1" latinLnBrk="0" hangingPunct="1">
-              <a:spcBef>
-                <a:spcPct val="20000"/>
-              </a:spcBef>
-              <a:buFont typeface="Arial" pitchFamily="34" charset="0"/>
-              <a:buNone/>
-              <a:defRPr sz="2000" kern="1200">
-                <a:solidFill>
-                  <a:schemeClr val="tx1">
-                    <a:tint val="75000"/>
-                  </a:schemeClr>
-                </a:solidFill>
-                <a:latin typeface="+mn-lt"/>
-                <a:ea typeface="+mn-ea"/>
-                <a:cs typeface="+mn-cs"/>
-              </a:defRPr>
-            </a:lvl9pPr>
-          </a:lstStyle>
-          <a:p>
-            <a:r>
-              <a:rPr lang="en-US" b="1" dirty="0" smtClean="0">
-                <a:solidFill>
-                  <a:schemeClr val="tx1"/>
-                </a:solidFill>
+          <a:bodyPr/>
+          <a:lstStyle/>
+          <a:p>
+            <a:pPr marL="742950" indent="-742950">
+              <a:buFont typeface="+mj-lt"/>
+              <a:buAutoNum type="arabicPeriod"/>
+            </a:pPr>
+            <a:r>
+              <a:rPr lang="en-US" sz="3200" dirty="0" smtClean="0">
+                <a:latin typeface="+mj-lt"/>
               </a:rPr>
-              <a:t>Crowdsourcing and Human Computation</a:t>
-            </a:r>
-          </a:p>
-          <a:p>
-            <a:r>
-              <a:rPr lang="en-US" b="1" dirty="0" smtClean="0">
-                <a:solidFill>
-                  <a:schemeClr val="tx1"/>
-                </a:solidFill>
+              <a:t>Get more data, not better data</a:t>
+            </a:r>
+          </a:p>
+          <a:p>
+            <a:pPr marL="742950" indent="-742950">
+              <a:buFont typeface="+mj-lt"/>
+              <a:buAutoNum type="arabicPeriod"/>
+            </a:pPr>
+            <a:r>
+              <a:rPr lang="en-US" sz="3200" dirty="0" smtClean="0">
+                <a:latin typeface="+mj-lt"/>
               </a:rPr>
-              <a:t>Lecture 20</a:t>
-            </a:r>
-          </a:p>
-          <a:p>
-            <a:r>
-              <a:rPr lang="en-US" b="1" dirty="0" smtClean="0">
-                <a:solidFill>
-                  <a:schemeClr val="tx1"/>
-                </a:solidFill>
+              <a:t>Use other </a:t>
+            </a:r>
+            <a:r>
+              <a:rPr lang="en-US" sz="3200" dirty="0" err="1" smtClean="0">
+                <a:latin typeface="+mj-lt"/>
               </a:rPr>
-              <a:t>Instructor: Chris Callison-Burch</a:t>
-            </a:r>
-          </a:p>
-          <a:p>
-            <a:r>
-              <a:rPr lang="en-US" b="1" dirty="0" smtClean="0">
-                <a:solidFill>
-                  <a:schemeClr val="tx1"/>
-                </a:solidFill>
+              <a:t>Turkers</a:t>
+            </a:r>
+            <a:r>
+              <a:rPr lang="en-US" sz="3200" dirty="0" smtClean="0">
+                <a:latin typeface="+mj-lt"/>
               </a:rPr>
-              <a:t>TA: Ellie </a:t>
-            </a:r>
-            <a:r>
-              <a:rPr lang="en-US" b="1" dirty="0" err="1" smtClean="0">
-                <a:solidFill>
-                  <a:schemeClr val="tx1"/>
-                </a:solidFill>
+              <a:t> to do QC for you</a:t>
+            </a:r>
+          </a:p>
+          <a:p>
+            <a:pPr marL="742950" indent="-742950">
+              <a:buFont typeface="+mj-lt"/>
+              <a:buAutoNum type="arabicPeriod"/>
+            </a:pPr>
+            <a:r>
+              <a:rPr lang="en-US" sz="3200" dirty="0" smtClean="0">
+                <a:latin typeface="+mj-lt"/>
               </a:rPr>
-              <a:t>Pavlick</a:t>
-            </a:r>
-            <a:endParaRPr lang="en-US" b="1" dirty="0" smtClean="0">
-              <a:solidFill>
-                <a:schemeClr val="tx1"/>
-              </a:solidFill>
+              <a:t>Non-English </a:t>
+            </a:r>
+            <a:r>
+              <a:rPr lang="en-US" sz="3200" dirty="0" err="1" smtClean="0">
+                <a:latin typeface="+mj-lt"/>
+              </a:rPr>
+              <a:t>crowdsourcing</a:t>
+            </a:r>
+            <a:r>
+              <a:rPr lang="en-US" sz="3200" dirty="0" smtClean="0">
+                <a:latin typeface="+mj-lt"/>
+              </a:rPr>
+              <a:t> is not easy</a:t>
+            </a:r>
+          </a:p>
+          <a:p>
+            <a:pPr marL="742950" indent="-742950">
+              <a:buFont typeface="+mj-lt"/>
+              <a:buAutoNum type="arabicPeriod"/>
+            </a:pPr>
+            <a:endParaRPr lang="en-US" sz="3200" dirty="0" smtClean="0">
+              <a:latin typeface="+mj-lt"/>
             </a:endParaRPr>
           </a:p>
           <a:p>
-            <a:endParaRPr lang="en-US" b="1" dirty="0">
-              <a:solidFill>
-                <a:schemeClr val="tx1"/>
-              </a:solidFill>
-            </a:endParaRPr>
-          </a:p>
-          <a:p>
-            <a:r>
-              <a:rPr lang="en-US" b="1" dirty="0" smtClean="0">
-                <a:solidFill>
-                  <a:schemeClr val="tx1"/>
-                </a:solidFill>
-              </a:rPr>
-              <a:t>Thanks to </a:t>
-            </a:r>
-            <a:r>
-              <a:rPr lang="en-US" b="1" dirty="0">
-                <a:solidFill>
-                  <a:schemeClr val="tx1"/>
-                </a:solidFill>
-              </a:rPr>
-              <a:t>Scott </a:t>
-            </a:r>
-            <a:r>
-              <a:rPr lang="en-US" b="1" dirty="0" err="1" smtClean="0">
-                <a:solidFill>
-                  <a:schemeClr val="tx1"/>
-                </a:solidFill>
-              </a:rPr>
-              <a:t>Novotney</a:t>
-            </a:r>
-            <a:r>
-              <a:rPr lang="en-US" b="1" dirty="0">
-                <a:solidFill>
-                  <a:schemeClr val="tx1"/>
-                </a:solidFill>
-              </a:rPr>
-              <a:t> </a:t>
-            </a:r>
-            <a:r>
-              <a:rPr lang="en-US" b="1" dirty="0" smtClean="0">
-                <a:solidFill>
-                  <a:schemeClr val="tx1"/>
-                </a:solidFill>
-              </a:rPr>
-              <a:t>for today’s slides!</a:t>
-            </a:r>
-            <a:endParaRPr lang="en-US" b="1" dirty="0">
-              <a:solidFill>
-                <a:schemeClr val="tx1"/>
-              </a:solidFill>
+            <a:endParaRPr lang="en-US" sz="3200" dirty="0" smtClean="0">
+              <a:latin typeface="+mj-lt"/>
             </a:endParaRPr>
           </a:p>
         </p:txBody>
       </p:sp>
     </p:spTree>
-    <p:extLst>
-      <p:ext uri="{BB962C8B-B14F-4D97-AF65-F5344CB8AC3E}">
-        <p14:creationId xmlns:p14="http://schemas.microsoft.com/office/powerpoint/2010/main" val="3610370829"/>
-      </p:ext>
-    </p:extLst>
   </p:cSld>
   <p:clrMapOvr>
     <a:masterClrMapping/>
@@ -17486,77 +16901,6 @@
           <a:lstStyle/>
           <a:p>
             <a:r>
-              <a:rPr lang="en-US" dirty="0" smtClean="0"/>
-              <a:t>Why do we need data?</a:t>
-            </a:r>
-            <a:endParaRPr lang="en-US" dirty="0"/>
-          </a:p>
-        </p:txBody>
-      </p:sp>
-      <p:graphicFrame>
-        <p:nvGraphicFramePr>
-          <p:cNvPr id="4" name="Chart 3"/>
-          <p:cNvGraphicFramePr/>
-          <p:nvPr/>
-        </p:nvGraphicFramePr>
-        <p:xfrm>
-          <a:off x="304800" y="1143000"/>
-          <a:ext cx="8534400" cy="5257800"/>
-        </p:xfrm>
-        <a:graphic>
-          <a:graphicData uri="http://schemas.openxmlformats.org/drawingml/2006/chart">
-            <c:chart xmlns:c="http://schemas.openxmlformats.org/drawingml/2006/chart" xmlns:r="http://schemas.openxmlformats.org/officeDocument/2006/relationships" r:id="rId2"/>
-          </a:graphicData>
-        </a:graphic>
-      </p:graphicFrame>
-    </p:spTree>
-  </p:cSld>
-  <p:clrMapOvr>
-    <a:masterClrMapping/>
-  </p:clrMapOvr>
-  <p:timing>
-    <p:tnLst>
-      <p:par>
-        <p:cTn xmlns:p14="http://schemas.microsoft.com/office/powerpoint/2010/main" id="1" dur="indefinite" restart="never" nodeType="tmRoot"/>
-      </p:par>
-    </p:tnLst>
-  </p:timing>
-</p:sld>
-</file>
-
-<file path=ppt/slides/slide21.xml><?xml version="1.0" encoding="utf-8"?>
-<p:sld xmlns:a="http://schemas.openxmlformats.org/drawingml/2006/main" xmlns:r="http://schemas.openxmlformats.org/officeDocument/2006/relationships" xmlns:p="http://schemas.openxmlformats.org/presentationml/2006/main">
-  <p:cSld>
-    <p:spTree>
-      <p:nvGrpSpPr>
-        <p:cNvPr id="1" name=""/>
-        <p:cNvGrpSpPr/>
-        <p:nvPr/>
-      </p:nvGrpSpPr>
-      <p:grpSpPr>
-        <a:xfrm>
-          <a:off x="0" y="0"/>
-          <a:ext cx="0" cy="0"/>
-          <a:chOff x="0" y="0"/>
-          <a:chExt cx="0" cy="0"/>
-        </a:xfrm>
-      </p:grpSpPr>
-      <p:sp>
-        <p:nvSpPr>
-          <p:cNvPr id="2" name="Title 1"/>
-          <p:cNvSpPr>
-            <a:spLocks noGrp="1"/>
-          </p:cNvSpPr>
-          <p:nvPr>
-            <p:ph type="title"/>
-          </p:nvPr>
-        </p:nvSpPr>
-        <p:spPr/>
-        <p:txBody>
-          <a:bodyPr/>
-          <a:lstStyle/>
-          <a:p>
-            <a:r>
               <a:rPr lang="en-US" b="1" dirty="0" smtClean="0"/>
               <a:t>Motivation</a:t>
             </a:r>
@@ -17581,15 +16925,7 @@
           <a:p>
             <a:r>
               <a:rPr lang="en-US" dirty="0" smtClean="0"/>
-              <a:t>Speech recognition models </a:t>
-            </a:r>
-            <a:r>
-              <a:rPr lang="en-US" dirty="0" smtClean="0"/>
-              <a:t>are hungry </a:t>
-            </a:r>
-            <a:r>
-              <a:rPr lang="en-US" dirty="0" smtClean="0"/>
-              <a:t>for data</a:t>
+              <a:t>Speech recognition models are hungry for data</a:t>
             </a:r>
           </a:p>
           <a:p>
@@ -18068,7 +17404,7 @@
 </p:sld>
 </file>
 
-<file path=ppt/slides/slide22.xml><?xml version="1.0" encoding="utf-8"?>
+<file path=ppt/slides/slide21.xml><?xml version="1.0" encoding="utf-8"?>
 <p:sld xmlns:a="http://schemas.openxmlformats.org/drawingml/2006/main" xmlns:r="http://schemas.openxmlformats.org/officeDocument/2006/relationships" xmlns:p="http://schemas.openxmlformats.org/presentationml/2006/main">
   <p:cSld>
     <p:spTree>
@@ -18572,7 +17908,7 @@
 </p:sld>
 </file>
 
-<file path=ppt/slides/slide23.xml><?xml version="1.0" encoding="utf-8"?>
+<file path=ppt/slides/slide22.xml><?xml version="1.0" encoding="utf-8"?>
 <p:sld xmlns:a="http://schemas.openxmlformats.org/drawingml/2006/main" xmlns:r="http://schemas.openxmlformats.org/officeDocument/2006/relationships" xmlns:p="http://schemas.openxmlformats.org/presentationml/2006/main">
   <p:cSld>
     <p:spTree>
@@ -18685,15 +18021,7 @@
             <a:pPr lvl="1"/>
             <a:r>
               <a:rPr lang="en-US" dirty="0" smtClean="0"/>
-              <a:t>Korean, Hindi</a:t>
-            </a:r>
-            <a:r>
-              <a:rPr lang="en-US" dirty="0" smtClean="0"/>
-              <a:t>, Tamil</a:t>
-            </a:r>
-            <a:r>
-              <a:rPr lang="en-US" dirty="0" smtClean="0"/>
-              <a:t>, Farsi, and Vietnamese</a:t>
+              <a:t>Korean, Hindi, Tamil, Farsi, and Vietnamese</a:t>
             </a:r>
           </a:p>
           <a:p>
@@ -19113,7 +18441,7 @@
 </p:sld>
 </file>
 
-<file path=ppt/slides/slide24.xml><?xml version="1.0" encoding="utf-8"?>
+<file path=ppt/slides/slide23.xml><?xml version="1.0" encoding="utf-8"?>
 <p:sld xmlns:a="http://schemas.openxmlformats.org/drawingml/2006/main" xmlns:r="http://schemas.openxmlformats.org/officeDocument/2006/relationships" xmlns:p="http://schemas.openxmlformats.org/presentationml/2006/main">
   <p:cSld>
     <p:spTree>
@@ -19716,7 +19044,7 @@
 </p:sld>
 </file>
 
-<file path=ppt/slides/slide25.xml><?xml version="1.0" encoding="utf-8"?>
+<file path=ppt/slides/slide24.xml><?xml version="1.0" encoding="utf-8"?>
 <p:sld xmlns:a="http://schemas.openxmlformats.org/drawingml/2006/main" xmlns:r="http://schemas.openxmlformats.org/officeDocument/2006/relationships" xmlns:p="http://schemas.openxmlformats.org/presentationml/2006/main">
   <p:cSld>
     <p:spTree>
@@ -20296,7 +19624,7 @@
 </p:sld>
 </file>
 
-<file path=ppt/slides/slide26.xml><?xml version="1.0" encoding="utf-8"?>
+<file path=ppt/slides/slide25.xml><?xml version="1.0" encoding="utf-8"?>
 <p:sld xmlns:a="http://schemas.openxmlformats.org/drawingml/2006/main" xmlns:r="http://schemas.openxmlformats.org/officeDocument/2006/relationships" xmlns:p="http://schemas.openxmlformats.org/presentationml/2006/main">
   <p:cSld>
     <p:spTree>
@@ -20441,7 +19769,7 @@
             <a:graphicData uri="http://schemas.openxmlformats.org/presentationml/2006/ole">
               <mc:AlternateContent xmlns:mc="http://schemas.openxmlformats.org/markup-compatibility/2006">
                 <mc:Choice xmlns:v="urn:schemas-microsoft-com:vml" Requires="v">
-                  <p:oleObj spid="_x0000_s161829" name="Acrobat Document" r:id="rId4" imgW="4171320" imgH="4176000" progId="AcroExch.Document.7">
+                  <p:oleObj spid="_x0000_s161832" name="Acrobat Document" r:id="rId4" imgW="4171320" imgH="4176000" progId="AcroExch.Document.7">
                     <p:embed/>
                   </p:oleObj>
                 </mc:Choice>
@@ -20581,7 +19909,7 @@
 </p:sld>
 </file>
 
-<file path=ppt/slides/slide27.xml><?xml version="1.0" encoding="utf-8"?>
+<file path=ppt/slides/slide26.xml><?xml version="1.0" encoding="utf-8"?>
 <p:sld xmlns:a="http://schemas.openxmlformats.org/drawingml/2006/main" xmlns:r="http://schemas.openxmlformats.org/officeDocument/2006/relationships" xmlns:p="http://schemas.openxmlformats.org/presentationml/2006/main">
   <p:cSld>
     <p:spTree>
@@ -21158,7 +20486,7 @@
 </p:sld>
 </file>
 
-<file path=ppt/slides/slide28.xml><?xml version="1.0" encoding="utf-8"?>
+<file path=ppt/slides/slide27.xml><?xml version="1.0" encoding="utf-8"?>
 <p:sld xmlns:a="http://schemas.openxmlformats.org/drawingml/2006/main" xmlns:r="http://schemas.openxmlformats.org/officeDocument/2006/relationships" xmlns:p="http://schemas.openxmlformats.org/presentationml/2006/main">
   <p:cSld>
     <p:spTree>
@@ -21228,7 +20556,7 @@
             <a:graphicData uri="http://schemas.openxmlformats.org/presentationml/2006/ole">
               <mc:AlternateContent xmlns:mc="http://schemas.openxmlformats.org/markup-compatibility/2006">
                 <mc:Choice xmlns:v="urn:schemas-microsoft-com:vml" Requires="v">
-                  <p:oleObj spid="_x0000_s121886" name="Acrobat Document" r:id="rId4" imgW="4171320" imgH="4176000" progId="AcroExch.Document.7">
+                  <p:oleObj spid="_x0000_s121889" name="Acrobat Document" r:id="rId4" imgW="4171320" imgH="4176000" progId="AcroExch.Document.7">
                     <p:embed/>
                   </p:oleObj>
                 </mc:Choice>
@@ -21547,7 +20875,7 @@
 </p:sld>
 </file>
 
-<file path=ppt/slides/slide29.xml><?xml version="1.0" encoding="utf-8"?>
+<file path=ppt/slides/slide28.xml><?xml version="1.0" encoding="utf-8"?>
 <p:sld xmlns:a="http://schemas.openxmlformats.org/drawingml/2006/main" xmlns:r="http://schemas.openxmlformats.org/officeDocument/2006/relationships" xmlns:p="http://schemas.openxmlformats.org/presentationml/2006/main">
   <p:cSld>
     <p:spTree>
@@ -21617,7 +20945,7 @@
             <a:graphicData uri="http://schemas.openxmlformats.org/presentationml/2006/ole">
               <mc:AlternateContent xmlns:mc="http://schemas.openxmlformats.org/markup-compatibility/2006">
                 <mc:Choice xmlns:v="urn:schemas-microsoft-com:vml" Requires="v">
-                  <p:oleObj spid="_x0000_s176157" name="Acrobat Document" r:id="rId4" imgW="4171320" imgH="4176000" progId="AcroExch.Document.7">
+                  <p:oleObj spid="_x0000_s176160" name="Acrobat Document" r:id="rId4" imgW="4171320" imgH="4176000" progId="AcroExch.Document.7">
                     <p:embed/>
                   </p:oleObj>
                 </mc:Choice>
@@ -22026,6 +21354,193 @@
 </p:sld>
 </file>
 
+<file path=ppt/slides/slide29.xml><?xml version="1.0" encoding="utf-8"?>
+<p:sld xmlns:a="http://schemas.openxmlformats.org/drawingml/2006/main" xmlns:r="http://schemas.openxmlformats.org/officeDocument/2006/relationships" xmlns:p="http://schemas.openxmlformats.org/presentationml/2006/main">
+  <p:cSld>
+    <p:spTree>
+      <p:nvGrpSpPr>
+        <p:cNvPr id="1" name=""/>
+        <p:cNvGrpSpPr/>
+        <p:nvPr/>
+      </p:nvGrpSpPr>
+      <p:grpSpPr>
+        <a:xfrm>
+          <a:off x="0" y="0"/>
+          <a:ext cx="0" cy="0"/>
+          <a:chOff x="0" y="0"/>
+          <a:chExt cx="0" cy="0"/>
+        </a:xfrm>
+      </p:grpSpPr>
+      <p:sp>
+        <p:nvSpPr>
+          <p:cNvPr id="2" name="Title 1"/>
+          <p:cNvSpPr>
+            <a:spLocks noGrp="1"/>
+          </p:cNvSpPr>
+          <p:nvPr>
+            <p:ph type="title"/>
+          </p:nvPr>
+        </p:nvSpPr>
+        <p:spPr/>
+        <p:txBody>
+          <a:bodyPr/>
+          <a:lstStyle/>
+          <a:p>
+            <a:r>
+              <a:rPr lang="en-US" sz="3600" dirty="0" smtClean="0"/>
+              <a:t>Rating Turkers: Expert vs. Non-Expert</a:t>
+            </a:r>
+            <a:endParaRPr lang="en-US" sz="3600" dirty="0"/>
+          </a:p>
+        </p:txBody>
+      </p:sp>
+      <p:sp>
+        <p:nvSpPr>
+          <p:cNvPr id="5" name="TextBox 4"/>
+          <p:cNvSpPr txBox="1"/>
+          <p:nvPr/>
+        </p:nvSpPr>
+        <p:spPr>
+          <a:xfrm>
+            <a:off x="1676400" y="6400800"/>
+            <a:ext cx="5562600" cy="461665"/>
+          </a:xfrm>
+          <a:prstGeom prst="rect">
+            <a:avLst/>
+          </a:prstGeom>
+          <a:noFill/>
+        </p:spPr>
+        <p:txBody>
+          <a:bodyPr wrap="square" rtlCol="0">
+            <a:spAutoFit/>
+          </a:bodyPr>
+          <a:lstStyle/>
+          <a:p>
+            <a:pPr algn="ctr"/>
+            <a:r>
+              <a:rPr lang="en-US" sz="2400" b="1" dirty="0" smtClean="0"/>
+              <a:t>Disagreement Against Expert</a:t>
+            </a:r>
+            <a:endParaRPr lang="en-US" sz="2400" b="1" dirty="0"/>
+          </a:p>
+        </p:txBody>
+      </p:sp>
+      <p:sp>
+        <p:nvSpPr>
+          <p:cNvPr id="6" name="TextBox 5"/>
+          <p:cNvSpPr txBox="1"/>
+          <p:nvPr/>
+        </p:nvSpPr>
+        <p:spPr>
+          <a:xfrm rot="16200000">
+            <a:off x="-1206044" y="3442156"/>
+            <a:ext cx="5486401" cy="430887"/>
+          </a:xfrm>
+          <a:prstGeom prst="rect">
+            <a:avLst/>
+          </a:prstGeom>
+          <a:noFill/>
+        </p:spPr>
+        <p:txBody>
+          <a:bodyPr wrap="square" rtlCol="0">
+            <a:spAutoFit/>
+          </a:bodyPr>
+          <a:lstStyle/>
+          <a:p>
+            <a:pPr algn="ctr"/>
+            <a:r>
+              <a:rPr lang="en-US" sz="2200" b="1" dirty="0" smtClean="0"/>
+              <a:t>Disagreement Against Other Turkers</a:t>
+            </a:r>
+            <a:endParaRPr lang="en-US" sz="2200" b="1" dirty="0"/>
+          </a:p>
+        </p:txBody>
+      </p:sp>
+      <p:graphicFrame>
+        <p:nvGraphicFramePr>
+          <p:cNvPr id="8" name="Object 7"/>
+          <p:cNvGraphicFramePr>
+            <a:graphicFrameLocks noChangeAspect="1"/>
+          </p:cNvGraphicFramePr>
+          <p:nvPr/>
+        </p:nvGraphicFramePr>
+        <p:xfrm>
+          <a:off x="1828800" y="914400"/>
+          <a:ext cx="5562600" cy="5562600"/>
+        </p:xfrm>
+        <a:graphic>
+          <a:graphicData uri="http://schemas.openxmlformats.org/presentationml/2006/ole">
+            <mc:AlternateContent xmlns:mc="http://schemas.openxmlformats.org/markup-compatibility/2006">
+              <mc:Choice xmlns:v="urn:schemas-microsoft-com:vml" Requires="v">
+                <p:oleObj spid="_x0000_s124961" name="Acrobat Document" r:id="rId4" imgW="4171320" imgH="4176000" progId="AcroExch.Document.7">
+                  <p:embed/>
+                </p:oleObj>
+              </mc:Choice>
+              <mc:Fallback>
+                <p:oleObj name="Acrobat Document" r:id="rId4" imgW="4171320" imgH="4176000" progId="AcroExch.Document.7">
+                  <p:embed/>
+                  <p:pic>
+                    <p:nvPicPr>
+                      <p:cNvPr id="0" name="Picture 23"/>
+                      <p:cNvPicPr>
+                        <a:picLocks noChangeAspect="1" noChangeArrowheads="1"/>
+                      </p:cNvPicPr>
+                      <p:nvPr/>
+                    </p:nvPicPr>
+                    <p:blipFill>
+                      <a:blip r:embed="rId5">
+                        <a:extLst>
+                          <a:ext uri="{28A0092B-C50C-407E-A947-70E740481C1C}">
+                            <a14:useLocalDpi xmlns:a14="http://schemas.microsoft.com/office/drawing/2010/main" val="0"/>
+                          </a:ext>
+                        </a:extLst>
+                      </a:blip>
+                      <a:srcRect/>
+                      <a:stretch>
+                        <a:fillRect/>
+                      </a:stretch>
+                    </p:blipFill>
+                    <p:spPr bwMode="auto">
+                      <a:xfrm>
+                        <a:off x="1828800" y="914400"/>
+                        <a:ext cx="5562600" cy="5562600"/>
+                      </a:xfrm>
+                      <a:prstGeom prst="rect">
+                        <a:avLst/>
+                      </a:prstGeom>
+                      <a:noFill/>
+                      <a:extLst>
+                        <a:ext uri="{909E8E84-426E-40dd-AFC4-6F175D3DCCD1}">
+                          <a14:hiddenFill xmlns:a14="http://schemas.microsoft.com/office/drawing/2010/main">
+                            <a:solidFill>
+                              <a:srgbClr val="FFFFFF"/>
+                            </a:solidFill>
+                          </a14:hiddenFill>
+                        </a:ext>
+                      </a:extLst>
+                    </p:spPr>
+                  </p:pic>
+                </p:oleObj>
+              </mc:Fallback>
+            </mc:AlternateContent>
+          </a:graphicData>
+        </a:graphic>
+      </p:graphicFrame>
+    </p:spTree>
+  </p:cSld>
+  <p:clrMapOvr>
+    <a:masterClrMapping/>
+  </p:clrMapOvr>
+  <p:timing>
+    <p:tnLst>
+      <p:par>
+        <p:cTn xmlns:p14="http://schemas.microsoft.com/office/powerpoint/2010/main" id="1" dur="indefinite" restart="never" nodeType="tmRoot"/>
+      </p:par>
+    </p:tnLst>
+  </p:timing>
+</p:sld>
+</file>
+
 <file path=ppt/slides/slide3.xml><?xml version="1.0" encoding="utf-8"?>
 <p:sld xmlns:a="http://schemas.openxmlformats.org/drawingml/2006/main" xmlns:r="http://schemas.openxmlformats.org/officeDocument/2006/relationships" xmlns:p="http://schemas.openxmlformats.org/presentationml/2006/main">
   <p:cSld>
@@ -22059,8 +21574,110 @@
           <a:lstStyle/>
           <a:p>
             <a:r>
+              <a:rPr lang="en-US" dirty="0" err="1"/>
+              <a:t>Siri</a:t>
+            </a:r>
+            <a:r>
+              <a:rPr lang="en-US" dirty="0"/>
+              <a:t> in </a:t>
+            </a:r>
+            <a:r>
               <a:rPr lang="en-US" dirty="0" smtClean="0"/>
-              <a:t>Lecture Takeaways</a:t>
+              <a:t>Five </a:t>
+            </a:r>
+            <a:r>
+              <a:rPr lang="en-US" dirty="0"/>
+              <a:t>Minutes</a:t>
+            </a:r>
+          </a:p>
+        </p:txBody>
+      </p:sp>
+      <p:pic>
+        <p:nvPicPr>
+          <p:cNvPr id="4" name="Content Placeholder 3"/>
+          <p:cNvPicPr>
+            <a:picLocks noGrp="1" noChangeAspect="1"/>
+          </p:cNvPicPr>
+          <p:nvPr>
+            <p:ph idx="1"/>
+          </p:nvPr>
+        </p:nvPicPr>
+        <p:blipFill>
+          <a:blip r:embed="rId2" cstate="print">
+            <a:extLst>
+              <a:ext uri="{28A0092B-C50C-407E-A947-70E740481C1C}">
+                <a14:useLocalDpi xmlns:a14="http://schemas.microsoft.com/office/drawing/2010/main" val="0"/>
+              </a:ext>
+            </a:extLst>
+          </a:blip>
+          <a:stretch>
+            <a:fillRect/>
+          </a:stretch>
+        </p:blipFill>
+        <p:spPr>
+          <a:xfrm flipH="1">
+            <a:off x="228600" y="2819400"/>
+            <a:ext cx="1828434" cy="1219200"/>
+          </a:xfrm>
+        </p:spPr>
+      </p:pic>
+      <p:pic>
+        <p:nvPicPr>
+          <p:cNvPr id="5" name="Picture 5" descr="C:\Users\Scott\Documents\presentations\CLSP KWS talk 2012\waveform.png"/>
+          <p:cNvPicPr>
+            <a:picLocks noChangeAspect="1" noChangeArrowheads="1"/>
+          </p:cNvPicPr>
+          <p:nvPr/>
+        </p:nvPicPr>
+        <p:blipFill>
+          <a:blip r:embed="rId3" cstate="print"/>
+          <a:srcRect/>
+          <a:stretch>
+            <a:fillRect/>
+          </a:stretch>
+        </p:blipFill>
+        <p:spPr bwMode="auto">
+          <a:xfrm>
+            <a:off x="2895600" y="3009900"/>
+            <a:ext cx="1729741" cy="685800"/>
+          </a:xfrm>
+          <a:prstGeom prst="rect">
+            <a:avLst/>
+          </a:prstGeom>
+          <a:noFill/>
+        </p:spPr>
+      </p:pic>
+      <p:sp>
+        <p:nvSpPr>
+          <p:cNvPr id="6" name="TextBox 5"/>
+          <p:cNvSpPr txBox="1"/>
+          <p:nvPr/>
+        </p:nvSpPr>
+        <p:spPr>
+          <a:xfrm>
+            <a:off x="5334000" y="3048000"/>
+            <a:ext cx="1608133" cy="646331"/>
+          </a:xfrm>
+          <a:prstGeom prst="rect">
+            <a:avLst/>
+          </a:prstGeom>
+          <a:noFill/>
+        </p:spPr>
+        <p:txBody>
+          <a:bodyPr wrap="none" rtlCol="0">
+            <a:spAutoFit/>
+          </a:bodyPr>
+          <a:lstStyle/>
+          <a:p>
+            <a:r>
+              <a:rPr lang="en-US" dirty="0" smtClean="0"/>
+              <a:t>Should I bring</a:t>
+            </a:r>
+          </a:p>
+          <a:p>
+            <a:r>
+              <a:rPr lang="en-US" dirty="0" smtClean="0"/>
+              <a:t> an umbrella</a:t>
             </a:r>
             <a:endParaRPr lang="en-US" dirty="0"/>
           </a:p>
@@ -22068,95 +21685,166 @@
       </p:sp>
       <p:sp>
         <p:nvSpPr>
-          <p:cNvPr id="3" name="Content Placeholder 2"/>
-          <p:cNvSpPr>
-            <a:spLocks noGrp="1"/>
-          </p:cNvSpPr>
-          <p:nvPr>
-            <p:ph idx="1"/>
-          </p:nvPr>
+          <p:cNvPr id="11" name="Right Arrow 10"/>
+          <p:cNvSpPr/>
+          <p:nvPr/>
         </p:nvSpPr>
-        <p:spPr/>
+        <p:spPr>
+          <a:xfrm>
+            <a:off x="2156012" y="3110484"/>
+            <a:ext cx="587188" cy="484632"/>
+          </a:xfrm>
+          <a:prstGeom prst="rightArrow">
+            <a:avLst/>
+          </a:prstGeom>
+        </p:spPr>
+        <p:style>
+          <a:lnRef idx="2">
+            <a:schemeClr val="accent1">
+              <a:shade val="50000"/>
+            </a:schemeClr>
+          </a:lnRef>
+          <a:fillRef idx="1">
+            <a:schemeClr val="accent1"/>
+          </a:fillRef>
+          <a:effectRef idx="0">
+            <a:schemeClr val="accent1"/>
+          </a:effectRef>
+          <a:fontRef idx="minor">
+            <a:schemeClr val="lt1"/>
+          </a:fontRef>
+        </p:style>
         <p:txBody>
-          <a:bodyPr/>
+          <a:bodyPr rtlCol="0" anchor="ctr"/>
           <a:lstStyle/>
           <a:p>
-            <a:pPr marL="742950" indent="-742950">
-              <a:buFont typeface="+mj-lt"/>
-              <a:buAutoNum type="arabicPeriod"/>
-            </a:pPr>
-            <a:r>
-              <a:rPr lang="en-US" sz="3200" dirty="0" smtClean="0">
-                <a:latin typeface="+mj-lt"/>
-              </a:rPr>
-              <a:t>Get more data, not better data</a:t>
-            </a:r>
-          </a:p>
-          <a:p>
-            <a:pPr marL="742950" indent="-742950">
-              <a:buFont typeface="+mj-lt"/>
-              <a:buAutoNum type="arabicPeriod"/>
-            </a:pPr>
-            <a:r>
-              <a:rPr lang="en-US" sz="3200" dirty="0" smtClean="0">
-                <a:latin typeface="+mj-lt"/>
-              </a:rPr>
-              <a:t>Use other </a:t>
-            </a:r>
-            <a:r>
-              <a:rPr lang="en-US" sz="3200" dirty="0" err="1" smtClean="0">
-                <a:latin typeface="+mj-lt"/>
-              </a:rPr>
-              <a:t>Turkers</a:t>
-            </a:r>
-            <a:r>
-              <a:rPr lang="en-US" sz="3200" dirty="0" smtClean="0">
-                <a:latin typeface="+mj-lt"/>
-              </a:rPr>
-              <a:t> to do QC for you</a:t>
-            </a:r>
-          </a:p>
-          <a:p>
-            <a:pPr marL="742950" indent="-742950">
-              <a:buFont typeface="+mj-lt"/>
-              <a:buAutoNum type="arabicPeriod"/>
-            </a:pPr>
-            <a:r>
-              <a:rPr lang="en-US" sz="3200" dirty="0" smtClean="0">
-                <a:latin typeface="+mj-lt"/>
-              </a:rPr>
-              <a:t>Non-English </a:t>
-            </a:r>
-            <a:r>
-              <a:rPr lang="en-US" sz="3200" dirty="0" err="1" smtClean="0">
-                <a:latin typeface="+mj-lt"/>
-              </a:rPr>
-              <a:t>crowdsourcing</a:t>
-            </a:r>
-            <a:r>
-              <a:rPr lang="en-US" sz="3200" dirty="0" smtClean="0">
-                <a:latin typeface="+mj-lt"/>
-              </a:rPr>
-              <a:t> is not easy</a:t>
-            </a:r>
-          </a:p>
-          <a:p>
-            <a:pPr marL="742950" indent="-742950">
-              <a:buFont typeface="+mj-lt"/>
-              <a:buAutoNum type="arabicPeriod"/>
-            </a:pPr>
-            <a:endParaRPr lang="en-US" sz="3200" dirty="0" smtClean="0">
-              <a:latin typeface="+mj-lt"/>
-            </a:endParaRPr>
-          </a:p>
-          <a:p>
-            <a:endParaRPr lang="en-US" sz="3200" dirty="0" smtClean="0">
-              <a:latin typeface="+mj-lt"/>
-            </a:endParaRPr>
+            <a:pPr algn="ctr"/>
+            <a:endParaRPr lang="en-US"/>
+          </a:p>
+        </p:txBody>
+      </p:sp>
+      <p:sp>
+        <p:nvSpPr>
+          <p:cNvPr id="12" name="Right Arrow 11"/>
+          <p:cNvSpPr/>
+          <p:nvPr/>
+        </p:nvSpPr>
+        <p:spPr>
+          <a:xfrm>
+            <a:off x="4746812" y="3124200"/>
+            <a:ext cx="587188" cy="484632"/>
+          </a:xfrm>
+          <a:prstGeom prst="rightArrow">
+            <a:avLst/>
+          </a:prstGeom>
+        </p:spPr>
+        <p:style>
+          <a:lnRef idx="2">
+            <a:schemeClr val="accent1">
+              <a:shade val="50000"/>
+            </a:schemeClr>
+          </a:lnRef>
+          <a:fillRef idx="1">
+            <a:schemeClr val="accent1"/>
+          </a:fillRef>
+          <a:effectRef idx="0">
+            <a:schemeClr val="accent1"/>
+          </a:effectRef>
+          <a:fontRef idx="minor">
+            <a:schemeClr val="lt1"/>
+          </a:fontRef>
+        </p:style>
+        <p:txBody>
+          <a:bodyPr rtlCol="0" anchor="ctr"/>
+          <a:lstStyle/>
+          <a:p>
+            <a:pPr algn="ctr"/>
+            <a:endParaRPr lang="en-US"/>
+          </a:p>
+        </p:txBody>
+      </p:sp>
+      <p:sp>
+        <p:nvSpPr>
+          <p:cNvPr id="13" name="TextBox 12"/>
+          <p:cNvSpPr txBox="1"/>
+          <p:nvPr/>
+        </p:nvSpPr>
+        <p:spPr>
+          <a:xfrm>
+            <a:off x="7597588" y="3048000"/>
+            <a:ext cx="1189428" cy="646331"/>
+          </a:xfrm>
+          <a:prstGeom prst="rect">
+            <a:avLst/>
+          </a:prstGeom>
+          <a:noFill/>
+        </p:spPr>
+        <p:txBody>
+          <a:bodyPr wrap="none" rtlCol="0">
+            <a:spAutoFit/>
+          </a:bodyPr>
+          <a:lstStyle/>
+          <a:p>
+            <a:r>
+              <a:rPr lang="en-US" dirty="0" smtClean="0"/>
+              <a:t>Yes, it will</a:t>
+            </a:r>
+          </a:p>
+          <a:p>
+            <a:r>
+              <a:rPr lang="en-US" dirty="0" smtClean="0"/>
+              <a:t>rain today</a:t>
+            </a:r>
+            <a:endParaRPr lang="en-US" dirty="0"/>
+          </a:p>
+        </p:txBody>
+      </p:sp>
+      <p:sp>
+        <p:nvSpPr>
+          <p:cNvPr id="14" name="Right Arrow 13"/>
+          <p:cNvSpPr/>
+          <p:nvPr/>
+        </p:nvSpPr>
+        <p:spPr>
+          <a:xfrm>
+            <a:off x="6934200" y="3124200"/>
+            <a:ext cx="587188" cy="484632"/>
+          </a:xfrm>
+          <a:prstGeom prst="rightArrow">
+            <a:avLst/>
+          </a:prstGeom>
+        </p:spPr>
+        <p:style>
+          <a:lnRef idx="2">
+            <a:schemeClr val="accent1">
+              <a:shade val="50000"/>
+            </a:schemeClr>
+          </a:lnRef>
+          <a:fillRef idx="1">
+            <a:schemeClr val="accent1"/>
+          </a:fillRef>
+          <a:effectRef idx="0">
+            <a:schemeClr val="accent1"/>
+          </a:effectRef>
+          <a:fontRef idx="minor">
+            <a:schemeClr val="lt1"/>
+          </a:fontRef>
+        </p:style>
+        <p:txBody>
+          <a:bodyPr rtlCol="0" anchor="ctr"/>
+          <a:lstStyle/>
+          <a:p>
+            <a:pPr algn="ctr"/>
+            <a:endParaRPr lang="en-US"/>
           </a:p>
         </p:txBody>
       </p:sp>
     </p:spTree>
+    <p:extLst>
+      <p:ext uri="{BB962C8B-B14F-4D97-AF65-F5344CB8AC3E}">
+        <p14:creationId xmlns:p14="http://schemas.microsoft.com/office/powerpoint/2010/main" val="2020058709"/>
+      </p:ext>
+    </p:extLst>
   </p:cSld>
   <p:clrMapOvr>
     <a:masterClrMapping/>
@@ -22205,193 +21893,6 @@
           <a:p>
             <a:r>
               <a:rPr lang="en-US" sz="3600" dirty="0" smtClean="0"/>
-              <a:t>Rating Turkers: Expert vs. Non-Expert</a:t>
-            </a:r>
-            <a:endParaRPr lang="en-US" sz="3600" dirty="0"/>
-          </a:p>
-        </p:txBody>
-      </p:sp>
-      <p:sp>
-        <p:nvSpPr>
-          <p:cNvPr id="5" name="TextBox 4"/>
-          <p:cNvSpPr txBox="1"/>
-          <p:nvPr/>
-        </p:nvSpPr>
-        <p:spPr>
-          <a:xfrm>
-            <a:off x="1676400" y="6400800"/>
-            <a:ext cx="5562600" cy="461665"/>
-          </a:xfrm>
-          <a:prstGeom prst="rect">
-            <a:avLst/>
-          </a:prstGeom>
-          <a:noFill/>
-        </p:spPr>
-        <p:txBody>
-          <a:bodyPr wrap="square" rtlCol="0">
-            <a:spAutoFit/>
-          </a:bodyPr>
-          <a:lstStyle/>
-          <a:p>
-            <a:pPr algn="ctr"/>
-            <a:r>
-              <a:rPr lang="en-US" sz="2400" b="1" dirty="0" smtClean="0"/>
-              <a:t>Disagreement Against Expert</a:t>
-            </a:r>
-            <a:endParaRPr lang="en-US" sz="2400" b="1" dirty="0"/>
-          </a:p>
-        </p:txBody>
-      </p:sp>
-      <p:sp>
-        <p:nvSpPr>
-          <p:cNvPr id="6" name="TextBox 5"/>
-          <p:cNvSpPr txBox="1"/>
-          <p:nvPr/>
-        </p:nvSpPr>
-        <p:spPr>
-          <a:xfrm rot="16200000">
-            <a:off x="-1206044" y="3442156"/>
-            <a:ext cx="5486401" cy="430887"/>
-          </a:xfrm>
-          <a:prstGeom prst="rect">
-            <a:avLst/>
-          </a:prstGeom>
-          <a:noFill/>
-        </p:spPr>
-        <p:txBody>
-          <a:bodyPr wrap="square" rtlCol="0">
-            <a:spAutoFit/>
-          </a:bodyPr>
-          <a:lstStyle/>
-          <a:p>
-            <a:pPr algn="ctr"/>
-            <a:r>
-              <a:rPr lang="en-US" sz="2200" b="1" dirty="0" smtClean="0"/>
-              <a:t>Disagreement Against Other Turkers</a:t>
-            </a:r>
-            <a:endParaRPr lang="en-US" sz="2200" b="1" dirty="0"/>
-          </a:p>
-        </p:txBody>
-      </p:sp>
-      <p:graphicFrame>
-        <p:nvGraphicFramePr>
-          <p:cNvPr id="8" name="Object 7"/>
-          <p:cNvGraphicFramePr>
-            <a:graphicFrameLocks noChangeAspect="1"/>
-          </p:cNvGraphicFramePr>
-          <p:nvPr/>
-        </p:nvGraphicFramePr>
-        <p:xfrm>
-          <a:off x="1828800" y="914400"/>
-          <a:ext cx="5562600" cy="5562600"/>
-        </p:xfrm>
-        <a:graphic>
-          <a:graphicData uri="http://schemas.openxmlformats.org/presentationml/2006/ole">
-            <mc:AlternateContent xmlns:mc="http://schemas.openxmlformats.org/markup-compatibility/2006">
-              <mc:Choice xmlns:v="urn:schemas-microsoft-com:vml" Requires="v">
-                <p:oleObj spid="_x0000_s124958" name="Acrobat Document" r:id="rId4" imgW="4171320" imgH="4176000" progId="AcroExch.Document.7">
-                  <p:embed/>
-                </p:oleObj>
-              </mc:Choice>
-              <mc:Fallback>
-                <p:oleObj name="Acrobat Document" r:id="rId4" imgW="4171320" imgH="4176000" progId="AcroExch.Document.7">
-                  <p:embed/>
-                  <p:pic>
-                    <p:nvPicPr>
-                      <p:cNvPr id="0" name="Picture 23"/>
-                      <p:cNvPicPr>
-                        <a:picLocks noChangeAspect="1" noChangeArrowheads="1"/>
-                      </p:cNvPicPr>
-                      <p:nvPr/>
-                    </p:nvPicPr>
-                    <p:blipFill>
-                      <a:blip r:embed="rId5">
-                        <a:extLst>
-                          <a:ext uri="{28A0092B-C50C-407E-A947-70E740481C1C}">
-                            <a14:useLocalDpi xmlns:a14="http://schemas.microsoft.com/office/drawing/2010/main" val="0"/>
-                          </a:ext>
-                        </a:extLst>
-                      </a:blip>
-                      <a:srcRect/>
-                      <a:stretch>
-                        <a:fillRect/>
-                      </a:stretch>
-                    </p:blipFill>
-                    <p:spPr bwMode="auto">
-                      <a:xfrm>
-                        <a:off x="1828800" y="914400"/>
-                        <a:ext cx="5562600" cy="5562600"/>
-                      </a:xfrm>
-                      <a:prstGeom prst="rect">
-                        <a:avLst/>
-                      </a:prstGeom>
-                      <a:noFill/>
-                      <a:extLst>
-                        <a:ext uri="{909E8E84-426E-40dd-AFC4-6F175D3DCCD1}">
-                          <a14:hiddenFill xmlns:a14="http://schemas.microsoft.com/office/drawing/2010/main">
-                            <a:solidFill>
-                              <a:srgbClr val="FFFFFF"/>
-                            </a:solidFill>
-                          </a14:hiddenFill>
-                        </a:ext>
-                      </a:extLst>
-                    </p:spPr>
-                  </p:pic>
-                </p:oleObj>
-              </mc:Fallback>
-            </mc:AlternateContent>
-          </a:graphicData>
-        </a:graphic>
-      </p:graphicFrame>
-    </p:spTree>
-  </p:cSld>
-  <p:clrMapOvr>
-    <a:masterClrMapping/>
-  </p:clrMapOvr>
-  <p:timing>
-    <p:tnLst>
-      <p:par>
-        <p:cTn xmlns:p14="http://schemas.microsoft.com/office/powerpoint/2010/main" id="1" dur="indefinite" restart="never" nodeType="tmRoot"/>
-      </p:par>
-    </p:tnLst>
-  </p:timing>
-</p:sld>
-</file>
-
-<file path=ppt/slides/slide31.xml><?xml version="1.0" encoding="utf-8"?>
-<p:sld xmlns:a="http://schemas.openxmlformats.org/drawingml/2006/main" xmlns:r="http://schemas.openxmlformats.org/officeDocument/2006/relationships" xmlns:p="http://schemas.openxmlformats.org/presentationml/2006/main">
-  <p:cSld>
-    <p:spTree>
-      <p:nvGrpSpPr>
-        <p:cNvPr id="1" name=""/>
-        <p:cNvGrpSpPr/>
-        <p:nvPr/>
-      </p:nvGrpSpPr>
-      <p:grpSpPr>
-        <a:xfrm>
-          <a:off x="0" y="0"/>
-          <a:ext cx="0" cy="0"/>
-          <a:chOff x="0" y="0"/>
-          <a:chExt cx="0" cy="0"/>
-        </a:xfrm>
-      </p:grpSpPr>
-      <p:sp>
-        <p:nvSpPr>
-          <p:cNvPr id="2" name="Title 1"/>
-          <p:cNvSpPr>
-            <a:spLocks noGrp="1"/>
-          </p:cNvSpPr>
-          <p:nvPr>
-            <p:ph type="title"/>
-          </p:nvPr>
-        </p:nvSpPr>
-        <p:spPr/>
-        <p:txBody>
-          <a:bodyPr/>
-          <a:lstStyle/>
-          <a:p>
-            <a:r>
-              <a:rPr lang="en-US" sz="3600" dirty="0" smtClean="0"/>
               <a:t>Selecting Turkers by Estimated Skill</a:t>
             </a:r>
             <a:endParaRPr lang="en-US" sz="3600" dirty="0"/>
@@ -22428,7 +21929,7 @@
             <a:graphicData uri="http://schemas.openxmlformats.org/presentationml/2006/ole">
               <mc:AlternateContent xmlns:mc="http://schemas.openxmlformats.org/markup-compatibility/2006">
                 <mc:Choice xmlns:v="urn:schemas-microsoft-com:vml" Requires="v">
-                  <p:oleObj spid="_x0000_s207900" name="Acrobat Document" r:id="rId4" imgW="4171320" imgH="4176000" progId="AcroExch.Document.7">
+                  <p:oleObj spid="_x0000_s207903" name="Acrobat Document" r:id="rId4" imgW="4171320" imgH="4176000" progId="AcroExch.Document.7">
                     <p:embed/>
                   </p:oleObj>
                 </mc:Choice>
@@ -22586,7 +22087,7 @@
 </p:sld>
 </file>
 
-<file path=ppt/slides/slide32.xml><?xml version="1.0" encoding="utf-8"?>
+<file path=ppt/slides/slide31.xml><?xml version="1.0" encoding="utf-8"?>
 <p:sld xmlns:a="http://schemas.openxmlformats.org/drawingml/2006/main" xmlns:r="http://schemas.openxmlformats.org/officeDocument/2006/relationships" xmlns:p="http://schemas.openxmlformats.org/presentationml/2006/main">
   <p:cSld>
     <p:spTree>
@@ -22619,7 +22120,7 @@
           <a:graphicData uri="http://schemas.openxmlformats.org/presentationml/2006/ole">
             <mc:AlternateContent xmlns:mc="http://schemas.openxmlformats.org/markup-compatibility/2006">
               <mc:Choice xmlns:v="urn:schemas-microsoft-com:vml" Requires="v">
-                <p:oleObj spid="_x0000_s210972" name="Acrobat Document" r:id="rId4" imgW="4171320" imgH="4176000" progId="AcroExch.Document.7">
+                <p:oleObj spid="_x0000_s210975" name="Acrobat Document" r:id="rId4" imgW="4171320" imgH="4176000" progId="AcroExch.Document.7">
                   <p:embed/>
                 </p:oleObj>
               </mc:Choice>
@@ -22963,7 +22464,7 @@
 </p:sld>
 </file>
 
-<file path=ppt/slides/slide33.xml><?xml version="1.0" encoding="utf-8"?>
+<file path=ppt/slides/slide32.xml><?xml version="1.0" encoding="utf-8"?>
 <p:sld xmlns:a="http://schemas.openxmlformats.org/drawingml/2006/main" xmlns:r="http://schemas.openxmlformats.org/officeDocument/2006/relationships" xmlns:p="http://schemas.openxmlformats.org/presentationml/2006/main">
   <p:cSld>
     <p:spTree>
@@ -23033,7 +22534,7 @@
             <a:graphicData uri="http://schemas.openxmlformats.org/presentationml/2006/ole">
               <mc:AlternateContent xmlns:mc="http://schemas.openxmlformats.org/markup-compatibility/2006">
                 <mc:Choice xmlns:v="urn:schemas-microsoft-com:vml" Requires="v">
-                  <p:oleObj spid="_x0000_s206877" name="Acrobat Document" r:id="rId4" imgW="4171320" imgH="4176000" progId="AcroExch.Document.7">
+                  <p:oleObj spid="_x0000_s206880" name="Acrobat Document" r:id="rId4" imgW="4171320" imgH="4176000" progId="AcroExch.Document.7">
                     <p:embed/>
                   </p:oleObj>
                 </mc:Choice>
@@ -23165,7 +22666,7 @@
 </p:sld>
 </file>
 
-<file path=ppt/slides/slide34.xml><?xml version="1.0" encoding="utf-8"?>
+<file path=ppt/slides/slide33.xml><?xml version="1.0" encoding="utf-8"?>
 <p:sld xmlns:a="http://schemas.openxmlformats.org/drawingml/2006/main" xmlns:r="http://schemas.openxmlformats.org/officeDocument/2006/relationships" xmlns:p="http://schemas.openxmlformats.org/presentationml/2006/main">
   <p:cSld>
     <p:spTree>
@@ -23198,7 +22699,7 @@
           <a:graphicData uri="http://schemas.openxmlformats.org/presentationml/2006/ole">
             <mc:AlternateContent xmlns:mc="http://schemas.openxmlformats.org/markup-compatibility/2006">
               <mc:Choice xmlns:v="urn:schemas-microsoft-com:vml" Requires="v">
-                <p:oleObj spid="_x0000_s177187" name="Acrobat Document" r:id="rId4" imgW="4171320" imgH="4176000" progId="AcroExch.Document.7">
+                <p:oleObj spid="_x0000_s177190" name="Acrobat Document" r:id="rId4" imgW="4171320" imgH="4176000" progId="AcroExch.Document.7">
                   <p:embed/>
                 </p:oleObj>
               </mc:Choice>
@@ -23352,7 +22853,7 @@
 </p:sld>
 </file>
 
-<file path=ppt/slides/slide35.xml><?xml version="1.0" encoding="utf-8"?>
+<file path=ppt/slides/slide34.xml><?xml version="1.0" encoding="utf-8"?>
 <p:sld xmlns:a="http://schemas.openxmlformats.org/drawingml/2006/main" xmlns:r="http://schemas.openxmlformats.org/officeDocument/2006/relationships" xmlns:p="http://schemas.openxmlformats.org/presentationml/2006/main">
   <p:cSld>
     <p:spTree>
@@ -23422,7 +22923,7 @@
             <a:graphicData uri="http://schemas.openxmlformats.org/presentationml/2006/ole">
               <mc:AlternateContent xmlns:mc="http://schemas.openxmlformats.org/markup-compatibility/2006">
                 <mc:Choice xmlns:v="urn:schemas-microsoft-com:vml" Requires="v">
-                  <p:oleObj spid="_x0000_s208925" name="Acrobat Document" r:id="rId4" imgW="4171320" imgH="4176000" progId="AcroExch.Document.7">
+                  <p:oleObj spid="_x0000_s208928" name="Acrobat Document" r:id="rId4" imgW="4171320" imgH="4176000" progId="AcroExch.Document.7">
                     <p:embed/>
                   </p:oleObj>
                 </mc:Choice>
@@ -23554,7 +23055,7 @@
 </p:sld>
 </file>
 
-<file path=ppt/slides/slide36.xml><?xml version="1.0" encoding="utf-8"?>
+<file path=ppt/slides/slide35.xml><?xml version="1.0" encoding="utf-8"?>
 <p:sld xmlns:a="http://schemas.openxmlformats.org/drawingml/2006/main" xmlns:r="http://schemas.openxmlformats.org/officeDocument/2006/relationships" xmlns:p="http://schemas.openxmlformats.org/presentationml/2006/main">
   <p:cSld>
     <p:spTree>
@@ -23702,7 +23203,7 @@
           <a:graphicData uri="http://schemas.openxmlformats.org/presentationml/2006/ole">
             <mc:AlternateContent xmlns:mc="http://schemas.openxmlformats.org/markup-compatibility/2006">
               <mc:Choice xmlns:v="urn:schemas-microsoft-com:vml" Requires="v">
-                <p:oleObj spid="_x0000_s127008" name="Acrobat Document" r:id="rId4" imgW="4171320" imgH="4176000" progId="AcroExch.Document.7">
+                <p:oleObj spid="_x0000_s127011" name="Acrobat Document" r:id="rId4" imgW="4171320" imgH="4176000" progId="AcroExch.Document.7">
                   <p:embed/>
                 </p:oleObj>
               </mc:Choice>
@@ -23771,7 +23272,7 @@
 </p:sld>
 </file>
 
-<file path=ppt/slides/slide37.xml><?xml version="1.0" encoding="utf-8"?>
+<file path=ppt/slides/slide36.xml><?xml version="1.0" encoding="utf-8"?>
 <p:sld xmlns:a="http://schemas.openxmlformats.org/drawingml/2006/main" xmlns:r="http://schemas.openxmlformats.org/officeDocument/2006/relationships" xmlns:p="http://schemas.openxmlformats.org/presentationml/2006/main">
   <p:cSld>
     <p:spTree>
@@ -23919,7 +23420,7 @@
           <a:graphicData uri="http://schemas.openxmlformats.org/presentationml/2006/ole">
             <mc:AlternateContent xmlns:mc="http://schemas.openxmlformats.org/markup-compatibility/2006">
               <mc:Choice xmlns:v="urn:schemas-microsoft-com:vml" Requires="v">
-                <p:oleObj spid="_x0000_s209948" name="Acrobat Document" r:id="rId4" imgW="4171320" imgH="4176000" progId="AcroExch.Document.7">
+                <p:oleObj spid="_x0000_s209951" name="Acrobat Document" r:id="rId4" imgW="4171320" imgH="4176000" progId="AcroExch.Document.7">
                   <p:embed/>
                 </p:oleObj>
               </mc:Choice>
@@ -24127,7 +23628,7 @@
 </p:sld>
 </file>
 
-<file path=ppt/slides/slide38.xml><?xml version="1.0" encoding="utf-8"?>
+<file path=ppt/slides/slide37.xml><?xml version="1.0" encoding="utf-8"?>
 <p:sld xmlns:a="http://schemas.openxmlformats.org/drawingml/2006/main" xmlns:r="http://schemas.openxmlformats.org/officeDocument/2006/relationships" xmlns:p="http://schemas.openxmlformats.org/presentationml/2006/main">
   <p:cSld>
     <p:spTree>
@@ -24160,7 +23661,7 @@
           <a:graphicData uri="http://schemas.openxmlformats.org/presentationml/2006/ole">
             <mc:AlternateContent xmlns:mc="http://schemas.openxmlformats.org/markup-compatibility/2006">
               <mc:Choice xmlns:v="urn:schemas-microsoft-com:vml" Requires="v">
-                <p:oleObj spid="_x0000_s223260" name="Acrobat Document" r:id="rId4" imgW="4171320" imgH="4176000" progId="AcroExch.Document.7">
+                <p:oleObj spid="_x0000_s223263" name="Acrobat Document" r:id="rId4" imgW="4171320" imgH="4176000" progId="AcroExch.Document.7">
                   <p:embed/>
                 </p:oleObj>
               </mc:Choice>
@@ -24478,7 +23979,7 @@
 </p:sld>
 </file>
 
-<file path=ppt/slides/slide39.xml><?xml version="1.0" encoding="utf-8"?>
+<file path=ppt/slides/slide38.xml><?xml version="1.0" encoding="utf-8"?>
 <p:sld xmlns:a="http://schemas.openxmlformats.org/drawingml/2006/main" xmlns:r="http://schemas.openxmlformats.org/officeDocument/2006/relationships" xmlns:p="http://schemas.openxmlformats.org/presentationml/2006/main">
   <p:cSld>
     <p:spTree>
@@ -24850,325 +24351,7 @@
 </p:sld>
 </file>
 
-<file path=ppt/slides/slide4.xml><?xml version="1.0" encoding="utf-8"?>
-<p:sld xmlns:a="http://schemas.openxmlformats.org/drawingml/2006/main" xmlns:r="http://schemas.openxmlformats.org/officeDocument/2006/relationships" xmlns:p="http://schemas.openxmlformats.org/presentationml/2006/main">
-  <p:cSld>
-    <p:spTree>
-      <p:nvGrpSpPr>
-        <p:cNvPr id="1" name=""/>
-        <p:cNvGrpSpPr/>
-        <p:nvPr/>
-      </p:nvGrpSpPr>
-      <p:grpSpPr>
-        <a:xfrm>
-          <a:off x="0" y="0"/>
-          <a:ext cx="0" cy="0"/>
-          <a:chOff x="0" y="0"/>
-          <a:chExt cx="0" cy="0"/>
-        </a:xfrm>
-      </p:grpSpPr>
-      <p:sp>
-        <p:nvSpPr>
-          <p:cNvPr id="2" name="Title 1"/>
-          <p:cNvSpPr>
-            <a:spLocks noGrp="1"/>
-          </p:cNvSpPr>
-          <p:nvPr>
-            <p:ph type="title"/>
-          </p:nvPr>
-        </p:nvSpPr>
-        <p:spPr/>
-        <p:txBody>
-          <a:bodyPr/>
-          <a:lstStyle/>
-          <a:p>
-            <a:r>
-              <a:rPr lang="en-US" dirty="0" err="1"/>
-              <a:t>Siri</a:t>
-            </a:r>
-            <a:r>
-              <a:rPr lang="en-US" dirty="0"/>
-              <a:t> in </a:t>
-            </a:r>
-            <a:r>
-              <a:rPr lang="en-US" dirty="0" smtClean="0"/>
-              <a:t>Five </a:t>
-            </a:r>
-            <a:r>
-              <a:rPr lang="en-US" dirty="0"/>
-              <a:t>Minutes</a:t>
-            </a:r>
-          </a:p>
-        </p:txBody>
-      </p:sp>
-      <p:pic>
-        <p:nvPicPr>
-          <p:cNvPr id="4" name="Content Placeholder 3"/>
-          <p:cNvPicPr>
-            <a:picLocks noGrp="1" noChangeAspect="1"/>
-          </p:cNvPicPr>
-          <p:nvPr>
-            <p:ph idx="1"/>
-          </p:nvPr>
-        </p:nvPicPr>
-        <p:blipFill>
-          <a:blip r:embed="rId2" cstate="print">
-            <a:extLst>
-              <a:ext uri="{28A0092B-C50C-407E-A947-70E740481C1C}">
-                <a14:useLocalDpi xmlns:a14="http://schemas.microsoft.com/office/drawing/2010/main" val="0"/>
-              </a:ext>
-            </a:extLst>
-          </a:blip>
-          <a:stretch>
-            <a:fillRect/>
-          </a:stretch>
-        </p:blipFill>
-        <p:spPr>
-          <a:xfrm flipH="1">
-            <a:off x="228600" y="2819400"/>
-            <a:ext cx="1828434" cy="1219200"/>
-          </a:xfrm>
-        </p:spPr>
-      </p:pic>
-      <p:pic>
-        <p:nvPicPr>
-          <p:cNvPr id="5" name="Picture 5" descr="C:\Users\Scott\Documents\presentations\CLSP KWS talk 2012\waveform.png"/>
-          <p:cNvPicPr>
-            <a:picLocks noChangeAspect="1" noChangeArrowheads="1"/>
-          </p:cNvPicPr>
-          <p:nvPr/>
-        </p:nvPicPr>
-        <p:blipFill>
-          <a:blip r:embed="rId3" cstate="print"/>
-          <a:srcRect/>
-          <a:stretch>
-            <a:fillRect/>
-          </a:stretch>
-        </p:blipFill>
-        <p:spPr bwMode="auto">
-          <a:xfrm>
-            <a:off x="2895600" y="3009900"/>
-            <a:ext cx="1729741" cy="685800"/>
-          </a:xfrm>
-          <a:prstGeom prst="rect">
-            <a:avLst/>
-          </a:prstGeom>
-          <a:noFill/>
-        </p:spPr>
-      </p:pic>
-      <p:sp>
-        <p:nvSpPr>
-          <p:cNvPr id="6" name="TextBox 5"/>
-          <p:cNvSpPr txBox="1"/>
-          <p:nvPr/>
-        </p:nvSpPr>
-        <p:spPr>
-          <a:xfrm>
-            <a:off x="5334000" y="3048000"/>
-            <a:ext cx="1608133" cy="646331"/>
-          </a:xfrm>
-          <a:prstGeom prst="rect">
-            <a:avLst/>
-          </a:prstGeom>
-          <a:noFill/>
-        </p:spPr>
-        <p:txBody>
-          <a:bodyPr wrap="none" rtlCol="0">
-            <a:spAutoFit/>
-          </a:bodyPr>
-          <a:lstStyle/>
-          <a:p>
-            <a:r>
-              <a:rPr lang="en-US" dirty="0" smtClean="0"/>
-              <a:t>Should I bring</a:t>
-            </a:r>
-          </a:p>
-          <a:p>
-            <a:r>
-              <a:rPr lang="en-US" dirty="0" smtClean="0"/>
-              <a:t> an umbrella</a:t>
-            </a:r>
-            <a:endParaRPr lang="en-US" dirty="0"/>
-          </a:p>
-        </p:txBody>
-      </p:sp>
-      <p:sp>
-        <p:nvSpPr>
-          <p:cNvPr id="11" name="Right Arrow 10"/>
-          <p:cNvSpPr/>
-          <p:nvPr/>
-        </p:nvSpPr>
-        <p:spPr>
-          <a:xfrm>
-            <a:off x="2156012" y="3110484"/>
-            <a:ext cx="587188" cy="484632"/>
-          </a:xfrm>
-          <a:prstGeom prst="rightArrow">
-            <a:avLst/>
-          </a:prstGeom>
-        </p:spPr>
-        <p:style>
-          <a:lnRef idx="2">
-            <a:schemeClr val="accent1">
-              <a:shade val="50000"/>
-            </a:schemeClr>
-          </a:lnRef>
-          <a:fillRef idx="1">
-            <a:schemeClr val="accent1"/>
-          </a:fillRef>
-          <a:effectRef idx="0">
-            <a:schemeClr val="accent1"/>
-          </a:effectRef>
-          <a:fontRef idx="minor">
-            <a:schemeClr val="lt1"/>
-          </a:fontRef>
-        </p:style>
-        <p:txBody>
-          <a:bodyPr rtlCol="0" anchor="ctr"/>
-          <a:lstStyle/>
-          <a:p>
-            <a:pPr algn="ctr"/>
-            <a:endParaRPr lang="en-US"/>
-          </a:p>
-        </p:txBody>
-      </p:sp>
-      <p:sp>
-        <p:nvSpPr>
-          <p:cNvPr id="12" name="Right Arrow 11"/>
-          <p:cNvSpPr/>
-          <p:nvPr/>
-        </p:nvSpPr>
-        <p:spPr>
-          <a:xfrm>
-            <a:off x="4746812" y="3124200"/>
-            <a:ext cx="587188" cy="484632"/>
-          </a:xfrm>
-          <a:prstGeom prst="rightArrow">
-            <a:avLst/>
-          </a:prstGeom>
-        </p:spPr>
-        <p:style>
-          <a:lnRef idx="2">
-            <a:schemeClr val="accent1">
-              <a:shade val="50000"/>
-            </a:schemeClr>
-          </a:lnRef>
-          <a:fillRef idx="1">
-            <a:schemeClr val="accent1"/>
-          </a:fillRef>
-          <a:effectRef idx="0">
-            <a:schemeClr val="accent1"/>
-          </a:effectRef>
-          <a:fontRef idx="minor">
-            <a:schemeClr val="lt1"/>
-          </a:fontRef>
-        </p:style>
-        <p:txBody>
-          <a:bodyPr rtlCol="0" anchor="ctr"/>
-          <a:lstStyle/>
-          <a:p>
-            <a:pPr algn="ctr"/>
-            <a:endParaRPr lang="en-US"/>
-          </a:p>
-        </p:txBody>
-      </p:sp>
-      <p:sp>
-        <p:nvSpPr>
-          <p:cNvPr id="13" name="TextBox 12"/>
-          <p:cNvSpPr txBox="1"/>
-          <p:nvPr/>
-        </p:nvSpPr>
-        <p:spPr>
-          <a:xfrm>
-            <a:off x="7597588" y="3048000"/>
-            <a:ext cx="1189428" cy="646331"/>
-          </a:xfrm>
-          <a:prstGeom prst="rect">
-            <a:avLst/>
-          </a:prstGeom>
-          <a:noFill/>
-        </p:spPr>
-        <p:txBody>
-          <a:bodyPr wrap="none" rtlCol="0">
-            <a:spAutoFit/>
-          </a:bodyPr>
-          <a:lstStyle/>
-          <a:p>
-            <a:r>
-              <a:rPr lang="en-US" dirty="0" smtClean="0"/>
-              <a:t>Yes, it will</a:t>
-            </a:r>
-          </a:p>
-          <a:p>
-            <a:r>
-              <a:rPr lang="en-US" dirty="0" smtClean="0"/>
-              <a:t>rain today</a:t>
-            </a:r>
-            <a:endParaRPr lang="en-US" dirty="0"/>
-          </a:p>
-        </p:txBody>
-      </p:sp>
-      <p:sp>
-        <p:nvSpPr>
-          <p:cNvPr id="14" name="Right Arrow 13"/>
-          <p:cNvSpPr/>
-          <p:nvPr/>
-        </p:nvSpPr>
-        <p:spPr>
-          <a:xfrm>
-            <a:off x="6934200" y="3124200"/>
-            <a:ext cx="587188" cy="484632"/>
-          </a:xfrm>
-          <a:prstGeom prst="rightArrow">
-            <a:avLst/>
-          </a:prstGeom>
-        </p:spPr>
-        <p:style>
-          <a:lnRef idx="2">
-            <a:schemeClr val="accent1">
-              <a:shade val="50000"/>
-            </a:schemeClr>
-          </a:lnRef>
-          <a:fillRef idx="1">
-            <a:schemeClr val="accent1"/>
-          </a:fillRef>
-          <a:effectRef idx="0">
-            <a:schemeClr val="accent1"/>
-          </a:effectRef>
-          <a:fontRef idx="minor">
-            <a:schemeClr val="lt1"/>
-          </a:fontRef>
-        </p:style>
-        <p:txBody>
-          <a:bodyPr rtlCol="0" anchor="ctr"/>
-          <a:lstStyle/>
-          <a:p>
-            <a:pPr algn="ctr"/>
-            <a:endParaRPr lang="en-US"/>
-          </a:p>
-        </p:txBody>
-      </p:sp>
-    </p:spTree>
-    <p:extLst>
-      <p:ext uri="{BB962C8B-B14F-4D97-AF65-F5344CB8AC3E}">
-        <p14:creationId xmlns:p14="http://schemas.microsoft.com/office/powerpoint/2010/main" val="2020058709"/>
-      </p:ext>
-    </p:extLst>
-  </p:cSld>
-  <p:clrMapOvr>
-    <a:masterClrMapping/>
-  </p:clrMapOvr>
-  <p:timing>
-    <p:tnLst>
-      <p:par>
-        <p:cTn xmlns:p14="http://schemas.microsoft.com/office/powerpoint/2010/main" id="1" dur="indefinite" restart="never" nodeType="tmRoot"/>
-      </p:par>
-    </p:tnLst>
-  </p:timing>
-</p:sld>
-</file>
-
-<file path=ppt/slides/slide40.xml><?xml version="1.0" encoding="utf-8"?>
+<file path=ppt/slides/slide39.xml><?xml version="1.0" encoding="utf-8"?>
 <p:sld xmlns:a="http://schemas.openxmlformats.org/drawingml/2006/main" xmlns:r="http://schemas.openxmlformats.org/officeDocument/2006/relationships" xmlns:p="http://schemas.openxmlformats.org/presentationml/2006/main">
   <p:cSld>
     <p:spTree>
@@ -25610,7 +24793,482 @@
 </p:sld>
 </file>
 
-<file path=ppt/slides/slide41.xml><?xml version="1.0" encoding="utf-8"?>
+<file path=ppt/slides/slide4.xml><?xml version="1.0" encoding="utf-8"?>
+<p:sld xmlns:a="http://schemas.openxmlformats.org/drawingml/2006/main" xmlns:r="http://schemas.openxmlformats.org/officeDocument/2006/relationships" xmlns:p="http://schemas.openxmlformats.org/presentationml/2006/main">
+  <p:cSld>
+    <p:spTree>
+      <p:nvGrpSpPr>
+        <p:cNvPr id="1" name=""/>
+        <p:cNvGrpSpPr/>
+        <p:nvPr/>
+      </p:nvGrpSpPr>
+      <p:grpSpPr>
+        <a:xfrm>
+          <a:off x="0" y="0"/>
+          <a:ext cx="0" cy="0"/>
+          <a:chOff x="0" y="0"/>
+          <a:chExt cx="0" cy="0"/>
+        </a:xfrm>
+      </p:grpSpPr>
+      <p:sp>
+        <p:nvSpPr>
+          <p:cNvPr id="2" name="Title 1"/>
+          <p:cNvSpPr>
+            <a:spLocks noGrp="1"/>
+          </p:cNvSpPr>
+          <p:nvPr>
+            <p:ph type="title"/>
+          </p:nvPr>
+        </p:nvSpPr>
+        <p:spPr/>
+        <p:txBody>
+          <a:bodyPr/>
+          <a:lstStyle/>
+          <a:p>
+            <a:r>
+              <a:rPr lang="en-US" dirty="0" err="1"/>
+              <a:t>Siri</a:t>
+            </a:r>
+            <a:r>
+              <a:rPr lang="en-US" dirty="0"/>
+              <a:t> in </a:t>
+            </a:r>
+            <a:r>
+              <a:rPr lang="en-US" dirty="0" smtClean="0"/>
+              <a:t>Five Minutes</a:t>
+            </a:r>
+            <a:endParaRPr lang="en-US" dirty="0"/>
+          </a:p>
+        </p:txBody>
+      </p:sp>
+      <p:pic>
+        <p:nvPicPr>
+          <p:cNvPr id="4" name="Content Placeholder 3"/>
+          <p:cNvPicPr>
+            <a:picLocks noGrp="1" noChangeAspect="1"/>
+          </p:cNvPicPr>
+          <p:nvPr>
+            <p:ph idx="1"/>
+          </p:nvPr>
+        </p:nvPicPr>
+        <p:blipFill>
+          <a:blip r:embed="rId2" cstate="print">
+            <a:extLst>
+              <a:ext uri="{28A0092B-C50C-407E-A947-70E740481C1C}">
+                <a14:useLocalDpi xmlns:a14="http://schemas.microsoft.com/office/drawing/2010/main" val="0"/>
+              </a:ext>
+            </a:extLst>
+          </a:blip>
+          <a:stretch>
+            <a:fillRect/>
+          </a:stretch>
+        </p:blipFill>
+        <p:spPr>
+          <a:xfrm flipH="1">
+            <a:off x="228600" y="2819400"/>
+            <a:ext cx="1828434" cy="1219200"/>
+          </a:xfrm>
+        </p:spPr>
+      </p:pic>
+      <p:pic>
+        <p:nvPicPr>
+          <p:cNvPr id="5" name="Picture 5" descr="C:\Users\Scott\Documents\presentations\CLSP KWS talk 2012\waveform.png"/>
+          <p:cNvPicPr>
+            <a:picLocks noChangeAspect="1" noChangeArrowheads="1"/>
+          </p:cNvPicPr>
+          <p:nvPr/>
+        </p:nvPicPr>
+        <p:blipFill>
+          <a:blip r:embed="rId3" cstate="print"/>
+          <a:srcRect/>
+          <a:stretch>
+            <a:fillRect/>
+          </a:stretch>
+        </p:blipFill>
+        <p:spPr bwMode="auto">
+          <a:xfrm>
+            <a:off x="2895600" y="3009900"/>
+            <a:ext cx="1729741" cy="685800"/>
+          </a:xfrm>
+          <a:prstGeom prst="rect">
+            <a:avLst/>
+          </a:prstGeom>
+          <a:noFill/>
+        </p:spPr>
+      </p:pic>
+      <p:sp>
+        <p:nvSpPr>
+          <p:cNvPr id="6" name="TextBox 5"/>
+          <p:cNvSpPr txBox="1"/>
+          <p:nvPr/>
+        </p:nvSpPr>
+        <p:spPr>
+          <a:xfrm>
+            <a:off x="5334000" y="3048000"/>
+            <a:ext cx="1608133" cy="646331"/>
+          </a:xfrm>
+          <a:prstGeom prst="rect">
+            <a:avLst/>
+          </a:prstGeom>
+          <a:noFill/>
+        </p:spPr>
+        <p:txBody>
+          <a:bodyPr wrap="none" rtlCol="0">
+            <a:spAutoFit/>
+          </a:bodyPr>
+          <a:lstStyle/>
+          <a:p>
+            <a:r>
+              <a:rPr lang="en-US" dirty="0" smtClean="0"/>
+              <a:t>Should I bring</a:t>
+            </a:r>
+          </a:p>
+          <a:p>
+            <a:r>
+              <a:rPr lang="en-US" dirty="0" smtClean="0"/>
+              <a:t> an umbrella</a:t>
+            </a:r>
+            <a:endParaRPr lang="en-US" dirty="0"/>
+          </a:p>
+        </p:txBody>
+      </p:sp>
+      <p:sp>
+        <p:nvSpPr>
+          <p:cNvPr id="11" name="Right Arrow 10"/>
+          <p:cNvSpPr/>
+          <p:nvPr/>
+        </p:nvSpPr>
+        <p:spPr>
+          <a:xfrm>
+            <a:off x="2156012" y="3110484"/>
+            <a:ext cx="587188" cy="484632"/>
+          </a:xfrm>
+          <a:prstGeom prst="rightArrow">
+            <a:avLst/>
+          </a:prstGeom>
+        </p:spPr>
+        <p:style>
+          <a:lnRef idx="2">
+            <a:schemeClr val="accent1">
+              <a:shade val="50000"/>
+            </a:schemeClr>
+          </a:lnRef>
+          <a:fillRef idx="1">
+            <a:schemeClr val="accent1"/>
+          </a:fillRef>
+          <a:effectRef idx="0">
+            <a:schemeClr val="accent1"/>
+          </a:effectRef>
+          <a:fontRef idx="minor">
+            <a:schemeClr val="lt1"/>
+          </a:fontRef>
+        </p:style>
+        <p:txBody>
+          <a:bodyPr rtlCol="0" anchor="ctr"/>
+          <a:lstStyle/>
+          <a:p>
+            <a:pPr algn="ctr"/>
+            <a:endParaRPr lang="en-US"/>
+          </a:p>
+        </p:txBody>
+      </p:sp>
+      <p:sp>
+        <p:nvSpPr>
+          <p:cNvPr id="12" name="Right Arrow 11"/>
+          <p:cNvSpPr/>
+          <p:nvPr/>
+        </p:nvSpPr>
+        <p:spPr>
+          <a:xfrm>
+            <a:off x="4746812" y="3124200"/>
+            <a:ext cx="587188" cy="484632"/>
+          </a:xfrm>
+          <a:prstGeom prst="rightArrow">
+            <a:avLst/>
+          </a:prstGeom>
+        </p:spPr>
+        <p:style>
+          <a:lnRef idx="2">
+            <a:schemeClr val="accent1">
+              <a:shade val="50000"/>
+            </a:schemeClr>
+          </a:lnRef>
+          <a:fillRef idx="1">
+            <a:schemeClr val="accent1"/>
+          </a:fillRef>
+          <a:effectRef idx="0">
+            <a:schemeClr val="accent1"/>
+          </a:effectRef>
+          <a:fontRef idx="minor">
+            <a:schemeClr val="lt1"/>
+          </a:fontRef>
+        </p:style>
+        <p:txBody>
+          <a:bodyPr rtlCol="0" anchor="ctr"/>
+          <a:lstStyle/>
+          <a:p>
+            <a:pPr algn="ctr"/>
+            <a:endParaRPr lang="en-US"/>
+          </a:p>
+        </p:txBody>
+      </p:sp>
+      <p:sp>
+        <p:nvSpPr>
+          <p:cNvPr id="13" name="TextBox 12"/>
+          <p:cNvSpPr txBox="1"/>
+          <p:nvPr/>
+        </p:nvSpPr>
+        <p:spPr>
+          <a:xfrm>
+            <a:off x="7597588" y="3048000"/>
+            <a:ext cx="1189428" cy="646331"/>
+          </a:xfrm>
+          <a:prstGeom prst="rect">
+            <a:avLst/>
+          </a:prstGeom>
+          <a:noFill/>
+        </p:spPr>
+        <p:txBody>
+          <a:bodyPr wrap="none" rtlCol="0">
+            <a:spAutoFit/>
+          </a:bodyPr>
+          <a:lstStyle/>
+          <a:p>
+            <a:r>
+              <a:rPr lang="en-US" dirty="0" smtClean="0"/>
+              <a:t>Yes, it will</a:t>
+            </a:r>
+          </a:p>
+          <a:p>
+            <a:r>
+              <a:rPr lang="en-US" dirty="0" smtClean="0"/>
+              <a:t>rain today</a:t>
+            </a:r>
+            <a:endParaRPr lang="en-US" dirty="0"/>
+          </a:p>
+        </p:txBody>
+      </p:sp>
+      <p:sp>
+        <p:nvSpPr>
+          <p:cNvPr id="14" name="Right Arrow 13"/>
+          <p:cNvSpPr/>
+          <p:nvPr/>
+        </p:nvSpPr>
+        <p:spPr>
+          <a:xfrm>
+            <a:off x="6934200" y="3124200"/>
+            <a:ext cx="587188" cy="484632"/>
+          </a:xfrm>
+          <a:prstGeom prst="rightArrow">
+            <a:avLst/>
+          </a:prstGeom>
+        </p:spPr>
+        <p:style>
+          <a:lnRef idx="2">
+            <a:schemeClr val="accent1">
+              <a:shade val="50000"/>
+            </a:schemeClr>
+          </a:lnRef>
+          <a:fillRef idx="1">
+            <a:schemeClr val="accent1"/>
+          </a:fillRef>
+          <a:effectRef idx="0">
+            <a:schemeClr val="accent1"/>
+          </a:effectRef>
+          <a:fontRef idx="minor">
+            <a:schemeClr val="lt1"/>
+          </a:fontRef>
+        </p:style>
+        <p:txBody>
+          <a:bodyPr rtlCol="0" anchor="ctr"/>
+          <a:lstStyle/>
+          <a:p>
+            <a:pPr algn="ctr"/>
+            <a:endParaRPr lang="en-US"/>
+          </a:p>
+        </p:txBody>
+      </p:sp>
+      <p:sp>
+        <p:nvSpPr>
+          <p:cNvPr id="15" name="Multiply 14"/>
+          <p:cNvSpPr/>
+          <p:nvPr/>
+        </p:nvSpPr>
+        <p:spPr>
+          <a:xfrm>
+            <a:off x="6784041" y="2952065"/>
+            <a:ext cx="887506" cy="838200"/>
+          </a:xfrm>
+          <a:prstGeom prst="mathMultiply">
+            <a:avLst/>
+          </a:prstGeom>
+          <a:solidFill>
+            <a:srgbClr val="FF0000"/>
+          </a:solidFill>
+          <a:ln w="3175"/>
+        </p:spPr>
+        <p:style>
+          <a:lnRef idx="2">
+            <a:schemeClr val="accent1">
+              <a:shade val="50000"/>
+            </a:schemeClr>
+          </a:lnRef>
+          <a:fillRef idx="1">
+            <a:schemeClr val="accent1"/>
+          </a:fillRef>
+          <a:effectRef idx="0">
+            <a:schemeClr val="accent1"/>
+          </a:effectRef>
+          <a:fontRef idx="minor">
+            <a:schemeClr val="lt1"/>
+          </a:fontRef>
+        </p:style>
+        <p:txBody>
+          <a:bodyPr rtlCol="0" anchor="ctr"/>
+          <a:lstStyle/>
+          <a:p>
+            <a:pPr algn="ctr"/>
+            <a:endParaRPr lang="en-US"/>
+          </a:p>
+        </p:txBody>
+      </p:sp>
+      <p:sp>
+        <p:nvSpPr>
+          <p:cNvPr id="16" name="Multiply 15"/>
+          <p:cNvSpPr/>
+          <p:nvPr/>
+        </p:nvSpPr>
+        <p:spPr>
+          <a:xfrm>
+            <a:off x="1981200" y="2971800"/>
+            <a:ext cx="887506" cy="838200"/>
+          </a:xfrm>
+          <a:prstGeom prst="mathMultiply">
+            <a:avLst/>
+          </a:prstGeom>
+          <a:solidFill>
+            <a:srgbClr val="FF0000"/>
+          </a:solidFill>
+          <a:ln w="3175"/>
+        </p:spPr>
+        <p:style>
+          <a:lnRef idx="2">
+            <a:schemeClr val="accent1">
+              <a:shade val="50000"/>
+            </a:schemeClr>
+          </a:lnRef>
+          <a:fillRef idx="1">
+            <a:schemeClr val="accent1"/>
+          </a:fillRef>
+          <a:effectRef idx="0">
+            <a:schemeClr val="accent1"/>
+          </a:effectRef>
+          <a:fontRef idx="minor">
+            <a:schemeClr val="lt1"/>
+          </a:fontRef>
+        </p:style>
+        <p:txBody>
+          <a:bodyPr rtlCol="0" anchor="ctr"/>
+          <a:lstStyle/>
+          <a:p>
+            <a:pPr algn="ctr"/>
+            <a:endParaRPr lang="en-US"/>
+          </a:p>
+        </p:txBody>
+      </p:sp>
+      <p:sp>
+        <p:nvSpPr>
+          <p:cNvPr id="7" name="Rectangle 6"/>
+          <p:cNvSpPr/>
+          <p:nvPr/>
+        </p:nvSpPr>
+        <p:spPr>
+          <a:xfrm>
+            <a:off x="2743200" y="2743200"/>
+            <a:ext cx="4186109" cy="1219200"/>
+          </a:xfrm>
+          <a:prstGeom prst="rect">
+            <a:avLst/>
+          </a:prstGeom>
+          <a:noFill/>
+          <a:ln w="28575"/>
+        </p:spPr>
+        <p:style>
+          <a:lnRef idx="2">
+            <a:schemeClr val="accent1">
+              <a:shade val="50000"/>
+            </a:schemeClr>
+          </a:lnRef>
+          <a:fillRef idx="1">
+            <a:schemeClr val="accent1"/>
+          </a:fillRef>
+          <a:effectRef idx="0">
+            <a:schemeClr val="accent1"/>
+          </a:effectRef>
+          <a:fontRef idx="minor">
+            <a:schemeClr val="lt1"/>
+          </a:fontRef>
+        </p:style>
+        <p:txBody>
+          <a:bodyPr rtlCol="0" anchor="ctr"/>
+          <a:lstStyle/>
+          <a:p>
+            <a:pPr algn="ctr"/>
+            <a:endParaRPr lang="en-US"/>
+          </a:p>
+        </p:txBody>
+      </p:sp>
+      <p:sp>
+        <p:nvSpPr>
+          <p:cNvPr id="8" name="TextBox 7"/>
+          <p:cNvSpPr txBox="1"/>
+          <p:nvPr/>
+        </p:nvSpPr>
+        <p:spPr>
+          <a:xfrm>
+            <a:off x="3200400" y="4050268"/>
+            <a:ext cx="3339376" cy="369332"/>
+          </a:xfrm>
+          <a:prstGeom prst="rect">
+            <a:avLst/>
+          </a:prstGeom>
+          <a:noFill/>
+        </p:spPr>
+        <p:txBody>
+          <a:bodyPr wrap="none" rtlCol="0">
+            <a:spAutoFit/>
+          </a:bodyPr>
+          <a:lstStyle/>
+          <a:p>
+            <a:r>
+              <a:rPr lang="en-US" dirty="0" smtClean="0"/>
+              <a:t>Automatic Speech Recognition</a:t>
+            </a:r>
+            <a:endParaRPr lang="en-US" dirty="0"/>
+          </a:p>
+        </p:txBody>
+      </p:sp>
+    </p:spTree>
+    <p:extLst>
+      <p:ext uri="{BB962C8B-B14F-4D97-AF65-F5344CB8AC3E}">
+        <p14:creationId xmlns:p14="http://schemas.microsoft.com/office/powerpoint/2010/main" val="2263904508"/>
+      </p:ext>
+    </p:extLst>
+  </p:cSld>
+  <p:clrMapOvr>
+    <a:masterClrMapping/>
+  </p:clrMapOvr>
+  <p:timing>
+    <p:tnLst>
+      <p:par>
+        <p:cTn xmlns:p14="http://schemas.microsoft.com/office/powerpoint/2010/main" id="1" dur="indefinite" restart="never" nodeType="tmRoot"/>
+      </p:par>
+    </p:tnLst>
+  </p:timing>
+</p:sld>
+</file>
+
+<file path=ppt/slides/slide40.xml><?xml version="1.0" encoding="utf-8"?>
 <p:sld xmlns:a="http://schemas.openxmlformats.org/drawingml/2006/main" xmlns:r="http://schemas.openxmlformats.org/officeDocument/2006/relationships" xmlns:p="http://schemas.openxmlformats.org/presentationml/2006/main">
   <p:cSld>
     <p:spTree>
@@ -25797,7 +25455,7 @@
 </p:sld>
 </file>
 
-<file path=ppt/slides/slide42.xml><?xml version="1.0" encoding="utf-8"?>
+<file path=ppt/slides/slide41.xml><?xml version="1.0" encoding="utf-8"?>
 <p:sld xmlns:a="http://schemas.openxmlformats.org/drawingml/2006/main" xmlns:r="http://schemas.openxmlformats.org/officeDocument/2006/relationships" xmlns:p="http://schemas.openxmlformats.org/presentationml/2006/main">
   <p:cSld>
     <p:spTree>
@@ -26528,7 +26186,7 @@
 </p:sld>
 </file>
 
-<file path=ppt/slides/slide43.xml><?xml version="1.0" encoding="utf-8"?>
+<file path=ppt/slides/slide42.xml><?xml version="1.0" encoding="utf-8"?>
 <p:sld xmlns:a="http://schemas.openxmlformats.org/drawingml/2006/main" xmlns:r="http://schemas.openxmlformats.org/officeDocument/2006/relationships" xmlns:p="http://schemas.openxmlformats.org/presentationml/2006/main">
   <p:cSld>
     <p:spTree>
@@ -27725,7 +27383,7 @@
 </p:sld>
 </file>
 
-<file path=ppt/slides/slide44.xml><?xml version="1.0" encoding="utf-8"?>
+<file path=ppt/slides/slide43.xml><?xml version="1.0" encoding="utf-8"?>
 <p:sld xmlns:a="http://schemas.openxmlformats.org/drawingml/2006/main" xmlns:r="http://schemas.openxmlformats.org/officeDocument/2006/relationships" xmlns:p="http://schemas.openxmlformats.org/presentationml/2006/main">
   <p:cSld>
     <p:spTree>
@@ -28432,7 +28090,7 @@
 </p:sld>
 </file>
 
-<file path=ppt/slides/slide45.xml><?xml version="1.0" encoding="utf-8"?>
+<file path=ppt/slides/slide44.xml><?xml version="1.0" encoding="utf-8"?>
 <p:sld xmlns:a="http://schemas.openxmlformats.org/drawingml/2006/main" xmlns:r="http://schemas.openxmlformats.org/officeDocument/2006/relationships" xmlns:p="http://schemas.openxmlformats.org/presentationml/2006/main">
   <p:cSld>
     <p:spTree>
@@ -28508,7 +28166,7 @@
 </p:sld>
 </file>
 
-<file path=ppt/slides/slide46.xml><?xml version="1.0" encoding="utf-8"?>
+<file path=ppt/slides/slide45.xml><?xml version="1.0" encoding="utf-8"?>
 <p:sld xmlns:a="http://schemas.openxmlformats.org/drawingml/2006/main" xmlns:r="http://schemas.openxmlformats.org/officeDocument/2006/relationships" xmlns:p="http://schemas.openxmlformats.org/presentationml/2006/main">
   <p:cSld>
     <p:spTree>
@@ -28717,7 +28375,7 @@
 </p:sld>
 </file>
 
-<file path=ppt/slides/slide47.xml><?xml version="1.0" encoding="utf-8"?>
+<file path=ppt/slides/slide46.xml><?xml version="1.0" encoding="utf-8"?>
 <p:sld xmlns:a="http://schemas.openxmlformats.org/drawingml/2006/main" xmlns:r="http://schemas.openxmlformats.org/officeDocument/2006/relationships" xmlns:p="http://schemas.openxmlformats.org/presentationml/2006/main">
   <p:cSld>
     <p:spTree>
@@ -29283,7 +28941,7 @@
 </p:sld>
 </file>
 
-<file path=ppt/slides/slide48.xml><?xml version="1.0" encoding="utf-8"?>
+<file path=ppt/slides/slide47.xml><?xml version="1.0" encoding="utf-8"?>
 <p:sld xmlns:a="http://schemas.openxmlformats.org/drawingml/2006/main" xmlns:r="http://schemas.openxmlformats.org/officeDocument/2006/relationships" xmlns:p="http://schemas.openxmlformats.org/presentationml/2006/main">
   <p:cSld>
     <p:spTree>
@@ -29932,7 +29590,7 @@
 </p:sld>
 </file>
 
-<file path=ppt/slides/slide49.xml><?xml version="1.0" encoding="utf-8"?>
+<file path=ppt/slides/slide48.xml><?xml version="1.0" encoding="utf-8"?>
 <p:sld xmlns:a="http://schemas.openxmlformats.org/drawingml/2006/main" xmlns:r="http://schemas.openxmlformats.org/officeDocument/2006/relationships" xmlns:p="http://schemas.openxmlformats.org/presentationml/2006/main">
   <p:cSld>
     <p:spTree>
@@ -30408,482 +30066,7 @@
 </p:sld>
 </file>
 
-<file path=ppt/slides/slide5.xml><?xml version="1.0" encoding="utf-8"?>
-<p:sld xmlns:a="http://schemas.openxmlformats.org/drawingml/2006/main" xmlns:r="http://schemas.openxmlformats.org/officeDocument/2006/relationships" xmlns:p="http://schemas.openxmlformats.org/presentationml/2006/main">
-  <p:cSld>
-    <p:spTree>
-      <p:nvGrpSpPr>
-        <p:cNvPr id="1" name=""/>
-        <p:cNvGrpSpPr/>
-        <p:nvPr/>
-      </p:nvGrpSpPr>
-      <p:grpSpPr>
-        <a:xfrm>
-          <a:off x="0" y="0"/>
-          <a:ext cx="0" cy="0"/>
-          <a:chOff x="0" y="0"/>
-          <a:chExt cx="0" cy="0"/>
-        </a:xfrm>
-      </p:grpSpPr>
-      <p:sp>
-        <p:nvSpPr>
-          <p:cNvPr id="2" name="Title 1"/>
-          <p:cNvSpPr>
-            <a:spLocks noGrp="1"/>
-          </p:cNvSpPr>
-          <p:nvPr>
-            <p:ph type="title"/>
-          </p:nvPr>
-        </p:nvSpPr>
-        <p:spPr/>
-        <p:txBody>
-          <a:bodyPr/>
-          <a:lstStyle/>
-          <a:p>
-            <a:r>
-              <a:rPr lang="en-US" dirty="0" err="1"/>
-              <a:t>Siri</a:t>
-            </a:r>
-            <a:r>
-              <a:rPr lang="en-US" dirty="0"/>
-              <a:t> in </a:t>
-            </a:r>
-            <a:r>
-              <a:rPr lang="en-US" dirty="0" smtClean="0"/>
-              <a:t>Five Minutes</a:t>
-            </a:r>
-            <a:endParaRPr lang="en-US" dirty="0"/>
-          </a:p>
-        </p:txBody>
-      </p:sp>
-      <p:pic>
-        <p:nvPicPr>
-          <p:cNvPr id="4" name="Content Placeholder 3"/>
-          <p:cNvPicPr>
-            <a:picLocks noGrp="1" noChangeAspect="1"/>
-          </p:cNvPicPr>
-          <p:nvPr>
-            <p:ph idx="1"/>
-          </p:nvPr>
-        </p:nvPicPr>
-        <p:blipFill>
-          <a:blip r:embed="rId2" cstate="print">
-            <a:extLst>
-              <a:ext uri="{28A0092B-C50C-407E-A947-70E740481C1C}">
-                <a14:useLocalDpi xmlns:a14="http://schemas.microsoft.com/office/drawing/2010/main" val="0"/>
-              </a:ext>
-            </a:extLst>
-          </a:blip>
-          <a:stretch>
-            <a:fillRect/>
-          </a:stretch>
-        </p:blipFill>
-        <p:spPr>
-          <a:xfrm flipH="1">
-            <a:off x="228600" y="2819400"/>
-            <a:ext cx="1828434" cy="1219200"/>
-          </a:xfrm>
-        </p:spPr>
-      </p:pic>
-      <p:pic>
-        <p:nvPicPr>
-          <p:cNvPr id="5" name="Picture 5" descr="C:\Users\Scott\Documents\presentations\CLSP KWS talk 2012\waveform.png"/>
-          <p:cNvPicPr>
-            <a:picLocks noChangeAspect="1" noChangeArrowheads="1"/>
-          </p:cNvPicPr>
-          <p:nvPr/>
-        </p:nvPicPr>
-        <p:blipFill>
-          <a:blip r:embed="rId3" cstate="print"/>
-          <a:srcRect/>
-          <a:stretch>
-            <a:fillRect/>
-          </a:stretch>
-        </p:blipFill>
-        <p:spPr bwMode="auto">
-          <a:xfrm>
-            <a:off x="2895600" y="3009900"/>
-            <a:ext cx="1729741" cy="685800"/>
-          </a:xfrm>
-          <a:prstGeom prst="rect">
-            <a:avLst/>
-          </a:prstGeom>
-          <a:noFill/>
-        </p:spPr>
-      </p:pic>
-      <p:sp>
-        <p:nvSpPr>
-          <p:cNvPr id="6" name="TextBox 5"/>
-          <p:cNvSpPr txBox="1"/>
-          <p:nvPr/>
-        </p:nvSpPr>
-        <p:spPr>
-          <a:xfrm>
-            <a:off x="5334000" y="3048000"/>
-            <a:ext cx="1608133" cy="646331"/>
-          </a:xfrm>
-          <a:prstGeom prst="rect">
-            <a:avLst/>
-          </a:prstGeom>
-          <a:noFill/>
-        </p:spPr>
-        <p:txBody>
-          <a:bodyPr wrap="none" rtlCol="0">
-            <a:spAutoFit/>
-          </a:bodyPr>
-          <a:lstStyle/>
-          <a:p>
-            <a:r>
-              <a:rPr lang="en-US" dirty="0" smtClean="0"/>
-              <a:t>Should I bring</a:t>
-            </a:r>
-          </a:p>
-          <a:p>
-            <a:r>
-              <a:rPr lang="en-US" dirty="0" smtClean="0"/>
-              <a:t> an umbrella</a:t>
-            </a:r>
-            <a:endParaRPr lang="en-US" dirty="0"/>
-          </a:p>
-        </p:txBody>
-      </p:sp>
-      <p:sp>
-        <p:nvSpPr>
-          <p:cNvPr id="11" name="Right Arrow 10"/>
-          <p:cNvSpPr/>
-          <p:nvPr/>
-        </p:nvSpPr>
-        <p:spPr>
-          <a:xfrm>
-            <a:off x="2156012" y="3110484"/>
-            <a:ext cx="587188" cy="484632"/>
-          </a:xfrm>
-          <a:prstGeom prst="rightArrow">
-            <a:avLst/>
-          </a:prstGeom>
-        </p:spPr>
-        <p:style>
-          <a:lnRef idx="2">
-            <a:schemeClr val="accent1">
-              <a:shade val="50000"/>
-            </a:schemeClr>
-          </a:lnRef>
-          <a:fillRef idx="1">
-            <a:schemeClr val="accent1"/>
-          </a:fillRef>
-          <a:effectRef idx="0">
-            <a:schemeClr val="accent1"/>
-          </a:effectRef>
-          <a:fontRef idx="minor">
-            <a:schemeClr val="lt1"/>
-          </a:fontRef>
-        </p:style>
-        <p:txBody>
-          <a:bodyPr rtlCol="0" anchor="ctr"/>
-          <a:lstStyle/>
-          <a:p>
-            <a:pPr algn="ctr"/>
-            <a:endParaRPr lang="en-US"/>
-          </a:p>
-        </p:txBody>
-      </p:sp>
-      <p:sp>
-        <p:nvSpPr>
-          <p:cNvPr id="12" name="Right Arrow 11"/>
-          <p:cNvSpPr/>
-          <p:nvPr/>
-        </p:nvSpPr>
-        <p:spPr>
-          <a:xfrm>
-            <a:off x="4746812" y="3124200"/>
-            <a:ext cx="587188" cy="484632"/>
-          </a:xfrm>
-          <a:prstGeom prst="rightArrow">
-            <a:avLst/>
-          </a:prstGeom>
-        </p:spPr>
-        <p:style>
-          <a:lnRef idx="2">
-            <a:schemeClr val="accent1">
-              <a:shade val="50000"/>
-            </a:schemeClr>
-          </a:lnRef>
-          <a:fillRef idx="1">
-            <a:schemeClr val="accent1"/>
-          </a:fillRef>
-          <a:effectRef idx="0">
-            <a:schemeClr val="accent1"/>
-          </a:effectRef>
-          <a:fontRef idx="minor">
-            <a:schemeClr val="lt1"/>
-          </a:fontRef>
-        </p:style>
-        <p:txBody>
-          <a:bodyPr rtlCol="0" anchor="ctr"/>
-          <a:lstStyle/>
-          <a:p>
-            <a:pPr algn="ctr"/>
-            <a:endParaRPr lang="en-US"/>
-          </a:p>
-        </p:txBody>
-      </p:sp>
-      <p:sp>
-        <p:nvSpPr>
-          <p:cNvPr id="13" name="TextBox 12"/>
-          <p:cNvSpPr txBox="1"/>
-          <p:nvPr/>
-        </p:nvSpPr>
-        <p:spPr>
-          <a:xfrm>
-            <a:off x="7597588" y="3048000"/>
-            <a:ext cx="1189428" cy="646331"/>
-          </a:xfrm>
-          <a:prstGeom prst="rect">
-            <a:avLst/>
-          </a:prstGeom>
-          <a:noFill/>
-        </p:spPr>
-        <p:txBody>
-          <a:bodyPr wrap="none" rtlCol="0">
-            <a:spAutoFit/>
-          </a:bodyPr>
-          <a:lstStyle/>
-          <a:p>
-            <a:r>
-              <a:rPr lang="en-US" dirty="0" smtClean="0"/>
-              <a:t>Yes, it will</a:t>
-            </a:r>
-          </a:p>
-          <a:p>
-            <a:r>
-              <a:rPr lang="en-US" dirty="0" smtClean="0"/>
-              <a:t>rain today</a:t>
-            </a:r>
-            <a:endParaRPr lang="en-US" dirty="0"/>
-          </a:p>
-        </p:txBody>
-      </p:sp>
-      <p:sp>
-        <p:nvSpPr>
-          <p:cNvPr id="14" name="Right Arrow 13"/>
-          <p:cNvSpPr/>
-          <p:nvPr/>
-        </p:nvSpPr>
-        <p:spPr>
-          <a:xfrm>
-            <a:off x="6934200" y="3124200"/>
-            <a:ext cx="587188" cy="484632"/>
-          </a:xfrm>
-          <a:prstGeom prst="rightArrow">
-            <a:avLst/>
-          </a:prstGeom>
-        </p:spPr>
-        <p:style>
-          <a:lnRef idx="2">
-            <a:schemeClr val="accent1">
-              <a:shade val="50000"/>
-            </a:schemeClr>
-          </a:lnRef>
-          <a:fillRef idx="1">
-            <a:schemeClr val="accent1"/>
-          </a:fillRef>
-          <a:effectRef idx="0">
-            <a:schemeClr val="accent1"/>
-          </a:effectRef>
-          <a:fontRef idx="minor">
-            <a:schemeClr val="lt1"/>
-          </a:fontRef>
-        </p:style>
-        <p:txBody>
-          <a:bodyPr rtlCol="0" anchor="ctr"/>
-          <a:lstStyle/>
-          <a:p>
-            <a:pPr algn="ctr"/>
-            <a:endParaRPr lang="en-US"/>
-          </a:p>
-        </p:txBody>
-      </p:sp>
-      <p:sp>
-        <p:nvSpPr>
-          <p:cNvPr id="15" name="Multiply 14"/>
-          <p:cNvSpPr/>
-          <p:nvPr/>
-        </p:nvSpPr>
-        <p:spPr>
-          <a:xfrm>
-            <a:off x="6784041" y="2952065"/>
-            <a:ext cx="887506" cy="838200"/>
-          </a:xfrm>
-          <a:prstGeom prst="mathMultiply">
-            <a:avLst/>
-          </a:prstGeom>
-          <a:solidFill>
-            <a:srgbClr val="FF0000"/>
-          </a:solidFill>
-          <a:ln w="3175"/>
-        </p:spPr>
-        <p:style>
-          <a:lnRef idx="2">
-            <a:schemeClr val="accent1">
-              <a:shade val="50000"/>
-            </a:schemeClr>
-          </a:lnRef>
-          <a:fillRef idx="1">
-            <a:schemeClr val="accent1"/>
-          </a:fillRef>
-          <a:effectRef idx="0">
-            <a:schemeClr val="accent1"/>
-          </a:effectRef>
-          <a:fontRef idx="minor">
-            <a:schemeClr val="lt1"/>
-          </a:fontRef>
-        </p:style>
-        <p:txBody>
-          <a:bodyPr rtlCol="0" anchor="ctr"/>
-          <a:lstStyle/>
-          <a:p>
-            <a:pPr algn="ctr"/>
-            <a:endParaRPr lang="en-US"/>
-          </a:p>
-        </p:txBody>
-      </p:sp>
-      <p:sp>
-        <p:nvSpPr>
-          <p:cNvPr id="16" name="Multiply 15"/>
-          <p:cNvSpPr/>
-          <p:nvPr/>
-        </p:nvSpPr>
-        <p:spPr>
-          <a:xfrm>
-            <a:off x="1981200" y="2971800"/>
-            <a:ext cx="887506" cy="838200"/>
-          </a:xfrm>
-          <a:prstGeom prst="mathMultiply">
-            <a:avLst/>
-          </a:prstGeom>
-          <a:solidFill>
-            <a:srgbClr val="FF0000"/>
-          </a:solidFill>
-          <a:ln w="3175"/>
-        </p:spPr>
-        <p:style>
-          <a:lnRef idx="2">
-            <a:schemeClr val="accent1">
-              <a:shade val="50000"/>
-            </a:schemeClr>
-          </a:lnRef>
-          <a:fillRef idx="1">
-            <a:schemeClr val="accent1"/>
-          </a:fillRef>
-          <a:effectRef idx="0">
-            <a:schemeClr val="accent1"/>
-          </a:effectRef>
-          <a:fontRef idx="minor">
-            <a:schemeClr val="lt1"/>
-          </a:fontRef>
-        </p:style>
-        <p:txBody>
-          <a:bodyPr rtlCol="0" anchor="ctr"/>
-          <a:lstStyle/>
-          <a:p>
-            <a:pPr algn="ctr"/>
-            <a:endParaRPr lang="en-US"/>
-          </a:p>
-        </p:txBody>
-      </p:sp>
-      <p:sp>
-        <p:nvSpPr>
-          <p:cNvPr id="7" name="Rectangle 6"/>
-          <p:cNvSpPr/>
-          <p:nvPr/>
-        </p:nvSpPr>
-        <p:spPr>
-          <a:xfrm>
-            <a:off x="2743200" y="2743200"/>
-            <a:ext cx="4186109" cy="1219200"/>
-          </a:xfrm>
-          <a:prstGeom prst="rect">
-            <a:avLst/>
-          </a:prstGeom>
-          <a:noFill/>
-          <a:ln w="28575"/>
-        </p:spPr>
-        <p:style>
-          <a:lnRef idx="2">
-            <a:schemeClr val="accent1">
-              <a:shade val="50000"/>
-            </a:schemeClr>
-          </a:lnRef>
-          <a:fillRef idx="1">
-            <a:schemeClr val="accent1"/>
-          </a:fillRef>
-          <a:effectRef idx="0">
-            <a:schemeClr val="accent1"/>
-          </a:effectRef>
-          <a:fontRef idx="minor">
-            <a:schemeClr val="lt1"/>
-          </a:fontRef>
-        </p:style>
-        <p:txBody>
-          <a:bodyPr rtlCol="0" anchor="ctr"/>
-          <a:lstStyle/>
-          <a:p>
-            <a:pPr algn="ctr"/>
-            <a:endParaRPr lang="en-US"/>
-          </a:p>
-        </p:txBody>
-      </p:sp>
-      <p:sp>
-        <p:nvSpPr>
-          <p:cNvPr id="8" name="TextBox 7"/>
-          <p:cNvSpPr txBox="1"/>
-          <p:nvPr/>
-        </p:nvSpPr>
-        <p:spPr>
-          <a:xfrm>
-            <a:off x="3200400" y="4050268"/>
-            <a:ext cx="3339376" cy="369332"/>
-          </a:xfrm>
-          <a:prstGeom prst="rect">
-            <a:avLst/>
-          </a:prstGeom>
-          <a:noFill/>
-        </p:spPr>
-        <p:txBody>
-          <a:bodyPr wrap="none" rtlCol="0">
-            <a:spAutoFit/>
-          </a:bodyPr>
-          <a:lstStyle/>
-          <a:p>
-            <a:r>
-              <a:rPr lang="en-US" dirty="0" smtClean="0"/>
-              <a:t>Automatic Speech Recognition</a:t>
-            </a:r>
-            <a:endParaRPr lang="en-US" dirty="0"/>
-          </a:p>
-        </p:txBody>
-      </p:sp>
-    </p:spTree>
-    <p:extLst>
-      <p:ext uri="{BB962C8B-B14F-4D97-AF65-F5344CB8AC3E}">
-        <p14:creationId xmlns:p14="http://schemas.microsoft.com/office/powerpoint/2010/main" val="2263904508"/>
-      </p:ext>
-    </p:extLst>
-  </p:cSld>
-  <p:clrMapOvr>
-    <a:masterClrMapping/>
-  </p:clrMapOvr>
-  <p:timing>
-    <p:tnLst>
-      <p:par>
-        <p:cTn xmlns:p14="http://schemas.microsoft.com/office/powerpoint/2010/main" id="1" dur="indefinite" restart="never" nodeType="tmRoot"/>
-      </p:par>
-    </p:tnLst>
-  </p:timing>
-</p:sld>
-</file>
-
-<file path=ppt/slides/slide50.xml><?xml version="1.0" encoding="utf-8"?>
+<file path=ppt/slides/slide49.xml><?xml version="1.0" encoding="utf-8"?>
 <p:sld xmlns:a="http://schemas.openxmlformats.org/drawingml/2006/main" xmlns:r="http://schemas.openxmlformats.org/officeDocument/2006/relationships" xmlns:p="http://schemas.openxmlformats.org/presentationml/2006/main">
   <p:cSld>
     <p:spTree>
@@ -31544,7 +30727,87 @@
 </p:sld>
 </file>
 
-<file path=ppt/slides/slide51.xml><?xml version="1.0" encoding="utf-8"?>
+<file path=ppt/slides/slide5.xml><?xml version="1.0" encoding="utf-8"?>
+<p:sld xmlns:a="http://schemas.openxmlformats.org/drawingml/2006/main" xmlns:r="http://schemas.openxmlformats.org/officeDocument/2006/relationships" xmlns:p="http://schemas.openxmlformats.org/presentationml/2006/main">
+  <p:cSld>
+    <p:spTree>
+      <p:nvGrpSpPr>
+        <p:cNvPr id="1" name=""/>
+        <p:cNvGrpSpPr/>
+        <p:nvPr/>
+      </p:nvGrpSpPr>
+      <p:grpSpPr>
+        <a:xfrm>
+          <a:off x="0" y="0"/>
+          <a:ext cx="0" cy="0"/>
+          <a:chOff x="0" y="0"/>
+          <a:chExt cx="0" cy="0"/>
+        </a:xfrm>
+      </p:grpSpPr>
+      <p:sp>
+        <p:nvSpPr>
+          <p:cNvPr id="2" name="Title 1"/>
+          <p:cNvSpPr>
+            <a:spLocks noGrp="1"/>
+          </p:cNvSpPr>
+          <p:nvPr>
+            <p:ph type="title"/>
+          </p:nvPr>
+        </p:nvSpPr>
+        <p:spPr/>
+        <p:txBody>
+          <a:bodyPr/>
+          <a:lstStyle/>
+          <a:p>
+            <a:r>
+              <a:rPr lang="en-US" dirty="0" smtClean="0"/>
+              <a:t>Digit Recognition</a:t>
+            </a:r>
+            <a:endParaRPr lang="en-US" dirty="0"/>
+          </a:p>
+        </p:txBody>
+      </p:sp>
+      <p:sp>
+        <p:nvSpPr>
+          <p:cNvPr id="3" name="Content Placeholder 2"/>
+          <p:cNvSpPr>
+            <a:spLocks noGrp="1"/>
+          </p:cNvSpPr>
+          <p:nvPr>
+            <p:ph idx="1"/>
+          </p:nvPr>
+        </p:nvSpPr>
+        <p:spPr/>
+        <p:txBody>
+          <a:bodyPr/>
+          <a:lstStyle/>
+          <a:p>
+            <a:pPr marL="0" indent="0">
+              <a:buNone/>
+            </a:pPr>
+            <a:endParaRPr lang="en-US" dirty="0"/>
+          </a:p>
+          <a:p>
+            <a:endParaRPr lang="en-US" dirty="0" smtClean="0"/>
+          </a:p>
+        </p:txBody>
+      </p:sp>
+    </p:spTree>
+  </p:cSld>
+  <p:clrMapOvr>
+    <a:masterClrMapping/>
+  </p:clrMapOvr>
+  <p:timing>
+    <p:tnLst>
+      <p:par>
+        <p:cTn xmlns:p14="http://schemas.microsoft.com/office/powerpoint/2010/main" id="1" dur="indefinite" restart="never" nodeType="tmRoot"/>
+      </p:par>
+    </p:tnLst>
+  </p:timing>
+</p:sld>
+</file>
+
+<file path=ppt/slides/slide50.xml><?xml version="1.0" encoding="utf-8"?>
 <p:sld xmlns:a="http://schemas.openxmlformats.org/drawingml/2006/main" xmlns:r="http://schemas.openxmlformats.org/officeDocument/2006/relationships" xmlns:p="http://schemas.openxmlformats.org/presentationml/2006/main">
   <p:cSld>
     <p:spTree>
@@ -32183,7 +31446,7 @@
 </p:sld>
 </file>
 
-<file path=ppt/slides/slide52.xml><?xml version="1.0" encoding="utf-8"?>
+<file path=ppt/slides/slide51.xml><?xml version="1.0" encoding="utf-8"?>
 <p:sld xmlns:a="http://schemas.openxmlformats.org/drawingml/2006/main" xmlns:r="http://schemas.openxmlformats.org/officeDocument/2006/relationships" xmlns:p="http://schemas.openxmlformats.org/presentationml/2006/main">
   <p:cSld>
     <p:spTree>
@@ -32812,6 +32075,153 @@
 </p:sld>
 </file>
 
+<file path=ppt/slides/slide52.xml><?xml version="1.0" encoding="utf-8"?>
+<p:sld xmlns:a="http://schemas.openxmlformats.org/drawingml/2006/main" xmlns:r="http://schemas.openxmlformats.org/officeDocument/2006/relationships" xmlns:p="http://schemas.openxmlformats.org/presentationml/2006/main">
+  <p:cSld>
+    <p:spTree>
+      <p:nvGrpSpPr>
+        <p:cNvPr id="1" name=""/>
+        <p:cNvGrpSpPr/>
+        <p:nvPr/>
+      </p:nvGrpSpPr>
+      <p:grpSpPr>
+        <a:xfrm>
+          <a:off x="0" y="0"/>
+          <a:ext cx="0" cy="0"/>
+          <a:chOff x="0" y="0"/>
+          <a:chExt cx="0" cy="0"/>
+        </a:xfrm>
+      </p:grpSpPr>
+      <p:sp>
+        <p:nvSpPr>
+          <p:cNvPr id="2" name="Title 1"/>
+          <p:cNvSpPr>
+            <a:spLocks noGrp="1"/>
+          </p:cNvSpPr>
+          <p:nvPr>
+            <p:ph type="title"/>
+          </p:nvPr>
+        </p:nvSpPr>
+        <p:spPr/>
+        <p:txBody>
+          <a:bodyPr/>
+          <a:lstStyle/>
+          <a:p>
+            <a:r>
+              <a:rPr lang="en-US" dirty="0" smtClean="0"/>
+              <a:t>If You’re Curious</a:t>
+            </a:r>
+            <a:endParaRPr lang="en-US" dirty="0"/>
+          </a:p>
+        </p:txBody>
+      </p:sp>
+      <p:sp>
+        <p:nvSpPr>
+          <p:cNvPr id="3" name="Content Placeholder 2"/>
+          <p:cNvSpPr>
+            <a:spLocks noGrp="1"/>
+          </p:cNvSpPr>
+          <p:nvPr>
+            <p:ph idx="1"/>
+          </p:nvPr>
+        </p:nvSpPr>
+        <p:spPr/>
+        <p:txBody>
+          <a:bodyPr/>
+          <a:lstStyle/>
+          <a:p>
+            <a:r>
+              <a:rPr lang="en-US" dirty="0" err="1" smtClean="0"/>
+              <a:t>Praat</a:t>
+            </a:r>
+            <a:r>
+              <a:rPr lang="en-US" dirty="0" smtClean="0"/>
+              <a:t> - </a:t>
+            </a:r>
+            <a:r>
+              <a:rPr lang="en-US" dirty="0" smtClean="0">
+                <a:hlinkClick r:id="rId2"/>
+              </a:rPr>
+              <a:t>http://www.fon.hum.uva.nl/praat/</a:t>
+            </a:r>
+            <a:endParaRPr lang="en-US" dirty="0" smtClean="0"/>
+          </a:p>
+          <a:p>
+            <a:pPr lvl="1"/>
+            <a:r>
+              <a:rPr lang="en-US" dirty="0" smtClean="0"/>
+              <a:t>Speech analysis</a:t>
+            </a:r>
+          </a:p>
+          <a:p>
+            <a:r>
+              <a:rPr lang="en-US" dirty="0" err="1" smtClean="0"/>
+              <a:t>Kaldi</a:t>
+            </a:r>
+            <a:r>
+              <a:rPr lang="en-US" dirty="0" smtClean="0"/>
+              <a:t> - Open Source State of the Art Recognizer</a:t>
+            </a:r>
+          </a:p>
+          <a:p>
+            <a:pPr lvl="1"/>
+            <a:r>
+              <a:rPr lang="en-US" dirty="0" smtClean="0">
+                <a:hlinkClick r:id="rId3"/>
+              </a:rPr>
+              <a:t>http://kaldi.sourceforge.net/</a:t>
+            </a:r>
+            <a:endParaRPr lang="en-US" dirty="0" smtClean="0"/>
+          </a:p>
+          <a:p>
+            <a:r>
+              <a:rPr lang="en-US" dirty="0" smtClean="0"/>
+              <a:t>Linguistic Data Consortium</a:t>
+            </a:r>
+          </a:p>
+          <a:p>
+            <a:pPr lvl="1"/>
+            <a:r>
+              <a:rPr lang="en-US" dirty="0" smtClean="0"/>
+              <a:t>Based right here at </a:t>
+            </a:r>
+            <a:r>
+              <a:rPr lang="en-US" dirty="0"/>
+              <a:t>P</a:t>
+            </a:r>
+            <a:r>
+              <a:rPr lang="en-US" dirty="0" smtClean="0"/>
+              <a:t>enn!</a:t>
+            </a:r>
+          </a:p>
+          <a:p>
+            <a:pPr lvl="1"/>
+            <a:r>
+              <a:rPr lang="en-US" dirty="0" smtClean="0"/>
+              <a:t>Creates almost all of the speech corpora used in research</a:t>
+            </a:r>
+          </a:p>
+          <a:p>
+            <a:pPr lvl="1"/>
+            <a:endParaRPr lang="en-US" dirty="0"/>
+          </a:p>
+        </p:txBody>
+      </p:sp>
+    </p:spTree>
+  </p:cSld>
+  <p:clrMapOvr>
+    <a:masterClrMapping/>
+  </p:clrMapOvr>
+  <p:timing>
+    <p:tnLst>
+      <p:par>
+        <p:cTn xmlns:p14="http://schemas.microsoft.com/office/powerpoint/2010/main" id="1" dur="indefinite" restart="never" nodeType="tmRoot"/>
+      </p:par>
+    </p:tnLst>
+  </p:timing>
+</p:sld>
+</file>
+
 <file path=ppt/slides/slide53.xml><?xml version="1.0" encoding="utf-8"?>
 <p:sld xmlns:a="http://schemas.openxmlformats.org/drawingml/2006/main" xmlns:r="http://schemas.openxmlformats.org/officeDocument/2006/relationships" xmlns:p="http://schemas.openxmlformats.org/presentationml/2006/main">
   <p:cSld>
@@ -32846,7 +32256,7 @@
           <a:p>
             <a:r>
               <a:rPr lang="en-US" dirty="0" smtClean="0"/>
-              <a:t>If You’re Curious</a:t>
+              <a:t>BACKUP</a:t>
             </a:r>
             <a:endParaRPr lang="en-US" dirty="0"/>
           </a:p>
@@ -32867,84 +32277,7 @@
           <a:bodyPr/>
           <a:lstStyle/>
           <a:p>
-            <a:r>
-              <a:rPr lang="en-US" dirty="0" err="1" smtClean="0"/>
-              <a:t>Praat</a:t>
-            </a:r>
-            <a:r>
-              <a:rPr lang="en-US" dirty="0" smtClean="0"/>
-              <a:t> - </a:t>
-            </a:r>
-            <a:r>
-              <a:rPr lang="en-US" dirty="0" smtClean="0">
-                <a:hlinkClick r:id="rId2"/>
-              </a:rPr>
-              <a:t>http://www.fon.hum.uva.nl/praat/</a:t>
-            </a:r>
-            <a:endParaRPr lang="en-US" dirty="0" smtClean="0"/>
-          </a:p>
-          <a:p>
-            <a:pPr lvl="1"/>
-            <a:r>
-              <a:rPr lang="en-US" dirty="0" smtClean="0"/>
-              <a:t>Speech analysis</a:t>
-            </a:r>
-          </a:p>
-          <a:p>
-            <a:r>
-              <a:rPr lang="en-US" dirty="0" err="1" smtClean="0"/>
-              <a:t>Kaldi</a:t>
-            </a:r>
-            <a:r>
-              <a:rPr lang="en-US" dirty="0" smtClean="0"/>
-              <a:t> - Open Source State of the Art Recognizer</a:t>
-            </a:r>
-          </a:p>
-          <a:p>
-            <a:pPr lvl="1"/>
-            <a:r>
-              <a:rPr lang="en-US" dirty="0" smtClean="0">
-                <a:hlinkClick r:id="rId3"/>
-              </a:rPr>
-              <a:t>http://kaldi.sourceforge.net/</a:t>
-            </a:r>
-            <a:endParaRPr lang="en-US" dirty="0" smtClean="0"/>
-          </a:p>
-          <a:p>
-            <a:r>
-              <a:rPr lang="en-US" dirty="0" smtClean="0"/>
-              <a:t>Linguistic Data Consortium</a:t>
-            </a:r>
-          </a:p>
-          <a:p>
-            <a:pPr lvl="1"/>
-            <a:r>
-              <a:rPr lang="en-US" dirty="0" smtClean="0"/>
-              <a:t>Based right here at </a:t>
-            </a:r>
-            <a:r>
-              <a:rPr lang="en-US" dirty="0"/>
-              <a:t>P</a:t>
-            </a:r>
-            <a:r>
-              <a:rPr lang="en-US" dirty="0" smtClean="0"/>
-              <a:t>enn</a:t>
-            </a:r>
-            <a:r>
-              <a:rPr lang="en-US" dirty="0" smtClean="0"/>
-              <a:t>!</a:t>
-            </a:r>
-          </a:p>
-          <a:p>
-            <a:pPr lvl="1"/>
-            <a:r>
-              <a:rPr lang="en-US" dirty="0" smtClean="0"/>
-              <a:t>Creates almost all of the speech corpora used in research</a:t>
-            </a:r>
-          </a:p>
-          <a:p>
-            <a:pPr lvl="1"/>
-            <a:endParaRPr lang="en-US" dirty="0"/>
+            <a:endParaRPr lang="en-US"/>
           </a:p>
         </p:txBody>
       </p:sp>
@@ -32980,80 +32313,6 @@
           <a:chExt cx="0" cy="0"/>
         </a:xfrm>
       </p:grpSpPr>
-      <p:sp>
-        <p:nvSpPr>
-          <p:cNvPr id="2" name="Title 1"/>
-          <p:cNvSpPr>
-            <a:spLocks noGrp="1"/>
-          </p:cNvSpPr>
-          <p:nvPr>
-            <p:ph type="title"/>
-          </p:nvPr>
-        </p:nvSpPr>
-        <p:spPr/>
-        <p:txBody>
-          <a:bodyPr/>
-          <a:lstStyle/>
-          <a:p>
-            <a:r>
-              <a:rPr lang="en-US" dirty="0" smtClean="0"/>
-              <a:t>BACKUP</a:t>
-            </a:r>
-            <a:endParaRPr lang="en-US" dirty="0"/>
-          </a:p>
-        </p:txBody>
-      </p:sp>
-      <p:sp>
-        <p:nvSpPr>
-          <p:cNvPr id="3" name="Content Placeholder 2"/>
-          <p:cNvSpPr>
-            <a:spLocks noGrp="1"/>
-          </p:cNvSpPr>
-          <p:nvPr>
-            <p:ph idx="1"/>
-          </p:nvPr>
-        </p:nvSpPr>
-        <p:spPr/>
-        <p:txBody>
-          <a:bodyPr/>
-          <a:lstStyle/>
-          <a:p>
-            <a:endParaRPr lang="en-US"/>
-          </a:p>
-        </p:txBody>
-      </p:sp>
-    </p:spTree>
-  </p:cSld>
-  <p:clrMapOvr>
-    <a:masterClrMapping/>
-  </p:clrMapOvr>
-  <p:timing>
-    <p:tnLst>
-      <p:par>
-        <p:cTn xmlns:p14="http://schemas.microsoft.com/office/powerpoint/2010/main" id="1" dur="indefinite" restart="never" nodeType="tmRoot"/>
-      </p:par>
-    </p:tnLst>
-  </p:timing>
-</p:sld>
-</file>
-
-<file path=ppt/slides/slide55.xml><?xml version="1.0" encoding="utf-8"?>
-<p:sld xmlns:a="http://schemas.openxmlformats.org/drawingml/2006/main" xmlns:r="http://schemas.openxmlformats.org/officeDocument/2006/relationships" xmlns:p="http://schemas.openxmlformats.org/presentationml/2006/main">
-  <p:cSld>
-    <p:spTree>
-      <p:nvGrpSpPr>
-        <p:cNvPr id="1" name=""/>
-        <p:cNvGrpSpPr/>
-        <p:nvPr/>
-      </p:nvGrpSpPr>
-      <p:grpSpPr>
-        <a:xfrm>
-          <a:off x="0" y="0"/>
-          <a:ext cx="0" cy="0"/>
-          <a:chOff x="0" y="0"/>
-          <a:chExt cx="0" cy="0"/>
-        </a:xfrm>
-      </p:grpSpPr>
       <p:graphicFrame>
         <p:nvGraphicFramePr>
           <p:cNvPr id="9" name="Object 8"/>
@@ -33070,7 +32329,7 @@
           <a:graphicData uri="http://schemas.openxmlformats.org/presentationml/2006/ole">
             <mc:AlternateContent xmlns:mc="http://schemas.openxmlformats.org/markup-compatibility/2006">
               <mc:Choice xmlns:v="urn:schemas-microsoft-com:vml" Requires="v">
-                <p:oleObj spid="_x0000_s123935" name="Acrobat Document" r:id="rId4" imgW="4171320" imgH="4176000" progId="AcroExch.Document.7">
+                <p:oleObj spid="_x0000_s123938" name="Acrobat Document" r:id="rId4" imgW="4171320" imgH="4176000" progId="AcroExch.Document.7">
                   <p:embed/>
                 </p:oleObj>
               </mc:Choice>
@@ -33294,86 +32553,6 @@
           </a:p>
         </p:txBody>
       </p:sp>
-    </p:spTree>
-  </p:cSld>
-  <p:clrMapOvr>
-    <a:masterClrMapping/>
-  </p:clrMapOvr>
-  <p:timing>
-    <p:tnLst>
-      <p:par>
-        <p:cTn xmlns:p14="http://schemas.microsoft.com/office/powerpoint/2010/main" id="1" dur="indefinite" restart="never" nodeType="tmRoot"/>
-      </p:par>
-    </p:tnLst>
-  </p:timing>
-</p:sld>
-</file>
-
-<file path=ppt/slides/slide7.xml><?xml version="1.0" encoding="utf-8"?>
-<p:sld xmlns:a="http://schemas.openxmlformats.org/drawingml/2006/main" xmlns:r="http://schemas.openxmlformats.org/officeDocument/2006/relationships" xmlns:p="http://schemas.openxmlformats.org/presentationml/2006/main">
-  <p:cSld>
-    <p:spTree>
-      <p:nvGrpSpPr>
-        <p:cNvPr id="1" name=""/>
-        <p:cNvGrpSpPr/>
-        <p:nvPr/>
-      </p:nvGrpSpPr>
-      <p:grpSpPr>
-        <a:xfrm>
-          <a:off x="0" y="0"/>
-          <a:ext cx="0" cy="0"/>
-          <a:chOff x="0" y="0"/>
-          <a:chExt cx="0" cy="0"/>
-        </a:xfrm>
-      </p:grpSpPr>
-      <p:sp>
-        <p:nvSpPr>
-          <p:cNvPr id="2" name="Title 1"/>
-          <p:cNvSpPr>
-            <a:spLocks noGrp="1"/>
-          </p:cNvSpPr>
-          <p:nvPr>
-            <p:ph type="title"/>
-          </p:nvPr>
-        </p:nvSpPr>
-        <p:spPr/>
-        <p:txBody>
-          <a:bodyPr/>
-          <a:lstStyle/>
-          <a:p>
-            <a:r>
-              <a:rPr lang="en-US" dirty="0" smtClean="0"/>
-              <a:t>Digit Recognition</a:t>
-            </a:r>
-            <a:endParaRPr lang="en-US" dirty="0"/>
-          </a:p>
-        </p:txBody>
-      </p:sp>
-      <p:sp>
-        <p:nvSpPr>
-          <p:cNvPr id="3" name="Content Placeholder 2"/>
-          <p:cNvSpPr>
-            <a:spLocks noGrp="1"/>
-          </p:cNvSpPr>
-          <p:nvPr>
-            <p:ph idx="1"/>
-          </p:nvPr>
-        </p:nvSpPr>
-        <p:spPr/>
-        <p:txBody>
-          <a:bodyPr/>
-          <a:lstStyle/>
-          <a:p>
-            <a:pPr marL="0" indent="0">
-              <a:buNone/>
-            </a:pPr>
-            <a:endParaRPr lang="en-US" dirty="0"/>
-          </a:p>
-          <a:p>
-            <a:endParaRPr lang="en-US" dirty="0" smtClean="0"/>
-          </a:p>
-        </p:txBody>
-      </p:sp>
       <p:pic>
         <p:nvPicPr>
           <p:cNvPr id="14" name="Picture 5" descr="C:\Users\Scott\Documents\presentations\CLSP KWS talk 2012\waveform.png"/>
@@ -33415,7 +32594,7 @@
 </p:sld>
 </file>
 
-<file path=ppt/slides/slide8.xml><?xml version="1.0" encoding="utf-8"?>
+<file path=ppt/slides/slide7.xml><?xml version="1.0" encoding="utf-8"?>
 <p:sld xmlns:a="http://schemas.openxmlformats.org/drawingml/2006/main" xmlns:r="http://schemas.openxmlformats.org/officeDocument/2006/relationships" xmlns:p="http://schemas.openxmlformats.org/presentationml/2006/main">
   <p:cSld>
     <p:spTree>
@@ -33571,7 +32750,7 @@
 </p:sld>
 </file>
 
-<file path=ppt/slides/slide9.xml><?xml version="1.0" encoding="utf-8"?>
+<file path=ppt/slides/slide8.xml><?xml version="1.0" encoding="utf-8"?>
 <p:sld xmlns:a="http://schemas.openxmlformats.org/drawingml/2006/main" xmlns:r="http://schemas.openxmlformats.org/officeDocument/2006/relationships" xmlns:p="http://schemas.openxmlformats.org/presentationml/2006/main">
   <p:cSld>
     <p:spTree>
@@ -33823,6 +33002,382 @@
     <p:extLst>
       <p:ext uri="{BB962C8B-B14F-4D97-AF65-F5344CB8AC3E}">
         <p14:creationId xmlns:p14="http://schemas.microsoft.com/office/powerpoint/2010/main" val="1546639689"/>
+      </p:ext>
+    </p:extLst>
+  </p:cSld>
+  <p:clrMapOvr>
+    <a:masterClrMapping/>
+  </p:clrMapOvr>
+  <p:timing>
+    <p:tnLst>
+      <p:par>
+        <p:cTn xmlns:p14="http://schemas.microsoft.com/office/powerpoint/2010/main" id="1" dur="indefinite" restart="never" nodeType="tmRoot"/>
+      </p:par>
+    </p:tnLst>
+  </p:timing>
+</p:sld>
+</file>
+
+<file path=ppt/slides/slide9.xml><?xml version="1.0" encoding="utf-8"?>
+<p:sld xmlns:a="http://schemas.openxmlformats.org/drawingml/2006/main" xmlns:r="http://schemas.openxmlformats.org/officeDocument/2006/relationships" xmlns:p="http://schemas.openxmlformats.org/presentationml/2006/main">
+  <p:cSld>
+    <p:spTree>
+      <p:nvGrpSpPr>
+        <p:cNvPr id="1" name=""/>
+        <p:cNvGrpSpPr/>
+        <p:nvPr/>
+      </p:nvGrpSpPr>
+      <p:grpSpPr>
+        <a:xfrm>
+          <a:off x="0" y="0"/>
+          <a:ext cx="0" cy="0"/>
+          <a:chOff x="0" y="0"/>
+          <a:chExt cx="0" cy="0"/>
+        </a:xfrm>
+      </p:grpSpPr>
+      <p:sp>
+        <p:nvSpPr>
+          <p:cNvPr id="2" name="Title 1"/>
+          <p:cNvSpPr>
+            <a:spLocks noGrp="1"/>
+          </p:cNvSpPr>
+          <p:nvPr>
+            <p:ph type="title"/>
+          </p:nvPr>
+        </p:nvSpPr>
+        <p:spPr/>
+        <p:txBody>
+          <a:bodyPr/>
+          <a:lstStyle/>
+          <a:p>
+            <a:r>
+              <a:rPr lang="en-US" dirty="0" smtClean="0"/>
+              <a:t>Digit Recognition</a:t>
+            </a:r>
+            <a:endParaRPr lang="en-US" dirty="0"/>
+          </a:p>
+        </p:txBody>
+      </p:sp>
+      <p:sp>
+        <p:nvSpPr>
+          <p:cNvPr id="3" name="Content Placeholder 2"/>
+          <p:cNvSpPr>
+            <a:spLocks noGrp="1"/>
+          </p:cNvSpPr>
+          <p:nvPr>
+            <p:ph idx="1"/>
+          </p:nvPr>
+        </p:nvSpPr>
+        <p:spPr/>
+        <p:txBody>
+          <a:bodyPr/>
+          <a:lstStyle/>
+          <a:p>
+            <a:pPr marL="0" indent="0">
+              <a:buNone/>
+            </a:pPr>
+            <a:endParaRPr lang="en-US" dirty="0"/>
+          </a:p>
+          <a:p>
+            <a:endParaRPr lang="en-US" dirty="0" smtClean="0"/>
+          </a:p>
+        </p:txBody>
+      </p:sp>
+      <p:grpSp>
+        <p:nvGrpSpPr>
+          <p:cNvPr id="21" name="Group 20"/>
+          <p:cNvGrpSpPr/>
+          <p:nvPr/>
+        </p:nvGrpSpPr>
+        <p:grpSpPr>
+          <a:xfrm>
+            <a:off x="457200" y="990600"/>
+            <a:ext cx="8382000" cy="1323439"/>
+            <a:chOff x="457200" y="2492514"/>
+            <a:chExt cx="8382000" cy="1323439"/>
+          </a:xfrm>
+        </p:grpSpPr>
+        <p:grpSp>
+          <p:nvGrpSpPr>
+            <p:cNvPr id="15" name="Group 14"/>
+            <p:cNvGrpSpPr/>
+            <p:nvPr/>
+          </p:nvGrpSpPr>
+          <p:grpSpPr>
+            <a:xfrm>
+              <a:off x="457200" y="2492514"/>
+              <a:ext cx="8382000" cy="1323439"/>
+              <a:chOff x="457200" y="1752600"/>
+              <a:chExt cx="8382000" cy="1323439"/>
+            </a:xfrm>
+          </p:grpSpPr>
+          <p:sp>
+            <p:nvSpPr>
+              <p:cNvPr id="13" name="TextBox 12"/>
+              <p:cNvSpPr txBox="1"/>
+              <p:nvPr/>
+            </p:nvSpPr>
+            <p:spPr>
+              <a:xfrm>
+                <a:off x="457200" y="1752600"/>
+                <a:ext cx="8382000" cy="1323439"/>
+              </a:xfrm>
+              <a:prstGeom prst="rect">
+                <a:avLst/>
+              </a:prstGeom>
+              <a:noFill/>
+            </p:spPr>
+            <p:txBody>
+              <a:bodyPr wrap="square" rtlCol="0">
+                <a:spAutoFit/>
+              </a:bodyPr>
+              <a:lstStyle/>
+              <a:p>
+                <a:r>
+                  <a:rPr lang="en-US" sz="4000" dirty="0" smtClean="0"/>
+                  <a:t>P(one|       ) = P(       |one) P(one)</a:t>
+                </a:r>
+              </a:p>
+              <a:p>
+                <a:r>
+                  <a:rPr lang="en-US" sz="4000" dirty="0"/>
+                  <a:t> </a:t>
+                </a:r>
+                <a:r>
+                  <a:rPr lang="en-US" sz="4000" dirty="0" smtClean="0"/>
+                  <a:t>                               </a:t>
+                </a:r>
+                <a:endParaRPr lang="en-US" sz="4000" dirty="0"/>
+              </a:p>
+            </p:txBody>
+          </p:sp>
+          <p:pic>
+            <p:nvPicPr>
+              <p:cNvPr id="14" name="Picture 5" descr="C:\Users\Scott\Documents\presentations\CLSP KWS talk 2012\waveform.png"/>
+              <p:cNvPicPr>
+                <a:picLocks noChangeAspect="1" noChangeArrowheads="1"/>
+              </p:cNvPicPr>
+              <p:nvPr/>
+            </p:nvPicPr>
+            <p:blipFill>
+              <a:blip r:embed="rId2" cstate="print"/>
+              <a:srcRect/>
+              <a:stretch>
+                <a:fillRect/>
+              </a:stretch>
+            </p:blipFill>
+            <p:spPr bwMode="auto">
+              <a:xfrm>
+                <a:off x="2057400" y="1846896"/>
+                <a:ext cx="914400" cy="579171"/>
+              </a:xfrm>
+              <a:prstGeom prst="rect">
+                <a:avLst/>
+              </a:prstGeom>
+              <a:noFill/>
+            </p:spPr>
+          </p:pic>
+        </p:grpSp>
+        <p:pic>
+          <p:nvPicPr>
+            <p:cNvPr id="16" name="Picture 5" descr="C:\Users\Scott\Documents\presentations\CLSP KWS talk 2012\waveform.png"/>
+            <p:cNvPicPr>
+              <a:picLocks noChangeAspect="1" noChangeArrowheads="1"/>
+            </p:cNvPicPr>
+            <p:nvPr/>
+          </p:nvPicPr>
+          <p:blipFill>
+            <a:blip r:embed="rId2" cstate="print"/>
+            <a:srcRect/>
+            <a:stretch>
+              <a:fillRect/>
+            </a:stretch>
+          </p:blipFill>
+          <p:spPr bwMode="auto">
+            <a:xfrm>
+              <a:off x="4343400" y="2590800"/>
+              <a:ext cx="914400" cy="579171"/>
+            </a:xfrm>
+            <a:prstGeom prst="rect">
+              <a:avLst/>
+            </a:prstGeom>
+            <a:noFill/>
+          </p:spPr>
+        </p:pic>
+      </p:grpSp>
+      <p:sp>
+        <p:nvSpPr>
+          <p:cNvPr id="18" name="Rectangle 17"/>
+          <p:cNvSpPr/>
+          <p:nvPr/>
+        </p:nvSpPr>
+        <p:spPr>
+          <a:xfrm>
+            <a:off x="3733800" y="1088885"/>
+            <a:ext cx="2743200" cy="563433"/>
+          </a:xfrm>
+          <a:prstGeom prst="rect">
+            <a:avLst/>
+          </a:prstGeom>
+          <a:solidFill>
+            <a:srgbClr val="FFC000">
+              <a:alpha val="51000"/>
+            </a:srgbClr>
+          </a:solidFill>
+          <a:ln>
+            <a:solidFill>
+              <a:schemeClr val="tx1"/>
+            </a:solidFill>
+          </a:ln>
+        </p:spPr>
+        <p:style>
+          <a:lnRef idx="2">
+            <a:schemeClr val="accent1">
+              <a:shade val="50000"/>
+            </a:schemeClr>
+          </a:lnRef>
+          <a:fillRef idx="1">
+            <a:schemeClr val="accent1"/>
+          </a:fillRef>
+          <a:effectRef idx="0">
+            <a:schemeClr val="accent1"/>
+          </a:effectRef>
+          <a:fontRef idx="minor">
+            <a:schemeClr val="lt1"/>
+          </a:fontRef>
+        </p:style>
+        <p:txBody>
+          <a:bodyPr rtlCol="0" anchor="ctr"/>
+          <a:lstStyle/>
+          <a:p>
+            <a:pPr algn="ctr"/>
+            <a:endParaRPr lang="en-US"/>
+          </a:p>
+        </p:txBody>
+      </p:sp>
+      <p:sp>
+        <p:nvSpPr>
+          <p:cNvPr id="20" name="Rectangle 19"/>
+          <p:cNvSpPr/>
+          <p:nvPr/>
+        </p:nvSpPr>
+        <p:spPr>
+          <a:xfrm>
+            <a:off x="6553200" y="1084896"/>
+            <a:ext cx="1676400" cy="567422"/>
+          </a:xfrm>
+          <a:prstGeom prst="rect">
+            <a:avLst/>
+          </a:prstGeom>
+          <a:solidFill>
+            <a:srgbClr val="92D050">
+              <a:alpha val="51000"/>
+            </a:srgbClr>
+          </a:solidFill>
+          <a:ln>
+            <a:solidFill>
+              <a:schemeClr val="tx1"/>
+            </a:solidFill>
+          </a:ln>
+        </p:spPr>
+        <p:style>
+          <a:lnRef idx="2">
+            <a:schemeClr val="accent1">
+              <a:shade val="50000"/>
+            </a:schemeClr>
+          </a:lnRef>
+          <a:fillRef idx="1">
+            <a:schemeClr val="accent1"/>
+          </a:fillRef>
+          <a:effectRef idx="0">
+            <a:schemeClr val="accent1"/>
+          </a:effectRef>
+          <a:fontRef idx="minor">
+            <a:schemeClr val="lt1"/>
+          </a:fontRef>
+        </p:style>
+        <p:txBody>
+          <a:bodyPr rtlCol="0" anchor="ctr"/>
+          <a:lstStyle/>
+          <a:p>
+            <a:pPr algn="ctr"/>
+            <a:endParaRPr lang="en-US"/>
+          </a:p>
+        </p:txBody>
+      </p:sp>
+      <p:sp>
+        <p:nvSpPr>
+          <p:cNvPr id="24" name="TextBox 23"/>
+          <p:cNvSpPr txBox="1"/>
+          <p:nvPr/>
+        </p:nvSpPr>
+        <p:spPr>
+          <a:xfrm>
+            <a:off x="3685847" y="1824335"/>
+            <a:ext cx="2839106" cy="461665"/>
+          </a:xfrm>
+          <a:prstGeom prst="rect">
+            <a:avLst/>
+          </a:prstGeom>
+          <a:noFill/>
+        </p:spPr>
+        <p:txBody>
+          <a:bodyPr wrap="square" rtlCol="0">
+            <a:spAutoFit/>
+          </a:bodyPr>
+          <a:lstStyle/>
+          <a:p>
+            <a:pPr algn="ctr"/>
+            <a:r>
+              <a:rPr lang="en-US" sz="2400" b="1" dirty="0" smtClean="0"/>
+              <a:t>Acoustic Model</a:t>
+            </a:r>
+            <a:endParaRPr lang="en-US" sz="2400" b="1" dirty="0"/>
+          </a:p>
+        </p:txBody>
+      </p:sp>
+      <p:sp>
+        <p:nvSpPr>
+          <p:cNvPr id="26" name="TextBox 25"/>
+          <p:cNvSpPr txBox="1"/>
+          <p:nvPr/>
+        </p:nvSpPr>
+        <p:spPr>
+          <a:xfrm>
+            <a:off x="6572906" y="1828800"/>
+            <a:ext cx="1636988" cy="830997"/>
+          </a:xfrm>
+          <a:prstGeom prst="rect">
+            <a:avLst/>
+          </a:prstGeom>
+          <a:noFill/>
+        </p:spPr>
+        <p:txBody>
+          <a:bodyPr wrap="none" rtlCol="0">
+            <a:spAutoFit/>
+          </a:bodyPr>
+          <a:lstStyle/>
+          <a:p>
+            <a:pPr algn="ctr"/>
+            <a:r>
+              <a:rPr lang="en-US" sz="2400" b="1" dirty="0" smtClean="0"/>
+              <a:t>Language</a:t>
+            </a:r>
+          </a:p>
+          <a:p>
+            <a:pPr algn="ctr"/>
+            <a:r>
+              <a:rPr lang="en-US" sz="2400" b="1" dirty="0" smtClean="0"/>
+              <a:t>Model</a:t>
+            </a:r>
+            <a:endParaRPr lang="en-US" sz="2400" b="1" dirty="0"/>
+          </a:p>
+        </p:txBody>
+      </p:sp>
+    </p:spTree>
+    <p:extLst>
+      <p:ext uri="{BB962C8B-B14F-4D97-AF65-F5344CB8AC3E}">
+        <p14:creationId xmlns:p14="http://schemas.microsoft.com/office/powerpoint/2010/main" val="2328317698"/>
       </p:ext>
     </p:extLst>
   </p:cSld>

--- a/slides/crowdsourcing-speech-recognition.pptx
+++ b/slides/crowdsourcing-speech-recognition.pptx
@@ -749,6 +749,7 @@
               </a:p>
             </c:rich>
           </c:tx>
+          <c:layout/>
           <c:overlay val="0"/>
         </c:title>
         <c:numFmt formatCode="General" sourceLinked="1"/>
@@ -817,6 +818,7 @@
               </a:p>
             </c:rich>
           </c:tx>
+          <c:layout/>
           <c:overlay val="0"/>
         </c:title>
         <c:numFmt formatCode="General" sourceLinked="1"/>
@@ -1168,6 +1170,7 @@
               </a:p>
             </c:rich>
           </c:tx>
+          <c:layout/>
           <c:overlay val="0"/>
         </c:title>
         <c:numFmt formatCode="&quot;$&quot;#,##0" sourceLinked="0"/>
@@ -1215,6 +1218,7 @@
               </a:p>
             </c:rich>
           </c:tx>
+          <c:layout/>
           <c:overlay val="0"/>
         </c:title>
         <c:numFmt formatCode="General" sourceLinked="1"/>
@@ -1581,6 +1585,7 @@
               </a:p>
             </c:rich>
           </c:tx>
+          <c:layout/>
           <c:overlay val="0"/>
         </c:title>
         <c:numFmt formatCode="&quot;$&quot;#,##0" sourceLinked="0"/>
@@ -1628,6 +1633,7 @@
               </a:p>
             </c:rich>
           </c:tx>
+          <c:layout/>
           <c:overlay val="0"/>
         </c:title>
         <c:numFmt formatCode="General" sourceLinked="1"/>
@@ -2537,7 +2543,249 @@
           </a:bodyPr>
           <a:lstStyle/>
           <a:p>
-            <a:endParaRPr lang="en-US"/>
+            <a:pPr marL="0" marR="0" indent="0" algn="l" defTabSz="914400" rtl="0" eaLnBrk="1" fontAlgn="base" latinLnBrk="0" hangingPunct="1">
+              <a:lnSpc>
+                <a:spcPct val="100000"/>
+              </a:lnSpc>
+              <a:spcBef>
+                <a:spcPct val="30000"/>
+              </a:spcBef>
+              <a:spcAft>
+                <a:spcPct val="0"/>
+              </a:spcAft>
+              <a:buClrTx/>
+              <a:buSzTx/>
+              <a:buFontTx/>
+              <a:buNone/>
+              <a:tabLst/>
+              <a:defRPr/>
+            </a:pPr>
+            <a:r>
+              <a:rPr lang="en-US" sz="1200" kern="1200" dirty="0" smtClean="0">
+                <a:solidFill>
+                  <a:schemeClr val="tx1"/>
+                </a:solidFill>
+                <a:effectLst/>
+                <a:latin typeface="+mn-lt"/>
+                <a:ea typeface="+mn-ea"/>
+                <a:cs typeface="+mn-cs"/>
+              </a:rPr>
+              <a:t>GREEN are</a:t>
+            </a:r>
+            <a:r>
+              <a:rPr lang="en-US" sz="1200" kern="1200" baseline="0" dirty="0" smtClean="0">
+                <a:solidFill>
+                  <a:schemeClr val="tx1"/>
+                </a:solidFill>
+                <a:effectLst/>
+                <a:latin typeface="+mn-lt"/>
+                <a:ea typeface="+mn-ea"/>
+                <a:cs typeface="+mn-cs"/>
+              </a:rPr>
+              <a:t> CORRECTLY ACCEPTED (true positives).</a:t>
+            </a:r>
+            <a:endParaRPr lang="en-US" sz="1200" kern="1200" dirty="0" smtClean="0">
+              <a:solidFill>
+                <a:schemeClr val="tx1"/>
+              </a:solidFill>
+              <a:effectLst/>
+              <a:latin typeface="+mn-lt"/>
+              <a:ea typeface="+mn-ea"/>
+              <a:cs typeface="+mn-cs"/>
+            </a:endParaRPr>
+          </a:p>
+          <a:p>
+            <a:pPr marL="0" marR="0" indent="0" algn="l" defTabSz="914400" rtl="0" eaLnBrk="1" fontAlgn="base" latinLnBrk="0" hangingPunct="1">
+              <a:lnSpc>
+                <a:spcPct val="100000"/>
+              </a:lnSpc>
+              <a:spcBef>
+                <a:spcPct val="30000"/>
+              </a:spcBef>
+              <a:spcAft>
+                <a:spcPct val="0"/>
+              </a:spcAft>
+              <a:buClrTx/>
+              <a:buSzTx/>
+              <a:buFontTx/>
+              <a:buNone/>
+              <a:tabLst/>
+              <a:defRPr/>
+            </a:pPr>
+            <a:r>
+              <a:rPr lang="en-US" sz="1200" kern="1200" dirty="0" smtClean="0">
+                <a:solidFill>
+                  <a:schemeClr val="tx1"/>
+                </a:solidFill>
+                <a:effectLst/>
+                <a:latin typeface="+mn-lt"/>
+                <a:ea typeface="+mn-ea"/>
+                <a:cs typeface="+mn-cs"/>
+              </a:rPr>
+              <a:t>BLUE</a:t>
+            </a:r>
+            <a:r>
+              <a:rPr lang="en-US" sz="1200" kern="1200" baseline="0" dirty="0" smtClean="0">
+                <a:solidFill>
+                  <a:schemeClr val="tx1"/>
+                </a:solidFill>
+                <a:effectLst/>
+                <a:latin typeface="+mn-lt"/>
+                <a:ea typeface="+mn-ea"/>
+                <a:cs typeface="+mn-cs"/>
+              </a:rPr>
+              <a:t> </a:t>
+            </a:r>
+            <a:r>
+              <a:rPr lang="en-US" sz="1200" kern="1200" dirty="0" smtClean="0">
+                <a:solidFill>
+                  <a:schemeClr val="tx1"/>
+                </a:solidFill>
+                <a:effectLst/>
+                <a:latin typeface="+mn-lt"/>
+                <a:ea typeface="+mn-ea"/>
+                <a:cs typeface="+mn-cs"/>
+              </a:rPr>
+              <a:t>are INCORRECTLY REJECTED (false</a:t>
+            </a:r>
+            <a:r>
+              <a:rPr lang="en-US" sz="1200" kern="1200" baseline="0" dirty="0" smtClean="0">
+                <a:solidFill>
+                  <a:schemeClr val="tx1"/>
+                </a:solidFill>
+                <a:effectLst/>
+                <a:latin typeface="+mn-lt"/>
+                <a:ea typeface="+mn-ea"/>
+                <a:cs typeface="+mn-cs"/>
+              </a:rPr>
+              <a:t> negatives)</a:t>
+            </a:r>
+            <a:r>
+              <a:rPr lang="en-US" sz="1200" kern="1200" dirty="0" smtClean="0">
+                <a:solidFill>
+                  <a:schemeClr val="tx1"/>
+                </a:solidFill>
+                <a:effectLst/>
+                <a:latin typeface="+mn-lt"/>
+                <a:ea typeface="+mn-ea"/>
+                <a:cs typeface="+mn-cs"/>
+              </a:rPr>
+              <a:t>: using their transcripts would have helped, but they don’t hurt system performance, just waste money. </a:t>
+            </a:r>
+          </a:p>
+          <a:p>
+            <a:pPr marL="0" marR="0" indent="0" algn="l" defTabSz="914400" rtl="0" eaLnBrk="1" fontAlgn="base" latinLnBrk="0" hangingPunct="1">
+              <a:lnSpc>
+                <a:spcPct val="100000"/>
+              </a:lnSpc>
+              <a:spcBef>
+                <a:spcPct val="30000"/>
+              </a:spcBef>
+              <a:spcAft>
+                <a:spcPct val="0"/>
+              </a:spcAft>
+              <a:buClrTx/>
+              <a:buSzTx/>
+              <a:buFontTx/>
+              <a:buNone/>
+              <a:tabLst/>
+              <a:defRPr/>
+            </a:pPr>
+            <a:r>
+              <a:rPr lang="en-US" sz="1200" kern="1200" dirty="0" smtClean="0">
+                <a:solidFill>
+                  <a:schemeClr val="tx1"/>
+                </a:solidFill>
+                <a:effectLst/>
+                <a:latin typeface="+mn-lt"/>
+                <a:ea typeface="+mn-ea"/>
+                <a:cs typeface="+mn-cs"/>
+              </a:rPr>
+              <a:t>RED</a:t>
+            </a:r>
+            <a:r>
+              <a:rPr lang="en-US" sz="1200" kern="1200" baseline="0" dirty="0" smtClean="0">
+                <a:solidFill>
+                  <a:schemeClr val="tx1"/>
+                </a:solidFill>
+                <a:effectLst/>
+                <a:latin typeface="+mn-lt"/>
+                <a:ea typeface="+mn-ea"/>
+                <a:cs typeface="+mn-cs"/>
+              </a:rPr>
+              <a:t> are CORRECTLY REJECTED (true negatives) </a:t>
+            </a:r>
+            <a:r>
+              <a:rPr lang="en-US" sz="1200" kern="1200" dirty="0" smtClean="0">
+                <a:solidFill>
+                  <a:schemeClr val="tx1"/>
+                </a:solidFill>
+                <a:effectLst/>
+                <a:latin typeface="+mn-lt"/>
+                <a:ea typeface="+mn-ea"/>
+                <a:cs typeface="+mn-cs"/>
+              </a:rPr>
+              <a:t>for having high disagreement.</a:t>
+            </a:r>
+          </a:p>
+          <a:p>
+            <a:pPr marL="0" marR="0" indent="0" algn="l" defTabSz="914400" rtl="0" eaLnBrk="1" fontAlgn="base" latinLnBrk="0" hangingPunct="1">
+              <a:lnSpc>
+                <a:spcPct val="100000"/>
+              </a:lnSpc>
+              <a:spcBef>
+                <a:spcPct val="30000"/>
+              </a:spcBef>
+              <a:spcAft>
+                <a:spcPct val="0"/>
+              </a:spcAft>
+              <a:buClrTx/>
+              <a:buSzTx/>
+              <a:buFontTx/>
+              <a:buNone/>
+              <a:tabLst/>
+              <a:defRPr/>
+            </a:pPr>
+            <a:r>
+              <a:rPr lang="en-US" sz="1200" kern="1200" dirty="0" smtClean="0">
+                <a:solidFill>
+                  <a:schemeClr val="tx1"/>
+                </a:solidFill>
+                <a:effectLst/>
+                <a:latin typeface="+mn-lt"/>
+                <a:ea typeface="+mn-ea"/>
+                <a:cs typeface="+mn-cs"/>
+              </a:rPr>
+              <a:t>BLCK</a:t>
+            </a:r>
+            <a:r>
+              <a:rPr lang="en-US" sz="1200" kern="1200" baseline="0" dirty="0" smtClean="0">
+                <a:solidFill>
+                  <a:schemeClr val="tx1"/>
+                </a:solidFill>
+                <a:effectLst/>
+                <a:latin typeface="+mn-lt"/>
+                <a:ea typeface="+mn-ea"/>
+                <a:cs typeface="+mn-cs"/>
+              </a:rPr>
+              <a:t> are INCORRECTLY ACCPTED (false positives).  They </a:t>
+            </a:r>
+            <a:r>
+              <a:rPr lang="en-US" sz="1200" kern="1200" dirty="0" smtClean="0">
+                <a:solidFill>
+                  <a:schemeClr val="tx1"/>
+                </a:solidFill>
+                <a:effectLst/>
+                <a:latin typeface="+mn-lt"/>
+                <a:ea typeface="+mn-ea"/>
+                <a:cs typeface="+mn-cs"/>
+              </a:rPr>
+              <a:t>are the trouble- some false positives that are included in training but actually may hurt performance. Luckily, the ratio of false negatives to false positives is usually much larger. </a:t>
+            </a:r>
+            <a:endParaRPr lang="en-US" dirty="0" smtClean="0"/>
+          </a:p>
+          <a:p>
+            <a:endParaRPr lang="en-US" dirty="0"/>
           </a:p>
         </p:txBody>
       </p:sp>
@@ -2624,7 +2872,249 @@
           </a:bodyPr>
           <a:lstStyle/>
           <a:p>
-            <a:endParaRPr lang="en-US"/>
+            <a:pPr marL="0" marR="0" indent="0" algn="l" defTabSz="914400" rtl="0" eaLnBrk="1" fontAlgn="base" latinLnBrk="0" hangingPunct="1">
+              <a:lnSpc>
+                <a:spcPct val="100000"/>
+              </a:lnSpc>
+              <a:spcBef>
+                <a:spcPct val="30000"/>
+              </a:spcBef>
+              <a:spcAft>
+                <a:spcPct val="0"/>
+              </a:spcAft>
+              <a:buClrTx/>
+              <a:buSzTx/>
+              <a:buFontTx/>
+              <a:buNone/>
+              <a:tabLst/>
+              <a:defRPr/>
+            </a:pPr>
+            <a:r>
+              <a:rPr lang="en-US" sz="1200" kern="1200" dirty="0" smtClean="0">
+                <a:solidFill>
+                  <a:schemeClr val="tx1"/>
+                </a:solidFill>
+                <a:effectLst/>
+                <a:latin typeface="+mn-lt"/>
+                <a:ea typeface="+mn-ea"/>
+                <a:cs typeface="+mn-cs"/>
+              </a:rPr>
+              <a:t>GREEN are</a:t>
+            </a:r>
+            <a:r>
+              <a:rPr lang="en-US" sz="1200" kern="1200" baseline="0" dirty="0" smtClean="0">
+                <a:solidFill>
+                  <a:schemeClr val="tx1"/>
+                </a:solidFill>
+                <a:effectLst/>
+                <a:latin typeface="+mn-lt"/>
+                <a:ea typeface="+mn-ea"/>
+                <a:cs typeface="+mn-cs"/>
+              </a:rPr>
+              <a:t> CORRECTLY ACCEPTED (true positives).</a:t>
+            </a:r>
+            <a:endParaRPr lang="en-US" sz="1200" kern="1200" dirty="0" smtClean="0">
+              <a:solidFill>
+                <a:schemeClr val="tx1"/>
+              </a:solidFill>
+              <a:effectLst/>
+              <a:latin typeface="+mn-lt"/>
+              <a:ea typeface="+mn-ea"/>
+              <a:cs typeface="+mn-cs"/>
+            </a:endParaRPr>
+          </a:p>
+          <a:p>
+            <a:pPr marL="0" marR="0" indent="0" algn="l" defTabSz="914400" rtl="0" eaLnBrk="1" fontAlgn="base" latinLnBrk="0" hangingPunct="1">
+              <a:lnSpc>
+                <a:spcPct val="100000"/>
+              </a:lnSpc>
+              <a:spcBef>
+                <a:spcPct val="30000"/>
+              </a:spcBef>
+              <a:spcAft>
+                <a:spcPct val="0"/>
+              </a:spcAft>
+              <a:buClrTx/>
+              <a:buSzTx/>
+              <a:buFontTx/>
+              <a:buNone/>
+              <a:tabLst/>
+              <a:defRPr/>
+            </a:pPr>
+            <a:r>
+              <a:rPr lang="en-US" sz="1200" kern="1200" dirty="0" smtClean="0">
+                <a:solidFill>
+                  <a:schemeClr val="tx1"/>
+                </a:solidFill>
+                <a:effectLst/>
+                <a:latin typeface="+mn-lt"/>
+                <a:ea typeface="+mn-ea"/>
+                <a:cs typeface="+mn-cs"/>
+              </a:rPr>
+              <a:t>BLUE</a:t>
+            </a:r>
+            <a:r>
+              <a:rPr lang="en-US" sz="1200" kern="1200" baseline="0" dirty="0" smtClean="0">
+                <a:solidFill>
+                  <a:schemeClr val="tx1"/>
+                </a:solidFill>
+                <a:effectLst/>
+                <a:latin typeface="+mn-lt"/>
+                <a:ea typeface="+mn-ea"/>
+                <a:cs typeface="+mn-cs"/>
+              </a:rPr>
+              <a:t> </a:t>
+            </a:r>
+            <a:r>
+              <a:rPr lang="en-US" sz="1200" kern="1200" dirty="0" smtClean="0">
+                <a:solidFill>
+                  <a:schemeClr val="tx1"/>
+                </a:solidFill>
+                <a:effectLst/>
+                <a:latin typeface="+mn-lt"/>
+                <a:ea typeface="+mn-ea"/>
+                <a:cs typeface="+mn-cs"/>
+              </a:rPr>
+              <a:t>are INCORRECTLY REJECTED (false</a:t>
+            </a:r>
+            <a:r>
+              <a:rPr lang="en-US" sz="1200" kern="1200" baseline="0" dirty="0" smtClean="0">
+                <a:solidFill>
+                  <a:schemeClr val="tx1"/>
+                </a:solidFill>
+                <a:effectLst/>
+                <a:latin typeface="+mn-lt"/>
+                <a:ea typeface="+mn-ea"/>
+                <a:cs typeface="+mn-cs"/>
+              </a:rPr>
+              <a:t> negatives)</a:t>
+            </a:r>
+            <a:r>
+              <a:rPr lang="en-US" sz="1200" kern="1200" dirty="0" smtClean="0">
+                <a:solidFill>
+                  <a:schemeClr val="tx1"/>
+                </a:solidFill>
+                <a:effectLst/>
+                <a:latin typeface="+mn-lt"/>
+                <a:ea typeface="+mn-ea"/>
+                <a:cs typeface="+mn-cs"/>
+              </a:rPr>
+              <a:t>: using their transcripts would have helped, but they don’t hurt system performance, just waste money. </a:t>
+            </a:r>
+          </a:p>
+          <a:p>
+            <a:pPr marL="0" marR="0" indent="0" algn="l" defTabSz="914400" rtl="0" eaLnBrk="1" fontAlgn="base" latinLnBrk="0" hangingPunct="1">
+              <a:lnSpc>
+                <a:spcPct val="100000"/>
+              </a:lnSpc>
+              <a:spcBef>
+                <a:spcPct val="30000"/>
+              </a:spcBef>
+              <a:spcAft>
+                <a:spcPct val="0"/>
+              </a:spcAft>
+              <a:buClrTx/>
+              <a:buSzTx/>
+              <a:buFontTx/>
+              <a:buNone/>
+              <a:tabLst/>
+              <a:defRPr/>
+            </a:pPr>
+            <a:r>
+              <a:rPr lang="en-US" sz="1200" kern="1200" dirty="0" smtClean="0">
+                <a:solidFill>
+                  <a:schemeClr val="tx1"/>
+                </a:solidFill>
+                <a:effectLst/>
+                <a:latin typeface="+mn-lt"/>
+                <a:ea typeface="+mn-ea"/>
+                <a:cs typeface="+mn-cs"/>
+              </a:rPr>
+              <a:t>RED</a:t>
+            </a:r>
+            <a:r>
+              <a:rPr lang="en-US" sz="1200" kern="1200" baseline="0" dirty="0" smtClean="0">
+                <a:solidFill>
+                  <a:schemeClr val="tx1"/>
+                </a:solidFill>
+                <a:effectLst/>
+                <a:latin typeface="+mn-lt"/>
+                <a:ea typeface="+mn-ea"/>
+                <a:cs typeface="+mn-cs"/>
+              </a:rPr>
+              <a:t> are CORRECTLY REJECTED (true negatives) </a:t>
+            </a:r>
+            <a:r>
+              <a:rPr lang="en-US" sz="1200" kern="1200" dirty="0" smtClean="0">
+                <a:solidFill>
+                  <a:schemeClr val="tx1"/>
+                </a:solidFill>
+                <a:effectLst/>
+                <a:latin typeface="+mn-lt"/>
+                <a:ea typeface="+mn-ea"/>
+                <a:cs typeface="+mn-cs"/>
+              </a:rPr>
+              <a:t>for having high disagreement.</a:t>
+            </a:r>
+          </a:p>
+          <a:p>
+            <a:pPr marL="0" marR="0" indent="0" algn="l" defTabSz="914400" rtl="0" eaLnBrk="1" fontAlgn="base" latinLnBrk="0" hangingPunct="1">
+              <a:lnSpc>
+                <a:spcPct val="100000"/>
+              </a:lnSpc>
+              <a:spcBef>
+                <a:spcPct val="30000"/>
+              </a:spcBef>
+              <a:spcAft>
+                <a:spcPct val="0"/>
+              </a:spcAft>
+              <a:buClrTx/>
+              <a:buSzTx/>
+              <a:buFontTx/>
+              <a:buNone/>
+              <a:tabLst/>
+              <a:defRPr/>
+            </a:pPr>
+            <a:r>
+              <a:rPr lang="en-US" sz="1200" kern="1200" dirty="0" smtClean="0">
+                <a:solidFill>
+                  <a:schemeClr val="tx1"/>
+                </a:solidFill>
+                <a:effectLst/>
+                <a:latin typeface="+mn-lt"/>
+                <a:ea typeface="+mn-ea"/>
+                <a:cs typeface="+mn-cs"/>
+              </a:rPr>
+              <a:t>BLCK</a:t>
+            </a:r>
+            <a:r>
+              <a:rPr lang="en-US" sz="1200" kern="1200" baseline="0" dirty="0" smtClean="0">
+                <a:solidFill>
+                  <a:schemeClr val="tx1"/>
+                </a:solidFill>
+                <a:effectLst/>
+                <a:latin typeface="+mn-lt"/>
+                <a:ea typeface="+mn-ea"/>
+                <a:cs typeface="+mn-cs"/>
+              </a:rPr>
+              <a:t> are INCORRECTLY ACCPTED (false positives).  They </a:t>
+            </a:r>
+            <a:r>
+              <a:rPr lang="en-US" sz="1200" kern="1200" dirty="0" smtClean="0">
+                <a:solidFill>
+                  <a:schemeClr val="tx1"/>
+                </a:solidFill>
+                <a:effectLst/>
+                <a:latin typeface="+mn-lt"/>
+                <a:ea typeface="+mn-ea"/>
+                <a:cs typeface="+mn-cs"/>
+              </a:rPr>
+              <a:t>are the trouble- some false positives that are included in training but actually may hurt performance. Luckily, the ratio of false negatives to false positives is usually much larger. </a:t>
+            </a:r>
+            <a:endParaRPr lang="en-US" dirty="0" smtClean="0"/>
+          </a:p>
+          <a:p>
+            <a:endParaRPr lang="en-US" dirty="0"/>
           </a:p>
         </p:txBody>
       </p:sp>
@@ -14756,7 +15246,7 @@
           <a:graphicData uri="http://schemas.openxmlformats.org/presentationml/2006/ole">
             <mc:AlternateContent xmlns:mc="http://schemas.openxmlformats.org/markup-compatibility/2006">
               <mc:Choice xmlns:v="urn:schemas-microsoft-com:vml" Requires="v">
-                <p:oleObj spid="_x0000_s251916" name="Equation" r:id="rId3" imgW="2616120" imgH="419040" progId="Equation.3">
+                <p:oleObj spid="_x0000_s251918" name="Equation" r:id="rId3" imgW="2616120" imgH="419040" progId="Equation.3">
                   <p:embed/>
                 </p:oleObj>
               </mc:Choice>
@@ -15947,7 +16437,7 @@
           <a:graphicData uri="http://schemas.openxmlformats.org/presentationml/2006/ole">
             <mc:AlternateContent xmlns:mc="http://schemas.openxmlformats.org/markup-compatibility/2006">
               <mc:Choice xmlns:v="urn:schemas-microsoft-com:vml" Requires="v">
-                <p:oleObj spid="_x0000_s252940" name="Equation" r:id="rId3" imgW="2616120" imgH="419040" progId="Equation.3">
+                <p:oleObj spid="_x0000_s252942" name="Equation" r:id="rId3" imgW="2616120" imgH="419040" progId="Equation.3">
                   <p:embed/>
                 </p:oleObj>
               </mc:Choice>
@@ -19138,7 +19628,15 @@
           <a:p>
             <a:r>
               <a:rPr lang="en-US" dirty="0" smtClean="0"/>
-              <a:t>Some people complained about the cost </a:t>
+              <a:t>Some people </a:t>
+            </a:r>
+            <a:r>
+              <a:rPr lang="en-US" dirty="0" smtClean="0"/>
+              <a:t>rightfully complained </a:t>
+            </a:r>
+            <a:r>
+              <a:rPr lang="en-US" dirty="0" smtClean="0"/>
+              <a:t>about the cost </a:t>
             </a:r>
             <a:endParaRPr lang="en-US" i="1" dirty="0" smtClean="0"/>
           </a:p>
@@ -19769,7 +20267,7 @@
             <a:graphicData uri="http://schemas.openxmlformats.org/presentationml/2006/ole">
               <mc:AlternateContent xmlns:mc="http://schemas.openxmlformats.org/markup-compatibility/2006">
                 <mc:Choice xmlns:v="urn:schemas-microsoft-com:vml" Requires="v">
-                  <p:oleObj spid="_x0000_s161832" name="Acrobat Document" r:id="rId4" imgW="4171320" imgH="4176000" progId="AcroExch.Document.7">
+                  <p:oleObj spid="_x0000_s161834" name="Acrobat Document" r:id="rId4" imgW="4171320" imgH="4176000" progId="AcroExch.Document.7">
                     <p:embed/>
                   </p:oleObj>
                 </mc:Choice>
@@ -20556,7 +21054,7 @@
             <a:graphicData uri="http://schemas.openxmlformats.org/presentationml/2006/ole">
               <mc:AlternateContent xmlns:mc="http://schemas.openxmlformats.org/markup-compatibility/2006">
                 <mc:Choice xmlns:v="urn:schemas-microsoft-com:vml" Requires="v">
-                  <p:oleObj spid="_x0000_s121889" name="Acrobat Document" r:id="rId4" imgW="4171320" imgH="4176000" progId="AcroExch.Document.7">
+                  <p:oleObj spid="_x0000_s121891" name="Acrobat Document" r:id="rId4" imgW="4171320" imgH="4176000" progId="AcroExch.Document.7">
                     <p:embed/>
                   </p:oleObj>
                 </mc:Choice>
@@ -20945,7 +21443,7 @@
             <a:graphicData uri="http://schemas.openxmlformats.org/presentationml/2006/ole">
               <mc:AlternateContent xmlns:mc="http://schemas.openxmlformats.org/markup-compatibility/2006">
                 <mc:Choice xmlns:v="urn:schemas-microsoft-com:vml" Requires="v">
-                  <p:oleObj spid="_x0000_s176160" name="Acrobat Document" r:id="rId4" imgW="4171320" imgH="4176000" progId="AcroExch.Document.7">
+                  <p:oleObj spid="_x0000_s176162" name="Acrobat Document" r:id="rId4" imgW="4171320" imgH="4176000" progId="AcroExch.Document.7">
                     <p:embed/>
                   </p:oleObj>
                 </mc:Choice>
@@ -21472,7 +21970,7 @@
           <a:graphicData uri="http://schemas.openxmlformats.org/presentationml/2006/ole">
             <mc:AlternateContent xmlns:mc="http://schemas.openxmlformats.org/markup-compatibility/2006">
               <mc:Choice xmlns:v="urn:schemas-microsoft-com:vml" Requires="v">
-                <p:oleObj spid="_x0000_s124961" name="Acrobat Document" r:id="rId4" imgW="4171320" imgH="4176000" progId="AcroExch.Document.7">
+                <p:oleObj spid="_x0000_s124963" name="Acrobat Document" r:id="rId4" imgW="4171320" imgH="4176000" progId="AcroExch.Document.7">
                   <p:embed/>
                 </p:oleObj>
               </mc:Choice>
@@ -21929,7 +22427,7 @@
             <a:graphicData uri="http://schemas.openxmlformats.org/presentationml/2006/ole">
               <mc:AlternateContent xmlns:mc="http://schemas.openxmlformats.org/markup-compatibility/2006">
                 <mc:Choice xmlns:v="urn:schemas-microsoft-com:vml" Requires="v">
-                  <p:oleObj spid="_x0000_s207903" name="Acrobat Document" r:id="rId4" imgW="4171320" imgH="4176000" progId="AcroExch.Document.7">
+                  <p:oleObj spid="_x0000_s207905" name="Acrobat Document" r:id="rId4" imgW="4171320" imgH="4176000" progId="AcroExch.Document.7">
                     <p:embed/>
                   </p:oleObj>
                 </mc:Choice>
@@ -22120,7 +22618,7 @@
           <a:graphicData uri="http://schemas.openxmlformats.org/presentationml/2006/ole">
             <mc:AlternateContent xmlns:mc="http://schemas.openxmlformats.org/markup-compatibility/2006">
               <mc:Choice xmlns:v="urn:schemas-microsoft-com:vml" Requires="v">
-                <p:oleObj spid="_x0000_s210975" name="Acrobat Document" r:id="rId4" imgW="4171320" imgH="4176000" progId="AcroExch.Document.7">
+                <p:oleObj spid="_x0000_s210977" name="Acrobat Document" r:id="rId4" imgW="4171320" imgH="4176000" progId="AcroExch.Document.7">
                   <p:embed/>
                 </p:oleObj>
               </mc:Choice>
@@ -22534,7 +23032,7 @@
             <a:graphicData uri="http://schemas.openxmlformats.org/presentationml/2006/ole">
               <mc:AlternateContent xmlns:mc="http://schemas.openxmlformats.org/markup-compatibility/2006">
                 <mc:Choice xmlns:v="urn:schemas-microsoft-com:vml" Requires="v">
-                  <p:oleObj spid="_x0000_s206880" name="Acrobat Document" r:id="rId4" imgW="4171320" imgH="4176000" progId="AcroExch.Document.7">
+                  <p:oleObj spid="_x0000_s206882" name="Acrobat Document" r:id="rId4" imgW="4171320" imgH="4176000" progId="AcroExch.Document.7">
                     <p:embed/>
                   </p:oleObj>
                 </mc:Choice>
@@ -22699,7 +23197,7 @@
           <a:graphicData uri="http://schemas.openxmlformats.org/presentationml/2006/ole">
             <mc:AlternateContent xmlns:mc="http://schemas.openxmlformats.org/markup-compatibility/2006">
               <mc:Choice xmlns:v="urn:schemas-microsoft-com:vml" Requires="v">
-                <p:oleObj spid="_x0000_s177190" name="Acrobat Document" r:id="rId4" imgW="4171320" imgH="4176000" progId="AcroExch.Document.7">
+                <p:oleObj spid="_x0000_s177192" name="Acrobat Document" r:id="rId4" imgW="4171320" imgH="4176000" progId="AcroExch.Document.7">
                   <p:embed/>
                 </p:oleObj>
               </mc:Choice>
@@ -22923,7 +23421,7 @@
             <a:graphicData uri="http://schemas.openxmlformats.org/presentationml/2006/ole">
               <mc:AlternateContent xmlns:mc="http://schemas.openxmlformats.org/markup-compatibility/2006">
                 <mc:Choice xmlns:v="urn:schemas-microsoft-com:vml" Requires="v">
-                  <p:oleObj spid="_x0000_s208928" name="Acrobat Document" r:id="rId4" imgW="4171320" imgH="4176000" progId="AcroExch.Document.7">
+                  <p:oleObj spid="_x0000_s208930" name="Acrobat Document" r:id="rId4" imgW="4171320" imgH="4176000" progId="AcroExch.Document.7">
                     <p:embed/>
                   </p:oleObj>
                 </mc:Choice>
@@ -23203,7 +23701,7 @@
           <a:graphicData uri="http://schemas.openxmlformats.org/presentationml/2006/ole">
             <mc:AlternateContent xmlns:mc="http://schemas.openxmlformats.org/markup-compatibility/2006">
               <mc:Choice xmlns:v="urn:schemas-microsoft-com:vml" Requires="v">
-                <p:oleObj spid="_x0000_s127011" name="Acrobat Document" r:id="rId4" imgW="4171320" imgH="4176000" progId="AcroExch.Document.7">
+                <p:oleObj spid="_x0000_s127013" name="Acrobat Document" r:id="rId4" imgW="4171320" imgH="4176000" progId="AcroExch.Document.7">
                   <p:embed/>
                 </p:oleObj>
               </mc:Choice>
@@ -23420,7 +23918,7 @@
           <a:graphicData uri="http://schemas.openxmlformats.org/presentationml/2006/ole">
             <mc:AlternateContent xmlns:mc="http://schemas.openxmlformats.org/markup-compatibility/2006">
               <mc:Choice xmlns:v="urn:schemas-microsoft-com:vml" Requires="v">
-                <p:oleObj spid="_x0000_s209951" name="Acrobat Document" r:id="rId4" imgW="4171320" imgH="4176000" progId="AcroExch.Document.7">
+                <p:oleObj spid="_x0000_s209953" name="Acrobat Document" r:id="rId4" imgW="4171320" imgH="4176000" progId="AcroExch.Document.7">
                   <p:embed/>
                 </p:oleObj>
               </mc:Choice>
@@ -23661,7 +24159,7 @@
           <a:graphicData uri="http://schemas.openxmlformats.org/presentationml/2006/ole">
             <mc:AlternateContent xmlns:mc="http://schemas.openxmlformats.org/markup-compatibility/2006">
               <mc:Choice xmlns:v="urn:schemas-microsoft-com:vml" Requires="v">
-                <p:oleObj spid="_x0000_s223263" name="Acrobat Document" r:id="rId4" imgW="4171320" imgH="4176000" progId="AcroExch.Document.7">
+                <p:oleObj spid="_x0000_s223265" name="Acrobat Document" r:id="rId4" imgW="4171320" imgH="4176000" progId="AcroExch.Document.7">
                   <p:embed/>
                 </p:oleObj>
               </mc:Choice>
@@ -32329,7 +32827,7 @@
           <a:graphicData uri="http://schemas.openxmlformats.org/presentationml/2006/ole">
             <mc:AlternateContent xmlns:mc="http://schemas.openxmlformats.org/markup-compatibility/2006">
               <mc:Choice xmlns:v="urn:schemas-microsoft-com:vml" Requires="v">
-                <p:oleObj spid="_x0000_s123938" name="Acrobat Document" r:id="rId4" imgW="4171320" imgH="4176000" progId="AcroExch.Document.7">
+                <p:oleObj spid="_x0000_s123940" name="Acrobat Document" r:id="rId4" imgW="4171320" imgH="4176000" progId="AcroExch.Document.7">
                   <p:embed/>
                 </p:oleObj>
               </mc:Choice>

--- a/slides/crowdsourcing-speech-recognition.pptx
+++ b/slides/crowdsourcing-speech-recognition.pptx
@@ -5,63 +5,66 @@
     <p:sldMasterId id="2147483648" r:id="rId1"/>
   </p:sldMasterIdLst>
   <p:notesMasterIdLst>
-    <p:notesMasterId r:id="rId56"/>
+    <p:notesMasterId r:id="rId59"/>
   </p:notesMasterIdLst>
   <p:sldIdLst>
     <p:sldId id="370" r:id="rId2"/>
-    <p:sldId id="344" r:id="rId3"/>
-    <p:sldId id="346" r:id="rId4"/>
-    <p:sldId id="347" r:id="rId5"/>
-    <p:sldId id="369" r:id="rId6"/>
-    <p:sldId id="345" r:id="rId7"/>
-    <p:sldId id="358" r:id="rId8"/>
-    <p:sldId id="354" r:id="rId9"/>
-    <p:sldId id="359" r:id="rId10"/>
-    <p:sldId id="351" r:id="rId11"/>
-    <p:sldId id="353" r:id="rId12"/>
-    <p:sldId id="356" r:id="rId13"/>
-    <p:sldId id="360" r:id="rId14"/>
-    <p:sldId id="363" r:id="rId15"/>
-    <p:sldId id="362" r:id="rId16"/>
-    <p:sldId id="364" r:id="rId17"/>
-    <p:sldId id="365" r:id="rId18"/>
-    <p:sldId id="350" r:id="rId19"/>
-    <p:sldId id="361" r:id="rId20"/>
-    <p:sldId id="268" r:id="rId21"/>
-    <p:sldId id="309" r:id="rId22"/>
-    <p:sldId id="311" r:id="rId23"/>
-    <p:sldId id="313" r:id="rId24"/>
-    <p:sldId id="314" r:id="rId25"/>
-    <p:sldId id="274" r:id="rId26"/>
-    <p:sldId id="367" r:id="rId27"/>
-    <p:sldId id="315" r:id="rId28"/>
-    <p:sldId id="325" r:id="rId29"/>
-    <p:sldId id="318" r:id="rId30"/>
-    <p:sldId id="330" r:id="rId31"/>
-    <p:sldId id="333" r:id="rId32"/>
-    <p:sldId id="329" r:id="rId33"/>
-    <p:sldId id="326" r:id="rId34"/>
-    <p:sldId id="331" r:id="rId35"/>
-    <p:sldId id="320" r:id="rId36"/>
-    <p:sldId id="332" r:id="rId37"/>
-    <p:sldId id="342" r:id="rId38"/>
-    <p:sldId id="328" r:id="rId39"/>
-    <p:sldId id="288" r:id="rId40"/>
-    <p:sldId id="279" r:id="rId41"/>
-    <p:sldId id="275" r:id="rId42"/>
-    <p:sldId id="321" r:id="rId43"/>
-    <p:sldId id="339" r:id="rId44"/>
-    <p:sldId id="334" r:id="rId45"/>
-    <p:sldId id="335" r:id="rId46"/>
-    <p:sldId id="289" r:id="rId47"/>
-    <p:sldId id="291" r:id="rId48"/>
-    <p:sldId id="287" r:id="rId49"/>
-    <p:sldId id="293" r:id="rId50"/>
-    <p:sldId id="366" r:id="rId51"/>
-    <p:sldId id="349" r:id="rId52"/>
-    <p:sldId id="368" r:id="rId53"/>
-    <p:sldId id="338" r:id="rId54"/>
-    <p:sldId id="317" r:id="rId55"/>
+    <p:sldId id="372" r:id="rId3"/>
+    <p:sldId id="371" r:id="rId4"/>
+    <p:sldId id="374" r:id="rId5"/>
+    <p:sldId id="344" r:id="rId6"/>
+    <p:sldId id="346" r:id="rId7"/>
+    <p:sldId id="347" r:id="rId8"/>
+    <p:sldId id="369" r:id="rId9"/>
+    <p:sldId id="345" r:id="rId10"/>
+    <p:sldId id="358" r:id="rId11"/>
+    <p:sldId id="354" r:id="rId12"/>
+    <p:sldId id="359" r:id="rId13"/>
+    <p:sldId id="351" r:id="rId14"/>
+    <p:sldId id="353" r:id="rId15"/>
+    <p:sldId id="356" r:id="rId16"/>
+    <p:sldId id="360" r:id="rId17"/>
+    <p:sldId id="363" r:id="rId18"/>
+    <p:sldId id="362" r:id="rId19"/>
+    <p:sldId id="364" r:id="rId20"/>
+    <p:sldId id="365" r:id="rId21"/>
+    <p:sldId id="350" r:id="rId22"/>
+    <p:sldId id="361" r:id="rId23"/>
+    <p:sldId id="268" r:id="rId24"/>
+    <p:sldId id="309" r:id="rId25"/>
+    <p:sldId id="311" r:id="rId26"/>
+    <p:sldId id="313" r:id="rId27"/>
+    <p:sldId id="314" r:id="rId28"/>
+    <p:sldId id="274" r:id="rId29"/>
+    <p:sldId id="367" r:id="rId30"/>
+    <p:sldId id="315" r:id="rId31"/>
+    <p:sldId id="325" r:id="rId32"/>
+    <p:sldId id="318" r:id="rId33"/>
+    <p:sldId id="330" r:id="rId34"/>
+    <p:sldId id="333" r:id="rId35"/>
+    <p:sldId id="329" r:id="rId36"/>
+    <p:sldId id="326" r:id="rId37"/>
+    <p:sldId id="331" r:id="rId38"/>
+    <p:sldId id="320" r:id="rId39"/>
+    <p:sldId id="332" r:id="rId40"/>
+    <p:sldId id="342" r:id="rId41"/>
+    <p:sldId id="328" r:id="rId42"/>
+    <p:sldId id="288" r:id="rId43"/>
+    <p:sldId id="279" r:id="rId44"/>
+    <p:sldId id="275" r:id="rId45"/>
+    <p:sldId id="321" r:id="rId46"/>
+    <p:sldId id="339" r:id="rId47"/>
+    <p:sldId id="334" r:id="rId48"/>
+    <p:sldId id="335" r:id="rId49"/>
+    <p:sldId id="289" r:id="rId50"/>
+    <p:sldId id="291" r:id="rId51"/>
+    <p:sldId id="287" r:id="rId52"/>
+    <p:sldId id="293" r:id="rId53"/>
+    <p:sldId id="366" r:id="rId54"/>
+    <p:sldId id="349" r:id="rId55"/>
+    <p:sldId id="368" r:id="rId56"/>
+    <p:sldId id="338" r:id="rId57"/>
+    <p:sldId id="317" r:id="rId58"/>
   </p:sldIdLst>
   <p:sldSz cx="9144000" cy="6858000" type="screen4x3"/>
   <p:notesSz cx="6858000" cy="9144000"/>
@@ -190,6 +193,36 @@
       </a:defRPr>
     </a:lvl9pPr>
   </p:defaultTextStyle>
+  <p:extLst>
+    <p:ext uri="{EFAFB233-063F-42B5-8137-9DF3F51BA10A}">
+      <p15:sldGuideLst xmlns:p15="http://schemas.microsoft.com/office/powerpoint/2012/main">
+        <p15:guide id="1" orient="horz" pos="2160">
+          <p15:clr>
+            <a:srgbClr val="A4A3A4"/>
+          </p15:clr>
+        </p15:guide>
+        <p15:guide id="2" pos="2880">
+          <p15:clr>
+            <a:srgbClr val="A4A3A4"/>
+          </p15:clr>
+        </p15:guide>
+      </p15:sldGuideLst>
+    </p:ext>
+    <p:ext uri="{2D200454-40CA-4A62-9FC3-DE9A4176ACB9}">
+      <p15:notesGuideLst xmlns:p15="http://schemas.microsoft.com/office/powerpoint/2012/main">
+        <p15:guide id="1" orient="horz" pos="2880">
+          <p15:clr>
+            <a:srgbClr val="A4A3A4"/>
+          </p15:clr>
+        </p15:guide>
+        <p15:guide id="2" pos="2160">
+          <p15:clr>
+            <a:srgbClr val="A4A3A4"/>
+          </p15:clr>
+        </p15:guide>
+      </p15:notesGuideLst>
+    </p:ext>
+  </p:extLst>
 </p:presentation>
 </file>
 
@@ -268,11 +301,11 @@
           <c:showPercent val="0"/>
           <c:showBubbleSize val="0"/>
         </c:dLbls>
-        <c:axId val="-2115974328"/>
-        <c:axId val="-2115980056"/>
+        <c:axId val="1857217824"/>
+        <c:axId val="1857734640"/>
       </c:scatterChart>
       <c:valAx>
-        <c:axId val="-2115974328"/>
+        <c:axId val="1857217824"/>
         <c:scaling>
           <c:logBase val="10.0"/>
           <c:orientation val="minMax"/>
@@ -314,12 +347,12 @@
             <a:endParaRPr lang="en-US"/>
           </a:p>
         </c:txPr>
-        <c:crossAx val="-2115980056"/>
+        <c:crossAx val="1857734640"/>
         <c:crosses val="autoZero"/>
         <c:crossBetween val="midCat"/>
       </c:valAx>
       <c:valAx>
-        <c:axId val="-2115980056"/>
+        <c:axId val="1857734640"/>
         <c:scaling>
           <c:orientation val="minMax"/>
           <c:min val="0.0"/>
@@ -365,7 +398,7 @@
             <a:endParaRPr lang="en-US"/>
           </a:p>
         </c:txPr>
-        <c:crossAx val="-2115974328"/>
+        <c:crossAx val="1857217824"/>
         <c:crossesAt val="1.0"/>
         <c:crossBetween val="midCat"/>
       </c:valAx>
@@ -717,11 +750,11 @@
         </c:dLbls>
         <c:marker val="1"/>
         <c:smooth val="0"/>
-        <c:axId val="-2117905432"/>
-        <c:axId val="-2117886680"/>
+        <c:axId val="1861349632"/>
+        <c:axId val="1860233888"/>
       </c:lineChart>
       <c:catAx>
-        <c:axId val="-2117905432"/>
+        <c:axId val="1861349632"/>
         <c:scaling>
           <c:orientation val="minMax"/>
         </c:scaling>
@@ -769,7 +802,7 @@
             <a:endParaRPr lang="en-US"/>
           </a:p>
         </c:txPr>
-        <c:crossAx val="-2117886680"/>
+        <c:crossAx val="1860233888"/>
         <c:crosses val="autoZero"/>
         <c:auto val="1"/>
         <c:lblAlgn val="ctr"/>
@@ -777,7 +810,7 @@
         <c:noMultiLvlLbl val="0"/>
       </c:catAx>
       <c:valAx>
-        <c:axId val="-2117886680"/>
+        <c:axId val="1860233888"/>
         <c:scaling>
           <c:orientation val="minMax"/>
           <c:max val="60.0"/>
@@ -841,7 +874,7 @@
             <a:endParaRPr lang="en-US"/>
           </a:p>
         </c:txPr>
-        <c:crossAx val="-2117905432"/>
+        <c:crossAx val="1861349632"/>
         <c:crosses val="autoZero"/>
         <c:crossBetween val="between"/>
       </c:valAx>
@@ -1137,11 +1170,11 @@
           <c:showPercent val="0"/>
           <c:showBubbleSize val="0"/>
         </c:dLbls>
-        <c:axId val="-2124139448"/>
-        <c:axId val="-2124132184"/>
+        <c:axId val="1860320496"/>
+        <c:axId val="1860324768"/>
       </c:scatterChart>
       <c:valAx>
-        <c:axId val="-2124139448"/>
+        <c:axId val="1860320496"/>
         <c:scaling>
           <c:logBase val="10.0"/>
           <c:orientation val="minMax"/>
@@ -1187,12 +1220,12 @@
             <a:endParaRPr lang="en-US"/>
           </a:p>
         </c:txPr>
-        <c:crossAx val="-2124132184"/>
+        <c:crossAx val="1860324768"/>
         <c:crosses val="autoZero"/>
         <c:crossBetween val="midCat"/>
       </c:valAx>
       <c:valAx>
-        <c:axId val="-2124132184"/>
+        <c:axId val="1860324768"/>
         <c:scaling>
           <c:orientation val="minMax"/>
           <c:max val="45.0"/>
@@ -1235,7 +1268,7 @@
             <a:endParaRPr lang="en-US"/>
           </a:p>
         </c:txPr>
-        <c:crossAx val="-2124139448"/>
+        <c:crossAx val="1860320496"/>
         <c:crosses val="autoZero"/>
         <c:crossBetween val="midCat"/>
         <c:majorUnit val="2.0"/>
@@ -1552,11 +1585,11 @@
           <c:showPercent val="0"/>
           <c:showBubbleSize val="0"/>
         </c:dLbls>
-        <c:axId val="-2117577704"/>
-        <c:axId val="-2117356632"/>
+        <c:axId val="1861430624"/>
+        <c:axId val="1861433968"/>
       </c:scatterChart>
       <c:valAx>
-        <c:axId val="-2117577704"/>
+        <c:axId val="1861430624"/>
         <c:scaling>
           <c:logBase val="10.0"/>
           <c:orientation val="minMax"/>
@@ -1602,12 +1635,12 @@
             <a:endParaRPr lang="en-US"/>
           </a:p>
         </c:txPr>
-        <c:crossAx val="-2117356632"/>
+        <c:crossAx val="1861433968"/>
         <c:crosses val="autoZero"/>
         <c:crossBetween val="midCat"/>
       </c:valAx>
       <c:valAx>
-        <c:axId val="-2117356632"/>
+        <c:axId val="1861433968"/>
         <c:scaling>
           <c:orientation val="minMax"/>
           <c:max val="45.0"/>
@@ -1650,7 +1683,7 @@
             <a:endParaRPr lang="en-US"/>
           </a:p>
         </c:txPr>
-        <c:crossAx val="-2117577704"/>
+        <c:crossAx val="1861430624"/>
         <c:crosses val="autoZero"/>
         <c:crossBetween val="midCat"/>
         <c:majorUnit val="2.0"/>
@@ -1802,7 +1835,7 @@
               <a:pPr>
                 <a:defRPr/>
               </a:pPr>
-              <a:t>4/4/16</a:t>
+              <a:t>4/9/19</a:t>
             </a:fld>
             <a:endParaRPr lang="en-US"/>
           </a:p>
@@ -2248,37 +2281,7 @@
           </a:bodyPr>
           <a:lstStyle/>
           <a:p>
-            <a:r>
-              <a:rPr lang="en-US" dirty="0" smtClean="0"/>
-              <a:t>Cleaner transition to previous slides</a:t>
-            </a:r>
-          </a:p>
-          <a:p>
-            <a:r>
-              <a:rPr lang="en-US" dirty="0" smtClean="0"/>
-              <a:t>Very few good, long tail of bad workers,</a:t>
-            </a:r>
-            <a:r>
-              <a:rPr lang="en-US" baseline="0" dirty="0" smtClean="0"/>
-              <a:t> but most are average</a:t>
-            </a:r>
-            <a:endParaRPr lang="en-US" dirty="0" smtClean="0"/>
-          </a:p>
-          <a:p>
-            <a:r>
-              <a:rPr lang="en-US" dirty="0" smtClean="0"/>
-              <a:t>23% error might seem high compared to previous work which used simpler data sets with cleaner audio</a:t>
-            </a:r>
-          </a:p>
-          <a:p>
-            <a:endParaRPr lang="en-US" dirty="0" smtClean="0"/>
-          </a:p>
-          <a:p>
-            <a:r>
-              <a:rPr lang="en-US" dirty="0" smtClean="0"/>
-              <a:t>Can we do quality control without having the gold standard LDC transcriptions?</a:t>
-            </a:r>
-            <a:endParaRPr lang="en-US" dirty="0"/>
+            <a:endParaRPr lang="en-US"/>
           </a:p>
         </p:txBody>
       </p:sp>
@@ -2305,7 +2308,7 @@
               <a:pPr>
                 <a:defRPr/>
               </a:pPr>
-              <a:t>27</a:t>
+              <a:t>29</a:t>
             </a:fld>
             <a:endParaRPr lang="en-US"/>
           </a:p>
@@ -2365,7 +2368,37 @@
           </a:bodyPr>
           <a:lstStyle/>
           <a:p>
-            <a:endParaRPr lang="en-US"/>
+            <a:r>
+              <a:rPr lang="en-US" dirty="0" smtClean="0"/>
+              <a:t>Cleaner transition to previous slides</a:t>
+            </a:r>
+          </a:p>
+          <a:p>
+            <a:r>
+              <a:rPr lang="en-US" dirty="0" smtClean="0"/>
+              <a:t>Very few good, long tail of bad workers,</a:t>
+            </a:r>
+            <a:r>
+              <a:rPr lang="en-US" baseline="0" dirty="0" smtClean="0"/>
+              <a:t> but most are average</a:t>
+            </a:r>
+            <a:endParaRPr lang="en-US" dirty="0" smtClean="0"/>
+          </a:p>
+          <a:p>
+            <a:r>
+              <a:rPr lang="en-US" dirty="0" smtClean="0"/>
+              <a:t>23% error might seem high compared to previous work which used simpler data sets with cleaner audio</a:t>
+            </a:r>
+          </a:p>
+          <a:p>
+            <a:endParaRPr lang="en-US" dirty="0" smtClean="0"/>
+          </a:p>
+          <a:p>
+            <a:r>
+              <a:rPr lang="en-US" dirty="0" smtClean="0"/>
+              <a:t>Can we do quality control without having the gold standard LDC transcriptions?</a:t>
+            </a:r>
+            <a:endParaRPr lang="en-US" dirty="0"/>
           </a:p>
         </p:txBody>
       </p:sp>
@@ -2392,7 +2425,7 @@
               <a:pPr>
                 <a:defRPr/>
               </a:pPr>
-              <a:t>28</a:t>
+              <a:t>30</a:t>
             </a:fld>
             <a:endParaRPr lang="en-US"/>
           </a:p>
@@ -2452,11 +2485,7 @@
           </a:bodyPr>
           <a:lstStyle/>
           <a:p>
-            <a:r>
-              <a:rPr lang="en-US" dirty="0" smtClean="0"/>
-              <a:t>Correlation: 86%</a:t>
-            </a:r>
-            <a:endParaRPr lang="en-US" dirty="0"/>
+            <a:endParaRPr lang="en-US"/>
           </a:p>
         </p:txBody>
       </p:sp>
@@ -2483,7 +2512,7 @@
               <a:pPr>
                 <a:defRPr/>
               </a:pPr>
-              <a:t>29</a:t>
+              <a:t>31</a:t>
             </a:fld>
             <a:endParaRPr lang="en-US"/>
           </a:p>
@@ -2543,248 +2572,10 @@
           </a:bodyPr>
           <a:lstStyle/>
           <a:p>
-            <a:pPr marL="0" marR="0" indent="0" algn="l" defTabSz="914400" rtl="0" eaLnBrk="1" fontAlgn="base" latinLnBrk="0" hangingPunct="1">
-              <a:lnSpc>
-                <a:spcPct val="100000"/>
-              </a:lnSpc>
-              <a:spcBef>
-                <a:spcPct val="30000"/>
-              </a:spcBef>
-              <a:spcAft>
-                <a:spcPct val="0"/>
-              </a:spcAft>
-              <a:buClrTx/>
-              <a:buSzTx/>
-              <a:buFontTx/>
-              <a:buNone/>
-              <a:tabLst/>
-              <a:defRPr/>
-            </a:pPr>
-            <a:r>
-              <a:rPr lang="en-US" sz="1200" kern="1200" dirty="0" smtClean="0">
-                <a:solidFill>
-                  <a:schemeClr val="tx1"/>
-                </a:solidFill>
-                <a:effectLst/>
-                <a:latin typeface="+mn-lt"/>
-                <a:ea typeface="+mn-ea"/>
-                <a:cs typeface="+mn-cs"/>
-              </a:rPr>
-              <a:t>GREEN are</a:t>
-            </a:r>
-            <a:r>
-              <a:rPr lang="en-US" sz="1200" kern="1200" baseline="0" dirty="0" smtClean="0">
-                <a:solidFill>
-                  <a:schemeClr val="tx1"/>
-                </a:solidFill>
-                <a:effectLst/>
-                <a:latin typeface="+mn-lt"/>
-                <a:ea typeface="+mn-ea"/>
-                <a:cs typeface="+mn-cs"/>
-              </a:rPr>
-              <a:t> CORRECTLY ACCEPTED (true positives).</a:t>
-            </a:r>
-            <a:endParaRPr lang="en-US" sz="1200" kern="1200" dirty="0" smtClean="0">
-              <a:solidFill>
-                <a:schemeClr val="tx1"/>
-              </a:solidFill>
-              <a:effectLst/>
-              <a:latin typeface="+mn-lt"/>
-              <a:ea typeface="+mn-ea"/>
-              <a:cs typeface="+mn-cs"/>
-            </a:endParaRPr>
-          </a:p>
-          <a:p>
-            <a:pPr marL="0" marR="0" indent="0" algn="l" defTabSz="914400" rtl="0" eaLnBrk="1" fontAlgn="base" latinLnBrk="0" hangingPunct="1">
-              <a:lnSpc>
-                <a:spcPct val="100000"/>
-              </a:lnSpc>
-              <a:spcBef>
-                <a:spcPct val="30000"/>
-              </a:spcBef>
-              <a:spcAft>
-                <a:spcPct val="0"/>
-              </a:spcAft>
-              <a:buClrTx/>
-              <a:buSzTx/>
-              <a:buFontTx/>
-              <a:buNone/>
-              <a:tabLst/>
-              <a:defRPr/>
-            </a:pPr>
-            <a:r>
-              <a:rPr lang="en-US" sz="1200" kern="1200" dirty="0" smtClean="0">
-                <a:solidFill>
-                  <a:schemeClr val="tx1"/>
-                </a:solidFill>
-                <a:effectLst/>
-                <a:latin typeface="+mn-lt"/>
-                <a:ea typeface="+mn-ea"/>
-                <a:cs typeface="+mn-cs"/>
-              </a:rPr>
-              <a:t>BLUE</a:t>
-            </a:r>
-            <a:r>
-              <a:rPr lang="en-US" sz="1200" kern="1200" baseline="0" dirty="0" smtClean="0">
-                <a:solidFill>
-                  <a:schemeClr val="tx1"/>
-                </a:solidFill>
-                <a:effectLst/>
-                <a:latin typeface="+mn-lt"/>
-                <a:ea typeface="+mn-ea"/>
-                <a:cs typeface="+mn-cs"/>
-              </a:rPr>
-              <a:t> </a:t>
-            </a:r>
-            <a:r>
-              <a:rPr lang="en-US" sz="1200" kern="1200" dirty="0" smtClean="0">
-                <a:solidFill>
-                  <a:schemeClr val="tx1"/>
-                </a:solidFill>
-                <a:effectLst/>
-                <a:latin typeface="+mn-lt"/>
-                <a:ea typeface="+mn-ea"/>
-                <a:cs typeface="+mn-cs"/>
-              </a:rPr>
-              <a:t>are INCORRECTLY REJECTED (false</a:t>
-            </a:r>
-            <a:r>
-              <a:rPr lang="en-US" sz="1200" kern="1200" baseline="0" dirty="0" smtClean="0">
-                <a:solidFill>
-                  <a:schemeClr val="tx1"/>
-                </a:solidFill>
-                <a:effectLst/>
-                <a:latin typeface="+mn-lt"/>
-                <a:ea typeface="+mn-ea"/>
-                <a:cs typeface="+mn-cs"/>
-              </a:rPr>
-              <a:t> negatives)</a:t>
-            </a:r>
-            <a:r>
-              <a:rPr lang="en-US" sz="1200" kern="1200" dirty="0" smtClean="0">
-                <a:solidFill>
-                  <a:schemeClr val="tx1"/>
-                </a:solidFill>
-                <a:effectLst/>
-                <a:latin typeface="+mn-lt"/>
-                <a:ea typeface="+mn-ea"/>
-                <a:cs typeface="+mn-cs"/>
-              </a:rPr>
-              <a:t>: using their transcripts would have helped, but they don’t hurt system performance, just waste money. </a:t>
-            </a:r>
-          </a:p>
-          <a:p>
-            <a:pPr marL="0" marR="0" indent="0" algn="l" defTabSz="914400" rtl="0" eaLnBrk="1" fontAlgn="base" latinLnBrk="0" hangingPunct="1">
-              <a:lnSpc>
-                <a:spcPct val="100000"/>
-              </a:lnSpc>
-              <a:spcBef>
-                <a:spcPct val="30000"/>
-              </a:spcBef>
-              <a:spcAft>
-                <a:spcPct val="0"/>
-              </a:spcAft>
-              <a:buClrTx/>
-              <a:buSzTx/>
-              <a:buFontTx/>
-              <a:buNone/>
-              <a:tabLst/>
-              <a:defRPr/>
-            </a:pPr>
-            <a:r>
-              <a:rPr lang="en-US" sz="1200" kern="1200" dirty="0" smtClean="0">
-                <a:solidFill>
-                  <a:schemeClr val="tx1"/>
-                </a:solidFill>
-                <a:effectLst/>
-                <a:latin typeface="+mn-lt"/>
-                <a:ea typeface="+mn-ea"/>
-                <a:cs typeface="+mn-cs"/>
-              </a:rPr>
-              <a:t>RED</a:t>
-            </a:r>
-            <a:r>
-              <a:rPr lang="en-US" sz="1200" kern="1200" baseline="0" dirty="0" smtClean="0">
-                <a:solidFill>
-                  <a:schemeClr val="tx1"/>
-                </a:solidFill>
-                <a:effectLst/>
-                <a:latin typeface="+mn-lt"/>
-                <a:ea typeface="+mn-ea"/>
-                <a:cs typeface="+mn-cs"/>
-              </a:rPr>
-              <a:t> are CORRECTLY REJECTED (true negatives) </a:t>
-            </a:r>
-            <a:r>
-              <a:rPr lang="en-US" sz="1200" kern="1200" dirty="0" smtClean="0">
-                <a:solidFill>
-                  <a:schemeClr val="tx1"/>
-                </a:solidFill>
-                <a:effectLst/>
-                <a:latin typeface="+mn-lt"/>
-                <a:ea typeface="+mn-ea"/>
-                <a:cs typeface="+mn-cs"/>
-              </a:rPr>
-              <a:t>for having high disagreement.</a:t>
-            </a:r>
-          </a:p>
-          <a:p>
-            <a:pPr marL="0" marR="0" indent="0" algn="l" defTabSz="914400" rtl="0" eaLnBrk="1" fontAlgn="base" latinLnBrk="0" hangingPunct="1">
-              <a:lnSpc>
-                <a:spcPct val="100000"/>
-              </a:lnSpc>
-              <a:spcBef>
-                <a:spcPct val="30000"/>
-              </a:spcBef>
-              <a:spcAft>
-                <a:spcPct val="0"/>
-              </a:spcAft>
-              <a:buClrTx/>
-              <a:buSzTx/>
-              <a:buFontTx/>
-              <a:buNone/>
-              <a:tabLst/>
-              <a:defRPr/>
-            </a:pPr>
-            <a:r>
-              <a:rPr lang="en-US" sz="1200" kern="1200" dirty="0" smtClean="0">
-                <a:solidFill>
-                  <a:schemeClr val="tx1"/>
-                </a:solidFill>
-                <a:effectLst/>
-                <a:latin typeface="+mn-lt"/>
-                <a:ea typeface="+mn-ea"/>
-                <a:cs typeface="+mn-cs"/>
-              </a:rPr>
-              <a:t>BLCK</a:t>
-            </a:r>
-            <a:r>
-              <a:rPr lang="en-US" sz="1200" kern="1200" baseline="0" dirty="0" smtClean="0">
-                <a:solidFill>
-                  <a:schemeClr val="tx1"/>
-                </a:solidFill>
-                <a:effectLst/>
-                <a:latin typeface="+mn-lt"/>
-                <a:ea typeface="+mn-ea"/>
-                <a:cs typeface="+mn-cs"/>
-              </a:rPr>
-              <a:t> are INCORRECTLY ACCPTED (false positives).  They </a:t>
-            </a:r>
-            <a:r>
-              <a:rPr lang="en-US" sz="1200" kern="1200" dirty="0" smtClean="0">
-                <a:solidFill>
-                  <a:schemeClr val="tx1"/>
-                </a:solidFill>
-                <a:effectLst/>
-                <a:latin typeface="+mn-lt"/>
-                <a:ea typeface="+mn-ea"/>
-                <a:cs typeface="+mn-cs"/>
-              </a:rPr>
-              <a:t>are the trouble- some false positives that are included in training but actually may hurt performance. Luckily, the ratio of false negatives to false positives is usually much larger. </a:t>
-            </a:r>
-            <a:endParaRPr lang="en-US" dirty="0" smtClean="0"/>
-          </a:p>
-          <a:p>
+            <a:r>
+              <a:rPr lang="en-US" dirty="0" smtClean="0"/>
+              <a:t>Correlation: 86%</a:t>
+            </a:r>
             <a:endParaRPr lang="en-US" dirty="0"/>
           </a:p>
         </p:txBody>
@@ -2812,7 +2603,7 @@
               <a:pPr>
                 <a:defRPr/>
               </a:pPr>
-              <a:t>30</a:t>
+              <a:t>32</a:t>
             </a:fld>
             <a:endParaRPr lang="en-US"/>
           </a:p>
@@ -3141,7 +2932,7 @@
               <a:pPr>
                 <a:defRPr/>
               </a:pPr>
-              <a:t>31</a:t>
+              <a:t>33</a:t>
             </a:fld>
             <a:endParaRPr lang="en-US"/>
           </a:p>
@@ -3201,7 +2992,249 @@
           </a:bodyPr>
           <a:lstStyle/>
           <a:p>
-            <a:endParaRPr lang="en-US"/>
+            <a:pPr marL="0" marR="0" indent="0" algn="l" defTabSz="914400" rtl="0" eaLnBrk="1" fontAlgn="base" latinLnBrk="0" hangingPunct="1">
+              <a:lnSpc>
+                <a:spcPct val="100000"/>
+              </a:lnSpc>
+              <a:spcBef>
+                <a:spcPct val="30000"/>
+              </a:spcBef>
+              <a:spcAft>
+                <a:spcPct val="0"/>
+              </a:spcAft>
+              <a:buClrTx/>
+              <a:buSzTx/>
+              <a:buFontTx/>
+              <a:buNone/>
+              <a:tabLst/>
+              <a:defRPr/>
+            </a:pPr>
+            <a:r>
+              <a:rPr lang="en-US" sz="1200" kern="1200" dirty="0" smtClean="0">
+                <a:solidFill>
+                  <a:schemeClr val="tx1"/>
+                </a:solidFill>
+                <a:effectLst/>
+                <a:latin typeface="+mn-lt"/>
+                <a:ea typeface="+mn-ea"/>
+                <a:cs typeface="+mn-cs"/>
+              </a:rPr>
+              <a:t>GREEN are</a:t>
+            </a:r>
+            <a:r>
+              <a:rPr lang="en-US" sz="1200" kern="1200" baseline="0" dirty="0" smtClean="0">
+                <a:solidFill>
+                  <a:schemeClr val="tx1"/>
+                </a:solidFill>
+                <a:effectLst/>
+                <a:latin typeface="+mn-lt"/>
+                <a:ea typeface="+mn-ea"/>
+                <a:cs typeface="+mn-cs"/>
+              </a:rPr>
+              <a:t> CORRECTLY ACCEPTED (true positives).</a:t>
+            </a:r>
+            <a:endParaRPr lang="en-US" sz="1200" kern="1200" dirty="0" smtClean="0">
+              <a:solidFill>
+                <a:schemeClr val="tx1"/>
+              </a:solidFill>
+              <a:effectLst/>
+              <a:latin typeface="+mn-lt"/>
+              <a:ea typeface="+mn-ea"/>
+              <a:cs typeface="+mn-cs"/>
+            </a:endParaRPr>
+          </a:p>
+          <a:p>
+            <a:pPr marL="0" marR="0" indent="0" algn="l" defTabSz="914400" rtl="0" eaLnBrk="1" fontAlgn="base" latinLnBrk="0" hangingPunct="1">
+              <a:lnSpc>
+                <a:spcPct val="100000"/>
+              </a:lnSpc>
+              <a:spcBef>
+                <a:spcPct val="30000"/>
+              </a:spcBef>
+              <a:spcAft>
+                <a:spcPct val="0"/>
+              </a:spcAft>
+              <a:buClrTx/>
+              <a:buSzTx/>
+              <a:buFontTx/>
+              <a:buNone/>
+              <a:tabLst/>
+              <a:defRPr/>
+            </a:pPr>
+            <a:r>
+              <a:rPr lang="en-US" sz="1200" kern="1200" dirty="0" smtClean="0">
+                <a:solidFill>
+                  <a:schemeClr val="tx1"/>
+                </a:solidFill>
+                <a:effectLst/>
+                <a:latin typeface="+mn-lt"/>
+                <a:ea typeface="+mn-ea"/>
+                <a:cs typeface="+mn-cs"/>
+              </a:rPr>
+              <a:t>BLUE</a:t>
+            </a:r>
+            <a:r>
+              <a:rPr lang="en-US" sz="1200" kern="1200" baseline="0" dirty="0" smtClean="0">
+                <a:solidFill>
+                  <a:schemeClr val="tx1"/>
+                </a:solidFill>
+                <a:effectLst/>
+                <a:latin typeface="+mn-lt"/>
+                <a:ea typeface="+mn-ea"/>
+                <a:cs typeface="+mn-cs"/>
+              </a:rPr>
+              <a:t> </a:t>
+            </a:r>
+            <a:r>
+              <a:rPr lang="en-US" sz="1200" kern="1200" dirty="0" smtClean="0">
+                <a:solidFill>
+                  <a:schemeClr val="tx1"/>
+                </a:solidFill>
+                <a:effectLst/>
+                <a:latin typeface="+mn-lt"/>
+                <a:ea typeface="+mn-ea"/>
+                <a:cs typeface="+mn-cs"/>
+              </a:rPr>
+              <a:t>are INCORRECTLY REJECTED (false</a:t>
+            </a:r>
+            <a:r>
+              <a:rPr lang="en-US" sz="1200" kern="1200" baseline="0" dirty="0" smtClean="0">
+                <a:solidFill>
+                  <a:schemeClr val="tx1"/>
+                </a:solidFill>
+                <a:effectLst/>
+                <a:latin typeface="+mn-lt"/>
+                <a:ea typeface="+mn-ea"/>
+                <a:cs typeface="+mn-cs"/>
+              </a:rPr>
+              <a:t> negatives)</a:t>
+            </a:r>
+            <a:r>
+              <a:rPr lang="en-US" sz="1200" kern="1200" dirty="0" smtClean="0">
+                <a:solidFill>
+                  <a:schemeClr val="tx1"/>
+                </a:solidFill>
+                <a:effectLst/>
+                <a:latin typeface="+mn-lt"/>
+                <a:ea typeface="+mn-ea"/>
+                <a:cs typeface="+mn-cs"/>
+              </a:rPr>
+              <a:t>: using their transcripts would have helped, but they don’t hurt system performance, just waste money. </a:t>
+            </a:r>
+          </a:p>
+          <a:p>
+            <a:pPr marL="0" marR="0" indent="0" algn="l" defTabSz="914400" rtl="0" eaLnBrk="1" fontAlgn="base" latinLnBrk="0" hangingPunct="1">
+              <a:lnSpc>
+                <a:spcPct val="100000"/>
+              </a:lnSpc>
+              <a:spcBef>
+                <a:spcPct val="30000"/>
+              </a:spcBef>
+              <a:spcAft>
+                <a:spcPct val="0"/>
+              </a:spcAft>
+              <a:buClrTx/>
+              <a:buSzTx/>
+              <a:buFontTx/>
+              <a:buNone/>
+              <a:tabLst/>
+              <a:defRPr/>
+            </a:pPr>
+            <a:r>
+              <a:rPr lang="en-US" sz="1200" kern="1200" dirty="0" smtClean="0">
+                <a:solidFill>
+                  <a:schemeClr val="tx1"/>
+                </a:solidFill>
+                <a:effectLst/>
+                <a:latin typeface="+mn-lt"/>
+                <a:ea typeface="+mn-ea"/>
+                <a:cs typeface="+mn-cs"/>
+              </a:rPr>
+              <a:t>RED</a:t>
+            </a:r>
+            <a:r>
+              <a:rPr lang="en-US" sz="1200" kern="1200" baseline="0" dirty="0" smtClean="0">
+                <a:solidFill>
+                  <a:schemeClr val="tx1"/>
+                </a:solidFill>
+                <a:effectLst/>
+                <a:latin typeface="+mn-lt"/>
+                <a:ea typeface="+mn-ea"/>
+                <a:cs typeface="+mn-cs"/>
+              </a:rPr>
+              <a:t> are CORRECTLY REJECTED (true negatives) </a:t>
+            </a:r>
+            <a:r>
+              <a:rPr lang="en-US" sz="1200" kern="1200" dirty="0" smtClean="0">
+                <a:solidFill>
+                  <a:schemeClr val="tx1"/>
+                </a:solidFill>
+                <a:effectLst/>
+                <a:latin typeface="+mn-lt"/>
+                <a:ea typeface="+mn-ea"/>
+                <a:cs typeface="+mn-cs"/>
+              </a:rPr>
+              <a:t>for having high disagreement.</a:t>
+            </a:r>
+          </a:p>
+          <a:p>
+            <a:pPr marL="0" marR="0" indent="0" algn="l" defTabSz="914400" rtl="0" eaLnBrk="1" fontAlgn="base" latinLnBrk="0" hangingPunct="1">
+              <a:lnSpc>
+                <a:spcPct val="100000"/>
+              </a:lnSpc>
+              <a:spcBef>
+                <a:spcPct val="30000"/>
+              </a:spcBef>
+              <a:spcAft>
+                <a:spcPct val="0"/>
+              </a:spcAft>
+              <a:buClrTx/>
+              <a:buSzTx/>
+              <a:buFontTx/>
+              <a:buNone/>
+              <a:tabLst/>
+              <a:defRPr/>
+            </a:pPr>
+            <a:r>
+              <a:rPr lang="en-US" sz="1200" kern="1200" dirty="0" smtClean="0">
+                <a:solidFill>
+                  <a:schemeClr val="tx1"/>
+                </a:solidFill>
+                <a:effectLst/>
+                <a:latin typeface="+mn-lt"/>
+                <a:ea typeface="+mn-ea"/>
+                <a:cs typeface="+mn-cs"/>
+              </a:rPr>
+              <a:t>BLCK</a:t>
+            </a:r>
+            <a:r>
+              <a:rPr lang="en-US" sz="1200" kern="1200" baseline="0" dirty="0" smtClean="0">
+                <a:solidFill>
+                  <a:schemeClr val="tx1"/>
+                </a:solidFill>
+                <a:effectLst/>
+                <a:latin typeface="+mn-lt"/>
+                <a:ea typeface="+mn-ea"/>
+                <a:cs typeface="+mn-cs"/>
+              </a:rPr>
+              <a:t> are INCORRECTLY ACCPTED (false positives).  They </a:t>
+            </a:r>
+            <a:r>
+              <a:rPr lang="en-US" sz="1200" kern="1200" dirty="0" smtClean="0">
+                <a:solidFill>
+                  <a:schemeClr val="tx1"/>
+                </a:solidFill>
+                <a:effectLst/>
+                <a:latin typeface="+mn-lt"/>
+                <a:ea typeface="+mn-ea"/>
+                <a:cs typeface="+mn-cs"/>
+              </a:rPr>
+              <a:t>are the trouble- some false positives that are included in training but actually may hurt performance. Luckily, the ratio of false negatives to false positives is usually much larger. </a:t>
+            </a:r>
+            <a:endParaRPr lang="en-US" dirty="0" smtClean="0"/>
+          </a:p>
+          <a:p>
+            <a:endParaRPr lang="en-US" dirty="0"/>
           </a:p>
         </p:txBody>
       </p:sp>
@@ -3228,7 +3261,7 @@
               <a:pPr>
                 <a:defRPr/>
               </a:pPr>
-              <a:t>32</a:t>
+              <a:t>34</a:t>
             </a:fld>
             <a:endParaRPr lang="en-US"/>
           </a:p>
@@ -3315,7 +3348,7 @@
               <a:pPr>
                 <a:defRPr/>
               </a:pPr>
-              <a:t>33</a:t>
+              <a:t>35</a:t>
             </a:fld>
             <a:endParaRPr lang="en-US"/>
           </a:p>
@@ -3402,7 +3435,7 @@
               <a:pPr>
                 <a:defRPr/>
               </a:pPr>
-              <a:t>34</a:t>
+              <a:t>36</a:t>
             </a:fld>
             <a:endParaRPr lang="en-US"/>
           </a:p>
@@ -3489,7 +3522,7 @@
               <a:pPr>
                 <a:defRPr/>
               </a:pPr>
-              <a:t>35</a:t>
+              <a:t>37</a:t>
             </a:fld>
             <a:endParaRPr lang="en-US"/>
           </a:p>
@@ -3576,7 +3609,7 @@
               <a:pPr>
                 <a:defRPr/>
               </a:pPr>
-              <a:t>36</a:t>
+              <a:t>38</a:t>
             </a:fld>
             <a:endParaRPr lang="en-US"/>
           </a:p>
@@ -3631,11 +3664,63 @@
         </p:nvSpPr>
         <p:spPr/>
         <p:txBody>
-          <a:bodyPr>
-            <a:normAutofit/>
-          </a:bodyPr>
+          <a:bodyPr/>
           <a:lstStyle/>
           <a:p>
+            <a:r>
+              <a:rPr lang="en-US" dirty="0" smtClean="0"/>
+              <a:t>http://</a:t>
+            </a:r>
+            <a:r>
+              <a:rPr lang="en-US" dirty="0" err="1" smtClean="0"/>
+              <a:t>audiomedia-sbs.akamaized.net</a:t>
+            </a:r>
+            <a:r>
+              <a:rPr lang="en-US" dirty="0" smtClean="0"/>
+              <a:t>/amharic_140901_358057.mp3</a:t>
+            </a:r>
+          </a:p>
+          <a:p>
+            <a:r>
+              <a:rPr lang="en-US" dirty="0" smtClean="0"/>
+              <a:t>http://</a:t>
+            </a:r>
+            <a:r>
+              <a:rPr lang="en-US" dirty="0" err="1" smtClean="0"/>
+              <a:t>isle.illinois.edu</a:t>
+            </a:r>
+            <a:r>
+              <a:rPr lang="en-US" dirty="0" smtClean="0"/>
+              <a:t>/</a:t>
+            </a:r>
+            <a:r>
+              <a:rPr lang="en-US" dirty="0" err="1" smtClean="0"/>
+              <a:t>sst</a:t>
+            </a:r>
+            <a:r>
+              <a:rPr lang="en-US" dirty="0" smtClean="0"/>
+              <a:t>/data/</a:t>
+            </a:r>
+            <a:r>
+              <a:rPr lang="en-US" dirty="0" err="1" smtClean="0"/>
+              <a:t>sbs_transcripts</a:t>
+            </a:r>
+            <a:r>
+              <a:rPr lang="en-US" dirty="0" smtClean="0"/>
+              <a:t>/mismatched/</a:t>
+            </a:r>
+            <a:r>
+              <a:rPr lang="en-US" dirty="0" err="1" smtClean="0"/>
+              <a:t>amharic</a:t>
+            </a:r>
+            <a:r>
+              <a:rPr lang="en-US" dirty="0" smtClean="0"/>
+              <a:t>/</a:t>
+            </a:r>
+            <a:r>
+              <a:rPr lang="en-US" dirty="0" err="1" smtClean="0"/>
+              <a:t>transcripts.txt</a:t>
+            </a:r>
             <a:endParaRPr lang="en-US" dirty="0"/>
           </a:p>
         </p:txBody>
@@ -3663,13 +3748,18 @@
               <a:pPr>
                 <a:defRPr/>
               </a:pPr>
-              <a:t>12</a:t>
+              <a:t>2</a:t>
             </a:fld>
             <a:endParaRPr lang="en-US"/>
           </a:p>
         </p:txBody>
       </p:sp>
     </p:spTree>
+    <p:extLst>
+      <p:ext uri="{BB962C8B-B14F-4D97-AF65-F5344CB8AC3E}">
+        <p14:creationId xmlns:p14="http://schemas.microsoft.com/office/powerpoint/2010/main" val="1604081702"/>
+      </p:ext>
+    </p:extLst>
   </p:cSld>
   <p:clrMapOvr>
     <a:masterClrMapping/>
@@ -3750,7 +3840,7 @@
               <a:pPr>
                 <a:defRPr/>
               </a:pPr>
-              <a:t>37</a:t>
+              <a:t>39</a:t>
             </a:fld>
             <a:endParaRPr lang="en-US"/>
           </a:p>
@@ -3810,7 +3900,7 @@
           </a:bodyPr>
           <a:lstStyle/>
           <a:p>
-            <a:endParaRPr lang="en-US" dirty="0"/>
+            <a:endParaRPr lang="en-US"/>
           </a:p>
         </p:txBody>
       </p:sp>
@@ -3837,7 +3927,7 @@
               <a:pPr>
                 <a:defRPr/>
               </a:pPr>
-              <a:t>38</a:t>
+              <a:t>40</a:t>
             </a:fld>
             <a:endParaRPr lang="en-US"/>
           </a:p>
@@ -3897,7 +3987,7 @@
           </a:bodyPr>
           <a:lstStyle/>
           <a:p>
-            <a:endParaRPr lang="en-US"/>
+            <a:endParaRPr lang="en-US" dirty="0"/>
           </a:p>
         </p:txBody>
       </p:sp>
@@ -3924,7 +4014,7 @@
               <a:pPr>
                 <a:defRPr/>
               </a:pPr>
-              <a:t>39</a:t>
+              <a:t>41</a:t>
             </a:fld>
             <a:endParaRPr lang="en-US"/>
           </a:p>
@@ -4011,7 +4101,7 @@
               <a:pPr>
                 <a:defRPr/>
               </a:pPr>
-              <a:t>40</a:t>
+              <a:t>42</a:t>
             </a:fld>
             <a:endParaRPr lang="en-US"/>
           </a:p>
@@ -4071,15 +4161,7 @@
           </a:bodyPr>
           <a:lstStyle/>
           <a:p>
-            <a:r>
-              <a:rPr lang="en-US" dirty="0" smtClean="0"/>
-              <a:t>Should</a:t>
-            </a:r>
-            <a:r>
-              <a:rPr lang="en-US" baseline="0" dirty="0" smtClean="0"/>
-              <a:t> we transcribe every hour three times or transcribe three times as much data</a:t>
-            </a:r>
-            <a:endParaRPr lang="en-US" dirty="0"/>
+            <a:endParaRPr lang="en-US"/>
           </a:p>
         </p:txBody>
       </p:sp>
@@ -4106,7 +4188,7 @@
               <a:pPr>
                 <a:defRPr/>
               </a:pPr>
-              <a:t>41</a:t>
+              <a:t>43</a:t>
             </a:fld>
             <a:endParaRPr lang="en-US"/>
           </a:p>
@@ -4168,23 +4250,13 @@
           <a:p>
             <a:r>
               <a:rPr lang="en-US" dirty="0" smtClean="0"/>
-              <a:t>This changed our thinking when using mechanical </a:t>
-            </a:r>
-            <a:r>
-              <a:rPr lang="en-US" dirty="0" err="1" smtClean="0"/>
-              <a:t>turk</a:t>
-            </a:r>
-            <a:endParaRPr lang="en-US" dirty="0" smtClean="0"/>
-          </a:p>
-          <a:p>
-            <a:r>
-              <a:rPr lang="en-US" dirty="0" smtClean="0"/>
-              <a:t>We’re no longer as worried</a:t>
+              <a:t>Should</a:t>
             </a:r>
             <a:r>
               <a:rPr lang="en-US" baseline="0" dirty="0" smtClean="0"/>
-              <a:t> about QC as we initially thought</a:t>
-            </a:r>
+              <a:t> we transcribe every hour three times or transcribe three times as much data</a:t>
+            </a:r>
+            <a:endParaRPr lang="en-US" dirty="0"/>
           </a:p>
         </p:txBody>
       </p:sp>
@@ -4211,7 +4283,7 @@
               <a:pPr>
                 <a:defRPr/>
               </a:pPr>
-              <a:t>42</a:t>
+              <a:t>44</a:t>
             </a:fld>
             <a:endParaRPr lang="en-US"/>
           </a:p>
@@ -4316,7 +4388,7 @@
               <a:pPr>
                 <a:defRPr/>
               </a:pPr>
-              <a:t>43</a:t>
+              <a:t>45</a:t>
             </a:fld>
             <a:endParaRPr lang="en-US"/>
           </a:p>
@@ -4378,13 +4450,23 @@
           <a:p>
             <a:r>
               <a:rPr lang="en-US" dirty="0" smtClean="0"/>
-              <a:t>Draw red and blue lines, fix legend</a:t>
+              <a:t>This changed our thinking when using mechanical </a:t>
+            </a:r>
+            <a:r>
+              <a:rPr lang="en-US" dirty="0" err="1" smtClean="0"/>
+              <a:t>turk</a:t>
+            </a:r>
+            <a:endParaRPr lang="en-US" dirty="0" smtClean="0"/>
+          </a:p>
+          <a:p>
+            <a:r>
+              <a:rPr lang="en-US" dirty="0" smtClean="0"/>
+              <a:t>We’re no longer as worried</a:t>
             </a:r>
             <a:r>
               <a:rPr lang="en-US" baseline="0" dirty="0" smtClean="0"/>
-              <a:t> (casting words wrong color)</a:t>
-            </a:r>
-            <a:endParaRPr lang="en-US" dirty="0"/>
+              <a:t> about QC as we initially thought</a:t>
+            </a:r>
           </a:p>
         </p:txBody>
       </p:sp>
@@ -4411,7 +4493,7 @@
               <a:pPr>
                 <a:defRPr/>
               </a:pPr>
-              <a:t>44</a:t>
+              <a:t>46</a:t>
             </a:fld>
             <a:endParaRPr lang="en-US"/>
           </a:p>
@@ -4473,11 +4555,11 @@
           <a:p>
             <a:r>
               <a:rPr lang="en-US" dirty="0" smtClean="0"/>
-              <a:t>Bring up VOA, could</a:t>
+              <a:t>Draw red and blue lines, fix legend</a:t>
             </a:r>
             <a:r>
               <a:rPr lang="en-US" baseline="0" dirty="0" smtClean="0"/>
-              <a:t> we do 1000 hours in 30 languages for 5*100*30 for $150k</a:t>
+              <a:t> (casting words wrong color)</a:t>
             </a:r>
             <a:endParaRPr lang="en-US" dirty="0"/>
           </a:p>
@@ -4506,7 +4588,7 @@
               <a:pPr>
                 <a:defRPr/>
               </a:pPr>
-              <a:t>45</a:t>
+              <a:t>47</a:t>
             </a:fld>
             <a:endParaRPr lang="en-US"/>
           </a:p>
@@ -4568,57 +4650,11 @@
           <a:p>
             <a:r>
               <a:rPr lang="en-US" dirty="0" smtClean="0"/>
-              <a:t>Even with a high disagreement,</a:t>
+              <a:t>Bring up VOA, could</a:t>
             </a:r>
             <a:r>
               <a:rPr lang="en-US" baseline="0" dirty="0" smtClean="0"/>
-              <a:t> system performance isn’t as impacted</a:t>
-            </a:r>
-          </a:p>
-          <a:p>
-            <a:r>
-              <a:rPr lang="en-US" baseline="0" dirty="0" smtClean="0"/>
-              <a:t>Tried $5/hour got nothing, bumped it to $20 hour</a:t>
-            </a:r>
-          </a:p>
-          <a:p>
-            <a:endParaRPr lang="en-US" baseline="0" dirty="0" smtClean="0"/>
-          </a:p>
-          <a:p>
-            <a:pPr marL="0" marR="0" lvl="1" indent="0" algn="l" defTabSz="914400" rtl="0" eaLnBrk="1" fontAlgn="base" latinLnBrk="0" hangingPunct="1">
-              <a:lnSpc>
-                <a:spcPct val="100000"/>
-              </a:lnSpc>
-              <a:spcBef>
-                <a:spcPct val="30000"/>
-              </a:spcBef>
-              <a:spcAft>
-                <a:spcPct val="0"/>
-              </a:spcAft>
-              <a:buClrTx/>
-              <a:buSzTx/>
-              <a:buFontTx/>
-              <a:buNone/>
-              <a:tabLst/>
-              <a:defRPr/>
-            </a:pPr>
-            <a:r>
-              <a:rPr lang="en-US" dirty="0" smtClean="0"/>
-              <a:t>If this seems high, 27 hours of LDC has 41.2% CER – say it if it comes up</a:t>
-            </a:r>
-          </a:p>
-          <a:p>
-            <a:r>
-              <a:rPr lang="en-US" dirty="0" smtClean="0"/>
-              <a:t>But it’s not a </a:t>
-            </a:r>
-            <a:r>
-              <a:rPr lang="en-US" dirty="0" err="1" smtClean="0"/>
-              <a:t>magicaly</a:t>
-            </a:r>
-            <a:r>
-              <a:rPr lang="en-US" dirty="0" smtClean="0"/>
-              <a:t> mystery box</a:t>
+              <a:t> we do 1000 hours in 30 languages for 5*100*30 for $150k</a:t>
             </a:r>
             <a:endParaRPr lang="en-US" dirty="0"/>
           </a:p>
@@ -4647,7 +4683,7 @@
               <a:pPr>
                 <a:defRPr/>
               </a:pPr>
-              <a:t>46</a:t>
+              <a:t>48</a:t>
             </a:fld>
             <a:endParaRPr lang="en-US"/>
           </a:p>
@@ -4707,7 +4743,7 @@
           </a:bodyPr>
           <a:lstStyle/>
           <a:p>
-            <a:endParaRPr lang="en-US"/>
+            <a:endParaRPr lang="en-US" dirty="0"/>
           </a:p>
         </p:txBody>
       </p:sp>
@@ -4734,7 +4770,7 @@
               <a:pPr>
                 <a:defRPr/>
               </a:pPr>
-              <a:t>20</a:t>
+              <a:t>15</a:t>
             </a:fld>
             <a:endParaRPr lang="en-US"/>
           </a:p>
@@ -4796,15 +4832,57 @@
           <a:p>
             <a:r>
               <a:rPr lang="en-US" dirty="0" smtClean="0"/>
-              <a:t>Say thanks to </a:t>
+              <a:t>Even with a high disagreement,</a:t>
+            </a:r>
+            <a:r>
+              <a:rPr lang="en-US" baseline="0" dirty="0" smtClean="0"/>
+              <a:t> system performance isn’t as impacted</a:t>
+            </a:r>
+          </a:p>
+          <a:p>
+            <a:r>
+              <a:rPr lang="en-US" baseline="0" dirty="0" smtClean="0"/>
+              <a:t>Tried $5/hour got nothing, bumped it to $20 hour</a:t>
+            </a:r>
+          </a:p>
+          <a:p>
+            <a:endParaRPr lang="en-US" baseline="0" dirty="0" smtClean="0"/>
+          </a:p>
+          <a:p>
+            <a:pPr marL="0" marR="0" lvl="1" indent="0" algn="l" defTabSz="914400" rtl="0" eaLnBrk="1" fontAlgn="base" latinLnBrk="0" hangingPunct="1">
+              <a:lnSpc>
+                <a:spcPct val="100000"/>
+              </a:lnSpc>
+              <a:spcBef>
+                <a:spcPct val="30000"/>
+              </a:spcBef>
+              <a:spcAft>
+                <a:spcPct val="0"/>
+              </a:spcAft>
+              <a:buClrTx/>
+              <a:buSzTx/>
+              <a:buFontTx/>
+              <a:buNone/>
+              <a:tabLst/>
+              <a:defRPr/>
+            </a:pPr>
+            <a:r>
+              <a:rPr lang="en-US" dirty="0" smtClean="0"/>
+              <a:t>If this seems high, 27 hours of LDC has 41.2% CER – say it if it comes up</a:t>
+            </a:r>
+          </a:p>
+          <a:p>
+            <a:r>
+              <a:rPr lang="en-US" dirty="0" smtClean="0"/>
+              <a:t>But it’s not a </a:t>
             </a:r>
             <a:r>
               <a:rPr lang="en-US" dirty="0" err="1" smtClean="0"/>
-              <a:t>Nagendra</a:t>
+              <a:t>magicaly</a:t>
             </a:r>
             <a:r>
               <a:rPr lang="en-US" dirty="0" smtClean="0"/>
-              <a:t> </a:t>
+              <a:t> mystery box</a:t>
             </a:r>
             <a:endParaRPr lang="en-US" dirty="0"/>
           </a:p>
@@ -4833,7 +4911,7 @@
               <a:pPr>
                 <a:defRPr/>
               </a:pPr>
-              <a:t>47</a:t>
+              <a:t>49</a:t>
             </a:fld>
             <a:endParaRPr lang="en-US"/>
           </a:p>
@@ -4895,7 +4973,15 @@
           <a:p>
             <a:r>
               <a:rPr lang="en-US" dirty="0" smtClean="0"/>
-              <a:t>QC isn’t worth the effort</a:t>
+              <a:t>Say thanks to </a:t>
+            </a:r>
+            <a:r>
+              <a:rPr lang="en-US" dirty="0" err="1" smtClean="0"/>
+              <a:t>Nagendra</a:t>
+            </a:r>
+            <a:r>
+              <a:rPr lang="en-US" dirty="0" smtClean="0"/>
+              <a:t> </a:t>
             </a:r>
             <a:endParaRPr lang="en-US" dirty="0"/>
           </a:p>
@@ -4924,7 +5010,7 @@
               <a:pPr>
                 <a:defRPr/>
               </a:pPr>
-              <a:t>48</a:t>
+              <a:t>50</a:t>
             </a:fld>
             <a:endParaRPr lang="en-US"/>
           </a:p>
@@ -4984,7 +5070,11 @@
           </a:bodyPr>
           <a:lstStyle/>
           <a:p>
-            <a:endParaRPr lang="en-US"/>
+            <a:r>
+              <a:rPr lang="en-US" dirty="0" smtClean="0"/>
+              <a:t>QC isn’t worth the effort</a:t>
+            </a:r>
+            <a:endParaRPr lang="en-US" dirty="0"/>
           </a:p>
         </p:txBody>
       </p:sp>
@@ -5011,7 +5101,7 @@
               <a:pPr>
                 <a:defRPr/>
               </a:pPr>
-              <a:t>49</a:t>
+              <a:t>51</a:t>
             </a:fld>
             <a:endParaRPr lang="en-US"/>
           </a:p>
@@ -5098,7 +5188,7 @@
               <a:pPr>
                 <a:defRPr/>
               </a:pPr>
-              <a:t>53</a:t>
+              <a:t>52</a:t>
             </a:fld>
             <a:endParaRPr lang="en-US"/>
           </a:p>
@@ -5185,7 +5275,94 @@
               <a:pPr>
                 <a:defRPr/>
               </a:pPr>
-              <a:t>54</a:t>
+              <a:t>56</a:t>
+            </a:fld>
+            <a:endParaRPr lang="en-US"/>
+          </a:p>
+        </p:txBody>
+      </p:sp>
+    </p:spTree>
+  </p:cSld>
+  <p:clrMapOvr>
+    <a:masterClrMapping/>
+  </p:clrMapOvr>
+</p:notes>
+</file>
+
+<file path=ppt/notesSlides/notesSlide35.xml><?xml version="1.0" encoding="utf-8"?>
+<p:notes xmlns:a="http://schemas.openxmlformats.org/drawingml/2006/main" xmlns:r="http://schemas.openxmlformats.org/officeDocument/2006/relationships" xmlns:p="http://schemas.openxmlformats.org/presentationml/2006/main">
+  <p:cSld>
+    <p:spTree>
+      <p:nvGrpSpPr>
+        <p:cNvPr id="1" name=""/>
+        <p:cNvGrpSpPr/>
+        <p:nvPr/>
+      </p:nvGrpSpPr>
+      <p:grpSpPr>
+        <a:xfrm>
+          <a:off x="0" y="0"/>
+          <a:ext cx="0" cy="0"/>
+          <a:chOff x="0" y="0"/>
+          <a:chExt cx="0" cy="0"/>
+        </a:xfrm>
+      </p:grpSpPr>
+      <p:sp>
+        <p:nvSpPr>
+          <p:cNvPr id="2" name="Slide Image Placeholder 1"/>
+          <p:cNvSpPr>
+            <a:spLocks noGrp="1" noRot="1" noChangeAspect="1"/>
+          </p:cNvSpPr>
+          <p:nvPr>
+            <p:ph type="sldImg"/>
+          </p:nvPr>
+        </p:nvSpPr>
+        <p:spPr/>
+      </p:sp>
+      <p:sp>
+        <p:nvSpPr>
+          <p:cNvPr id="3" name="Notes Placeholder 2"/>
+          <p:cNvSpPr>
+            <a:spLocks noGrp="1"/>
+          </p:cNvSpPr>
+          <p:nvPr>
+            <p:ph type="body" idx="1"/>
+          </p:nvPr>
+        </p:nvSpPr>
+        <p:spPr/>
+        <p:txBody>
+          <a:bodyPr>
+            <a:normAutofit/>
+          </a:bodyPr>
+          <a:lstStyle/>
+          <a:p>
+            <a:endParaRPr lang="en-US"/>
+          </a:p>
+        </p:txBody>
+      </p:sp>
+      <p:sp>
+        <p:nvSpPr>
+          <p:cNvPr id="4" name="Slide Number Placeholder 3"/>
+          <p:cNvSpPr>
+            <a:spLocks noGrp="1"/>
+          </p:cNvSpPr>
+          <p:nvPr>
+            <p:ph type="sldNum" sz="quarter" idx="10"/>
+          </p:nvPr>
+        </p:nvSpPr>
+        <p:spPr/>
+        <p:txBody>
+          <a:bodyPr/>
+          <a:lstStyle/>
+          <a:p>
+            <a:pPr>
+              <a:defRPr/>
+            </a:pPr>
+            <a:fld id="{A43E3DEB-745C-4D24-A14F-404050365396}" type="slidenum">
+              <a:rPr lang="en-US" smtClean="0"/>
+              <a:pPr>
+                <a:defRPr/>
+              </a:pPr>
+              <a:t>57</a:t>
             </a:fld>
             <a:endParaRPr lang="en-US"/>
           </a:p>
@@ -5272,7 +5449,7 @@
               <a:pPr>
                 <a:defRPr/>
               </a:pPr>
-              <a:t>21</a:t>
+              <a:t>23</a:t>
             </a:fld>
             <a:endParaRPr lang="en-US"/>
           </a:p>
@@ -5359,7 +5536,7 @@
               <a:pPr>
                 <a:defRPr/>
               </a:pPr>
-              <a:t>22</a:t>
+              <a:t>24</a:t>
             </a:fld>
             <a:endParaRPr lang="en-US"/>
           </a:p>
@@ -5446,7 +5623,7 @@
               <a:pPr>
                 <a:defRPr/>
               </a:pPr>
-              <a:t>23</a:t>
+              <a:t>25</a:t>
             </a:fld>
             <a:endParaRPr lang="en-US"/>
           </a:p>
@@ -5533,7 +5710,7 @@
               <a:pPr>
                 <a:defRPr/>
               </a:pPr>
-              <a:t>24</a:t>
+              <a:t>26</a:t>
             </a:fld>
             <a:endParaRPr lang="en-US"/>
           </a:p>
@@ -5593,11 +5770,7 @@
           </a:bodyPr>
           <a:lstStyle/>
           <a:p>
-            <a:r>
-              <a:rPr lang="en-US" dirty="0" smtClean="0"/>
-              <a:t>The quality degrades</a:t>
-            </a:r>
-            <a:endParaRPr lang="en-US" dirty="0"/>
+            <a:endParaRPr lang="en-US"/>
           </a:p>
         </p:txBody>
       </p:sp>
@@ -5624,7 +5797,7 @@
               <a:pPr>
                 <a:defRPr/>
               </a:pPr>
-              <a:t>25</a:t>
+              <a:t>27</a:t>
             </a:fld>
             <a:endParaRPr lang="en-US"/>
           </a:p>
@@ -5684,7 +5857,11 @@
           </a:bodyPr>
           <a:lstStyle/>
           <a:p>
-            <a:endParaRPr lang="en-US"/>
+            <a:r>
+              <a:rPr lang="en-US" dirty="0" smtClean="0"/>
+              <a:t>The quality degrades</a:t>
+            </a:r>
+            <a:endParaRPr lang="en-US" dirty="0"/>
           </a:p>
         </p:txBody>
       </p:sp>
@@ -5711,7 +5888,7 @@
               <a:pPr>
                 <a:defRPr/>
               </a:pPr>
-              <a:t>26</a:t>
+              <a:t>28</a:t>
             </a:fld>
             <a:endParaRPr lang="en-US"/>
           </a:p>
@@ -5916,7 +6093,7 @@
               <a:pPr>
                 <a:defRPr/>
               </a:pPr>
-              <a:t>4/4/16</a:t>
+              <a:t>4/9/19</a:t>
             </a:fld>
             <a:endParaRPr lang="en-US" dirty="0"/>
           </a:p>
@@ -6108,7 +6285,7 @@
               <a:pPr>
                 <a:defRPr/>
               </a:pPr>
-              <a:t>4/4/16</a:t>
+              <a:t>4/9/19</a:t>
             </a:fld>
             <a:endParaRPr lang="en-US"/>
           </a:p>
@@ -6310,7 +6487,7 @@
               <a:pPr>
                 <a:defRPr/>
               </a:pPr>
-              <a:t>4/4/16</a:t>
+              <a:t>4/9/19</a:t>
             </a:fld>
             <a:endParaRPr lang="en-US"/>
           </a:p>
@@ -6553,7 +6730,7 @@
               <a:pPr>
                 <a:defRPr/>
               </a:pPr>
-              <a:t>4/4/16</a:t>
+              <a:t>4/9/19</a:t>
             </a:fld>
             <a:endParaRPr lang="en-US"/>
           </a:p>
@@ -6858,7 +7035,7 @@
               <a:pPr>
                 <a:defRPr/>
               </a:pPr>
-              <a:t>4/4/16</a:t>
+              <a:t>4/9/19</a:t>
             </a:fld>
             <a:endParaRPr lang="en-US"/>
           </a:p>
@@ -7168,7 +7345,7 @@
               <a:pPr>
                 <a:defRPr/>
               </a:pPr>
-              <a:t>4/4/16</a:t>
+              <a:t>4/9/19</a:t>
             </a:fld>
             <a:endParaRPr lang="en-US"/>
           </a:p>
@@ -7612,7 +7789,7 @@
               <a:pPr>
                 <a:defRPr/>
               </a:pPr>
-              <a:t>4/4/16</a:t>
+              <a:t>4/9/19</a:t>
             </a:fld>
             <a:endParaRPr lang="en-US"/>
           </a:p>
@@ -7752,7 +7929,7 @@
               <a:pPr>
                 <a:defRPr/>
               </a:pPr>
-              <a:t>4/4/16</a:t>
+              <a:t>4/9/19</a:t>
             </a:fld>
             <a:endParaRPr lang="en-US"/>
           </a:p>
@@ -7869,7 +8046,7 @@
               <a:pPr>
                 <a:defRPr/>
               </a:pPr>
-              <a:t>4/4/16</a:t>
+              <a:t>4/9/19</a:t>
             </a:fld>
             <a:endParaRPr lang="en-US"/>
           </a:p>
@@ -8168,7 +8345,7 @@
               <a:pPr>
                 <a:defRPr/>
               </a:pPr>
-              <a:t>4/4/16</a:t>
+              <a:t>4/9/19</a:t>
             </a:fld>
             <a:endParaRPr lang="en-US"/>
           </a:p>
@@ -8446,7 +8623,7 @@
               <a:pPr>
                 <a:defRPr/>
               </a:pPr>
-              <a:t>4/4/16</a:t>
+              <a:t>4/9/19</a:t>
             </a:fld>
             <a:endParaRPr lang="en-US"/>
           </a:p>
@@ -8701,7 +8878,7 @@
               <a:pPr>
                 <a:defRPr/>
               </a:pPr>
-              <a:t>4/4/16</a:t>
+              <a:t>4/9/19</a:t>
             </a:fld>
             <a:endParaRPr lang="en-US" dirty="0"/>
           </a:p>
@@ -9503,23 +9680,7 @@
                   <a:schemeClr val="tx1"/>
                 </a:solidFill>
               </a:rPr>
-              <a:t>Instructor</a:t>
-            </a:r>
-            <a:r>
-              <a:rPr lang="en-US" b="1" dirty="0" smtClean="0">
-                <a:solidFill>
-                  <a:schemeClr val="tx1"/>
-                </a:solidFill>
-              </a:rPr>
-              <a:t>: Chris Callison-</a:t>
-            </a:r>
-            <a:r>
-              <a:rPr lang="en-US" b="1" dirty="0" smtClean="0">
-                <a:solidFill>
-                  <a:schemeClr val="tx1"/>
-                </a:solidFill>
-              </a:rPr>
-              <a:t>Burch</a:t>
+              <a:t>Instructor: Chris Callison-Burch</a:t>
             </a:r>
           </a:p>
           <a:p>
@@ -9591,7 +9752,7 @@
   <p:timing>
     <p:tnLst>
       <p:par>
-        <p:cTn xmlns:p14="http://schemas.microsoft.com/office/powerpoint/2010/main" id="1" dur="indefinite" restart="never" nodeType="tmRoot"/>
+        <p:cTn id="1" dur="indefinite" restart="never" nodeType="tmRoot"/>
       </p:par>
     </p:tnLst>
   </p:timing>
@@ -9599,6 +9760,806 @@
 </file>
 
 <file path=ppt/slides/slide10.xml><?xml version="1.0" encoding="utf-8"?>
+<p:sld xmlns:a="http://schemas.openxmlformats.org/drawingml/2006/main" xmlns:r="http://schemas.openxmlformats.org/officeDocument/2006/relationships" xmlns:p="http://schemas.openxmlformats.org/presentationml/2006/main">
+  <p:cSld>
+    <p:spTree>
+      <p:nvGrpSpPr>
+        <p:cNvPr id="1" name=""/>
+        <p:cNvGrpSpPr/>
+        <p:nvPr/>
+      </p:nvGrpSpPr>
+      <p:grpSpPr>
+        <a:xfrm>
+          <a:off x="0" y="0"/>
+          <a:ext cx="0" cy="0"/>
+          <a:chOff x="0" y="0"/>
+          <a:chExt cx="0" cy="0"/>
+        </a:xfrm>
+      </p:grpSpPr>
+      <p:sp>
+        <p:nvSpPr>
+          <p:cNvPr id="2" name="Title 1"/>
+          <p:cNvSpPr>
+            <a:spLocks noGrp="1"/>
+          </p:cNvSpPr>
+          <p:nvPr>
+            <p:ph type="title"/>
+          </p:nvPr>
+        </p:nvSpPr>
+        <p:spPr/>
+        <p:txBody>
+          <a:bodyPr/>
+          <a:lstStyle/>
+          <a:p>
+            <a:r>
+              <a:rPr lang="en-US" dirty="0" smtClean="0"/>
+              <a:t>Digit Recognition</a:t>
+            </a:r>
+            <a:endParaRPr lang="en-US" dirty="0"/>
+          </a:p>
+        </p:txBody>
+      </p:sp>
+      <p:sp>
+        <p:nvSpPr>
+          <p:cNvPr id="3" name="Content Placeholder 2"/>
+          <p:cNvSpPr>
+            <a:spLocks noGrp="1"/>
+          </p:cNvSpPr>
+          <p:nvPr>
+            <p:ph idx="1"/>
+          </p:nvPr>
+        </p:nvSpPr>
+        <p:spPr/>
+        <p:txBody>
+          <a:bodyPr/>
+          <a:lstStyle/>
+          <a:p>
+            <a:pPr marL="0" indent="0">
+              <a:buNone/>
+            </a:pPr>
+            <a:endParaRPr lang="en-US" dirty="0"/>
+          </a:p>
+          <a:p>
+            <a:endParaRPr lang="en-US" dirty="0" smtClean="0"/>
+          </a:p>
+        </p:txBody>
+      </p:sp>
+      <p:grpSp>
+        <p:nvGrpSpPr>
+          <p:cNvPr id="15" name="Group 14"/>
+          <p:cNvGrpSpPr/>
+          <p:nvPr/>
+        </p:nvGrpSpPr>
+        <p:grpSpPr>
+          <a:xfrm>
+            <a:off x="457200" y="990600"/>
+            <a:ext cx="8382000" cy="707886"/>
+            <a:chOff x="457200" y="1752600"/>
+            <a:chExt cx="8382000" cy="707886"/>
+          </a:xfrm>
+        </p:grpSpPr>
+        <p:sp>
+          <p:nvSpPr>
+            <p:cNvPr id="13" name="TextBox 12"/>
+            <p:cNvSpPr txBox="1"/>
+            <p:nvPr/>
+          </p:nvSpPr>
+          <p:spPr>
+            <a:xfrm>
+              <a:off x="457200" y="1752600"/>
+              <a:ext cx="8382000" cy="707886"/>
+            </a:xfrm>
+            <a:prstGeom prst="rect">
+              <a:avLst/>
+            </a:prstGeom>
+            <a:noFill/>
+          </p:spPr>
+          <p:txBody>
+            <a:bodyPr wrap="square" rtlCol="0">
+              <a:spAutoFit/>
+            </a:bodyPr>
+            <a:lstStyle/>
+            <a:p>
+              <a:r>
+                <a:rPr lang="en-US" sz="4000" dirty="0" smtClean="0"/>
+                <a:t>P(one|       ) =</a:t>
+              </a:r>
+              <a:endParaRPr lang="en-US" sz="4000" dirty="0"/>
+            </a:p>
+          </p:txBody>
+        </p:sp>
+        <p:pic>
+          <p:nvPicPr>
+            <p:cNvPr id="14" name="Picture 5" descr="C:\Users\Scott\Documents\presentations\CLSP KWS talk 2012\waveform.png"/>
+            <p:cNvPicPr>
+              <a:picLocks noChangeAspect="1" noChangeArrowheads="1"/>
+            </p:cNvPicPr>
+            <p:nvPr/>
+          </p:nvPicPr>
+          <p:blipFill>
+            <a:blip r:embed="rId2" cstate="print"/>
+            <a:srcRect/>
+            <a:stretch>
+              <a:fillRect/>
+            </a:stretch>
+          </p:blipFill>
+          <p:spPr bwMode="auto">
+            <a:xfrm>
+              <a:off x="2057400" y="1846896"/>
+              <a:ext cx="914400" cy="579171"/>
+            </a:xfrm>
+            <a:prstGeom prst="rect">
+              <a:avLst/>
+            </a:prstGeom>
+            <a:noFill/>
+          </p:spPr>
+        </p:pic>
+      </p:grpSp>
+    </p:spTree>
+    <p:extLst>
+      <p:ext uri="{BB962C8B-B14F-4D97-AF65-F5344CB8AC3E}">
+        <p14:creationId xmlns:p14="http://schemas.microsoft.com/office/powerpoint/2010/main" val="2982552292"/>
+      </p:ext>
+    </p:extLst>
+  </p:cSld>
+  <p:clrMapOvr>
+    <a:masterClrMapping/>
+  </p:clrMapOvr>
+  <p:timing>
+    <p:tnLst>
+      <p:par>
+        <p:cTn id="1" dur="indefinite" restart="never" nodeType="tmRoot"/>
+      </p:par>
+    </p:tnLst>
+  </p:timing>
+</p:sld>
+</file>
+
+<file path=ppt/slides/slide11.xml><?xml version="1.0" encoding="utf-8"?>
+<p:sld xmlns:a="http://schemas.openxmlformats.org/drawingml/2006/main" xmlns:r="http://schemas.openxmlformats.org/officeDocument/2006/relationships" xmlns:p="http://schemas.openxmlformats.org/presentationml/2006/main">
+  <p:cSld>
+    <p:spTree>
+      <p:nvGrpSpPr>
+        <p:cNvPr id="1" name=""/>
+        <p:cNvGrpSpPr/>
+        <p:nvPr/>
+      </p:nvGrpSpPr>
+      <p:grpSpPr>
+        <a:xfrm>
+          <a:off x="0" y="0"/>
+          <a:ext cx="0" cy="0"/>
+          <a:chOff x="0" y="0"/>
+          <a:chExt cx="0" cy="0"/>
+        </a:xfrm>
+      </p:grpSpPr>
+      <p:sp>
+        <p:nvSpPr>
+          <p:cNvPr id="2" name="Title 1"/>
+          <p:cNvSpPr>
+            <a:spLocks noGrp="1"/>
+          </p:cNvSpPr>
+          <p:nvPr>
+            <p:ph type="title"/>
+          </p:nvPr>
+        </p:nvSpPr>
+        <p:spPr/>
+        <p:txBody>
+          <a:bodyPr/>
+          <a:lstStyle/>
+          <a:p>
+            <a:r>
+              <a:rPr lang="en-US" dirty="0" smtClean="0"/>
+              <a:t>Digit Recognition</a:t>
+            </a:r>
+            <a:endParaRPr lang="en-US" dirty="0"/>
+          </a:p>
+        </p:txBody>
+      </p:sp>
+      <p:sp>
+        <p:nvSpPr>
+          <p:cNvPr id="3" name="Content Placeholder 2"/>
+          <p:cNvSpPr>
+            <a:spLocks noGrp="1"/>
+          </p:cNvSpPr>
+          <p:nvPr>
+            <p:ph idx="1"/>
+          </p:nvPr>
+        </p:nvSpPr>
+        <p:spPr/>
+        <p:txBody>
+          <a:bodyPr/>
+          <a:lstStyle/>
+          <a:p>
+            <a:pPr marL="0" indent="0">
+              <a:buNone/>
+            </a:pPr>
+            <a:endParaRPr lang="en-US" dirty="0"/>
+          </a:p>
+          <a:p>
+            <a:endParaRPr lang="en-US" dirty="0" smtClean="0"/>
+          </a:p>
+        </p:txBody>
+      </p:sp>
+      <p:grpSp>
+        <p:nvGrpSpPr>
+          <p:cNvPr id="21" name="Group 20"/>
+          <p:cNvGrpSpPr/>
+          <p:nvPr/>
+        </p:nvGrpSpPr>
+        <p:grpSpPr>
+          <a:xfrm>
+            <a:off x="457200" y="990600"/>
+            <a:ext cx="8382000" cy="1323439"/>
+            <a:chOff x="457200" y="2492514"/>
+            <a:chExt cx="8382000" cy="1323439"/>
+          </a:xfrm>
+        </p:grpSpPr>
+        <p:grpSp>
+          <p:nvGrpSpPr>
+            <p:cNvPr id="15" name="Group 14"/>
+            <p:cNvGrpSpPr/>
+            <p:nvPr/>
+          </p:nvGrpSpPr>
+          <p:grpSpPr>
+            <a:xfrm>
+              <a:off x="457200" y="2492514"/>
+              <a:ext cx="8382000" cy="1323439"/>
+              <a:chOff x="457200" y="1752600"/>
+              <a:chExt cx="8382000" cy="1323439"/>
+            </a:xfrm>
+          </p:grpSpPr>
+          <p:sp>
+            <p:nvSpPr>
+              <p:cNvPr id="13" name="TextBox 12"/>
+              <p:cNvSpPr txBox="1"/>
+              <p:nvPr/>
+            </p:nvSpPr>
+            <p:spPr>
+              <a:xfrm>
+                <a:off x="457200" y="1752600"/>
+                <a:ext cx="8382000" cy="1323439"/>
+              </a:xfrm>
+              <a:prstGeom prst="rect">
+                <a:avLst/>
+              </a:prstGeom>
+              <a:noFill/>
+            </p:spPr>
+            <p:txBody>
+              <a:bodyPr wrap="square" rtlCol="0">
+                <a:spAutoFit/>
+              </a:bodyPr>
+              <a:lstStyle/>
+              <a:p>
+                <a:r>
+                  <a:rPr lang="en-US" sz="4000" dirty="0" smtClean="0"/>
+                  <a:t>P(one|       ) = P(       |one) P(one)</a:t>
+                </a:r>
+              </a:p>
+              <a:p>
+                <a:r>
+                  <a:rPr lang="en-US" sz="4000" dirty="0"/>
+                  <a:t> </a:t>
+                </a:r>
+                <a:r>
+                  <a:rPr lang="en-US" sz="4000" dirty="0" smtClean="0"/>
+                  <a:t>                               P(       )</a:t>
+                </a:r>
+                <a:endParaRPr lang="en-US" sz="4000" dirty="0"/>
+              </a:p>
+            </p:txBody>
+          </p:sp>
+          <p:pic>
+            <p:nvPicPr>
+              <p:cNvPr id="14" name="Picture 5" descr="C:\Users\Scott\Documents\presentations\CLSP KWS talk 2012\waveform.png"/>
+              <p:cNvPicPr>
+                <a:picLocks noChangeAspect="1" noChangeArrowheads="1"/>
+              </p:cNvPicPr>
+              <p:nvPr/>
+            </p:nvPicPr>
+            <p:blipFill>
+              <a:blip r:embed="rId2" cstate="print"/>
+              <a:srcRect/>
+              <a:stretch>
+                <a:fillRect/>
+              </a:stretch>
+            </p:blipFill>
+            <p:spPr bwMode="auto">
+              <a:xfrm>
+                <a:off x="2057400" y="1846896"/>
+                <a:ext cx="914400" cy="579171"/>
+              </a:xfrm>
+              <a:prstGeom prst="rect">
+                <a:avLst/>
+              </a:prstGeom>
+              <a:noFill/>
+            </p:spPr>
+          </p:pic>
+        </p:grpSp>
+        <p:pic>
+          <p:nvPicPr>
+            <p:cNvPr id="16" name="Picture 5" descr="C:\Users\Scott\Documents\presentations\CLSP KWS talk 2012\waveform.png"/>
+            <p:cNvPicPr>
+              <a:picLocks noChangeAspect="1" noChangeArrowheads="1"/>
+            </p:cNvPicPr>
+            <p:nvPr/>
+          </p:nvPicPr>
+          <p:blipFill>
+            <a:blip r:embed="rId2" cstate="print"/>
+            <a:srcRect/>
+            <a:stretch>
+              <a:fillRect/>
+            </a:stretch>
+          </p:blipFill>
+          <p:spPr bwMode="auto">
+            <a:xfrm>
+              <a:off x="4343400" y="2590800"/>
+              <a:ext cx="914400" cy="579171"/>
+            </a:xfrm>
+            <a:prstGeom prst="rect">
+              <a:avLst/>
+            </a:prstGeom>
+            <a:noFill/>
+          </p:spPr>
+        </p:pic>
+        <p:pic>
+          <p:nvPicPr>
+            <p:cNvPr id="17" name="Picture 5" descr="C:\Users\Scott\Documents\presentations\CLSP KWS talk 2012\waveform.png"/>
+            <p:cNvPicPr>
+              <a:picLocks noChangeAspect="1" noChangeArrowheads="1"/>
+            </p:cNvPicPr>
+            <p:nvPr/>
+          </p:nvPicPr>
+          <p:blipFill>
+            <a:blip r:embed="rId2" cstate="print"/>
+            <a:srcRect/>
+            <a:stretch>
+              <a:fillRect/>
+            </a:stretch>
+          </p:blipFill>
+          <p:spPr bwMode="auto">
+            <a:xfrm>
+              <a:off x="5638800" y="3200400"/>
+              <a:ext cx="914400" cy="579171"/>
+            </a:xfrm>
+            <a:prstGeom prst="rect">
+              <a:avLst/>
+            </a:prstGeom>
+            <a:noFill/>
+          </p:spPr>
+        </p:pic>
+        <p:cxnSp>
+          <p:nvCxnSpPr>
+            <p:cNvPr id="19" name="Straight Connector 18"/>
+            <p:cNvCxnSpPr/>
+            <p:nvPr/>
+          </p:nvCxnSpPr>
+          <p:spPr>
+            <a:xfrm>
+              <a:off x="3810000" y="3200400"/>
+              <a:ext cx="4267200" cy="0"/>
+            </a:xfrm>
+            <a:prstGeom prst="line">
+              <a:avLst/>
+            </a:prstGeom>
+            <a:ln w="38100">
+              <a:solidFill>
+                <a:schemeClr val="tx1"/>
+              </a:solidFill>
+            </a:ln>
+          </p:spPr>
+          <p:style>
+            <a:lnRef idx="1">
+              <a:schemeClr val="accent1"/>
+            </a:lnRef>
+            <a:fillRef idx="0">
+              <a:schemeClr val="accent1"/>
+            </a:fillRef>
+            <a:effectRef idx="0">
+              <a:schemeClr val="accent1"/>
+            </a:effectRef>
+            <a:fontRef idx="minor">
+              <a:schemeClr val="tx1"/>
+            </a:fontRef>
+          </p:style>
+        </p:cxnSp>
+      </p:grpSp>
+    </p:spTree>
+    <p:extLst>
+      <p:ext uri="{BB962C8B-B14F-4D97-AF65-F5344CB8AC3E}">
+        <p14:creationId xmlns:p14="http://schemas.microsoft.com/office/powerpoint/2010/main" val="1546639689"/>
+      </p:ext>
+    </p:extLst>
+  </p:cSld>
+  <p:clrMapOvr>
+    <a:masterClrMapping/>
+  </p:clrMapOvr>
+  <p:timing>
+    <p:tnLst>
+      <p:par>
+        <p:cTn id="1" dur="indefinite" restart="never" nodeType="tmRoot"/>
+      </p:par>
+    </p:tnLst>
+  </p:timing>
+</p:sld>
+</file>
+
+<file path=ppt/slides/slide12.xml><?xml version="1.0" encoding="utf-8"?>
+<p:sld xmlns:a="http://schemas.openxmlformats.org/drawingml/2006/main" xmlns:r="http://schemas.openxmlformats.org/officeDocument/2006/relationships" xmlns:p="http://schemas.openxmlformats.org/presentationml/2006/main">
+  <p:cSld>
+    <p:spTree>
+      <p:nvGrpSpPr>
+        <p:cNvPr id="1" name=""/>
+        <p:cNvGrpSpPr/>
+        <p:nvPr/>
+      </p:nvGrpSpPr>
+      <p:grpSpPr>
+        <a:xfrm>
+          <a:off x="0" y="0"/>
+          <a:ext cx="0" cy="0"/>
+          <a:chOff x="0" y="0"/>
+          <a:chExt cx="0" cy="0"/>
+        </a:xfrm>
+      </p:grpSpPr>
+      <p:sp>
+        <p:nvSpPr>
+          <p:cNvPr id="2" name="Title 1"/>
+          <p:cNvSpPr>
+            <a:spLocks noGrp="1"/>
+          </p:cNvSpPr>
+          <p:nvPr>
+            <p:ph type="title"/>
+          </p:nvPr>
+        </p:nvSpPr>
+        <p:spPr/>
+        <p:txBody>
+          <a:bodyPr/>
+          <a:lstStyle/>
+          <a:p>
+            <a:r>
+              <a:rPr lang="en-US" dirty="0" smtClean="0"/>
+              <a:t>Digit Recognition</a:t>
+            </a:r>
+            <a:endParaRPr lang="en-US" dirty="0"/>
+          </a:p>
+        </p:txBody>
+      </p:sp>
+      <p:sp>
+        <p:nvSpPr>
+          <p:cNvPr id="3" name="Content Placeholder 2"/>
+          <p:cNvSpPr>
+            <a:spLocks noGrp="1"/>
+          </p:cNvSpPr>
+          <p:nvPr>
+            <p:ph idx="1"/>
+          </p:nvPr>
+        </p:nvSpPr>
+        <p:spPr/>
+        <p:txBody>
+          <a:bodyPr/>
+          <a:lstStyle/>
+          <a:p>
+            <a:pPr marL="0" indent="0">
+              <a:buNone/>
+            </a:pPr>
+            <a:endParaRPr lang="en-US" dirty="0"/>
+          </a:p>
+          <a:p>
+            <a:endParaRPr lang="en-US" dirty="0" smtClean="0"/>
+          </a:p>
+        </p:txBody>
+      </p:sp>
+      <p:grpSp>
+        <p:nvGrpSpPr>
+          <p:cNvPr id="21" name="Group 20"/>
+          <p:cNvGrpSpPr/>
+          <p:nvPr/>
+        </p:nvGrpSpPr>
+        <p:grpSpPr>
+          <a:xfrm>
+            <a:off x="457200" y="990600"/>
+            <a:ext cx="8382000" cy="1323439"/>
+            <a:chOff x="457200" y="2492514"/>
+            <a:chExt cx="8382000" cy="1323439"/>
+          </a:xfrm>
+        </p:grpSpPr>
+        <p:grpSp>
+          <p:nvGrpSpPr>
+            <p:cNvPr id="15" name="Group 14"/>
+            <p:cNvGrpSpPr/>
+            <p:nvPr/>
+          </p:nvGrpSpPr>
+          <p:grpSpPr>
+            <a:xfrm>
+              <a:off x="457200" y="2492514"/>
+              <a:ext cx="8382000" cy="1323439"/>
+              <a:chOff x="457200" y="1752600"/>
+              <a:chExt cx="8382000" cy="1323439"/>
+            </a:xfrm>
+          </p:grpSpPr>
+          <p:sp>
+            <p:nvSpPr>
+              <p:cNvPr id="13" name="TextBox 12"/>
+              <p:cNvSpPr txBox="1"/>
+              <p:nvPr/>
+            </p:nvSpPr>
+            <p:spPr>
+              <a:xfrm>
+                <a:off x="457200" y="1752600"/>
+                <a:ext cx="8382000" cy="1323439"/>
+              </a:xfrm>
+              <a:prstGeom prst="rect">
+                <a:avLst/>
+              </a:prstGeom>
+              <a:noFill/>
+            </p:spPr>
+            <p:txBody>
+              <a:bodyPr wrap="square" rtlCol="0">
+                <a:spAutoFit/>
+              </a:bodyPr>
+              <a:lstStyle/>
+              <a:p>
+                <a:r>
+                  <a:rPr lang="en-US" sz="4000" dirty="0" smtClean="0"/>
+                  <a:t>P(one|       ) = P(       |one) P(one)</a:t>
+                </a:r>
+              </a:p>
+              <a:p>
+                <a:r>
+                  <a:rPr lang="en-US" sz="4000" dirty="0"/>
+                  <a:t> </a:t>
+                </a:r>
+                <a:r>
+                  <a:rPr lang="en-US" sz="4000" dirty="0" smtClean="0"/>
+                  <a:t>                               </a:t>
+                </a:r>
+                <a:endParaRPr lang="en-US" sz="4000" dirty="0"/>
+              </a:p>
+            </p:txBody>
+          </p:sp>
+          <p:pic>
+            <p:nvPicPr>
+              <p:cNvPr id="14" name="Picture 5" descr="C:\Users\Scott\Documents\presentations\CLSP KWS talk 2012\waveform.png"/>
+              <p:cNvPicPr>
+                <a:picLocks noChangeAspect="1" noChangeArrowheads="1"/>
+              </p:cNvPicPr>
+              <p:nvPr/>
+            </p:nvPicPr>
+            <p:blipFill>
+              <a:blip r:embed="rId2" cstate="print"/>
+              <a:srcRect/>
+              <a:stretch>
+                <a:fillRect/>
+              </a:stretch>
+            </p:blipFill>
+            <p:spPr bwMode="auto">
+              <a:xfrm>
+                <a:off x="2057400" y="1846896"/>
+                <a:ext cx="914400" cy="579171"/>
+              </a:xfrm>
+              <a:prstGeom prst="rect">
+                <a:avLst/>
+              </a:prstGeom>
+              <a:noFill/>
+            </p:spPr>
+          </p:pic>
+        </p:grpSp>
+        <p:pic>
+          <p:nvPicPr>
+            <p:cNvPr id="16" name="Picture 5" descr="C:\Users\Scott\Documents\presentations\CLSP KWS talk 2012\waveform.png"/>
+            <p:cNvPicPr>
+              <a:picLocks noChangeAspect="1" noChangeArrowheads="1"/>
+            </p:cNvPicPr>
+            <p:nvPr/>
+          </p:nvPicPr>
+          <p:blipFill>
+            <a:blip r:embed="rId2" cstate="print"/>
+            <a:srcRect/>
+            <a:stretch>
+              <a:fillRect/>
+            </a:stretch>
+          </p:blipFill>
+          <p:spPr bwMode="auto">
+            <a:xfrm>
+              <a:off x="4343400" y="2590800"/>
+              <a:ext cx="914400" cy="579171"/>
+            </a:xfrm>
+            <a:prstGeom prst="rect">
+              <a:avLst/>
+            </a:prstGeom>
+            <a:noFill/>
+          </p:spPr>
+        </p:pic>
+      </p:grpSp>
+      <p:sp>
+        <p:nvSpPr>
+          <p:cNvPr id="18" name="Rectangle 17"/>
+          <p:cNvSpPr/>
+          <p:nvPr/>
+        </p:nvSpPr>
+        <p:spPr>
+          <a:xfrm>
+            <a:off x="3733800" y="1088885"/>
+            <a:ext cx="2743200" cy="563433"/>
+          </a:xfrm>
+          <a:prstGeom prst="rect">
+            <a:avLst/>
+          </a:prstGeom>
+          <a:solidFill>
+            <a:srgbClr val="FFC000">
+              <a:alpha val="51000"/>
+            </a:srgbClr>
+          </a:solidFill>
+          <a:ln>
+            <a:solidFill>
+              <a:schemeClr val="tx1"/>
+            </a:solidFill>
+          </a:ln>
+        </p:spPr>
+        <p:style>
+          <a:lnRef idx="2">
+            <a:schemeClr val="accent1">
+              <a:shade val="50000"/>
+            </a:schemeClr>
+          </a:lnRef>
+          <a:fillRef idx="1">
+            <a:schemeClr val="accent1"/>
+          </a:fillRef>
+          <a:effectRef idx="0">
+            <a:schemeClr val="accent1"/>
+          </a:effectRef>
+          <a:fontRef idx="minor">
+            <a:schemeClr val="lt1"/>
+          </a:fontRef>
+        </p:style>
+        <p:txBody>
+          <a:bodyPr rtlCol="0" anchor="ctr"/>
+          <a:lstStyle/>
+          <a:p>
+            <a:pPr algn="ctr"/>
+            <a:endParaRPr lang="en-US"/>
+          </a:p>
+        </p:txBody>
+      </p:sp>
+      <p:sp>
+        <p:nvSpPr>
+          <p:cNvPr id="20" name="Rectangle 19"/>
+          <p:cNvSpPr/>
+          <p:nvPr/>
+        </p:nvSpPr>
+        <p:spPr>
+          <a:xfrm>
+            <a:off x="6553200" y="1084896"/>
+            <a:ext cx="1676400" cy="567422"/>
+          </a:xfrm>
+          <a:prstGeom prst="rect">
+            <a:avLst/>
+          </a:prstGeom>
+          <a:solidFill>
+            <a:srgbClr val="92D050">
+              <a:alpha val="51000"/>
+            </a:srgbClr>
+          </a:solidFill>
+          <a:ln>
+            <a:solidFill>
+              <a:schemeClr val="tx1"/>
+            </a:solidFill>
+          </a:ln>
+        </p:spPr>
+        <p:style>
+          <a:lnRef idx="2">
+            <a:schemeClr val="accent1">
+              <a:shade val="50000"/>
+            </a:schemeClr>
+          </a:lnRef>
+          <a:fillRef idx="1">
+            <a:schemeClr val="accent1"/>
+          </a:fillRef>
+          <a:effectRef idx="0">
+            <a:schemeClr val="accent1"/>
+          </a:effectRef>
+          <a:fontRef idx="minor">
+            <a:schemeClr val="lt1"/>
+          </a:fontRef>
+        </p:style>
+        <p:txBody>
+          <a:bodyPr rtlCol="0" anchor="ctr"/>
+          <a:lstStyle/>
+          <a:p>
+            <a:pPr algn="ctr"/>
+            <a:endParaRPr lang="en-US"/>
+          </a:p>
+        </p:txBody>
+      </p:sp>
+      <p:sp>
+        <p:nvSpPr>
+          <p:cNvPr id="24" name="TextBox 23"/>
+          <p:cNvSpPr txBox="1"/>
+          <p:nvPr/>
+        </p:nvSpPr>
+        <p:spPr>
+          <a:xfrm>
+            <a:off x="3685847" y="1824335"/>
+            <a:ext cx="2839106" cy="461665"/>
+          </a:xfrm>
+          <a:prstGeom prst="rect">
+            <a:avLst/>
+          </a:prstGeom>
+          <a:noFill/>
+        </p:spPr>
+        <p:txBody>
+          <a:bodyPr wrap="square" rtlCol="0">
+            <a:spAutoFit/>
+          </a:bodyPr>
+          <a:lstStyle/>
+          <a:p>
+            <a:pPr algn="ctr"/>
+            <a:r>
+              <a:rPr lang="en-US" sz="2400" b="1" dirty="0" smtClean="0"/>
+              <a:t>Acoustic Model</a:t>
+            </a:r>
+            <a:endParaRPr lang="en-US" sz="2400" b="1" dirty="0"/>
+          </a:p>
+        </p:txBody>
+      </p:sp>
+      <p:sp>
+        <p:nvSpPr>
+          <p:cNvPr id="26" name="TextBox 25"/>
+          <p:cNvSpPr txBox="1"/>
+          <p:nvPr/>
+        </p:nvSpPr>
+        <p:spPr>
+          <a:xfrm>
+            <a:off x="6572906" y="1828800"/>
+            <a:ext cx="1636988" cy="830997"/>
+          </a:xfrm>
+          <a:prstGeom prst="rect">
+            <a:avLst/>
+          </a:prstGeom>
+          <a:noFill/>
+        </p:spPr>
+        <p:txBody>
+          <a:bodyPr wrap="none" rtlCol="0">
+            <a:spAutoFit/>
+          </a:bodyPr>
+          <a:lstStyle/>
+          <a:p>
+            <a:pPr algn="ctr"/>
+            <a:r>
+              <a:rPr lang="en-US" sz="2400" b="1" dirty="0" smtClean="0"/>
+              <a:t>Language</a:t>
+            </a:r>
+          </a:p>
+          <a:p>
+            <a:pPr algn="ctr"/>
+            <a:r>
+              <a:rPr lang="en-US" sz="2400" b="1" dirty="0" smtClean="0"/>
+              <a:t>Model</a:t>
+            </a:r>
+            <a:endParaRPr lang="en-US" sz="2400" b="1" dirty="0"/>
+          </a:p>
+        </p:txBody>
+      </p:sp>
+    </p:spTree>
+    <p:extLst>
+      <p:ext uri="{BB962C8B-B14F-4D97-AF65-F5344CB8AC3E}">
+        <p14:creationId xmlns:p14="http://schemas.microsoft.com/office/powerpoint/2010/main" val="2328317698"/>
+      </p:ext>
+    </p:extLst>
+  </p:cSld>
+  <p:clrMapOvr>
+    <a:masterClrMapping/>
+  </p:clrMapOvr>
+  <p:timing>
+    <p:tnLst>
+      <p:par>
+        <p:cTn id="1" dur="indefinite" restart="never" nodeType="tmRoot"/>
+      </p:par>
+    </p:tnLst>
+  </p:timing>
+</p:sld>
+</file>
+
+<file path=ppt/slides/slide13.xml><?xml version="1.0" encoding="utf-8"?>
 <p:sld xmlns:a="http://schemas.openxmlformats.org/drawingml/2006/main" xmlns:r="http://schemas.openxmlformats.org/officeDocument/2006/relationships" xmlns:p="http://schemas.openxmlformats.org/presentationml/2006/main">
   <p:cSld>
     <p:spTree>
@@ -10042,14 +11003,14 @@
   <p:timing>
     <p:tnLst>
       <p:par>
-        <p:cTn xmlns:p14="http://schemas.microsoft.com/office/powerpoint/2010/main" id="1" dur="indefinite" restart="never" nodeType="tmRoot"/>
+        <p:cTn id="1" dur="indefinite" restart="never" nodeType="tmRoot"/>
       </p:par>
     </p:tnLst>
   </p:timing>
 </p:sld>
 </file>
 
-<file path=ppt/slides/slide11.xml><?xml version="1.0" encoding="utf-8"?>
+<file path=ppt/slides/slide14.xml><?xml version="1.0" encoding="utf-8"?>
 <p:sld xmlns:a="http://schemas.openxmlformats.org/drawingml/2006/main" xmlns:r="http://schemas.openxmlformats.org/officeDocument/2006/relationships" xmlns:p="http://schemas.openxmlformats.org/presentationml/2006/main">
   <p:cSld>
     <p:spTree>
@@ -10717,14 +11678,14 @@
   <p:timing>
     <p:tnLst>
       <p:par>
-        <p:cTn xmlns:p14="http://schemas.microsoft.com/office/powerpoint/2010/main" id="1" dur="indefinite" restart="never" nodeType="tmRoot"/>
+        <p:cTn id="1" dur="indefinite" restart="never" nodeType="tmRoot"/>
       </p:par>
     </p:tnLst>
   </p:timing>
 </p:sld>
 </file>
 
-<file path=ppt/slides/slide12.xml><?xml version="1.0" encoding="utf-8"?>
+<file path=ppt/slides/slide15.xml><?xml version="1.0" encoding="utf-8"?>
 <p:sld xmlns:a="http://schemas.openxmlformats.org/drawingml/2006/main" xmlns:r="http://schemas.openxmlformats.org/officeDocument/2006/relationships" xmlns:p="http://schemas.openxmlformats.org/presentationml/2006/main">
   <p:cSld>
     <p:spTree>
@@ -11438,14 +12399,14 @@
   <p:timing>
     <p:tnLst>
       <p:par>
-        <p:cTn xmlns:p14="http://schemas.microsoft.com/office/powerpoint/2010/main" id="1" dur="indefinite" restart="never" nodeType="tmRoot"/>
+        <p:cTn id="1" dur="indefinite" restart="never" nodeType="tmRoot"/>
       </p:par>
     </p:tnLst>
   </p:timing>
 </p:sld>
 </file>
 
-<file path=ppt/slides/slide13.xml><?xml version="1.0" encoding="utf-8"?>
+<file path=ppt/slides/slide16.xml><?xml version="1.0" encoding="utf-8"?>
 <p:sld xmlns:a="http://schemas.openxmlformats.org/drawingml/2006/main" xmlns:r="http://schemas.openxmlformats.org/officeDocument/2006/relationships" xmlns:p="http://schemas.openxmlformats.org/presentationml/2006/main">
   <p:cSld>
     <p:spTree>
@@ -11497,7 +12458,7 @@
         </p:nvGraphicFramePr>
         <p:xfrm>
           <a:off x="2" y="1219201"/>
-          <a:ext cx="8915397" cy="1715898"/>
+          <a:ext cx="8915397" cy="1715899"/>
         </p:xfrm>
         <a:graphic>
           <a:graphicData uri="http://schemas.openxmlformats.org/drawingml/2006/table">
@@ -12336,14 +13297,14 @@
   <p:timing>
     <p:tnLst>
       <p:par>
-        <p:cTn xmlns:p14="http://schemas.microsoft.com/office/powerpoint/2010/main" id="1" dur="indefinite" restart="never" nodeType="tmRoot"/>
+        <p:cTn id="1" dur="indefinite" restart="never" nodeType="tmRoot"/>
       </p:par>
     </p:tnLst>
   </p:timing>
 </p:sld>
 </file>
 
-<file path=ppt/slides/slide14.xml><?xml version="1.0" encoding="utf-8"?>
+<file path=ppt/slides/slide17.xml><?xml version="1.0" encoding="utf-8"?>
 <p:sld xmlns:a="http://schemas.openxmlformats.org/drawingml/2006/main" xmlns:r="http://schemas.openxmlformats.org/officeDocument/2006/relationships" xmlns:p="http://schemas.openxmlformats.org/presentationml/2006/main">
   <p:cSld>
     <p:spTree>
@@ -12395,7 +13356,7 @@
         </p:nvGraphicFramePr>
         <p:xfrm>
           <a:off x="2" y="1219201"/>
-          <a:ext cx="8915397" cy="1715898"/>
+          <a:ext cx="8915397" cy="1715899"/>
         </p:xfrm>
         <a:graphic>
           <a:graphicData uri="http://schemas.openxmlformats.org/drawingml/2006/table">
@@ -13282,14 +14243,14 @@
   <p:timing>
     <p:tnLst>
       <p:par>
-        <p:cTn xmlns:p14="http://schemas.microsoft.com/office/powerpoint/2010/main" id="1" dur="indefinite" restart="never" nodeType="tmRoot"/>
+        <p:cTn id="1" dur="indefinite" restart="never" nodeType="tmRoot"/>
       </p:par>
     </p:tnLst>
   </p:timing>
 </p:sld>
 </file>
 
-<file path=ppt/slides/slide15.xml><?xml version="1.0" encoding="utf-8"?>
+<file path=ppt/slides/slide18.xml><?xml version="1.0" encoding="utf-8"?>
 <p:sld xmlns:a="http://schemas.openxmlformats.org/drawingml/2006/main" xmlns:r="http://schemas.openxmlformats.org/officeDocument/2006/relationships" xmlns:p="http://schemas.openxmlformats.org/presentationml/2006/main">
   <p:cSld>
     <p:spTree>
@@ -13341,7 +14302,7 @@
         </p:nvGraphicFramePr>
         <p:xfrm>
           <a:off x="2" y="1219201"/>
-          <a:ext cx="8915397" cy="1715898"/>
+          <a:ext cx="8915397" cy="1715899"/>
         </p:xfrm>
         <a:graphic>
           <a:graphicData uri="http://schemas.openxmlformats.org/drawingml/2006/table">
@@ -14260,14 +15221,14 @@
   <p:timing>
     <p:tnLst>
       <p:par>
-        <p:cTn xmlns:p14="http://schemas.microsoft.com/office/powerpoint/2010/main" id="1" dur="indefinite" restart="never" nodeType="tmRoot"/>
+        <p:cTn id="1" dur="indefinite" restart="never" nodeType="tmRoot"/>
       </p:par>
     </p:tnLst>
   </p:timing>
 </p:sld>
 </file>
 
-<file path=ppt/slides/slide16.xml><?xml version="1.0" encoding="utf-8"?>
+<file path=ppt/slides/slide19.xml><?xml version="1.0" encoding="utf-8"?>
 <p:sld xmlns:a="http://schemas.openxmlformats.org/drawingml/2006/main" xmlns:r="http://schemas.openxmlformats.org/officeDocument/2006/relationships" xmlns:p="http://schemas.openxmlformats.org/presentationml/2006/main">
   <p:cSld>
     <p:spTree>
@@ -14319,7 +15280,7 @@
         </p:nvGraphicFramePr>
         <p:xfrm>
           <a:off x="2" y="1219201"/>
-          <a:ext cx="8915397" cy="1715898"/>
+          <a:ext cx="8915397" cy="1715899"/>
         </p:xfrm>
         <a:graphic>
           <a:graphicData uri="http://schemas.openxmlformats.org/drawingml/2006/table">
@@ -15246,7 +16207,7 @@
           <a:graphicData uri="http://schemas.openxmlformats.org/presentationml/2006/ole">
             <mc:AlternateContent xmlns:mc="http://schemas.openxmlformats.org/markup-compatibility/2006">
               <mc:Choice xmlns:v="urn:schemas-microsoft-com:vml" Requires="v">
-                <p:oleObj spid="_x0000_s251918" name="Equation" r:id="rId3" imgW="2616120" imgH="419040" progId="Equation.3">
+                <p:oleObj spid="_x0000_s251925" name="Equation" r:id="rId3" imgW="2616120" imgH="419040" progId="Equation.3">
                   <p:embed/>
                 </p:oleObj>
               </mc:Choice>
@@ -15285,7 +16246,7 @@
                       <a:noFill/>
                       <a:extLst>
                         <a:ext uri="{909E8E84-426E-40dd-AFC4-6F175D3DCCD1}">
-                          <a14:hiddenFill xmlns:a14="http://schemas.microsoft.com/office/drawing/2010/main">
+                          <a14:hiddenFill xmlns:a14="http://schemas.microsoft.com/office/drawing/2010/main" xmlns="">
                             <a:solidFill>
                               <a:srgbClr val="FFFFFF"/>
                             </a:solidFill>
@@ -15308,14 +16269,316 @@
   <p:timing>
     <p:tnLst>
       <p:par>
-        <p:cTn xmlns:p14="http://schemas.microsoft.com/office/powerpoint/2010/main" id="1" dur="indefinite" restart="never" nodeType="tmRoot"/>
+        <p:cTn id="1" dur="indefinite" restart="never" nodeType="tmRoot"/>
       </p:par>
     </p:tnLst>
   </p:timing>
 </p:sld>
 </file>
 
-<file path=ppt/slides/slide17.xml><?xml version="1.0" encoding="utf-8"?>
+<file path=ppt/slides/slide2.xml><?xml version="1.0" encoding="utf-8"?>
+<p:sld xmlns:a="http://schemas.openxmlformats.org/drawingml/2006/main" xmlns:r="http://schemas.openxmlformats.org/officeDocument/2006/relationships" xmlns:p="http://schemas.openxmlformats.org/presentationml/2006/main">
+  <p:cSld>
+    <p:spTree>
+      <p:nvGrpSpPr>
+        <p:cNvPr id="1" name=""/>
+        <p:cNvGrpSpPr/>
+        <p:nvPr/>
+      </p:nvGrpSpPr>
+      <p:grpSpPr>
+        <a:xfrm>
+          <a:off x="0" y="0"/>
+          <a:ext cx="0" cy="0"/>
+          <a:chOff x="0" y="0"/>
+          <a:chExt cx="0" cy="0"/>
+        </a:xfrm>
+      </p:grpSpPr>
+      <p:sp>
+        <p:nvSpPr>
+          <p:cNvPr id="2" name="Title 1"/>
+          <p:cNvSpPr>
+            <a:spLocks noGrp="1"/>
+          </p:cNvSpPr>
+          <p:nvPr>
+            <p:ph type="title"/>
+          </p:nvPr>
+        </p:nvSpPr>
+        <p:spPr/>
+        <p:txBody>
+          <a:bodyPr/>
+          <a:lstStyle/>
+          <a:p>
+            <a:r>
+              <a:rPr lang="en-US" dirty="0" smtClean="0"/>
+              <a:t>Mismatched Transcription</a:t>
+            </a:r>
+            <a:endParaRPr lang="en-US" dirty="0"/>
+          </a:p>
+        </p:txBody>
+      </p:sp>
+      <p:sp>
+        <p:nvSpPr>
+          <p:cNvPr id="3" name="Content Placeholder 2"/>
+          <p:cNvSpPr>
+            <a:spLocks noGrp="1"/>
+          </p:cNvSpPr>
+          <p:nvPr>
+            <p:ph idx="1"/>
+          </p:nvPr>
+        </p:nvSpPr>
+        <p:spPr/>
+        <p:txBody>
+          <a:bodyPr/>
+          <a:lstStyle/>
+          <a:p>
+            <a:r>
+              <a:rPr lang="en-US" dirty="0" smtClean="0"/>
+              <a:t>Can you transcribe Amharic? </a:t>
+            </a:r>
+          </a:p>
+          <a:p>
+            <a:r>
+              <a:rPr lang="en-US" dirty="0">
+                <a:hlinkClick r:id="rId3"/>
+              </a:rPr>
+              <a:t>http://</a:t>
+            </a:r>
+            <a:r>
+              <a:rPr lang="en-US" dirty="0" smtClean="0">
+                <a:hlinkClick r:id="rId3"/>
+              </a:rPr>
+              <a:t>audiomedia-sbs.akamaized.net/amharic_140901_358057.mp3</a:t>
+            </a:r>
+            <a:endParaRPr lang="en-US" dirty="0" smtClean="0"/>
+          </a:p>
+          <a:p>
+            <a:r>
+              <a:rPr lang="mr-IN" dirty="0"/>
+              <a:t>"amharic_140901_358057-10" : { "</a:t>
+            </a:r>
+            <a:r>
+              <a:rPr lang="mr-IN" dirty="0" err="1"/>
+              <a:t>amharic</a:t>
+            </a:r>
+            <a:r>
+              <a:rPr lang="mr-IN" dirty="0"/>
+              <a:t>" : [ "</a:t>
+            </a:r>
+            <a:r>
+              <a:rPr lang="mr-IN" dirty="0" err="1"/>
+              <a:t>የቆየ</a:t>
+            </a:r>
+            <a:r>
+              <a:rPr lang="mr-IN" dirty="0"/>
+              <a:t> </a:t>
+            </a:r>
+            <a:r>
+              <a:rPr lang="mr-IN" dirty="0" err="1"/>
+              <a:t>ታሪክ</a:t>
+            </a:r>
+            <a:r>
+              <a:rPr lang="mr-IN" dirty="0"/>
+              <a:t> </a:t>
+            </a:r>
+            <a:r>
+              <a:rPr lang="mr-IN" dirty="0" err="1"/>
+              <a:t>ትምህርት</a:t>
+            </a:r>
+            <a:r>
+              <a:rPr lang="mr-IN" dirty="0"/>
+              <a:t> </a:t>
+            </a:r>
+            <a:r>
+              <a:rPr lang="mr-IN" dirty="0" err="1"/>
+              <a:t>ዘመናዊ</a:t>
+            </a:r>
+            <a:r>
+              <a:rPr lang="mr-IN" dirty="0"/>
+              <a:t> </a:t>
+            </a:r>
+            <a:r>
+              <a:rPr lang="mr-IN" dirty="0" err="1"/>
+              <a:t>ትምህርት</a:t>
+            </a:r>
+            <a:r>
+              <a:rPr lang="mr-IN" dirty="0"/>
+              <a:t> </a:t>
+            </a:r>
+            <a:r>
+              <a:rPr lang="mr-IN" dirty="0" err="1"/>
+              <a:t>ብሎ</a:t>
+            </a:r>
+            <a:r>
+              <a:rPr lang="mr-IN" dirty="0"/>
+              <a:t> </a:t>
+            </a:r>
+            <a:r>
+              <a:rPr lang="mr-IN" dirty="0" err="1"/>
+              <a:t>በኢትዮጲያ</a:t>
+            </a:r>
+            <a:r>
+              <a:rPr lang="mr-IN" dirty="0"/>
+              <a:t> </a:t>
+            </a:r>
+            <a:r>
+              <a:rPr lang="mr-IN" dirty="0" err="1"/>
+              <a:t>ውስጥ</a:t>
+            </a:r>
+            <a:r>
+              <a:rPr lang="mr-IN" dirty="0"/>
+              <a:t> </a:t>
+            </a:r>
+            <a:r>
+              <a:rPr lang="mr-IN" dirty="0" err="1"/>
+              <a:t>ከተጀመረ</a:t>
+            </a:r>
+            <a:r>
+              <a:rPr lang="mr-IN" dirty="0"/>
+              <a:t> </a:t>
+            </a:r>
+            <a:r>
+              <a:rPr lang="mr-IN" dirty="0" err="1"/>
+              <a:t>ጊዜ</a:t>
+            </a:r>
+            <a:r>
+              <a:rPr lang="mr-IN" dirty="0"/>
+              <a:t> </a:t>
+            </a:r>
+            <a:r>
+              <a:rPr lang="mr-IN" dirty="0" err="1"/>
+              <a:t>ጀምሮ</a:t>
+            </a:r>
+            <a:r>
+              <a:rPr lang="mr-IN" dirty="0"/>
+              <a:t> </a:t>
+            </a:r>
+            <a:r>
+              <a:rPr lang="mr-IN" dirty="0" err="1"/>
+              <a:t>በምእራባውያኑ</a:t>
+            </a:r>
+            <a:r>
+              <a:rPr lang="mr-IN" dirty="0"/>
+              <a:t>" ] }, </a:t>
+            </a:r>
+            <a:endParaRPr lang="en-US" dirty="0" smtClean="0"/>
+          </a:p>
+          <a:p>
+            <a:r>
+              <a:rPr lang="en-US" dirty="0"/>
+              <a:t>"amharic_140901_358057-10_part-2" : { "</a:t>
+            </a:r>
+            <a:r>
+              <a:rPr lang="en-US" dirty="0" err="1"/>
+              <a:t>english</a:t>
+            </a:r>
+            <a:r>
+              <a:rPr lang="en-US" dirty="0"/>
+              <a:t>" : [ "</a:t>
+            </a:r>
+            <a:r>
+              <a:rPr lang="en-US" dirty="0" err="1"/>
+              <a:t>itsamastbilibo</a:t>
+            </a:r>
+            <a:r>
+              <a:rPr lang="en-US" dirty="0"/>
+              <a:t>", "</a:t>
+            </a:r>
+            <a:r>
+              <a:rPr lang="en-US" dirty="0" err="1"/>
+              <a:t>itsamostcabiloban</a:t>
+            </a:r>
+            <a:r>
+              <a:rPr lang="en-US" dirty="0"/>
+              <a:t>", "</a:t>
+            </a:r>
+            <a:r>
+              <a:rPr lang="en-US" dirty="0" err="1"/>
+              <a:t>indamutsseyinlokeawtsoa</a:t>
+            </a:r>
+            <a:r>
+              <a:rPr lang="en-US" dirty="0"/>
+              <a:t>", "</a:t>
+            </a:r>
+            <a:r>
+              <a:rPr lang="en-US" dirty="0" err="1"/>
+              <a:t>ifadisimmilakof</a:t>
+            </a:r>
+            <a:r>
+              <a:rPr lang="en-US" dirty="0"/>
+              <a:t>", "</a:t>
+            </a:r>
+            <a:r>
+              <a:rPr lang="en-US" dirty="0" err="1"/>
+              <a:t>itumahtutaloboal</a:t>
+            </a:r>
+            <a:r>
+              <a:rPr lang="en-US" dirty="0"/>
+              <a:t>", "</a:t>
+            </a:r>
+            <a:r>
+              <a:rPr lang="en-US" dirty="0" err="1"/>
+              <a:t>innamakinyalopa</a:t>
+            </a:r>
+            <a:r>
+              <a:rPr lang="en-US" dirty="0"/>
+              <a:t>", "</a:t>
+            </a:r>
+            <a:r>
+              <a:rPr lang="en-US" dirty="0" err="1"/>
+              <a:t>itsdamostabillobam</a:t>
+            </a:r>
+            <a:r>
+              <a:rPr lang="en-US" dirty="0"/>
+              <a:t>", "</a:t>
+            </a:r>
+            <a:r>
+              <a:rPr lang="en-US" dirty="0" err="1"/>
+              <a:t>itsahmobe</a:t>
+            </a:r>
+            <a:r>
+              <a:rPr lang="en-US" dirty="0"/>
+              <a:t>", "</a:t>
+            </a:r>
+            <a:r>
+              <a:rPr lang="en-US" dirty="0" err="1"/>
+              <a:t>itsdamoalbigoldbag</a:t>
+            </a:r>
+            <a:r>
+              <a:rPr lang="en-US" dirty="0"/>
+              <a:t>", "</a:t>
+            </a:r>
+            <a:r>
+              <a:rPr lang="en-US" dirty="0" err="1"/>
+              <a:t>ittumastabilobam</a:t>
+            </a:r>
+            <a:r>
+              <a:rPr lang="en-US" dirty="0"/>
+              <a:t>" ] </a:t>
+            </a:r>
+          </a:p>
+        </p:txBody>
+      </p:sp>
+    </p:spTree>
+    <p:extLst>
+      <p:ext uri="{BB962C8B-B14F-4D97-AF65-F5344CB8AC3E}">
+        <p14:creationId xmlns:p14="http://schemas.microsoft.com/office/powerpoint/2010/main" val="1357451608"/>
+      </p:ext>
+    </p:extLst>
+  </p:cSld>
+  <p:clrMapOvr>
+    <a:masterClrMapping/>
+  </p:clrMapOvr>
+  <p:timing>
+    <p:tnLst>
+      <p:par>
+        <p:cTn id="1" dur="indefinite" restart="never" nodeType="tmRoot"/>
+      </p:par>
+    </p:tnLst>
+  </p:timing>
+</p:sld>
+</file>
+
+<file path=ppt/slides/slide20.xml><?xml version="1.0" encoding="utf-8"?>
 <p:sld xmlns:a="http://schemas.openxmlformats.org/drawingml/2006/main" xmlns:r="http://schemas.openxmlformats.org/officeDocument/2006/relationships" xmlns:p="http://schemas.openxmlformats.org/presentationml/2006/main">
   <p:cSld>
     <p:spTree>
@@ -15510,7 +16773,7 @@
         </p:nvGraphicFramePr>
         <p:xfrm>
           <a:off x="2" y="1219201"/>
-          <a:ext cx="8915397" cy="1715898"/>
+          <a:ext cx="8915397" cy="1715899"/>
         </p:xfrm>
         <a:graphic>
           <a:graphicData uri="http://schemas.openxmlformats.org/drawingml/2006/table">
@@ -16437,7 +17700,7 @@
           <a:graphicData uri="http://schemas.openxmlformats.org/presentationml/2006/ole">
             <mc:AlternateContent xmlns:mc="http://schemas.openxmlformats.org/markup-compatibility/2006">
               <mc:Choice xmlns:v="urn:schemas-microsoft-com:vml" Requires="v">
-                <p:oleObj spid="_x0000_s252942" name="Equation" r:id="rId3" imgW="2616120" imgH="419040" progId="Equation.3">
+                <p:oleObj spid="_x0000_s252949" name="Equation" r:id="rId3" imgW="2616120" imgH="419040" progId="Equation.3">
                   <p:embed/>
                 </p:oleObj>
               </mc:Choice>
@@ -16476,7 +17739,7 @@
                       <a:noFill/>
                       <a:extLst>
                         <a:ext uri="{909E8E84-426E-40dd-AFC4-6F175D3DCCD1}">
-                          <a14:hiddenFill xmlns:a14="http://schemas.microsoft.com/office/drawing/2010/main">
+                          <a14:hiddenFill xmlns:a14="http://schemas.microsoft.com/office/drawing/2010/main" xmlns="">
                             <a:solidFill>
                               <a:srgbClr val="FFFFFF"/>
                             </a:solidFill>
@@ -16499,14 +17762,14 @@
   <p:timing>
     <p:tnLst>
       <p:par>
-        <p:cTn xmlns:p14="http://schemas.microsoft.com/office/powerpoint/2010/main" id="1" dur="indefinite" restart="never" nodeType="tmRoot"/>
+        <p:cTn id="1" dur="indefinite" restart="never" nodeType="tmRoot"/>
       </p:par>
     </p:tnLst>
   </p:timing>
 </p:sld>
 </file>
 
-<file path=ppt/slides/slide18.xml><?xml version="1.0" encoding="utf-8"?>
+<file path=ppt/slides/slide21.xml><?xml version="1.0" encoding="utf-8"?>
 <p:sld xmlns:a="http://schemas.openxmlformats.org/drawingml/2006/main" xmlns:r="http://schemas.openxmlformats.org/officeDocument/2006/relationships" xmlns:p="http://schemas.openxmlformats.org/presentationml/2006/main">
   <p:cSld>
     <p:spTree>
@@ -16921,7 +18184,7 @@
   <p:timing>
     <p:tnLst>
       <p:par>
-        <p:cTn xmlns:p14="http://schemas.microsoft.com/office/powerpoint/2010/main" id="1" dur="indefinite" restart="never" nodeType="tmRoot">
+        <p:cTn id="1" dur="indefinite" restart="never" nodeType="tmRoot">
           <p:childTnLst>
             <p:seq concurrent="1" nextAc="seek">
               <p:cTn id="2" dur="indefinite" nodeType="mainSeq">
@@ -17142,7 +18405,7 @@
 </p:sld>
 </file>
 
-<file path=ppt/slides/slide19.xml><?xml version="1.0" encoding="utf-8"?>
+<file path=ppt/slides/slide22.xml><?xml version="1.0" encoding="utf-8"?>
 <p:sld xmlns:a="http://schemas.openxmlformats.org/drawingml/2006/main" xmlns:r="http://schemas.openxmlformats.org/officeDocument/2006/relationships" xmlns:p="http://schemas.openxmlformats.org/presentationml/2006/main">
   <p:cSld>
     <p:spTree>
@@ -17206,14 +18469,14 @@
   <p:timing>
     <p:tnLst>
       <p:par>
-        <p:cTn xmlns:p14="http://schemas.microsoft.com/office/powerpoint/2010/main" id="1" dur="indefinite" restart="never" nodeType="tmRoot"/>
+        <p:cTn id="1" dur="indefinite" restart="never" nodeType="tmRoot"/>
       </p:par>
     </p:tnLst>
   </p:timing>
 </p:sld>
 </file>
 
-<file path=ppt/slides/slide2.xml><?xml version="1.0" encoding="utf-8"?>
+<file path=ppt/slides/slide23.xml><?xml version="1.0" encoding="utf-8"?>
 <p:sld xmlns:a="http://schemas.openxmlformats.org/drawingml/2006/main" xmlns:r="http://schemas.openxmlformats.org/officeDocument/2006/relationships" xmlns:p="http://schemas.openxmlformats.org/presentationml/2006/main">
   <p:cSld>
     <p:spTree>
@@ -17246,10 +18509,10 @@
           <a:lstStyle/>
           <a:p>
             <a:r>
-              <a:rPr lang="en-US" dirty="0" smtClean="0"/>
-              <a:t>Lecture Takeaways</a:t>
-            </a:r>
-            <a:endParaRPr lang="en-US" dirty="0"/>
+              <a:rPr lang="en-US" b="1" dirty="0" smtClean="0"/>
+              <a:t>Motivation</a:t>
+            </a:r>
+            <a:endParaRPr lang="en-US" b="1" dirty="0"/>
           </a:p>
         </p:txBody>
       </p:sp>
@@ -17268,78 +18531,79 @@
           <a:bodyPr/>
           <a:lstStyle/>
           <a:p>
-            <a:pPr marL="742950" indent="-742950">
-              <a:buFont typeface="+mj-lt"/>
-              <a:buAutoNum type="arabicPeriod"/>
-            </a:pPr>
-            <a:r>
-              <a:rPr lang="en-US" sz="3200" dirty="0" smtClean="0">
-                <a:latin typeface="+mj-lt"/>
-              </a:rPr>
-              <a:t>Get more data, not better data</a:t>
-            </a:r>
-          </a:p>
-          <a:p>
-            <a:pPr marL="742950" indent="-742950">
-              <a:buFont typeface="+mj-lt"/>
-              <a:buAutoNum type="arabicPeriod"/>
-            </a:pPr>
-            <a:r>
-              <a:rPr lang="en-US" sz="3200" dirty="0" smtClean="0">
-                <a:latin typeface="+mj-lt"/>
-              </a:rPr>
-              <a:t>Use other </a:t>
-            </a:r>
-            <a:r>
-              <a:rPr lang="en-US" sz="3200" dirty="0" err="1" smtClean="0">
-                <a:latin typeface="+mj-lt"/>
-              </a:rPr>
-              <a:t>Turkers</a:t>
-            </a:r>
-            <a:r>
-              <a:rPr lang="en-US" sz="3200" dirty="0" smtClean="0">
-                <a:latin typeface="+mj-lt"/>
-              </a:rPr>
-              <a:t> to do QC for you</a:t>
-            </a:r>
-          </a:p>
-          <a:p>
-            <a:pPr marL="742950" indent="-742950">
-              <a:buFont typeface="+mj-lt"/>
-              <a:buAutoNum type="arabicPeriod"/>
-            </a:pPr>
-            <a:r>
-              <a:rPr lang="en-US" sz="3200" dirty="0" smtClean="0">
-                <a:latin typeface="+mj-lt"/>
-              </a:rPr>
-              <a:t>Non-English </a:t>
-            </a:r>
-            <a:r>
-              <a:rPr lang="en-US" sz="3200" dirty="0" err="1" smtClean="0">
-                <a:latin typeface="+mj-lt"/>
-              </a:rPr>
-              <a:t>crowdsourcing</a:t>
-            </a:r>
-            <a:r>
-              <a:rPr lang="en-US" sz="3200" dirty="0" smtClean="0">
-                <a:latin typeface="+mj-lt"/>
-              </a:rPr>
-              <a:t> is not easy</a:t>
-            </a:r>
-          </a:p>
-          <a:p>
-            <a:pPr marL="742950" indent="-742950">
-              <a:buFont typeface="+mj-lt"/>
-              <a:buAutoNum type="arabicPeriod"/>
-            </a:pPr>
-            <a:endParaRPr lang="en-US" sz="3200" dirty="0" smtClean="0">
-              <a:latin typeface="+mj-lt"/>
-            </a:endParaRPr>
-          </a:p>
-          <a:p>
-            <a:endParaRPr lang="en-US" sz="3200" dirty="0" smtClean="0">
-              <a:latin typeface="+mj-lt"/>
-            </a:endParaRPr>
+            <a:r>
+              <a:rPr lang="en-US" dirty="0" smtClean="0"/>
+              <a:t>Speech recognition models are hungry for data</a:t>
+            </a:r>
+          </a:p>
+          <a:p>
+            <a:pPr lvl="1"/>
+            <a:r>
+              <a:rPr lang="en-US" dirty="0" smtClean="0"/>
+              <a:t>ASR requires thousands of hours of transcribed audio</a:t>
+            </a:r>
+          </a:p>
+          <a:p>
+            <a:pPr lvl="1"/>
+            <a:r>
+              <a:rPr lang="en-US" dirty="0" smtClean="0"/>
+              <a:t>In-domain data needed to overcome mismatches like language, speaking style, acoustic channel, noise, etc…</a:t>
+            </a:r>
+          </a:p>
+          <a:p>
+            <a:pPr lvl="1"/>
+            <a:endParaRPr lang="en-US" dirty="0" smtClean="0"/>
+          </a:p>
+          <a:p>
+            <a:r>
+              <a:rPr lang="en-US" dirty="0" smtClean="0"/>
+              <a:t>Conversational telephone speech transcription is difficult</a:t>
+            </a:r>
+          </a:p>
+          <a:p>
+            <a:pPr lvl="1"/>
+            <a:r>
+              <a:rPr lang="en-US" dirty="0" smtClean="0"/>
+              <a:t>Spontaneous speech between intimates</a:t>
+            </a:r>
+          </a:p>
+          <a:p>
+            <a:pPr lvl="1"/>
+            <a:r>
+              <a:rPr lang="en-US" dirty="0" smtClean="0"/>
+              <a:t>Rapid speech, phonetic reductions and varied speaking style</a:t>
+            </a:r>
+          </a:p>
+          <a:p>
+            <a:pPr lvl="1"/>
+            <a:r>
+              <a:rPr lang="en-US" dirty="0" smtClean="0"/>
+              <a:t>Expensive and time consuming</a:t>
+            </a:r>
+          </a:p>
+          <a:p>
+            <a:pPr lvl="2"/>
+            <a:r>
+              <a:rPr lang="en-US" dirty="0" smtClean="0"/>
+              <a:t>$150 / hour of transcription</a:t>
+            </a:r>
+          </a:p>
+          <a:p>
+            <a:pPr lvl="2"/>
+            <a:r>
+              <a:rPr lang="en-US" dirty="0" smtClean="0"/>
+              <a:t>50 hours of effort / hour of transcription</a:t>
+            </a:r>
+          </a:p>
+          <a:p>
+            <a:pPr lvl="2"/>
+            <a:endParaRPr lang="en-US" dirty="0" smtClean="0"/>
+          </a:p>
+          <a:p>
+            <a:r>
+              <a:rPr lang="en-US" dirty="0" smtClean="0"/>
+              <a:t>Deploying to new domains is slow and expensive</a:t>
+            </a:r>
           </a:p>
         </p:txBody>
       </p:sp>
@@ -17351,153 +18615,7 @@
   <p:timing>
     <p:tnLst>
       <p:par>
-        <p:cTn xmlns:p14="http://schemas.microsoft.com/office/powerpoint/2010/main" id="1" dur="indefinite" restart="never" nodeType="tmRoot"/>
-      </p:par>
-    </p:tnLst>
-  </p:timing>
-</p:sld>
-</file>
-
-<file path=ppt/slides/slide20.xml><?xml version="1.0" encoding="utf-8"?>
-<p:sld xmlns:a="http://schemas.openxmlformats.org/drawingml/2006/main" xmlns:r="http://schemas.openxmlformats.org/officeDocument/2006/relationships" xmlns:p="http://schemas.openxmlformats.org/presentationml/2006/main">
-  <p:cSld>
-    <p:spTree>
-      <p:nvGrpSpPr>
-        <p:cNvPr id="1" name=""/>
-        <p:cNvGrpSpPr/>
-        <p:nvPr/>
-      </p:nvGrpSpPr>
-      <p:grpSpPr>
-        <a:xfrm>
-          <a:off x="0" y="0"/>
-          <a:ext cx="0" cy="0"/>
-          <a:chOff x="0" y="0"/>
-          <a:chExt cx="0" cy="0"/>
-        </a:xfrm>
-      </p:grpSpPr>
-      <p:sp>
-        <p:nvSpPr>
-          <p:cNvPr id="2" name="Title 1"/>
-          <p:cNvSpPr>
-            <a:spLocks noGrp="1"/>
-          </p:cNvSpPr>
-          <p:nvPr>
-            <p:ph type="title"/>
-          </p:nvPr>
-        </p:nvSpPr>
-        <p:spPr/>
-        <p:txBody>
-          <a:bodyPr/>
-          <a:lstStyle/>
-          <a:p>
-            <a:r>
-              <a:rPr lang="en-US" b="1" dirty="0" smtClean="0"/>
-              <a:t>Motivation</a:t>
-            </a:r>
-            <a:endParaRPr lang="en-US" b="1" dirty="0"/>
-          </a:p>
-        </p:txBody>
-      </p:sp>
-      <p:sp>
-        <p:nvSpPr>
-          <p:cNvPr id="3" name="Content Placeholder 2"/>
-          <p:cNvSpPr>
-            <a:spLocks noGrp="1"/>
-          </p:cNvSpPr>
-          <p:nvPr>
-            <p:ph idx="1"/>
-          </p:nvPr>
-        </p:nvSpPr>
-        <p:spPr/>
-        <p:txBody>
-          <a:bodyPr/>
-          <a:lstStyle/>
-          <a:p>
-            <a:r>
-              <a:rPr lang="en-US" dirty="0" smtClean="0"/>
-              <a:t>Speech recognition models are hungry for data</a:t>
-            </a:r>
-          </a:p>
-          <a:p>
-            <a:pPr lvl="1"/>
-            <a:r>
-              <a:rPr lang="en-US" dirty="0" smtClean="0"/>
-              <a:t>ASR requires thousands of hours of transcribed audio</a:t>
-            </a:r>
-          </a:p>
-          <a:p>
-            <a:pPr lvl="1"/>
-            <a:r>
-              <a:rPr lang="en-US" dirty="0" smtClean="0"/>
-              <a:t>In-domain data needed to overcome mismatches like language, speaking style, acoustic channel, noise, etc…</a:t>
-            </a:r>
-          </a:p>
-          <a:p>
-            <a:pPr lvl="1"/>
-            <a:endParaRPr lang="en-US" dirty="0" smtClean="0"/>
-          </a:p>
-          <a:p>
-            <a:r>
-              <a:rPr lang="en-US" dirty="0" smtClean="0"/>
-              <a:t>Conversational telephone speech transcription is difficult</a:t>
-            </a:r>
-          </a:p>
-          <a:p>
-            <a:pPr lvl="1"/>
-            <a:r>
-              <a:rPr lang="en-US" dirty="0" smtClean="0"/>
-              <a:t>Spontaneous speech between intimates</a:t>
-            </a:r>
-          </a:p>
-          <a:p>
-            <a:pPr lvl="1"/>
-            <a:r>
-              <a:rPr lang="en-US" dirty="0" smtClean="0"/>
-              <a:t>Rapid speech, phonetic reductions and varied speaking style</a:t>
-            </a:r>
-          </a:p>
-          <a:p>
-            <a:pPr lvl="1"/>
-            <a:r>
-              <a:rPr lang="en-US" dirty="0" smtClean="0"/>
-              <a:t>Expensive and time consuming</a:t>
-            </a:r>
-          </a:p>
-          <a:p>
-            <a:pPr lvl="2"/>
-            <a:r>
-              <a:rPr lang="en-US" dirty="0" smtClean="0"/>
-              <a:t>$150 / hour of transcription</a:t>
-            </a:r>
-          </a:p>
-          <a:p>
-            <a:pPr lvl="2"/>
-            <a:r>
-              <a:rPr lang="en-US" dirty="0" smtClean="0"/>
-              <a:t>50 hours of effort / hour of transcription</a:t>
-            </a:r>
-          </a:p>
-          <a:p>
-            <a:pPr lvl="2"/>
-            <a:endParaRPr lang="en-US" dirty="0" smtClean="0"/>
-          </a:p>
-          <a:p>
-            <a:r>
-              <a:rPr lang="en-US" dirty="0" smtClean="0"/>
-              <a:t>Deploying to new domains is slow and expensive</a:t>
-            </a:r>
-          </a:p>
-        </p:txBody>
-      </p:sp>
-    </p:spTree>
-  </p:cSld>
-  <p:clrMapOvr>
-    <a:masterClrMapping/>
-  </p:clrMapOvr>
-  <p:timing>
-    <p:tnLst>
-      <p:par>
-        <p:cTn xmlns:p14="http://schemas.microsoft.com/office/powerpoint/2010/main" id="1" dur="indefinite" restart="never" nodeType="tmRoot">
+        <p:cTn id="1" dur="indefinite" restart="never" nodeType="tmRoot">
           <p:childTnLst>
             <p:seq concurrent="1" nextAc="seek">
               <p:cTn id="2" dur="indefinite" nodeType="mainSeq">
@@ -17894,7 +19012,7 @@
 </p:sld>
 </file>
 
-<file path=ppt/slides/slide21.xml><?xml version="1.0" encoding="utf-8"?>
+<file path=ppt/slides/slide24.xml><?xml version="1.0" encoding="utf-8"?>
 <p:sld xmlns:a="http://schemas.openxmlformats.org/drawingml/2006/main" xmlns:r="http://schemas.openxmlformats.org/officeDocument/2006/relationships" xmlns:p="http://schemas.openxmlformats.org/presentationml/2006/main">
   <p:cSld>
     <p:spTree>
@@ -18063,7 +19181,7 @@
   <p:timing>
     <p:tnLst>
       <p:par>
-        <p:cTn xmlns:p14="http://schemas.microsoft.com/office/powerpoint/2010/main" id="1" dur="indefinite" restart="never" nodeType="tmRoot">
+        <p:cTn id="1" dur="indefinite" restart="never" nodeType="tmRoot">
           <p:childTnLst>
             <p:seq concurrent="1" nextAc="seek">
               <p:cTn id="2" dur="indefinite" nodeType="mainSeq">
@@ -18398,7 +19516,7 @@
 </p:sld>
 </file>
 
-<file path=ppt/slides/slide22.xml><?xml version="1.0" encoding="utf-8"?>
+<file path=ppt/slides/slide25.xml><?xml version="1.0" encoding="utf-8"?>
 <p:sld xmlns:a="http://schemas.openxmlformats.org/drawingml/2006/main" xmlns:r="http://schemas.openxmlformats.org/officeDocument/2006/relationships" xmlns:p="http://schemas.openxmlformats.org/presentationml/2006/main">
   <p:cSld>
     <p:spTree>
@@ -18552,7 +19670,7 @@
   <p:timing>
     <p:tnLst>
       <p:par>
-        <p:cTn xmlns:p14="http://schemas.microsoft.com/office/powerpoint/2010/main" id="1" dur="indefinite" restart="never" nodeType="tmRoot">
+        <p:cTn id="1" dur="indefinite" restart="never" nodeType="tmRoot">
           <p:childTnLst>
             <p:seq concurrent="1" nextAc="seek">
               <p:cTn id="2" dur="indefinite" nodeType="mainSeq">
@@ -18931,7 +20049,7 @@
 </p:sld>
 </file>
 
-<file path=ppt/slides/slide23.xml><?xml version="1.0" encoding="utf-8"?>
+<file path=ppt/slides/slide26.xml><?xml version="1.0" encoding="utf-8"?>
 <p:sld xmlns:a="http://schemas.openxmlformats.org/drawingml/2006/main" xmlns:r="http://schemas.openxmlformats.org/officeDocument/2006/relationships" xmlns:p="http://schemas.openxmlformats.org/presentationml/2006/main">
   <p:cSld>
     <p:spTree>
@@ -19291,7 +20409,7 @@
   <p:timing>
     <p:tnLst>
       <p:par>
-        <p:cTn xmlns:p14="http://schemas.microsoft.com/office/powerpoint/2010/main" id="1" dur="indefinite" restart="never" nodeType="tmRoot">
+        <p:cTn id="1" dur="indefinite" restart="never" nodeType="tmRoot">
           <p:childTnLst>
             <p:seq concurrent="1" nextAc="seek">
               <p:cTn id="2" dur="indefinite" nodeType="mainSeq">
@@ -19534,7 +20652,7 @@
 </p:sld>
 </file>
 
-<file path=ppt/slides/slide24.xml><?xml version="1.0" encoding="utf-8"?>
+<file path=ppt/slides/slide27.xml><?xml version="1.0" encoding="utf-8"?>
 <p:sld xmlns:a="http://schemas.openxmlformats.org/drawingml/2006/main" xmlns:r="http://schemas.openxmlformats.org/officeDocument/2006/relationships" xmlns:p="http://schemas.openxmlformats.org/presentationml/2006/main">
   <p:cSld>
     <p:spTree>
@@ -19628,15 +20746,7 @@
           <a:p>
             <a:r>
               <a:rPr lang="en-US" dirty="0" smtClean="0"/>
-              <a:t>Some people </a:t>
-            </a:r>
-            <a:r>
-              <a:rPr lang="en-US" dirty="0" smtClean="0"/>
-              <a:t>rightfully complained </a:t>
-            </a:r>
-            <a:r>
-              <a:rPr lang="en-US" dirty="0" smtClean="0"/>
-              <a:t>about the cost </a:t>
+              <a:t>Some people rightfully complained about the cost </a:t>
             </a:r>
             <a:endParaRPr lang="en-US" i="1" dirty="0" smtClean="0"/>
           </a:p>
@@ -19694,7 +20804,7 @@
   <p:timing>
     <p:tnLst>
       <p:par>
-        <p:cTn xmlns:p14="http://schemas.microsoft.com/office/powerpoint/2010/main" id="1" dur="indefinite" restart="never" nodeType="tmRoot">
+        <p:cTn id="1" dur="indefinite" restart="never" nodeType="tmRoot">
           <p:childTnLst>
             <p:seq concurrent="1" nextAc="seek">
               <p:cTn id="2" dur="indefinite" nodeType="mainSeq">
@@ -20122,7 +21232,7 @@
 </p:sld>
 </file>
 
-<file path=ppt/slides/slide25.xml><?xml version="1.0" encoding="utf-8"?>
+<file path=ppt/slides/slide28.xml><?xml version="1.0" encoding="utf-8"?>
 <p:sld xmlns:a="http://schemas.openxmlformats.org/drawingml/2006/main" xmlns:r="http://schemas.openxmlformats.org/officeDocument/2006/relationships" xmlns:p="http://schemas.openxmlformats.org/presentationml/2006/main">
   <p:cSld>
     <p:spTree>
@@ -20267,7 +21377,7 @@
             <a:graphicData uri="http://schemas.openxmlformats.org/presentationml/2006/ole">
               <mc:AlternateContent xmlns:mc="http://schemas.openxmlformats.org/markup-compatibility/2006">
                 <mc:Choice xmlns:v="urn:schemas-microsoft-com:vml" Requires="v">
-                  <p:oleObj spid="_x0000_s161834" name="Acrobat Document" r:id="rId4" imgW="4171320" imgH="4176000" progId="AcroExch.Document.7">
+                  <p:oleObj spid="_x0000_s161841" name="Acrobat Document" r:id="rId4" imgW="4171320" imgH="4176000" progId="AcroExch.Document.7">
                     <p:embed/>
                   </p:oleObj>
                 </mc:Choice>
@@ -20306,7 +21416,7 @@
                         <a:noFill/>
                         <a:extLst>
                           <a:ext uri="{909E8E84-426E-40dd-AFC4-6F175D3DCCD1}">
-                            <a14:hiddenFill xmlns:a14="http://schemas.microsoft.com/office/drawing/2010/main">
+                            <a14:hiddenFill xmlns:a14="http://schemas.microsoft.com/office/drawing/2010/main" xmlns="">
                               <a:solidFill>
                                 <a:srgbClr val="FFFFFF"/>
                               </a:solidFill>
@@ -20400,14 +21510,14 @@
   <p:timing>
     <p:tnLst>
       <p:par>
-        <p:cTn xmlns:p14="http://schemas.microsoft.com/office/powerpoint/2010/main" id="1" dur="indefinite" restart="never" nodeType="tmRoot"/>
+        <p:cTn id="1" dur="indefinite" restart="never" nodeType="tmRoot"/>
       </p:par>
     </p:tnLst>
   </p:timing>
 </p:sld>
 </file>
 
-<file path=ppt/slides/slide26.xml><?xml version="1.0" encoding="utf-8"?>
+<file path=ppt/slides/slide29.xml><?xml version="1.0" encoding="utf-8"?>
 <p:sld xmlns:a="http://schemas.openxmlformats.org/drawingml/2006/main" xmlns:r="http://schemas.openxmlformats.org/officeDocument/2006/relationships" xmlns:p="http://schemas.openxmlformats.org/presentationml/2006/main">
   <p:cSld>
     <p:spTree>
@@ -20569,7 +21679,7 @@
   <p:timing>
     <p:tnLst>
       <p:par>
-        <p:cTn xmlns:p14="http://schemas.microsoft.com/office/powerpoint/2010/main" id="1" dur="indefinite" restart="never" nodeType="tmRoot">
+        <p:cTn id="1" dur="indefinite" restart="never" nodeType="tmRoot">
           <p:childTnLst>
             <p:seq concurrent="1" nextAc="seek">
               <p:cTn id="2" dur="indefinite" nodeType="mainSeq">
@@ -20984,7 +22094,73 @@
 </p:sld>
 </file>
 
-<file path=ppt/slides/slide27.xml><?xml version="1.0" encoding="utf-8"?>
+<file path=ppt/slides/slide3.xml><?xml version="1.0" encoding="utf-8"?>
+<p:sld xmlns:a="http://schemas.openxmlformats.org/drawingml/2006/main" xmlns:r="http://schemas.openxmlformats.org/officeDocument/2006/relationships" xmlns:p="http://schemas.openxmlformats.org/presentationml/2006/main">
+  <p:cSld>
+    <p:spTree>
+      <p:nvGrpSpPr>
+        <p:cNvPr id="1" name=""/>
+        <p:cNvGrpSpPr/>
+        <p:nvPr/>
+      </p:nvGrpSpPr>
+      <p:grpSpPr>
+        <a:xfrm>
+          <a:off x="0" y="0"/>
+          <a:ext cx="0" cy="0"/>
+          <a:chOff x="0" y="0"/>
+          <a:chExt cx="0" cy="0"/>
+        </a:xfrm>
+      </p:grpSpPr>
+      <p:pic>
+        <p:nvPicPr>
+          <p:cNvPr id="7" name="Content Placeholder 3"/>
+          <p:cNvPicPr>
+            <a:picLocks noGrp="1" noChangeAspect="1"/>
+          </p:cNvPicPr>
+          <p:nvPr>
+            <p:ph idx="1"/>
+          </p:nvPr>
+        </p:nvPicPr>
+        <p:blipFill>
+          <a:blip r:embed="rId2">
+            <a:extLst>
+              <a:ext uri="{28A0092B-C50C-407E-A947-70E740481C1C}">
+                <a14:useLocalDpi xmlns:a14="http://schemas.microsoft.com/office/drawing/2010/main" val="0"/>
+              </a:ext>
+            </a:extLst>
+          </a:blip>
+          <a:stretch>
+            <a:fillRect/>
+          </a:stretch>
+        </p:blipFill>
+        <p:spPr>
+          <a:xfrm>
+            <a:off x="-838200" y="-304800"/>
+            <a:ext cx="11118630" cy="8001000"/>
+          </a:xfrm>
+        </p:spPr>
+      </p:pic>
+    </p:spTree>
+    <p:extLst>
+      <p:ext uri="{BB962C8B-B14F-4D97-AF65-F5344CB8AC3E}">
+        <p14:creationId xmlns:p14="http://schemas.microsoft.com/office/powerpoint/2010/main" val="1765305707"/>
+      </p:ext>
+    </p:extLst>
+  </p:cSld>
+  <p:clrMapOvr>
+    <a:masterClrMapping/>
+  </p:clrMapOvr>
+  <p:timing>
+    <p:tnLst>
+      <p:par>
+        <p:cTn id="1" dur="indefinite" restart="never" nodeType="tmRoot"/>
+      </p:par>
+    </p:tnLst>
+  </p:timing>
+</p:sld>
+</file>
+
+<file path=ppt/slides/slide30.xml><?xml version="1.0" encoding="utf-8"?>
 <p:sld xmlns:a="http://schemas.openxmlformats.org/drawingml/2006/main" xmlns:r="http://schemas.openxmlformats.org/officeDocument/2006/relationships" xmlns:p="http://schemas.openxmlformats.org/presentationml/2006/main">
   <p:cSld>
     <p:spTree>
@@ -21054,7 +22230,7 @@
             <a:graphicData uri="http://schemas.openxmlformats.org/presentationml/2006/ole">
               <mc:AlternateContent xmlns:mc="http://schemas.openxmlformats.org/markup-compatibility/2006">
                 <mc:Choice xmlns:v="urn:schemas-microsoft-com:vml" Requires="v">
-                  <p:oleObj spid="_x0000_s121891" name="Acrobat Document" r:id="rId4" imgW="4171320" imgH="4176000" progId="AcroExch.Document.7">
+                  <p:oleObj spid="_x0000_s121898" name="Acrobat Document" r:id="rId4" imgW="4171320" imgH="4176000" progId="AcroExch.Document.7">
                     <p:embed/>
                   </p:oleObj>
                 </mc:Choice>
@@ -21093,7 +22269,7 @@
                         <a:noFill/>
                         <a:extLst>
                           <a:ext uri="{909E8E84-426E-40dd-AFC4-6F175D3DCCD1}">
-                            <a14:hiddenFill xmlns:a14="http://schemas.microsoft.com/office/drawing/2010/main">
+                            <a14:hiddenFill xmlns:a14="http://schemas.microsoft.com/office/drawing/2010/main" xmlns="">
                               <a:solidFill>
                                 <a:srgbClr val="FFFFFF"/>
                               </a:solidFill>
@@ -21366,14 +22542,14 @@
   <p:timing>
     <p:tnLst>
       <p:par>
-        <p:cTn xmlns:p14="http://schemas.microsoft.com/office/powerpoint/2010/main" id="1" dur="indefinite" restart="never" nodeType="tmRoot"/>
+        <p:cTn id="1" dur="indefinite" restart="never" nodeType="tmRoot"/>
       </p:par>
     </p:tnLst>
   </p:timing>
 </p:sld>
 </file>
 
-<file path=ppt/slides/slide28.xml><?xml version="1.0" encoding="utf-8"?>
+<file path=ppt/slides/slide31.xml><?xml version="1.0" encoding="utf-8"?>
 <p:sld xmlns:a="http://schemas.openxmlformats.org/drawingml/2006/main" xmlns:r="http://schemas.openxmlformats.org/officeDocument/2006/relationships" xmlns:p="http://schemas.openxmlformats.org/presentationml/2006/main">
   <p:cSld>
     <p:spTree>
@@ -21443,7 +22619,7 @@
             <a:graphicData uri="http://schemas.openxmlformats.org/presentationml/2006/ole">
               <mc:AlternateContent xmlns:mc="http://schemas.openxmlformats.org/markup-compatibility/2006">
                 <mc:Choice xmlns:v="urn:schemas-microsoft-com:vml" Requires="v">
-                  <p:oleObj spid="_x0000_s176162" name="Acrobat Document" r:id="rId4" imgW="4171320" imgH="4176000" progId="AcroExch.Document.7">
+                  <p:oleObj spid="_x0000_s176169" name="Acrobat Document" r:id="rId4" imgW="4171320" imgH="4176000" progId="AcroExch.Document.7">
                     <p:embed/>
                   </p:oleObj>
                 </mc:Choice>
@@ -21482,7 +22658,7 @@
                         <a:noFill/>
                         <a:extLst>
                           <a:ext uri="{909E8E84-426E-40dd-AFC4-6F175D3DCCD1}">
-                            <a14:hiddenFill xmlns:a14="http://schemas.microsoft.com/office/drawing/2010/main">
+                            <a14:hiddenFill xmlns:a14="http://schemas.microsoft.com/office/drawing/2010/main" xmlns="">
                               <a:solidFill>
                                 <a:srgbClr val="FFFFFF"/>
                               </a:solidFill>
@@ -21845,14 +23021,14 @@
   <p:timing>
     <p:tnLst>
       <p:par>
-        <p:cTn xmlns:p14="http://schemas.microsoft.com/office/powerpoint/2010/main" id="1" dur="indefinite" restart="never" nodeType="tmRoot"/>
+        <p:cTn id="1" dur="indefinite" restart="never" nodeType="tmRoot"/>
       </p:par>
     </p:tnLst>
   </p:timing>
 </p:sld>
 </file>
 
-<file path=ppt/slides/slide29.xml><?xml version="1.0" encoding="utf-8"?>
+<file path=ppt/slides/slide32.xml><?xml version="1.0" encoding="utf-8"?>
 <p:sld xmlns:a="http://schemas.openxmlformats.org/drawingml/2006/main" xmlns:r="http://schemas.openxmlformats.org/officeDocument/2006/relationships" xmlns:p="http://schemas.openxmlformats.org/presentationml/2006/main">
   <p:cSld>
     <p:spTree>
@@ -21970,7 +23146,7 @@
           <a:graphicData uri="http://schemas.openxmlformats.org/presentationml/2006/ole">
             <mc:AlternateContent xmlns:mc="http://schemas.openxmlformats.org/markup-compatibility/2006">
               <mc:Choice xmlns:v="urn:schemas-microsoft-com:vml" Requires="v">
-                <p:oleObj spid="_x0000_s124963" name="Acrobat Document" r:id="rId4" imgW="4171320" imgH="4176000" progId="AcroExch.Document.7">
+                <p:oleObj spid="_x0000_s124970" name="Acrobat Document" r:id="rId4" imgW="4171320" imgH="4176000" progId="AcroExch.Document.7">
                   <p:embed/>
                 </p:oleObj>
               </mc:Choice>
@@ -22009,7 +23185,7 @@
                       <a:noFill/>
                       <a:extLst>
                         <a:ext uri="{909E8E84-426E-40dd-AFC4-6F175D3DCCD1}">
-                          <a14:hiddenFill xmlns:a14="http://schemas.microsoft.com/office/drawing/2010/main">
+                          <a14:hiddenFill xmlns:a14="http://schemas.microsoft.com/office/drawing/2010/main" xmlns="">
                             <a:solidFill>
                               <a:srgbClr val="FFFFFF"/>
                             </a:solidFill>
@@ -22032,332 +23208,14 @@
   <p:timing>
     <p:tnLst>
       <p:par>
-        <p:cTn xmlns:p14="http://schemas.microsoft.com/office/powerpoint/2010/main" id="1" dur="indefinite" restart="never" nodeType="tmRoot"/>
+        <p:cTn id="1" dur="indefinite" restart="never" nodeType="tmRoot"/>
       </p:par>
     </p:tnLst>
   </p:timing>
 </p:sld>
 </file>
 
-<file path=ppt/slides/slide3.xml><?xml version="1.0" encoding="utf-8"?>
-<p:sld xmlns:a="http://schemas.openxmlformats.org/drawingml/2006/main" xmlns:r="http://schemas.openxmlformats.org/officeDocument/2006/relationships" xmlns:p="http://schemas.openxmlformats.org/presentationml/2006/main">
-  <p:cSld>
-    <p:spTree>
-      <p:nvGrpSpPr>
-        <p:cNvPr id="1" name=""/>
-        <p:cNvGrpSpPr/>
-        <p:nvPr/>
-      </p:nvGrpSpPr>
-      <p:grpSpPr>
-        <a:xfrm>
-          <a:off x="0" y="0"/>
-          <a:ext cx="0" cy="0"/>
-          <a:chOff x="0" y="0"/>
-          <a:chExt cx="0" cy="0"/>
-        </a:xfrm>
-      </p:grpSpPr>
-      <p:sp>
-        <p:nvSpPr>
-          <p:cNvPr id="2" name="Title 1"/>
-          <p:cNvSpPr>
-            <a:spLocks noGrp="1"/>
-          </p:cNvSpPr>
-          <p:nvPr>
-            <p:ph type="title"/>
-          </p:nvPr>
-        </p:nvSpPr>
-        <p:spPr/>
-        <p:txBody>
-          <a:bodyPr/>
-          <a:lstStyle/>
-          <a:p>
-            <a:r>
-              <a:rPr lang="en-US" dirty="0" err="1"/>
-              <a:t>Siri</a:t>
-            </a:r>
-            <a:r>
-              <a:rPr lang="en-US" dirty="0"/>
-              <a:t> in </a:t>
-            </a:r>
-            <a:r>
-              <a:rPr lang="en-US" dirty="0" smtClean="0"/>
-              <a:t>Five </a:t>
-            </a:r>
-            <a:r>
-              <a:rPr lang="en-US" dirty="0"/>
-              <a:t>Minutes</a:t>
-            </a:r>
-          </a:p>
-        </p:txBody>
-      </p:sp>
-      <p:pic>
-        <p:nvPicPr>
-          <p:cNvPr id="4" name="Content Placeholder 3"/>
-          <p:cNvPicPr>
-            <a:picLocks noGrp="1" noChangeAspect="1"/>
-          </p:cNvPicPr>
-          <p:nvPr>
-            <p:ph idx="1"/>
-          </p:nvPr>
-        </p:nvPicPr>
-        <p:blipFill>
-          <a:blip r:embed="rId2" cstate="print">
-            <a:extLst>
-              <a:ext uri="{28A0092B-C50C-407E-A947-70E740481C1C}">
-                <a14:useLocalDpi xmlns:a14="http://schemas.microsoft.com/office/drawing/2010/main" val="0"/>
-              </a:ext>
-            </a:extLst>
-          </a:blip>
-          <a:stretch>
-            <a:fillRect/>
-          </a:stretch>
-        </p:blipFill>
-        <p:spPr>
-          <a:xfrm flipH="1">
-            <a:off x="228600" y="2819400"/>
-            <a:ext cx="1828434" cy="1219200"/>
-          </a:xfrm>
-        </p:spPr>
-      </p:pic>
-      <p:pic>
-        <p:nvPicPr>
-          <p:cNvPr id="5" name="Picture 5" descr="C:\Users\Scott\Documents\presentations\CLSP KWS talk 2012\waveform.png"/>
-          <p:cNvPicPr>
-            <a:picLocks noChangeAspect="1" noChangeArrowheads="1"/>
-          </p:cNvPicPr>
-          <p:nvPr/>
-        </p:nvPicPr>
-        <p:blipFill>
-          <a:blip r:embed="rId3" cstate="print"/>
-          <a:srcRect/>
-          <a:stretch>
-            <a:fillRect/>
-          </a:stretch>
-        </p:blipFill>
-        <p:spPr bwMode="auto">
-          <a:xfrm>
-            <a:off x="2895600" y="3009900"/>
-            <a:ext cx="1729741" cy="685800"/>
-          </a:xfrm>
-          <a:prstGeom prst="rect">
-            <a:avLst/>
-          </a:prstGeom>
-          <a:noFill/>
-        </p:spPr>
-      </p:pic>
-      <p:sp>
-        <p:nvSpPr>
-          <p:cNvPr id="6" name="TextBox 5"/>
-          <p:cNvSpPr txBox="1"/>
-          <p:nvPr/>
-        </p:nvSpPr>
-        <p:spPr>
-          <a:xfrm>
-            <a:off x="5334000" y="3048000"/>
-            <a:ext cx="1608133" cy="646331"/>
-          </a:xfrm>
-          <a:prstGeom prst="rect">
-            <a:avLst/>
-          </a:prstGeom>
-          <a:noFill/>
-        </p:spPr>
-        <p:txBody>
-          <a:bodyPr wrap="none" rtlCol="0">
-            <a:spAutoFit/>
-          </a:bodyPr>
-          <a:lstStyle/>
-          <a:p>
-            <a:r>
-              <a:rPr lang="en-US" dirty="0" smtClean="0"/>
-              <a:t>Should I bring</a:t>
-            </a:r>
-          </a:p>
-          <a:p>
-            <a:r>
-              <a:rPr lang="en-US" dirty="0" smtClean="0"/>
-              <a:t> an umbrella</a:t>
-            </a:r>
-            <a:endParaRPr lang="en-US" dirty="0"/>
-          </a:p>
-        </p:txBody>
-      </p:sp>
-      <p:sp>
-        <p:nvSpPr>
-          <p:cNvPr id="11" name="Right Arrow 10"/>
-          <p:cNvSpPr/>
-          <p:nvPr/>
-        </p:nvSpPr>
-        <p:spPr>
-          <a:xfrm>
-            <a:off x="2156012" y="3110484"/>
-            <a:ext cx="587188" cy="484632"/>
-          </a:xfrm>
-          <a:prstGeom prst="rightArrow">
-            <a:avLst/>
-          </a:prstGeom>
-        </p:spPr>
-        <p:style>
-          <a:lnRef idx="2">
-            <a:schemeClr val="accent1">
-              <a:shade val="50000"/>
-            </a:schemeClr>
-          </a:lnRef>
-          <a:fillRef idx="1">
-            <a:schemeClr val="accent1"/>
-          </a:fillRef>
-          <a:effectRef idx="0">
-            <a:schemeClr val="accent1"/>
-          </a:effectRef>
-          <a:fontRef idx="minor">
-            <a:schemeClr val="lt1"/>
-          </a:fontRef>
-        </p:style>
-        <p:txBody>
-          <a:bodyPr rtlCol="0" anchor="ctr"/>
-          <a:lstStyle/>
-          <a:p>
-            <a:pPr algn="ctr"/>
-            <a:endParaRPr lang="en-US"/>
-          </a:p>
-        </p:txBody>
-      </p:sp>
-      <p:sp>
-        <p:nvSpPr>
-          <p:cNvPr id="12" name="Right Arrow 11"/>
-          <p:cNvSpPr/>
-          <p:nvPr/>
-        </p:nvSpPr>
-        <p:spPr>
-          <a:xfrm>
-            <a:off x="4746812" y="3124200"/>
-            <a:ext cx="587188" cy="484632"/>
-          </a:xfrm>
-          <a:prstGeom prst="rightArrow">
-            <a:avLst/>
-          </a:prstGeom>
-        </p:spPr>
-        <p:style>
-          <a:lnRef idx="2">
-            <a:schemeClr val="accent1">
-              <a:shade val="50000"/>
-            </a:schemeClr>
-          </a:lnRef>
-          <a:fillRef idx="1">
-            <a:schemeClr val="accent1"/>
-          </a:fillRef>
-          <a:effectRef idx="0">
-            <a:schemeClr val="accent1"/>
-          </a:effectRef>
-          <a:fontRef idx="minor">
-            <a:schemeClr val="lt1"/>
-          </a:fontRef>
-        </p:style>
-        <p:txBody>
-          <a:bodyPr rtlCol="0" anchor="ctr"/>
-          <a:lstStyle/>
-          <a:p>
-            <a:pPr algn="ctr"/>
-            <a:endParaRPr lang="en-US"/>
-          </a:p>
-        </p:txBody>
-      </p:sp>
-      <p:sp>
-        <p:nvSpPr>
-          <p:cNvPr id="13" name="TextBox 12"/>
-          <p:cNvSpPr txBox="1"/>
-          <p:nvPr/>
-        </p:nvSpPr>
-        <p:spPr>
-          <a:xfrm>
-            <a:off x="7597588" y="3048000"/>
-            <a:ext cx="1189428" cy="646331"/>
-          </a:xfrm>
-          <a:prstGeom prst="rect">
-            <a:avLst/>
-          </a:prstGeom>
-          <a:noFill/>
-        </p:spPr>
-        <p:txBody>
-          <a:bodyPr wrap="none" rtlCol="0">
-            <a:spAutoFit/>
-          </a:bodyPr>
-          <a:lstStyle/>
-          <a:p>
-            <a:r>
-              <a:rPr lang="en-US" dirty="0" smtClean="0"/>
-              <a:t>Yes, it will</a:t>
-            </a:r>
-          </a:p>
-          <a:p>
-            <a:r>
-              <a:rPr lang="en-US" dirty="0" smtClean="0"/>
-              <a:t>rain today</a:t>
-            </a:r>
-            <a:endParaRPr lang="en-US" dirty="0"/>
-          </a:p>
-        </p:txBody>
-      </p:sp>
-      <p:sp>
-        <p:nvSpPr>
-          <p:cNvPr id="14" name="Right Arrow 13"/>
-          <p:cNvSpPr/>
-          <p:nvPr/>
-        </p:nvSpPr>
-        <p:spPr>
-          <a:xfrm>
-            <a:off x="6934200" y="3124200"/>
-            <a:ext cx="587188" cy="484632"/>
-          </a:xfrm>
-          <a:prstGeom prst="rightArrow">
-            <a:avLst/>
-          </a:prstGeom>
-        </p:spPr>
-        <p:style>
-          <a:lnRef idx="2">
-            <a:schemeClr val="accent1">
-              <a:shade val="50000"/>
-            </a:schemeClr>
-          </a:lnRef>
-          <a:fillRef idx="1">
-            <a:schemeClr val="accent1"/>
-          </a:fillRef>
-          <a:effectRef idx="0">
-            <a:schemeClr val="accent1"/>
-          </a:effectRef>
-          <a:fontRef idx="minor">
-            <a:schemeClr val="lt1"/>
-          </a:fontRef>
-        </p:style>
-        <p:txBody>
-          <a:bodyPr rtlCol="0" anchor="ctr"/>
-          <a:lstStyle/>
-          <a:p>
-            <a:pPr algn="ctr"/>
-            <a:endParaRPr lang="en-US"/>
-          </a:p>
-        </p:txBody>
-      </p:sp>
-    </p:spTree>
-    <p:extLst>
-      <p:ext uri="{BB962C8B-B14F-4D97-AF65-F5344CB8AC3E}">
-        <p14:creationId xmlns:p14="http://schemas.microsoft.com/office/powerpoint/2010/main" val="2020058709"/>
-      </p:ext>
-    </p:extLst>
-  </p:cSld>
-  <p:clrMapOvr>
-    <a:masterClrMapping/>
-  </p:clrMapOvr>
-  <p:timing>
-    <p:tnLst>
-      <p:par>
-        <p:cTn xmlns:p14="http://schemas.microsoft.com/office/powerpoint/2010/main" id="1" dur="indefinite" restart="never" nodeType="tmRoot"/>
-      </p:par>
-    </p:tnLst>
-  </p:timing>
-</p:sld>
-</file>
-
-<file path=ppt/slides/slide30.xml><?xml version="1.0" encoding="utf-8"?>
+<file path=ppt/slides/slide33.xml><?xml version="1.0" encoding="utf-8"?>
 <p:sld xmlns:a="http://schemas.openxmlformats.org/drawingml/2006/main" xmlns:r="http://schemas.openxmlformats.org/officeDocument/2006/relationships" xmlns:p="http://schemas.openxmlformats.org/presentationml/2006/main">
   <p:cSld>
     <p:spTree>
@@ -22427,7 +23285,7 @@
             <a:graphicData uri="http://schemas.openxmlformats.org/presentationml/2006/ole">
               <mc:AlternateContent xmlns:mc="http://schemas.openxmlformats.org/markup-compatibility/2006">
                 <mc:Choice xmlns:v="urn:schemas-microsoft-com:vml" Requires="v">
-                  <p:oleObj spid="_x0000_s207905" name="Acrobat Document" r:id="rId4" imgW="4171320" imgH="4176000" progId="AcroExch.Document.7">
+                  <p:oleObj spid="_x0000_s207912" name="Acrobat Document" r:id="rId4" imgW="4171320" imgH="4176000" progId="AcroExch.Document.7">
                     <p:embed/>
                   </p:oleObj>
                 </mc:Choice>
@@ -22466,7 +23324,7 @@
                         <a:noFill/>
                         <a:extLst>
                           <a:ext uri="{909E8E84-426E-40dd-AFC4-6F175D3DCCD1}">
-                            <a14:hiddenFill xmlns:a14="http://schemas.microsoft.com/office/drawing/2010/main">
+                            <a14:hiddenFill xmlns:a14="http://schemas.microsoft.com/office/drawing/2010/main" xmlns="">
                               <a:solidFill>
                                 <a:srgbClr val="FFFFFF"/>
                               </a:solidFill>
@@ -22578,14 +23436,14 @@
   <p:timing>
     <p:tnLst>
       <p:par>
-        <p:cTn xmlns:p14="http://schemas.microsoft.com/office/powerpoint/2010/main" id="1" dur="indefinite" restart="never" nodeType="tmRoot"/>
+        <p:cTn id="1" dur="indefinite" restart="never" nodeType="tmRoot"/>
       </p:par>
     </p:tnLst>
   </p:timing>
 </p:sld>
 </file>
 
-<file path=ppt/slides/slide31.xml><?xml version="1.0" encoding="utf-8"?>
+<file path=ppt/slides/slide34.xml><?xml version="1.0" encoding="utf-8"?>
 <p:sld xmlns:a="http://schemas.openxmlformats.org/drawingml/2006/main" xmlns:r="http://schemas.openxmlformats.org/officeDocument/2006/relationships" xmlns:p="http://schemas.openxmlformats.org/presentationml/2006/main">
   <p:cSld>
     <p:spTree>
@@ -22618,7 +23476,7 @@
           <a:graphicData uri="http://schemas.openxmlformats.org/presentationml/2006/ole">
             <mc:AlternateContent xmlns:mc="http://schemas.openxmlformats.org/markup-compatibility/2006">
               <mc:Choice xmlns:v="urn:schemas-microsoft-com:vml" Requires="v">
-                <p:oleObj spid="_x0000_s210977" name="Acrobat Document" r:id="rId4" imgW="4171320" imgH="4176000" progId="AcroExch.Document.7">
+                <p:oleObj spid="_x0000_s210984" name="Acrobat Document" r:id="rId4" imgW="4171320" imgH="4176000" progId="AcroExch.Document.7">
                   <p:embed/>
                 </p:oleObj>
               </mc:Choice>
@@ -22657,7 +23515,7 @@
                       <a:noFill/>
                       <a:extLst>
                         <a:ext uri="{909E8E84-426E-40dd-AFC4-6F175D3DCCD1}">
-                          <a14:hiddenFill xmlns:a14="http://schemas.microsoft.com/office/drawing/2010/main">
+                          <a14:hiddenFill xmlns:a14="http://schemas.microsoft.com/office/drawing/2010/main" xmlns="">
                             <a:solidFill>
                               <a:srgbClr val="FFFFFF"/>
                             </a:solidFill>
@@ -22955,14 +23813,14 @@
   <p:timing>
     <p:tnLst>
       <p:par>
-        <p:cTn xmlns:p14="http://schemas.microsoft.com/office/powerpoint/2010/main" id="1" dur="indefinite" restart="never" nodeType="tmRoot"/>
+        <p:cTn id="1" dur="indefinite" restart="never" nodeType="tmRoot"/>
       </p:par>
     </p:tnLst>
   </p:timing>
 </p:sld>
 </file>
 
-<file path=ppt/slides/slide32.xml><?xml version="1.0" encoding="utf-8"?>
+<file path=ppt/slides/slide35.xml><?xml version="1.0" encoding="utf-8"?>
 <p:sld xmlns:a="http://schemas.openxmlformats.org/drawingml/2006/main" xmlns:r="http://schemas.openxmlformats.org/officeDocument/2006/relationships" xmlns:p="http://schemas.openxmlformats.org/presentationml/2006/main">
   <p:cSld>
     <p:spTree>
@@ -23032,7 +23890,7 @@
             <a:graphicData uri="http://schemas.openxmlformats.org/presentationml/2006/ole">
               <mc:AlternateContent xmlns:mc="http://schemas.openxmlformats.org/markup-compatibility/2006">
                 <mc:Choice xmlns:v="urn:schemas-microsoft-com:vml" Requires="v">
-                  <p:oleObj spid="_x0000_s206882" name="Acrobat Document" r:id="rId4" imgW="4171320" imgH="4176000" progId="AcroExch.Document.7">
+                  <p:oleObj spid="_x0000_s206889" name="Acrobat Document" r:id="rId4" imgW="4171320" imgH="4176000" progId="AcroExch.Document.7">
                     <p:embed/>
                   </p:oleObj>
                 </mc:Choice>
@@ -23071,7 +23929,7 @@
                         <a:noFill/>
                         <a:extLst>
                           <a:ext uri="{909E8E84-426E-40dd-AFC4-6F175D3DCCD1}">
-                            <a14:hiddenFill xmlns:a14="http://schemas.microsoft.com/office/drawing/2010/main">
+                            <a14:hiddenFill xmlns:a14="http://schemas.microsoft.com/office/drawing/2010/main" xmlns="">
                               <a:solidFill>
                                 <a:srgbClr val="FFFFFF"/>
                               </a:solidFill>
@@ -23157,14 +24015,14 @@
   <p:timing>
     <p:tnLst>
       <p:par>
-        <p:cTn xmlns:p14="http://schemas.microsoft.com/office/powerpoint/2010/main" id="1" dur="indefinite" restart="never" nodeType="tmRoot"/>
+        <p:cTn id="1" dur="indefinite" restart="never" nodeType="tmRoot"/>
       </p:par>
     </p:tnLst>
   </p:timing>
 </p:sld>
 </file>
 
-<file path=ppt/slides/slide33.xml><?xml version="1.0" encoding="utf-8"?>
+<file path=ppt/slides/slide36.xml><?xml version="1.0" encoding="utf-8"?>
 <p:sld xmlns:a="http://schemas.openxmlformats.org/drawingml/2006/main" xmlns:r="http://schemas.openxmlformats.org/officeDocument/2006/relationships" xmlns:p="http://schemas.openxmlformats.org/presentationml/2006/main">
   <p:cSld>
     <p:spTree>
@@ -23197,7 +24055,7 @@
           <a:graphicData uri="http://schemas.openxmlformats.org/presentationml/2006/ole">
             <mc:AlternateContent xmlns:mc="http://schemas.openxmlformats.org/markup-compatibility/2006">
               <mc:Choice xmlns:v="urn:schemas-microsoft-com:vml" Requires="v">
-                <p:oleObj spid="_x0000_s177192" name="Acrobat Document" r:id="rId4" imgW="4171320" imgH="4176000" progId="AcroExch.Document.7">
+                <p:oleObj spid="_x0000_s177199" name="Acrobat Document" r:id="rId4" imgW="4171320" imgH="4176000" progId="AcroExch.Document.7">
                   <p:embed/>
                 </p:oleObj>
               </mc:Choice>
@@ -23236,7 +24094,7 @@
                       <a:noFill/>
                       <a:extLst>
                         <a:ext uri="{909E8E84-426E-40dd-AFC4-6F175D3DCCD1}">
-                          <a14:hiddenFill xmlns:a14="http://schemas.microsoft.com/office/drawing/2010/main">
+                          <a14:hiddenFill xmlns:a14="http://schemas.microsoft.com/office/drawing/2010/main" xmlns="">
                             <a:solidFill>
                               <a:srgbClr val="FFFFFF"/>
                             </a:solidFill>
@@ -23344,14 +24202,14 @@
   <p:timing>
     <p:tnLst>
       <p:par>
-        <p:cTn xmlns:p14="http://schemas.microsoft.com/office/powerpoint/2010/main" id="1" dur="indefinite" restart="never" nodeType="tmRoot"/>
+        <p:cTn id="1" dur="indefinite" restart="never" nodeType="tmRoot"/>
       </p:par>
     </p:tnLst>
   </p:timing>
 </p:sld>
 </file>
 
-<file path=ppt/slides/slide34.xml><?xml version="1.0" encoding="utf-8"?>
+<file path=ppt/slides/slide37.xml><?xml version="1.0" encoding="utf-8"?>
 <p:sld xmlns:a="http://schemas.openxmlformats.org/drawingml/2006/main" xmlns:r="http://schemas.openxmlformats.org/officeDocument/2006/relationships" xmlns:p="http://schemas.openxmlformats.org/presentationml/2006/main">
   <p:cSld>
     <p:spTree>
@@ -23421,7 +24279,7 @@
             <a:graphicData uri="http://schemas.openxmlformats.org/presentationml/2006/ole">
               <mc:AlternateContent xmlns:mc="http://schemas.openxmlformats.org/markup-compatibility/2006">
                 <mc:Choice xmlns:v="urn:schemas-microsoft-com:vml" Requires="v">
-                  <p:oleObj spid="_x0000_s208930" name="Acrobat Document" r:id="rId4" imgW="4171320" imgH="4176000" progId="AcroExch.Document.7">
+                  <p:oleObj spid="_x0000_s208937" name="Acrobat Document" r:id="rId4" imgW="4171320" imgH="4176000" progId="AcroExch.Document.7">
                     <p:embed/>
                   </p:oleObj>
                 </mc:Choice>
@@ -23460,7 +24318,7 @@
                         <a:noFill/>
                         <a:extLst>
                           <a:ext uri="{909E8E84-426E-40dd-AFC4-6F175D3DCCD1}">
-                            <a14:hiddenFill xmlns:a14="http://schemas.microsoft.com/office/drawing/2010/main">
+                            <a14:hiddenFill xmlns:a14="http://schemas.microsoft.com/office/drawing/2010/main" xmlns="">
                               <a:solidFill>
                                 <a:srgbClr val="FFFFFF"/>
                               </a:solidFill>
@@ -23546,14 +24404,14 @@
   <p:timing>
     <p:tnLst>
       <p:par>
-        <p:cTn xmlns:p14="http://schemas.microsoft.com/office/powerpoint/2010/main" id="1" dur="indefinite" restart="never" nodeType="tmRoot"/>
+        <p:cTn id="1" dur="indefinite" restart="never" nodeType="tmRoot"/>
       </p:par>
     </p:tnLst>
   </p:timing>
 </p:sld>
 </file>
 
-<file path=ppt/slides/slide35.xml><?xml version="1.0" encoding="utf-8"?>
+<file path=ppt/slides/slide38.xml><?xml version="1.0" encoding="utf-8"?>
 <p:sld xmlns:a="http://schemas.openxmlformats.org/drawingml/2006/main" xmlns:r="http://schemas.openxmlformats.org/officeDocument/2006/relationships" xmlns:p="http://schemas.openxmlformats.org/presentationml/2006/main">
   <p:cSld>
     <p:spTree>
@@ -23701,7 +24559,7 @@
           <a:graphicData uri="http://schemas.openxmlformats.org/presentationml/2006/ole">
             <mc:AlternateContent xmlns:mc="http://schemas.openxmlformats.org/markup-compatibility/2006">
               <mc:Choice xmlns:v="urn:schemas-microsoft-com:vml" Requires="v">
-                <p:oleObj spid="_x0000_s127013" name="Acrobat Document" r:id="rId4" imgW="4171320" imgH="4176000" progId="AcroExch.Document.7">
+                <p:oleObj spid="_x0000_s127020" name="Acrobat Document" r:id="rId4" imgW="4171320" imgH="4176000" progId="AcroExch.Document.7">
                   <p:embed/>
                 </p:oleObj>
               </mc:Choice>
@@ -23740,7 +24598,7 @@
                       <a:noFill/>
                       <a:extLst>
                         <a:ext uri="{909E8E84-426E-40dd-AFC4-6F175D3DCCD1}">
-                          <a14:hiddenFill xmlns:a14="http://schemas.microsoft.com/office/drawing/2010/main">
+                          <a14:hiddenFill xmlns:a14="http://schemas.microsoft.com/office/drawing/2010/main" xmlns="">
                             <a:solidFill>
                               <a:srgbClr val="FFFFFF"/>
                             </a:solidFill>
@@ -23763,14 +24621,14 @@
   <p:timing>
     <p:tnLst>
       <p:par>
-        <p:cTn xmlns:p14="http://schemas.microsoft.com/office/powerpoint/2010/main" id="1" dur="indefinite" restart="never" nodeType="tmRoot"/>
+        <p:cTn id="1" dur="indefinite" restart="never" nodeType="tmRoot"/>
       </p:par>
     </p:tnLst>
   </p:timing>
 </p:sld>
 </file>
 
-<file path=ppt/slides/slide36.xml><?xml version="1.0" encoding="utf-8"?>
+<file path=ppt/slides/slide39.xml><?xml version="1.0" encoding="utf-8"?>
 <p:sld xmlns:a="http://schemas.openxmlformats.org/drawingml/2006/main" xmlns:r="http://schemas.openxmlformats.org/officeDocument/2006/relationships" xmlns:p="http://schemas.openxmlformats.org/presentationml/2006/main">
   <p:cSld>
     <p:spTree>
@@ -23918,7 +24776,7 @@
           <a:graphicData uri="http://schemas.openxmlformats.org/presentationml/2006/ole">
             <mc:AlternateContent xmlns:mc="http://schemas.openxmlformats.org/markup-compatibility/2006">
               <mc:Choice xmlns:v="urn:schemas-microsoft-com:vml" Requires="v">
-                <p:oleObj spid="_x0000_s209953" name="Acrobat Document" r:id="rId4" imgW="4171320" imgH="4176000" progId="AcroExch.Document.7">
+                <p:oleObj spid="_x0000_s209960" name="Acrobat Document" r:id="rId4" imgW="4171320" imgH="4176000" progId="AcroExch.Document.7">
                   <p:embed/>
                 </p:oleObj>
               </mc:Choice>
@@ -23957,7 +24815,7 @@
                       <a:noFill/>
                       <a:extLst>
                         <a:ext uri="{909E8E84-426E-40dd-AFC4-6F175D3DCCD1}">
-                          <a14:hiddenFill xmlns:a14="http://schemas.microsoft.com/office/drawing/2010/main">
+                          <a14:hiddenFill xmlns:a14="http://schemas.microsoft.com/office/drawing/2010/main" xmlns="">
                             <a:solidFill>
                               <a:srgbClr val="FFFFFF"/>
                             </a:solidFill>
@@ -24119,14 +24977,100 @@
   <p:timing>
     <p:tnLst>
       <p:par>
-        <p:cTn xmlns:p14="http://schemas.microsoft.com/office/powerpoint/2010/main" id="1" dur="indefinite" restart="never" nodeType="tmRoot"/>
+        <p:cTn id="1" dur="indefinite" restart="never" nodeType="tmRoot"/>
       </p:par>
     </p:tnLst>
   </p:timing>
 </p:sld>
 </file>
 
-<file path=ppt/slides/slide37.xml><?xml version="1.0" encoding="utf-8"?>
+<file path=ppt/slides/slide4.xml><?xml version="1.0" encoding="utf-8"?>
+<p:sld xmlns:a="http://schemas.openxmlformats.org/drawingml/2006/main" xmlns:r="http://schemas.openxmlformats.org/officeDocument/2006/relationships" xmlns:p="http://schemas.openxmlformats.org/presentationml/2006/main">
+  <p:cSld>
+    <p:spTree>
+      <p:nvGrpSpPr>
+        <p:cNvPr id="1" name=""/>
+        <p:cNvGrpSpPr/>
+        <p:nvPr/>
+      </p:nvGrpSpPr>
+      <p:grpSpPr>
+        <a:xfrm>
+          <a:off x="0" y="0"/>
+          <a:ext cx="0" cy="0"/>
+          <a:chOff x="0" y="0"/>
+          <a:chExt cx="0" cy="0"/>
+        </a:xfrm>
+      </p:grpSpPr>
+      <p:sp>
+        <p:nvSpPr>
+          <p:cNvPr id="2" name="Title 1"/>
+          <p:cNvSpPr>
+            <a:spLocks noGrp="1"/>
+          </p:cNvSpPr>
+          <p:nvPr>
+            <p:ph type="title"/>
+          </p:nvPr>
+        </p:nvSpPr>
+        <p:spPr/>
+        <p:txBody>
+          <a:bodyPr/>
+          <a:lstStyle/>
+          <a:p>
+            <a:r>
+              <a:rPr lang="en-US" dirty="0" smtClean="0"/>
+              <a:t>Whole book on the subject</a:t>
+            </a:r>
+            <a:endParaRPr lang="en-US" dirty="0"/>
+          </a:p>
+        </p:txBody>
+      </p:sp>
+      <p:pic>
+        <p:nvPicPr>
+          <p:cNvPr id="4" name="Content Placeholder 3"/>
+          <p:cNvPicPr>
+            <a:picLocks noGrp="1" noChangeAspect="1"/>
+          </p:cNvPicPr>
+          <p:nvPr>
+            <p:ph idx="1"/>
+          </p:nvPr>
+        </p:nvPicPr>
+        <p:blipFill>
+          <a:blip r:embed="rId2"/>
+          <a:stretch>
+            <a:fillRect/>
+          </a:stretch>
+        </p:blipFill>
+        <p:spPr>
+          <a:xfrm>
+            <a:off x="2791056" y="914400"/>
+            <a:ext cx="3561887" cy="5334000"/>
+          </a:xfrm>
+          <a:prstGeom prst="rect">
+            <a:avLst/>
+          </a:prstGeom>
+        </p:spPr>
+      </p:pic>
+    </p:spTree>
+    <p:extLst>
+      <p:ext uri="{BB962C8B-B14F-4D97-AF65-F5344CB8AC3E}">
+        <p14:creationId xmlns:p14="http://schemas.microsoft.com/office/powerpoint/2010/main" val="583505055"/>
+      </p:ext>
+    </p:extLst>
+  </p:cSld>
+  <p:clrMapOvr>
+    <a:masterClrMapping/>
+  </p:clrMapOvr>
+  <p:timing>
+    <p:tnLst>
+      <p:par>
+        <p:cTn id="1" dur="indefinite" restart="never" nodeType="tmRoot"/>
+      </p:par>
+    </p:tnLst>
+  </p:timing>
+</p:sld>
+</file>
+
+<file path=ppt/slides/slide40.xml><?xml version="1.0" encoding="utf-8"?>
 <p:sld xmlns:a="http://schemas.openxmlformats.org/drawingml/2006/main" xmlns:r="http://schemas.openxmlformats.org/officeDocument/2006/relationships" xmlns:p="http://schemas.openxmlformats.org/presentationml/2006/main">
   <p:cSld>
     <p:spTree>
@@ -24159,7 +25103,7 @@
           <a:graphicData uri="http://schemas.openxmlformats.org/presentationml/2006/ole">
             <mc:AlternateContent xmlns:mc="http://schemas.openxmlformats.org/markup-compatibility/2006">
               <mc:Choice xmlns:v="urn:schemas-microsoft-com:vml" Requires="v">
-                <p:oleObj spid="_x0000_s223265" name="Acrobat Document" r:id="rId4" imgW="4171320" imgH="4176000" progId="AcroExch.Document.7">
+                <p:oleObj spid="_x0000_s223272" name="Acrobat Document" r:id="rId4" imgW="4171320" imgH="4176000" progId="AcroExch.Document.7">
                   <p:embed/>
                 </p:oleObj>
               </mc:Choice>
@@ -24198,7 +25142,7 @@
                       <a:noFill/>
                       <a:extLst>
                         <a:ext uri="{909E8E84-426E-40dd-AFC4-6F175D3DCCD1}">
-                          <a14:hiddenFill xmlns:a14="http://schemas.microsoft.com/office/drawing/2010/main">
+                          <a14:hiddenFill xmlns:a14="http://schemas.microsoft.com/office/drawing/2010/main" xmlns="">
                             <a:solidFill>
                               <a:srgbClr val="FFFFFF"/>
                             </a:solidFill>
@@ -24470,14 +25414,14 @@
   <p:timing>
     <p:tnLst>
       <p:par>
-        <p:cTn xmlns:p14="http://schemas.microsoft.com/office/powerpoint/2010/main" id="1" dur="indefinite" restart="never" nodeType="tmRoot"/>
+        <p:cTn id="1" dur="indefinite" restart="never" nodeType="tmRoot"/>
       </p:par>
     </p:tnLst>
   </p:timing>
 </p:sld>
 </file>
 
-<file path=ppt/slides/slide38.xml><?xml version="1.0" encoding="utf-8"?>
+<file path=ppt/slides/slide41.xml><?xml version="1.0" encoding="utf-8"?>
 <p:sld xmlns:a="http://schemas.openxmlformats.org/drawingml/2006/main" xmlns:r="http://schemas.openxmlformats.org/officeDocument/2006/relationships" xmlns:p="http://schemas.openxmlformats.org/presentationml/2006/main">
   <p:cSld>
     <p:spTree>
@@ -24842,14 +25786,14 @@
   <p:timing>
     <p:tnLst>
       <p:par>
-        <p:cTn xmlns:p14="http://schemas.microsoft.com/office/powerpoint/2010/main" id="1" dur="indefinite" restart="never" nodeType="tmRoot"/>
+        <p:cTn id="1" dur="indefinite" restart="never" nodeType="tmRoot"/>
       </p:par>
     </p:tnLst>
   </p:timing>
 </p:sld>
 </file>
 
-<file path=ppt/slides/slide39.xml><?xml version="1.0" encoding="utf-8"?>
+<file path=ppt/slides/slide42.xml><?xml version="1.0" encoding="utf-8"?>
 <p:sld xmlns:a="http://schemas.openxmlformats.org/drawingml/2006/main" xmlns:r="http://schemas.openxmlformats.org/officeDocument/2006/relationships" xmlns:p="http://schemas.openxmlformats.org/presentationml/2006/main">
   <p:cSld>
     <p:spTree>
@@ -24974,7 +25918,7 @@
   <p:timing>
     <p:tnLst>
       <p:par>
-        <p:cTn xmlns:p14="http://schemas.microsoft.com/office/powerpoint/2010/main" id="1" dur="indefinite" restart="never" nodeType="tmRoot">
+        <p:cTn id="1" dur="indefinite" restart="never" nodeType="tmRoot">
           <p:childTnLst>
             <p:seq concurrent="1" nextAc="seek">
               <p:cTn id="2" dur="indefinite" nodeType="mainSeq">
@@ -25291,482 +26235,7 @@
 </p:sld>
 </file>
 
-<file path=ppt/slides/slide4.xml><?xml version="1.0" encoding="utf-8"?>
-<p:sld xmlns:a="http://schemas.openxmlformats.org/drawingml/2006/main" xmlns:r="http://schemas.openxmlformats.org/officeDocument/2006/relationships" xmlns:p="http://schemas.openxmlformats.org/presentationml/2006/main">
-  <p:cSld>
-    <p:spTree>
-      <p:nvGrpSpPr>
-        <p:cNvPr id="1" name=""/>
-        <p:cNvGrpSpPr/>
-        <p:nvPr/>
-      </p:nvGrpSpPr>
-      <p:grpSpPr>
-        <a:xfrm>
-          <a:off x="0" y="0"/>
-          <a:ext cx="0" cy="0"/>
-          <a:chOff x="0" y="0"/>
-          <a:chExt cx="0" cy="0"/>
-        </a:xfrm>
-      </p:grpSpPr>
-      <p:sp>
-        <p:nvSpPr>
-          <p:cNvPr id="2" name="Title 1"/>
-          <p:cNvSpPr>
-            <a:spLocks noGrp="1"/>
-          </p:cNvSpPr>
-          <p:nvPr>
-            <p:ph type="title"/>
-          </p:nvPr>
-        </p:nvSpPr>
-        <p:spPr/>
-        <p:txBody>
-          <a:bodyPr/>
-          <a:lstStyle/>
-          <a:p>
-            <a:r>
-              <a:rPr lang="en-US" dirty="0" err="1"/>
-              <a:t>Siri</a:t>
-            </a:r>
-            <a:r>
-              <a:rPr lang="en-US" dirty="0"/>
-              <a:t> in </a:t>
-            </a:r>
-            <a:r>
-              <a:rPr lang="en-US" dirty="0" smtClean="0"/>
-              <a:t>Five Minutes</a:t>
-            </a:r>
-            <a:endParaRPr lang="en-US" dirty="0"/>
-          </a:p>
-        </p:txBody>
-      </p:sp>
-      <p:pic>
-        <p:nvPicPr>
-          <p:cNvPr id="4" name="Content Placeholder 3"/>
-          <p:cNvPicPr>
-            <a:picLocks noGrp="1" noChangeAspect="1"/>
-          </p:cNvPicPr>
-          <p:nvPr>
-            <p:ph idx="1"/>
-          </p:nvPr>
-        </p:nvPicPr>
-        <p:blipFill>
-          <a:blip r:embed="rId2" cstate="print">
-            <a:extLst>
-              <a:ext uri="{28A0092B-C50C-407E-A947-70E740481C1C}">
-                <a14:useLocalDpi xmlns:a14="http://schemas.microsoft.com/office/drawing/2010/main" val="0"/>
-              </a:ext>
-            </a:extLst>
-          </a:blip>
-          <a:stretch>
-            <a:fillRect/>
-          </a:stretch>
-        </p:blipFill>
-        <p:spPr>
-          <a:xfrm flipH="1">
-            <a:off x="228600" y="2819400"/>
-            <a:ext cx="1828434" cy="1219200"/>
-          </a:xfrm>
-        </p:spPr>
-      </p:pic>
-      <p:pic>
-        <p:nvPicPr>
-          <p:cNvPr id="5" name="Picture 5" descr="C:\Users\Scott\Documents\presentations\CLSP KWS talk 2012\waveform.png"/>
-          <p:cNvPicPr>
-            <a:picLocks noChangeAspect="1" noChangeArrowheads="1"/>
-          </p:cNvPicPr>
-          <p:nvPr/>
-        </p:nvPicPr>
-        <p:blipFill>
-          <a:blip r:embed="rId3" cstate="print"/>
-          <a:srcRect/>
-          <a:stretch>
-            <a:fillRect/>
-          </a:stretch>
-        </p:blipFill>
-        <p:spPr bwMode="auto">
-          <a:xfrm>
-            <a:off x="2895600" y="3009900"/>
-            <a:ext cx="1729741" cy="685800"/>
-          </a:xfrm>
-          <a:prstGeom prst="rect">
-            <a:avLst/>
-          </a:prstGeom>
-          <a:noFill/>
-        </p:spPr>
-      </p:pic>
-      <p:sp>
-        <p:nvSpPr>
-          <p:cNvPr id="6" name="TextBox 5"/>
-          <p:cNvSpPr txBox="1"/>
-          <p:nvPr/>
-        </p:nvSpPr>
-        <p:spPr>
-          <a:xfrm>
-            <a:off x="5334000" y="3048000"/>
-            <a:ext cx="1608133" cy="646331"/>
-          </a:xfrm>
-          <a:prstGeom prst="rect">
-            <a:avLst/>
-          </a:prstGeom>
-          <a:noFill/>
-        </p:spPr>
-        <p:txBody>
-          <a:bodyPr wrap="none" rtlCol="0">
-            <a:spAutoFit/>
-          </a:bodyPr>
-          <a:lstStyle/>
-          <a:p>
-            <a:r>
-              <a:rPr lang="en-US" dirty="0" smtClean="0"/>
-              <a:t>Should I bring</a:t>
-            </a:r>
-          </a:p>
-          <a:p>
-            <a:r>
-              <a:rPr lang="en-US" dirty="0" smtClean="0"/>
-              <a:t> an umbrella</a:t>
-            </a:r>
-            <a:endParaRPr lang="en-US" dirty="0"/>
-          </a:p>
-        </p:txBody>
-      </p:sp>
-      <p:sp>
-        <p:nvSpPr>
-          <p:cNvPr id="11" name="Right Arrow 10"/>
-          <p:cNvSpPr/>
-          <p:nvPr/>
-        </p:nvSpPr>
-        <p:spPr>
-          <a:xfrm>
-            <a:off x="2156012" y="3110484"/>
-            <a:ext cx="587188" cy="484632"/>
-          </a:xfrm>
-          <a:prstGeom prst="rightArrow">
-            <a:avLst/>
-          </a:prstGeom>
-        </p:spPr>
-        <p:style>
-          <a:lnRef idx="2">
-            <a:schemeClr val="accent1">
-              <a:shade val="50000"/>
-            </a:schemeClr>
-          </a:lnRef>
-          <a:fillRef idx="1">
-            <a:schemeClr val="accent1"/>
-          </a:fillRef>
-          <a:effectRef idx="0">
-            <a:schemeClr val="accent1"/>
-          </a:effectRef>
-          <a:fontRef idx="minor">
-            <a:schemeClr val="lt1"/>
-          </a:fontRef>
-        </p:style>
-        <p:txBody>
-          <a:bodyPr rtlCol="0" anchor="ctr"/>
-          <a:lstStyle/>
-          <a:p>
-            <a:pPr algn="ctr"/>
-            <a:endParaRPr lang="en-US"/>
-          </a:p>
-        </p:txBody>
-      </p:sp>
-      <p:sp>
-        <p:nvSpPr>
-          <p:cNvPr id="12" name="Right Arrow 11"/>
-          <p:cNvSpPr/>
-          <p:nvPr/>
-        </p:nvSpPr>
-        <p:spPr>
-          <a:xfrm>
-            <a:off x="4746812" y="3124200"/>
-            <a:ext cx="587188" cy="484632"/>
-          </a:xfrm>
-          <a:prstGeom prst="rightArrow">
-            <a:avLst/>
-          </a:prstGeom>
-        </p:spPr>
-        <p:style>
-          <a:lnRef idx="2">
-            <a:schemeClr val="accent1">
-              <a:shade val="50000"/>
-            </a:schemeClr>
-          </a:lnRef>
-          <a:fillRef idx="1">
-            <a:schemeClr val="accent1"/>
-          </a:fillRef>
-          <a:effectRef idx="0">
-            <a:schemeClr val="accent1"/>
-          </a:effectRef>
-          <a:fontRef idx="minor">
-            <a:schemeClr val="lt1"/>
-          </a:fontRef>
-        </p:style>
-        <p:txBody>
-          <a:bodyPr rtlCol="0" anchor="ctr"/>
-          <a:lstStyle/>
-          <a:p>
-            <a:pPr algn="ctr"/>
-            <a:endParaRPr lang="en-US"/>
-          </a:p>
-        </p:txBody>
-      </p:sp>
-      <p:sp>
-        <p:nvSpPr>
-          <p:cNvPr id="13" name="TextBox 12"/>
-          <p:cNvSpPr txBox="1"/>
-          <p:nvPr/>
-        </p:nvSpPr>
-        <p:spPr>
-          <a:xfrm>
-            <a:off x="7597588" y="3048000"/>
-            <a:ext cx="1189428" cy="646331"/>
-          </a:xfrm>
-          <a:prstGeom prst="rect">
-            <a:avLst/>
-          </a:prstGeom>
-          <a:noFill/>
-        </p:spPr>
-        <p:txBody>
-          <a:bodyPr wrap="none" rtlCol="0">
-            <a:spAutoFit/>
-          </a:bodyPr>
-          <a:lstStyle/>
-          <a:p>
-            <a:r>
-              <a:rPr lang="en-US" dirty="0" smtClean="0"/>
-              <a:t>Yes, it will</a:t>
-            </a:r>
-          </a:p>
-          <a:p>
-            <a:r>
-              <a:rPr lang="en-US" dirty="0" smtClean="0"/>
-              <a:t>rain today</a:t>
-            </a:r>
-            <a:endParaRPr lang="en-US" dirty="0"/>
-          </a:p>
-        </p:txBody>
-      </p:sp>
-      <p:sp>
-        <p:nvSpPr>
-          <p:cNvPr id="14" name="Right Arrow 13"/>
-          <p:cNvSpPr/>
-          <p:nvPr/>
-        </p:nvSpPr>
-        <p:spPr>
-          <a:xfrm>
-            <a:off x="6934200" y="3124200"/>
-            <a:ext cx="587188" cy="484632"/>
-          </a:xfrm>
-          <a:prstGeom prst="rightArrow">
-            <a:avLst/>
-          </a:prstGeom>
-        </p:spPr>
-        <p:style>
-          <a:lnRef idx="2">
-            <a:schemeClr val="accent1">
-              <a:shade val="50000"/>
-            </a:schemeClr>
-          </a:lnRef>
-          <a:fillRef idx="1">
-            <a:schemeClr val="accent1"/>
-          </a:fillRef>
-          <a:effectRef idx="0">
-            <a:schemeClr val="accent1"/>
-          </a:effectRef>
-          <a:fontRef idx="minor">
-            <a:schemeClr val="lt1"/>
-          </a:fontRef>
-        </p:style>
-        <p:txBody>
-          <a:bodyPr rtlCol="0" anchor="ctr"/>
-          <a:lstStyle/>
-          <a:p>
-            <a:pPr algn="ctr"/>
-            <a:endParaRPr lang="en-US"/>
-          </a:p>
-        </p:txBody>
-      </p:sp>
-      <p:sp>
-        <p:nvSpPr>
-          <p:cNvPr id="15" name="Multiply 14"/>
-          <p:cNvSpPr/>
-          <p:nvPr/>
-        </p:nvSpPr>
-        <p:spPr>
-          <a:xfrm>
-            <a:off x="6784041" y="2952065"/>
-            <a:ext cx="887506" cy="838200"/>
-          </a:xfrm>
-          <a:prstGeom prst="mathMultiply">
-            <a:avLst/>
-          </a:prstGeom>
-          <a:solidFill>
-            <a:srgbClr val="FF0000"/>
-          </a:solidFill>
-          <a:ln w="3175"/>
-        </p:spPr>
-        <p:style>
-          <a:lnRef idx="2">
-            <a:schemeClr val="accent1">
-              <a:shade val="50000"/>
-            </a:schemeClr>
-          </a:lnRef>
-          <a:fillRef idx="1">
-            <a:schemeClr val="accent1"/>
-          </a:fillRef>
-          <a:effectRef idx="0">
-            <a:schemeClr val="accent1"/>
-          </a:effectRef>
-          <a:fontRef idx="minor">
-            <a:schemeClr val="lt1"/>
-          </a:fontRef>
-        </p:style>
-        <p:txBody>
-          <a:bodyPr rtlCol="0" anchor="ctr"/>
-          <a:lstStyle/>
-          <a:p>
-            <a:pPr algn="ctr"/>
-            <a:endParaRPr lang="en-US"/>
-          </a:p>
-        </p:txBody>
-      </p:sp>
-      <p:sp>
-        <p:nvSpPr>
-          <p:cNvPr id="16" name="Multiply 15"/>
-          <p:cNvSpPr/>
-          <p:nvPr/>
-        </p:nvSpPr>
-        <p:spPr>
-          <a:xfrm>
-            <a:off x="1981200" y="2971800"/>
-            <a:ext cx="887506" cy="838200"/>
-          </a:xfrm>
-          <a:prstGeom prst="mathMultiply">
-            <a:avLst/>
-          </a:prstGeom>
-          <a:solidFill>
-            <a:srgbClr val="FF0000"/>
-          </a:solidFill>
-          <a:ln w="3175"/>
-        </p:spPr>
-        <p:style>
-          <a:lnRef idx="2">
-            <a:schemeClr val="accent1">
-              <a:shade val="50000"/>
-            </a:schemeClr>
-          </a:lnRef>
-          <a:fillRef idx="1">
-            <a:schemeClr val="accent1"/>
-          </a:fillRef>
-          <a:effectRef idx="0">
-            <a:schemeClr val="accent1"/>
-          </a:effectRef>
-          <a:fontRef idx="minor">
-            <a:schemeClr val="lt1"/>
-          </a:fontRef>
-        </p:style>
-        <p:txBody>
-          <a:bodyPr rtlCol="0" anchor="ctr"/>
-          <a:lstStyle/>
-          <a:p>
-            <a:pPr algn="ctr"/>
-            <a:endParaRPr lang="en-US"/>
-          </a:p>
-        </p:txBody>
-      </p:sp>
-      <p:sp>
-        <p:nvSpPr>
-          <p:cNvPr id="7" name="Rectangle 6"/>
-          <p:cNvSpPr/>
-          <p:nvPr/>
-        </p:nvSpPr>
-        <p:spPr>
-          <a:xfrm>
-            <a:off x="2743200" y="2743200"/>
-            <a:ext cx="4186109" cy="1219200"/>
-          </a:xfrm>
-          <a:prstGeom prst="rect">
-            <a:avLst/>
-          </a:prstGeom>
-          <a:noFill/>
-          <a:ln w="28575"/>
-        </p:spPr>
-        <p:style>
-          <a:lnRef idx="2">
-            <a:schemeClr val="accent1">
-              <a:shade val="50000"/>
-            </a:schemeClr>
-          </a:lnRef>
-          <a:fillRef idx="1">
-            <a:schemeClr val="accent1"/>
-          </a:fillRef>
-          <a:effectRef idx="0">
-            <a:schemeClr val="accent1"/>
-          </a:effectRef>
-          <a:fontRef idx="minor">
-            <a:schemeClr val="lt1"/>
-          </a:fontRef>
-        </p:style>
-        <p:txBody>
-          <a:bodyPr rtlCol="0" anchor="ctr"/>
-          <a:lstStyle/>
-          <a:p>
-            <a:pPr algn="ctr"/>
-            <a:endParaRPr lang="en-US"/>
-          </a:p>
-        </p:txBody>
-      </p:sp>
-      <p:sp>
-        <p:nvSpPr>
-          <p:cNvPr id="8" name="TextBox 7"/>
-          <p:cNvSpPr txBox="1"/>
-          <p:nvPr/>
-        </p:nvSpPr>
-        <p:spPr>
-          <a:xfrm>
-            <a:off x="3200400" y="4050268"/>
-            <a:ext cx="3339376" cy="369332"/>
-          </a:xfrm>
-          <a:prstGeom prst="rect">
-            <a:avLst/>
-          </a:prstGeom>
-          <a:noFill/>
-        </p:spPr>
-        <p:txBody>
-          <a:bodyPr wrap="none" rtlCol="0">
-            <a:spAutoFit/>
-          </a:bodyPr>
-          <a:lstStyle/>
-          <a:p>
-            <a:r>
-              <a:rPr lang="en-US" dirty="0" smtClean="0"/>
-              <a:t>Automatic Speech Recognition</a:t>
-            </a:r>
-            <a:endParaRPr lang="en-US" dirty="0"/>
-          </a:p>
-        </p:txBody>
-      </p:sp>
-    </p:spTree>
-    <p:extLst>
-      <p:ext uri="{BB962C8B-B14F-4D97-AF65-F5344CB8AC3E}">
-        <p14:creationId xmlns:p14="http://schemas.microsoft.com/office/powerpoint/2010/main" val="2263904508"/>
-      </p:ext>
-    </p:extLst>
-  </p:cSld>
-  <p:clrMapOvr>
-    <a:masterClrMapping/>
-  </p:clrMapOvr>
-  <p:timing>
-    <p:tnLst>
-      <p:par>
-        <p:cTn xmlns:p14="http://schemas.microsoft.com/office/powerpoint/2010/main" id="1" dur="indefinite" restart="never" nodeType="tmRoot"/>
-      </p:par>
-    </p:tnLst>
-  </p:timing>
-</p:sld>
-</file>
-
-<file path=ppt/slides/slide40.xml><?xml version="1.0" encoding="utf-8"?>
+<file path=ppt/slides/slide43.xml><?xml version="1.0" encoding="utf-8"?>
 <p:sld xmlns:a="http://schemas.openxmlformats.org/drawingml/2006/main" xmlns:r="http://schemas.openxmlformats.org/officeDocument/2006/relationships" xmlns:p="http://schemas.openxmlformats.org/presentationml/2006/main">
   <p:cSld>
     <p:spTree>
@@ -25946,14 +26415,14 @@
   <p:timing>
     <p:tnLst>
       <p:par>
-        <p:cTn xmlns:p14="http://schemas.microsoft.com/office/powerpoint/2010/main" id="1" dur="indefinite" restart="never" nodeType="tmRoot"/>
+        <p:cTn id="1" dur="indefinite" restart="never" nodeType="tmRoot"/>
       </p:par>
     </p:tnLst>
   </p:timing>
 </p:sld>
 </file>
 
-<file path=ppt/slides/slide41.xml><?xml version="1.0" encoding="utf-8"?>
+<file path=ppt/slides/slide44.xml><?xml version="1.0" encoding="utf-8"?>
 <p:sld xmlns:a="http://schemas.openxmlformats.org/drawingml/2006/main" xmlns:r="http://schemas.openxmlformats.org/officeDocument/2006/relationships" xmlns:p="http://schemas.openxmlformats.org/presentationml/2006/main">
   <p:cSld>
     <p:spTree>
@@ -26379,7 +26848,7 @@
   <p:timing>
     <p:tnLst>
       <p:par>
-        <p:cTn xmlns:p14="http://schemas.microsoft.com/office/powerpoint/2010/main" id="1" dur="indefinite" restart="never" nodeType="tmRoot">
+        <p:cTn id="1" dur="indefinite" restart="never" nodeType="tmRoot">
           <p:childTnLst>
             <p:seq concurrent="1" nextAc="seek">
               <p:cTn id="2" dur="indefinite" nodeType="mainSeq">
@@ -26684,7 +27153,7 @@
 </p:sld>
 </file>
 
-<file path=ppt/slides/slide42.xml><?xml version="1.0" encoding="utf-8"?>
+<file path=ppt/slides/slide45.xml><?xml version="1.0" encoding="utf-8"?>
 <p:sld xmlns:a="http://schemas.openxmlformats.org/drawingml/2006/main" xmlns:r="http://schemas.openxmlformats.org/officeDocument/2006/relationships" xmlns:p="http://schemas.openxmlformats.org/presentationml/2006/main">
   <p:cSld>
     <p:spTree>
@@ -27377,7 +27846,7 @@
   <p:timing>
     <p:tnLst>
       <p:par>
-        <p:cTn xmlns:p14="http://schemas.microsoft.com/office/powerpoint/2010/main" id="1" dur="indefinite" restart="never" nodeType="tmRoot">
+        <p:cTn id="1" dur="indefinite" restart="never" nodeType="tmRoot">
           <p:childTnLst>
             <p:seq concurrent="1" nextAc="seek">
               <p:cTn id="2" dur="indefinite" nodeType="mainSeq">
@@ -27881,7 +28350,7 @@
 </p:sld>
 </file>
 
-<file path=ppt/slides/slide43.xml><?xml version="1.0" encoding="utf-8"?>
+<file path=ppt/slides/slide46.xml><?xml version="1.0" encoding="utf-8"?>
 <p:sld xmlns:a="http://schemas.openxmlformats.org/drawingml/2006/main" xmlns:r="http://schemas.openxmlformats.org/officeDocument/2006/relationships" xmlns:p="http://schemas.openxmlformats.org/presentationml/2006/main">
   <p:cSld>
     <p:spTree>
@@ -28581,14 +29050,14 @@
   <p:timing>
     <p:tnLst>
       <p:par>
-        <p:cTn xmlns:p14="http://schemas.microsoft.com/office/powerpoint/2010/main" id="1" dur="indefinite" restart="never" nodeType="tmRoot"/>
+        <p:cTn id="1" dur="indefinite" restart="never" nodeType="tmRoot"/>
       </p:par>
     </p:tnLst>
   </p:timing>
 </p:sld>
 </file>
 
-<file path=ppt/slides/slide44.xml><?xml version="1.0" encoding="utf-8"?>
+<file path=ppt/slides/slide47.xml><?xml version="1.0" encoding="utf-8"?>
 <p:sld xmlns:a="http://schemas.openxmlformats.org/drawingml/2006/main" xmlns:r="http://schemas.openxmlformats.org/officeDocument/2006/relationships" xmlns:p="http://schemas.openxmlformats.org/presentationml/2006/main">
   <p:cSld>
     <p:spTree>
@@ -28657,14 +29126,14 @@
   <p:timing>
     <p:tnLst>
       <p:par>
-        <p:cTn xmlns:p14="http://schemas.microsoft.com/office/powerpoint/2010/main" id="1" dur="indefinite" restart="never" nodeType="tmRoot"/>
+        <p:cTn id="1" dur="indefinite" restart="never" nodeType="tmRoot"/>
       </p:par>
     </p:tnLst>
   </p:timing>
 </p:sld>
 </file>
 
-<file path=ppt/slides/slide45.xml><?xml version="1.0" encoding="utf-8"?>
+<file path=ppt/slides/slide48.xml><?xml version="1.0" encoding="utf-8"?>
 <p:sld xmlns:a="http://schemas.openxmlformats.org/drawingml/2006/main" xmlns:r="http://schemas.openxmlformats.org/officeDocument/2006/relationships" xmlns:p="http://schemas.openxmlformats.org/presentationml/2006/main">
   <p:cSld>
     <p:spTree>
@@ -28866,14 +29335,14 @@
   <p:timing>
     <p:tnLst>
       <p:par>
-        <p:cTn xmlns:p14="http://schemas.microsoft.com/office/powerpoint/2010/main" id="1" dur="indefinite" restart="never" nodeType="tmRoot"/>
+        <p:cTn id="1" dur="indefinite" restart="never" nodeType="tmRoot"/>
       </p:par>
     </p:tnLst>
   </p:timing>
 </p:sld>
 </file>
 
-<file path=ppt/slides/slide46.xml><?xml version="1.0" encoding="utf-8"?>
+<file path=ppt/slides/slide49.xml><?xml version="1.0" encoding="utf-8"?>
 <p:sld xmlns:a="http://schemas.openxmlformats.org/drawingml/2006/main" xmlns:r="http://schemas.openxmlformats.org/officeDocument/2006/relationships" xmlns:p="http://schemas.openxmlformats.org/presentationml/2006/main">
   <p:cSld>
     <p:spTree>
@@ -29024,7 +29493,7 @@
   <p:timing>
     <p:tnLst>
       <p:par>
-        <p:cTn xmlns:p14="http://schemas.microsoft.com/office/powerpoint/2010/main" id="1" dur="indefinite" restart="never" nodeType="tmRoot">
+        <p:cTn id="1" dur="indefinite" restart="never" nodeType="tmRoot">
           <p:childTnLst>
             <p:seq concurrent="1" nextAc="seek">
               <p:cTn id="2" dur="indefinite" nodeType="mainSeq">
@@ -29439,7 +29908,7 @@
 </p:sld>
 </file>
 
-<file path=ppt/slides/slide47.xml><?xml version="1.0" encoding="utf-8"?>
+<file path=ppt/slides/slide5.xml><?xml version="1.0" encoding="utf-8"?>
 <p:sld xmlns:a="http://schemas.openxmlformats.org/drawingml/2006/main" xmlns:r="http://schemas.openxmlformats.org/officeDocument/2006/relationships" xmlns:p="http://schemas.openxmlformats.org/presentationml/2006/main">
   <p:cSld>
     <p:spTree>
@@ -29473,7 +29942,7 @@
           <a:p>
             <a:r>
               <a:rPr lang="en-US" dirty="0" smtClean="0"/>
-              <a:t>Tamil and Hindi</a:t>
+              <a:t>Lecture Takeaways</a:t>
             </a:r>
             <a:endParaRPr lang="en-US" dirty="0"/>
           </a:p>
@@ -29494,117 +29963,78 @@
           <a:bodyPr/>
           <a:lstStyle/>
           <a:p>
-            <a:r>
-              <a:rPr lang="en-US" smtClean="0"/>
-              <a:t>Collected one </a:t>
-            </a:r>
-            <a:r>
-              <a:rPr lang="en-US" dirty="0" smtClean="0"/>
-              <a:t>hour of transcripts</a:t>
-            </a:r>
-          </a:p>
-          <a:p>
-            <a:pPr lvl="1"/>
-            <a:r>
-              <a:rPr lang="en-US" dirty="0" smtClean="0"/>
-              <a:t>Much larger labor pool – how many?</a:t>
-            </a:r>
-          </a:p>
-          <a:p>
-            <a:pPr lvl="1"/>
-            <a:r>
-              <a:rPr lang="en-US" dirty="0" smtClean="0"/>
-              <a:t>Paid $20/hour, finished in 8 days</a:t>
-            </a:r>
-          </a:p>
-          <a:p>
-            <a:pPr lvl="1"/>
-            <a:r>
-              <a:rPr lang="en-US" dirty="0" smtClean="0"/>
-              <a:t>Difficult to accurately convey instructions</a:t>
-            </a:r>
-          </a:p>
-          <a:p>
-            <a:pPr lvl="2"/>
-            <a:r>
-              <a:rPr lang="en-US" dirty="0" smtClean="0"/>
-              <a:t>Many </a:t>
-            </a:r>
-            <a:r>
-              <a:rPr lang="en-US" i="1" dirty="0" smtClean="0"/>
-              <a:t>translated </a:t>
-            </a:r>
-            <a:r>
-              <a:rPr lang="en-US" dirty="0" smtClean="0"/>
-              <a:t>Hindi audio to English</a:t>
-            </a:r>
-          </a:p>
-          <a:p>
-            <a:pPr lvl="2"/>
-            <a:endParaRPr lang="en-US" dirty="0" smtClean="0"/>
-          </a:p>
-          <a:p>
-            <a:r>
-              <a:rPr lang="en-US" dirty="0" smtClean="0"/>
-              <a:t>No clear conclusions</a:t>
-            </a:r>
-          </a:p>
-          <a:p>
-            <a:pPr lvl="1"/>
-            <a:r>
-              <a:rPr lang="en-US" dirty="0" smtClean="0"/>
-              <a:t>A private contractor provided transcriptions</a:t>
-            </a:r>
-          </a:p>
-          <a:p>
-            <a:pPr lvl="1"/>
-            <a:r>
-              <a:rPr lang="en-US" dirty="0" smtClean="0"/>
-              <a:t>Very high disagreement (80%+) for both languages</a:t>
-            </a:r>
-          </a:p>
-          <a:p>
-            <a:pPr lvl="2"/>
-            <a:r>
-              <a:rPr lang="en-US" dirty="0" smtClean="0"/>
-              <a:t>Reference transcripts inaccurate</a:t>
-            </a:r>
-          </a:p>
-          <a:p>
-            <a:pPr lvl="2"/>
-            <a:r>
-              <a:rPr lang="en-US" dirty="0" smtClean="0"/>
-              <a:t>Colloquial speech, poor audio quality</a:t>
-            </a:r>
-          </a:p>
-          <a:p>
-            <a:pPr lvl="2"/>
-            <a:r>
-              <a:rPr lang="en-US" dirty="0" smtClean="0"/>
-              <a:t>English speech irregularly transliterated into Devanagari</a:t>
-            </a:r>
-          </a:p>
-          <a:p>
-            <a:pPr lvl="2"/>
-            <a:r>
-              <a:rPr lang="en-US" dirty="0" smtClean="0"/>
-              <a:t>Lax gender agreement both for speaking </a:t>
-            </a:r>
-            <a:r>
-              <a:rPr lang="en-US" i="1" dirty="0" smtClean="0"/>
-              <a:t>and</a:t>
-            </a:r>
-            <a:r>
-              <a:rPr lang="en-US" dirty="0" smtClean="0"/>
-              <a:t> transcribing</a:t>
-            </a:r>
-          </a:p>
-          <a:p>
-            <a:pPr lvl="1"/>
-            <a:r>
-              <a:rPr lang="en-US" dirty="0" smtClean="0"/>
-              <a:t>Hindi ASR might be a hard task</a:t>
-            </a:r>
+            <a:pPr marL="742950" indent="-742950">
+              <a:buFont typeface="+mj-lt"/>
+              <a:buAutoNum type="arabicPeriod"/>
+            </a:pPr>
+            <a:r>
+              <a:rPr lang="en-US" sz="3200" dirty="0" smtClean="0">
+                <a:latin typeface="+mj-lt"/>
+              </a:rPr>
+              <a:t>Get more data, not better data</a:t>
+            </a:r>
+          </a:p>
+          <a:p>
+            <a:pPr marL="742950" indent="-742950">
+              <a:buFont typeface="+mj-lt"/>
+              <a:buAutoNum type="arabicPeriod"/>
+            </a:pPr>
+            <a:r>
+              <a:rPr lang="en-US" sz="3200" dirty="0" smtClean="0">
+                <a:latin typeface="+mj-lt"/>
+              </a:rPr>
+              <a:t>Use other </a:t>
+            </a:r>
+            <a:r>
+              <a:rPr lang="en-US" sz="3200" dirty="0" err="1" smtClean="0">
+                <a:latin typeface="+mj-lt"/>
+              </a:rPr>
+              <a:t>Turkers</a:t>
+            </a:r>
+            <a:r>
+              <a:rPr lang="en-US" sz="3200" dirty="0" smtClean="0">
+                <a:latin typeface="+mj-lt"/>
+              </a:rPr>
+              <a:t> to do QC for you</a:t>
+            </a:r>
+          </a:p>
+          <a:p>
+            <a:pPr marL="742950" indent="-742950">
+              <a:buFont typeface="+mj-lt"/>
+              <a:buAutoNum type="arabicPeriod"/>
+            </a:pPr>
+            <a:r>
+              <a:rPr lang="en-US" sz="3200" dirty="0" smtClean="0">
+                <a:latin typeface="+mj-lt"/>
+              </a:rPr>
+              <a:t>Non-English </a:t>
+            </a:r>
+            <a:r>
+              <a:rPr lang="en-US" sz="3200" dirty="0" err="1" smtClean="0">
+                <a:latin typeface="+mj-lt"/>
+              </a:rPr>
+              <a:t>crowdsourcing</a:t>
+            </a:r>
+            <a:r>
+              <a:rPr lang="en-US" sz="3200" dirty="0" smtClean="0">
+                <a:latin typeface="+mj-lt"/>
+              </a:rPr>
+              <a:t> is not easy</a:t>
+            </a:r>
+          </a:p>
+          <a:p>
+            <a:pPr marL="742950" indent="-742950">
+              <a:buFont typeface="+mj-lt"/>
+              <a:buAutoNum type="arabicPeriod"/>
+            </a:pPr>
+            <a:endParaRPr lang="en-US" sz="3200" dirty="0" smtClean="0">
+              <a:latin typeface="+mj-lt"/>
+            </a:endParaRPr>
+          </a:p>
+          <a:p>
+            <a:endParaRPr lang="en-US" sz="3200" dirty="0" smtClean="0">
+              <a:latin typeface="+mj-lt"/>
+            </a:endParaRPr>
           </a:p>
         </p:txBody>
       </p:sp>
@@ -29616,7 +30046,191 @@
   <p:timing>
     <p:tnLst>
       <p:par>
-        <p:cTn xmlns:p14="http://schemas.microsoft.com/office/powerpoint/2010/main" id="1" dur="indefinite" restart="never" nodeType="tmRoot">
+        <p:cTn id="1" dur="indefinite" restart="never" nodeType="tmRoot"/>
+      </p:par>
+    </p:tnLst>
+  </p:timing>
+</p:sld>
+</file>
+
+<file path=ppt/slides/slide50.xml><?xml version="1.0" encoding="utf-8"?>
+<p:sld xmlns:a="http://schemas.openxmlformats.org/drawingml/2006/main" xmlns:r="http://schemas.openxmlformats.org/officeDocument/2006/relationships" xmlns:p="http://schemas.openxmlformats.org/presentationml/2006/main">
+  <p:cSld>
+    <p:spTree>
+      <p:nvGrpSpPr>
+        <p:cNvPr id="1" name=""/>
+        <p:cNvGrpSpPr/>
+        <p:nvPr/>
+      </p:nvGrpSpPr>
+      <p:grpSpPr>
+        <a:xfrm>
+          <a:off x="0" y="0"/>
+          <a:ext cx="0" cy="0"/>
+          <a:chOff x="0" y="0"/>
+          <a:chExt cx="0" cy="0"/>
+        </a:xfrm>
+      </p:grpSpPr>
+      <p:sp>
+        <p:nvSpPr>
+          <p:cNvPr id="2" name="Title 1"/>
+          <p:cNvSpPr>
+            <a:spLocks noGrp="1"/>
+          </p:cNvSpPr>
+          <p:nvPr>
+            <p:ph type="title"/>
+          </p:nvPr>
+        </p:nvSpPr>
+        <p:spPr/>
+        <p:txBody>
+          <a:bodyPr/>
+          <a:lstStyle/>
+          <a:p>
+            <a:r>
+              <a:rPr lang="en-US" dirty="0" smtClean="0"/>
+              <a:t>Tamil and Hindi</a:t>
+            </a:r>
+            <a:endParaRPr lang="en-US" dirty="0"/>
+          </a:p>
+        </p:txBody>
+      </p:sp>
+      <p:sp>
+        <p:nvSpPr>
+          <p:cNvPr id="3" name="Content Placeholder 2"/>
+          <p:cNvSpPr>
+            <a:spLocks noGrp="1"/>
+          </p:cNvSpPr>
+          <p:nvPr>
+            <p:ph idx="1"/>
+          </p:nvPr>
+        </p:nvSpPr>
+        <p:spPr/>
+        <p:txBody>
+          <a:bodyPr/>
+          <a:lstStyle/>
+          <a:p>
+            <a:r>
+              <a:rPr lang="en-US" smtClean="0"/>
+              <a:t>Collected one </a:t>
+            </a:r>
+            <a:r>
+              <a:rPr lang="en-US" dirty="0" smtClean="0"/>
+              <a:t>hour of transcripts</a:t>
+            </a:r>
+          </a:p>
+          <a:p>
+            <a:pPr lvl="1"/>
+            <a:r>
+              <a:rPr lang="en-US" dirty="0" smtClean="0"/>
+              <a:t>Much larger labor pool – how many?</a:t>
+            </a:r>
+          </a:p>
+          <a:p>
+            <a:pPr lvl="1"/>
+            <a:r>
+              <a:rPr lang="en-US" dirty="0" smtClean="0"/>
+              <a:t>Paid $20/hour, finished in 8 days</a:t>
+            </a:r>
+          </a:p>
+          <a:p>
+            <a:pPr lvl="1"/>
+            <a:r>
+              <a:rPr lang="en-US" dirty="0" smtClean="0"/>
+              <a:t>Difficult to accurately convey instructions</a:t>
+            </a:r>
+          </a:p>
+          <a:p>
+            <a:pPr lvl="2"/>
+            <a:r>
+              <a:rPr lang="en-US" dirty="0" smtClean="0"/>
+              <a:t>Many </a:t>
+            </a:r>
+            <a:r>
+              <a:rPr lang="en-US" i="1" dirty="0" smtClean="0"/>
+              <a:t>translated </a:t>
+            </a:r>
+            <a:r>
+              <a:rPr lang="en-US" dirty="0" smtClean="0"/>
+              <a:t>Hindi audio to English</a:t>
+            </a:r>
+          </a:p>
+          <a:p>
+            <a:pPr lvl="2"/>
+            <a:endParaRPr lang="en-US" dirty="0" smtClean="0"/>
+          </a:p>
+          <a:p>
+            <a:r>
+              <a:rPr lang="en-US" dirty="0" smtClean="0"/>
+              <a:t>No clear conclusions</a:t>
+            </a:r>
+          </a:p>
+          <a:p>
+            <a:pPr lvl="1"/>
+            <a:r>
+              <a:rPr lang="en-US" dirty="0" smtClean="0"/>
+              <a:t>A private contractor provided transcriptions</a:t>
+            </a:r>
+          </a:p>
+          <a:p>
+            <a:pPr lvl="1"/>
+            <a:r>
+              <a:rPr lang="en-US" dirty="0" smtClean="0"/>
+              <a:t>Very high disagreement (80%+) for both languages</a:t>
+            </a:r>
+          </a:p>
+          <a:p>
+            <a:pPr lvl="2"/>
+            <a:r>
+              <a:rPr lang="en-US" dirty="0" smtClean="0"/>
+              <a:t>Reference transcripts inaccurate</a:t>
+            </a:r>
+          </a:p>
+          <a:p>
+            <a:pPr lvl="2"/>
+            <a:r>
+              <a:rPr lang="en-US" dirty="0" smtClean="0"/>
+              <a:t>Colloquial speech, poor audio quality</a:t>
+            </a:r>
+          </a:p>
+          <a:p>
+            <a:pPr lvl="2"/>
+            <a:r>
+              <a:rPr lang="en-US" dirty="0" smtClean="0"/>
+              <a:t>English speech irregularly transliterated into Devanagari</a:t>
+            </a:r>
+          </a:p>
+          <a:p>
+            <a:pPr lvl="2"/>
+            <a:r>
+              <a:rPr lang="en-US" dirty="0" smtClean="0"/>
+              <a:t>Lax gender agreement both for speaking </a:t>
+            </a:r>
+            <a:r>
+              <a:rPr lang="en-US" i="1" dirty="0" smtClean="0"/>
+              <a:t>and</a:t>
+            </a:r>
+            <a:r>
+              <a:rPr lang="en-US" dirty="0" smtClean="0"/>
+              <a:t> transcribing</a:t>
+            </a:r>
+          </a:p>
+          <a:p>
+            <a:pPr lvl="1"/>
+            <a:r>
+              <a:rPr lang="en-US" dirty="0" smtClean="0"/>
+              <a:t>Hindi ASR might be a hard task</a:t>
+            </a:r>
+          </a:p>
+        </p:txBody>
+      </p:sp>
+    </p:spTree>
+  </p:cSld>
+  <p:clrMapOvr>
+    <a:masterClrMapping/>
+  </p:clrMapOvr>
+  <p:timing>
+    <p:tnLst>
+      <p:par>
+        <p:cTn id="1" dur="indefinite" restart="never" nodeType="tmRoot">
           <p:childTnLst>
             <p:seq concurrent="1" nextAc="seek">
               <p:cTn id="2" dur="indefinite" nodeType="mainSeq">
@@ -30088,7 +30702,7 @@
 </p:sld>
 </file>
 
-<file path=ppt/slides/slide48.xml><?xml version="1.0" encoding="utf-8"?>
+<file path=ppt/slides/slide51.xml><?xml version="1.0" encoding="utf-8"?>
 <p:sld xmlns:a="http://schemas.openxmlformats.org/drawingml/2006/main" xmlns:r="http://schemas.openxmlformats.org/officeDocument/2006/relationships" xmlns:p="http://schemas.openxmlformats.org/presentationml/2006/main">
   <p:cSld>
     <p:spTree>
@@ -30229,7 +30843,7 @@
   <p:timing>
     <p:tnLst>
       <p:par>
-        <p:cTn xmlns:p14="http://schemas.microsoft.com/office/powerpoint/2010/main" id="1" dur="indefinite" restart="never" nodeType="tmRoot">
+        <p:cTn id="1" dur="indefinite" restart="never" nodeType="tmRoot">
           <p:childTnLst>
             <p:seq concurrent="1" nextAc="seek">
               <p:cTn id="2" dur="indefinite" nodeType="mainSeq">
@@ -30564,7 +31178,7 @@
 </p:sld>
 </file>
 
-<file path=ppt/slides/slide49.xml><?xml version="1.0" encoding="utf-8"?>
+<file path=ppt/slides/slide52.xml><?xml version="1.0" encoding="utf-8"?>
 <p:sld xmlns:a="http://schemas.openxmlformats.org/drawingml/2006/main" xmlns:r="http://schemas.openxmlformats.org/officeDocument/2006/relationships" xmlns:p="http://schemas.openxmlformats.org/presentationml/2006/main">
   <p:cSld>
     <p:spTree>
@@ -30748,7 +31362,7 @@
   <p:timing>
     <p:tnLst>
       <p:par>
-        <p:cTn xmlns:p14="http://schemas.microsoft.com/office/powerpoint/2010/main" id="1" dur="indefinite" restart="never" nodeType="tmRoot">
+        <p:cTn id="1" dur="indefinite" restart="never" nodeType="tmRoot">
           <p:childTnLst>
             <p:seq concurrent="1" nextAc="seek">
               <p:cTn id="2" dur="indefinite" nodeType="mainSeq">
@@ -31225,7 +31839,7 @@
 </p:sld>
 </file>
 
-<file path=ppt/slides/slide5.xml><?xml version="1.0" encoding="utf-8"?>
+<file path=ppt/slides/slide53.xml><?xml version="1.0" encoding="utf-8"?>
 <p:sld xmlns:a="http://schemas.openxmlformats.org/drawingml/2006/main" xmlns:r="http://schemas.openxmlformats.org/officeDocument/2006/relationships" xmlns:p="http://schemas.openxmlformats.org/presentationml/2006/main">
   <p:cSld>
     <p:spTree>
@@ -31258,10 +31872,18 @@
           <a:lstStyle/>
           <a:p>
             <a:r>
-              <a:rPr lang="en-US" dirty="0" smtClean="0"/>
-              <a:t>Digit Recognition</a:t>
-            </a:r>
-            <a:endParaRPr lang="en-US" dirty="0"/>
+              <a:rPr lang="en-US" sz="4000" dirty="0" smtClean="0"/>
+              <a:t>Swahili and Amharic (</a:t>
+            </a:r>
+            <a:r>
+              <a:rPr lang="en-US" sz="4000" dirty="0" err="1" smtClean="0"/>
+              <a:t>Gelas</a:t>
+            </a:r>
+            <a:r>
+              <a:rPr lang="en-US" sz="4000" dirty="0" smtClean="0"/>
+              <a:t>, 2011)</a:t>
+            </a:r>
+            <a:endParaRPr lang="en-US" sz="4000" dirty="0"/>
           </a:p>
         </p:txBody>
       </p:sp>
@@ -31280,12 +31902,91 @@
           <a:bodyPr/>
           <a:lstStyle/>
           <a:p>
-            <a:pPr marL="0" indent="0">
-              <a:buNone/>
-            </a:pPr>
-            <a:endParaRPr lang="en-US" dirty="0"/>
-          </a:p>
-          <a:p>
+            <a:r>
+              <a:rPr lang="en-US" dirty="0" smtClean="0"/>
+              <a:t>Two under-resourced African languages</a:t>
+            </a:r>
+          </a:p>
+          <a:p>
+            <a:pPr lvl="1"/>
+            <a:r>
+              <a:rPr lang="en-US" dirty="0" smtClean="0"/>
+              <a:t>17M speak Amharic in Ethiopia</a:t>
+            </a:r>
+          </a:p>
+          <a:p>
+            <a:pPr lvl="1"/>
+            <a:r>
+              <a:rPr lang="en-US" dirty="0" smtClean="0"/>
+              <a:t>50M speak Swahili in East Africa (Kenya, Congo, etc…)</a:t>
+            </a:r>
+          </a:p>
+          <a:p>
+            <a:r>
+              <a:rPr lang="en-US" dirty="0" smtClean="0"/>
+              <a:t>Not many workers on </a:t>
+            </a:r>
+            <a:r>
+              <a:rPr lang="en-US" dirty="0" err="1" smtClean="0"/>
+              <a:t>Mturk</a:t>
+            </a:r>
+            <a:endParaRPr lang="en-US" dirty="0" smtClean="0"/>
+          </a:p>
+          <a:p>
+            <a:pPr lvl="1"/>
+            <a:r>
+              <a:rPr lang="en-US" dirty="0" smtClean="0"/>
+              <a:t>12 Amharic, 3 Swahili</a:t>
+            </a:r>
+          </a:p>
+          <a:p>
+            <a:r>
+              <a:rPr lang="en-US" dirty="0" smtClean="0"/>
+              <a:t>And they generated data very slowly</a:t>
+            </a:r>
+          </a:p>
+          <a:p>
+            <a:pPr lvl="1"/>
+            <a:r>
+              <a:rPr lang="en-US" dirty="0" smtClean="0"/>
+              <a:t>0.75hrs after 73 days, 1.5hrs after 12 days</a:t>
+            </a:r>
+          </a:p>
+          <a:p>
+            <a:r>
+              <a:rPr lang="en-US" dirty="0" smtClean="0"/>
+              <a:t>But despite being worse than professionals</a:t>
+            </a:r>
+          </a:p>
+          <a:p>
+            <a:pPr lvl="1"/>
+            <a:r>
+              <a:rPr lang="en-US" dirty="0" smtClean="0"/>
+              <a:t>16% WER, 27.7% WER</a:t>
+            </a:r>
+          </a:p>
+          <a:p>
+            <a:r>
+              <a:rPr lang="en-US" dirty="0" smtClean="0"/>
+              <a:t>ASR systems performed as well as professionals</a:t>
+            </a:r>
+          </a:p>
+          <a:p>
+            <a:endParaRPr lang="en-US" dirty="0" smtClean="0"/>
+          </a:p>
+          <a:p>
+            <a:r>
+              <a:rPr lang="en-US" u="sng" dirty="0" smtClean="0"/>
+              <a:t>At the end of the day, researchers paid grad students at $103/hr of transcription to get 12 hours vs. $37/hr on </a:t>
+            </a:r>
+            <a:r>
+              <a:rPr lang="en-US" u="sng" dirty="0" err="1" smtClean="0"/>
+              <a:t>MTurk</a:t>
+            </a:r>
+            <a:endParaRPr lang="en-US" u="sng" dirty="0" smtClean="0"/>
+          </a:p>
+          <a:p>
+            <a:pPr lvl="1"/>
             <a:endParaRPr lang="en-US" dirty="0" smtClean="0"/>
           </a:p>
         </p:txBody>
@@ -31298,174 +31999,7 @@
   <p:timing>
     <p:tnLst>
       <p:par>
-        <p:cTn xmlns:p14="http://schemas.microsoft.com/office/powerpoint/2010/main" id="1" dur="indefinite" restart="never" nodeType="tmRoot"/>
-      </p:par>
-    </p:tnLst>
-  </p:timing>
-</p:sld>
-</file>
-
-<file path=ppt/slides/slide50.xml><?xml version="1.0" encoding="utf-8"?>
-<p:sld xmlns:a="http://schemas.openxmlformats.org/drawingml/2006/main" xmlns:r="http://schemas.openxmlformats.org/officeDocument/2006/relationships" xmlns:p="http://schemas.openxmlformats.org/presentationml/2006/main">
-  <p:cSld>
-    <p:spTree>
-      <p:nvGrpSpPr>
-        <p:cNvPr id="1" name=""/>
-        <p:cNvGrpSpPr/>
-        <p:nvPr/>
-      </p:nvGrpSpPr>
-      <p:grpSpPr>
-        <a:xfrm>
-          <a:off x="0" y="0"/>
-          <a:ext cx="0" cy="0"/>
-          <a:chOff x="0" y="0"/>
-          <a:chExt cx="0" cy="0"/>
-        </a:xfrm>
-      </p:grpSpPr>
-      <p:sp>
-        <p:nvSpPr>
-          <p:cNvPr id="2" name="Title 1"/>
-          <p:cNvSpPr>
-            <a:spLocks noGrp="1"/>
-          </p:cNvSpPr>
-          <p:nvPr>
-            <p:ph type="title"/>
-          </p:nvPr>
-        </p:nvSpPr>
-        <p:spPr/>
-        <p:txBody>
-          <a:bodyPr/>
-          <a:lstStyle/>
-          <a:p>
-            <a:r>
-              <a:rPr lang="en-US" sz="4000" dirty="0" smtClean="0"/>
-              <a:t>Swahili and Amharic (</a:t>
-            </a:r>
-            <a:r>
-              <a:rPr lang="en-US" sz="4000" dirty="0" err="1" smtClean="0"/>
-              <a:t>Gelas</a:t>
-            </a:r>
-            <a:r>
-              <a:rPr lang="en-US" sz="4000" dirty="0" smtClean="0"/>
-              <a:t>, 2011)</a:t>
-            </a:r>
-            <a:endParaRPr lang="en-US" sz="4000" dirty="0"/>
-          </a:p>
-        </p:txBody>
-      </p:sp>
-      <p:sp>
-        <p:nvSpPr>
-          <p:cNvPr id="3" name="Content Placeholder 2"/>
-          <p:cNvSpPr>
-            <a:spLocks noGrp="1"/>
-          </p:cNvSpPr>
-          <p:nvPr>
-            <p:ph idx="1"/>
-          </p:nvPr>
-        </p:nvSpPr>
-        <p:spPr/>
-        <p:txBody>
-          <a:bodyPr/>
-          <a:lstStyle/>
-          <a:p>
-            <a:r>
-              <a:rPr lang="en-US" dirty="0" smtClean="0"/>
-              <a:t>Two under-resourced African languages</a:t>
-            </a:r>
-          </a:p>
-          <a:p>
-            <a:pPr lvl="1"/>
-            <a:r>
-              <a:rPr lang="en-US" dirty="0" smtClean="0"/>
-              <a:t>17M speak Amharic in Ethiopia</a:t>
-            </a:r>
-          </a:p>
-          <a:p>
-            <a:pPr lvl="1"/>
-            <a:r>
-              <a:rPr lang="en-US" dirty="0" smtClean="0"/>
-              <a:t>50M speak Swahili in East Africa (Kenya, Congo, etc…)</a:t>
-            </a:r>
-          </a:p>
-          <a:p>
-            <a:r>
-              <a:rPr lang="en-US" dirty="0" smtClean="0"/>
-              <a:t>Not many workers on </a:t>
-            </a:r>
-            <a:r>
-              <a:rPr lang="en-US" dirty="0" err="1" smtClean="0"/>
-              <a:t>Mturk</a:t>
-            </a:r>
-            <a:endParaRPr lang="en-US" dirty="0" smtClean="0"/>
-          </a:p>
-          <a:p>
-            <a:pPr lvl="1"/>
-            <a:r>
-              <a:rPr lang="en-US" dirty="0" smtClean="0"/>
-              <a:t>12 Amharic, 3 Swahili</a:t>
-            </a:r>
-          </a:p>
-          <a:p>
-            <a:r>
-              <a:rPr lang="en-US" dirty="0" smtClean="0"/>
-              <a:t>And they generated data very slowly</a:t>
-            </a:r>
-          </a:p>
-          <a:p>
-            <a:pPr lvl="1"/>
-            <a:r>
-              <a:rPr lang="en-US" dirty="0" smtClean="0"/>
-              <a:t>0.75hrs after 73 days, 1.5hrs after 12 days</a:t>
-            </a:r>
-          </a:p>
-          <a:p>
-            <a:r>
-              <a:rPr lang="en-US" dirty="0" smtClean="0"/>
-              <a:t>But despite being worse than professionals</a:t>
-            </a:r>
-          </a:p>
-          <a:p>
-            <a:pPr lvl="1"/>
-            <a:r>
-              <a:rPr lang="en-US" dirty="0" smtClean="0"/>
-              <a:t>16% WER, 27.7% WER</a:t>
-            </a:r>
-          </a:p>
-          <a:p>
-            <a:r>
-              <a:rPr lang="en-US" dirty="0" smtClean="0"/>
-              <a:t>ASR systems performed as well as professionals</a:t>
-            </a:r>
-          </a:p>
-          <a:p>
-            <a:endParaRPr lang="en-US" dirty="0" smtClean="0"/>
-          </a:p>
-          <a:p>
-            <a:r>
-              <a:rPr lang="en-US" u="sng" dirty="0" smtClean="0"/>
-              <a:t>At the end of the day, researchers paid grad students at $103/hr of transcription to get 12 hours vs. $37/hr on </a:t>
-            </a:r>
-            <a:r>
-              <a:rPr lang="en-US" u="sng" dirty="0" err="1" smtClean="0"/>
-              <a:t>MTurk</a:t>
-            </a:r>
-            <a:endParaRPr lang="en-US" u="sng" dirty="0" smtClean="0"/>
-          </a:p>
-          <a:p>
-            <a:pPr lvl="1"/>
-            <a:endParaRPr lang="en-US" dirty="0" smtClean="0"/>
-          </a:p>
-        </p:txBody>
-      </p:sp>
-    </p:spTree>
-  </p:cSld>
-  <p:clrMapOvr>
-    <a:masterClrMapping/>
-  </p:clrMapOvr>
-  <p:timing>
-    <p:tnLst>
-      <p:par>
-        <p:cTn xmlns:p14="http://schemas.microsoft.com/office/powerpoint/2010/main" id="1" dur="indefinite" restart="never" nodeType="tmRoot">
+        <p:cTn id="1" dur="indefinite" restart="never" nodeType="tmRoot">
           <p:childTnLst>
             <p:seq concurrent="1" nextAc="seek">
               <p:cTn id="2" dur="indefinite" nodeType="mainSeq">
@@ -31944,7 +32478,7 @@
 </p:sld>
 </file>
 
-<file path=ppt/slides/slide51.xml><?xml version="1.0" encoding="utf-8"?>
+<file path=ppt/slides/slide54.xml><?xml version="1.0" encoding="utf-8"?>
 <p:sld xmlns:a="http://schemas.openxmlformats.org/drawingml/2006/main" xmlns:r="http://schemas.openxmlformats.org/officeDocument/2006/relationships" xmlns:p="http://schemas.openxmlformats.org/presentationml/2006/main">
   <p:cSld>
     <p:spTree>
@@ -32127,7 +32661,7 @@
   <p:timing>
     <p:tnLst>
       <p:par>
-        <p:cTn xmlns:p14="http://schemas.microsoft.com/office/powerpoint/2010/main" id="1" dur="indefinite" restart="never" nodeType="tmRoot">
+        <p:cTn id="1" dur="indefinite" restart="never" nodeType="tmRoot">
           <p:childTnLst>
             <p:seq concurrent="1" nextAc="seek">
               <p:cTn id="2" dur="indefinite" nodeType="mainSeq">
@@ -32573,7 +33107,7 @@
 </p:sld>
 </file>
 
-<file path=ppt/slides/slide52.xml><?xml version="1.0" encoding="utf-8"?>
+<file path=ppt/slides/slide55.xml><?xml version="1.0" encoding="utf-8"?>
 <p:sld xmlns:a="http://schemas.openxmlformats.org/drawingml/2006/main" xmlns:r="http://schemas.openxmlformats.org/officeDocument/2006/relationships" xmlns:p="http://schemas.openxmlformats.org/presentationml/2006/main">
   <p:cSld>
     <p:spTree>
@@ -32664,10 +33198,16 @@
           <a:p>
             <a:pPr lvl="1"/>
             <a:r>
-              <a:rPr lang="en-US" dirty="0" smtClean="0">
+              <a:rPr lang="en-US" dirty="0">
                 <a:hlinkClick r:id="rId3"/>
               </a:rPr>
-              <a:t>http://kaldi.sourceforge.net/</a:t>
+              <a:t>http://</a:t>
+            </a:r>
+            <a:r>
+              <a:rPr lang="en-US" dirty="0" err="1">
+                <a:hlinkClick r:id="rId3"/>
+              </a:rPr>
+              <a:t>kaldi-asr.org</a:t>
             </a:r>
             <a:endParaRPr lang="en-US" dirty="0" smtClean="0"/>
           </a:p>
@@ -32681,7 +33221,11 @@
             <a:pPr lvl="1"/>
             <a:r>
               <a:rPr lang="en-US" dirty="0" smtClean="0"/>
-              <a:t>Based right here at </a:t>
+              <a:t>Based </a:t>
+            </a:r>
+            <a:r>
+              <a:rPr lang="en-US" dirty="0" smtClean="0"/>
+              <a:t>right here at </a:t>
             </a:r>
             <a:r>
               <a:rPr lang="en-US" dirty="0"/>
@@ -32713,14 +33257,14 @@
   <p:timing>
     <p:tnLst>
       <p:par>
-        <p:cTn xmlns:p14="http://schemas.microsoft.com/office/powerpoint/2010/main" id="1" dur="indefinite" restart="never" nodeType="tmRoot"/>
+        <p:cTn id="1" dur="indefinite" restart="never" nodeType="tmRoot"/>
       </p:par>
     </p:tnLst>
   </p:timing>
 </p:sld>
 </file>
 
-<file path=ppt/slides/slide53.xml><?xml version="1.0" encoding="utf-8"?>
+<file path=ppt/slides/slide56.xml><?xml version="1.0" encoding="utf-8"?>
 <p:sld xmlns:a="http://schemas.openxmlformats.org/drawingml/2006/main" xmlns:r="http://schemas.openxmlformats.org/officeDocument/2006/relationships" xmlns:p="http://schemas.openxmlformats.org/presentationml/2006/main">
   <p:cSld>
     <p:spTree>
@@ -32787,14 +33331,14 @@
   <p:timing>
     <p:tnLst>
       <p:par>
-        <p:cTn xmlns:p14="http://schemas.microsoft.com/office/powerpoint/2010/main" id="1" dur="indefinite" restart="never" nodeType="tmRoot"/>
+        <p:cTn id="1" dur="indefinite" restart="never" nodeType="tmRoot"/>
       </p:par>
     </p:tnLst>
   </p:timing>
 </p:sld>
 </file>
 
-<file path=ppt/slides/slide54.xml><?xml version="1.0" encoding="utf-8"?>
+<file path=ppt/slides/slide57.xml><?xml version="1.0" encoding="utf-8"?>
 <p:sld xmlns:a="http://schemas.openxmlformats.org/drawingml/2006/main" xmlns:r="http://schemas.openxmlformats.org/officeDocument/2006/relationships" xmlns:p="http://schemas.openxmlformats.org/presentationml/2006/main">
   <p:cSld>
     <p:spTree>
@@ -32827,7 +33371,7 @@
           <a:graphicData uri="http://schemas.openxmlformats.org/presentationml/2006/ole">
             <mc:AlternateContent xmlns:mc="http://schemas.openxmlformats.org/markup-compatibility/2006">
               <mc:Choice xmlns:v="urn:schemas-microsoft-com:vml" Requires="v">
-                <p:oleObj spid="_x0000_s123940" name="Acrobat Document" r:id="rId4" imgW="4171320" imgH="4176000" progId="AcroExch.Document.7">
+                <p:oleObj spid="_x0000_s123947" name="Acrobat Document" r:id="rId4" imgW="4171320" imgH="4176000" progId="AcroExch.Document.7">
                   <p:embed/>
                 </p:oleObj>
               </mc:Choice>
@@ -32866,7 +33410,7 @@
                       <a:noFill/>
                       <a:extLst>
                         <a:ext uri="{909E8E84-426E-40dd-AFC4-6F175D3DCCD1}">
-                          <a14:hiddenFill xmlns:a14="http://schemas.microsoft.com/office/drawing/2010/main">
+                          <a14:hiddenFill xmlns:a14="http://schemas.microsoft.com/office/drawing/2010/main" xmlns="">
                             <a:solidFill>
                               <a:srgbClr val="FFFFFF"/>
                             </a:solidFill>
@@ -32979,7 +33523,7 @@
   <p:timing>
     <p:tnLst>
       <p:par>
-        <p:cTn xmlns:p14="http://schemas.microsoft.com/office/powerpoint/2010/main" id="1" dur="indefinite" restart="never" nodeType="tmRoot"/>
+        <p:cTn id="1" dur="indefinite" restart="never" nodeType="tmRoot"/>
       </p:par>
     </p:tnLst>
   </p:timing>
@@ -33019,48 +33563,63 @@
           <a:lstStyle/>
           <a:p>
             <a:r>
+              <a:rPr lang="en-US" dirty="0" err="1"/>
+              <a:t>Siri</a:t>
+            </a:r>
+            <a:r>
+              <a:rPr lang="en-US" dirty="0"/>
+              <a:t> in </a:t>
+            </a:r>
+            <a:r>
               <a:rPr lang="en-US" dirty="0" smtClean="0"/>
-              <a:t>Digit Recognition</a:t>
-            </a:r>
-            <a:endParaRPr lang="en-US" dirty="0"/>
-          </a:p>
-        </p:txBody>
-      </p:sp>
-      <p:sp>
-        <p:nvSpPr>
-          <p:cNvPr id="3" name="Content Placeholder 2"/>
-          <p:cNvSpPr>
-            <a:spLocks noGrp="1"/>
-          </p:cNvSpPr>
-          <p:nvPr>
-            <p:ph idx="1"/>
-          </p:nvPr>
-        </p:nvSpPr>
-        <p:spPr/>
-        <p:txBody>
-          <a:bodyPr/>
-          <a:lstStyle/>
-          <a:p>
-            <a:pPr marL="0" indent="0">
-              <a:buNone/>
-            </a:pPr>
-            <a:endParaRPr lang="en-US" dirty="0"/>
-          </a:p>
-          <a:p>
-            <a:endParaRPr lang="en-US" dirty="0" smtClean="0"/>
+              <a:t>Five </a:t>
+            </a:r>
+            <a:r>
+              <a:rPr lang="en-US" dirty="0"/>
+              <a:t>Minutes</a:t>
+            </a:r>
           </a:p>
         </p:txBody>
       </p:sp>
       <p:pic>
         <p:nvPicPr>
-          <p:cNvPr id="14" name="Picture 5" descr="C:\Users\Scott\Documents\presentations\CLSP KWS talk 2012\waveform.png"/>
+          <p:cNvPr id="4" name="Content Placeholder 3"/>
+          <p:cNvPicPr>
+            <a:picLocks noGrp="1" noChangeAspect="1"/>
+          </p:cNvPicPr>
+          <p:nvPr>
+            <p:ph idx="1"/>
+          </p:nvPr>
+        </p:nvPicPr>
+        <p:blipFill>
+          <a:blip r:embed="rId2" cstate="print">
+            <a:extLst>
+              <a:ext uri="{28A0092B-C50C-407E-A947-70E740481C1C}">
+                <a14:useLocalDpi xmlns:a14="http://schemas.microsoft.com/office/drawing/2010/main" val="0"/>
+              </a:ext>
+            </a:extLst>
+          </a:blip>
+          <a:stretch>
+            <a:fillRect/>
+          </a:stretch>
+        </p:blipFill>
+        <p:spPr>
+          <a:xfrm flipH="1">
+            <a:off x="228600" y="2819400"/>
+            <a:ext cx="1828434" cy="1219200"/>
+          </a:xfrm>
+        </p:spPr>
+      </p:pic>
+      <p:pic>
+        <p:nvPicPr>
+          <p:cNvPr id="5" name="Picture 5" descr="C:\Users\Scott\Documents\presentations\CLSP KWS talk 2012\waveform.png"/>
           <p:cNvPicPr>
             <a:picLocks noChangeAspect="1" noChangeArrowheads="1"/>
           </p:cNvPicPr>
           <p:nvPr/>
         </p:nvPicPr>
         <p:blipFill>
-          <a:blip r:embed="rId2" cstate="print"/>
+          <a:blip r:embed="rId3" cstate="print"/>
           <a:srcRect/>
           <a:stretch>
             <a:fillRect/>
@@ -33068,8 +33627,8 @@
         </p:blipFill>
         <p:spPr bwMode="auto">
           <a:xfrm>
-            <a:off x="2057400" y="1084896"/>
-            <a:ext cx="914400" cy="579171"/>
+            <a:off x="2895600" y="3009900"/>
+            <a:ext cx="1729741" cy="685800"/>
           </a:xfrm>
           <a:prstGeom prst="rect">
             <a:avLst/>
@@ -33077,7 +33636,204 @@
           <a:noFill/>
         </p:spPr>
       </p:pic>
+      <p:sp>
+        <p:nvSpPr>
+          <p:cNvPr id="6" name="TextBox 5"/>
+          <p:cNvSpPr txBox="1"/>
+          <p:nvPr/>
+        </p:nvSpPr>
+        <p:spPr>
+          <a:xfrm>
+            <a:off x="5334000" y="3048000"/>
+            <a:ext cx="1608133" cy="646331"/>
+          </a:xfrm>
+          <a:prstGeom prst="rect">
+            <a:avLst/>
+          </a:prstGeom>
+          <a:noFill/>
+        </p:spPr>
+        <p:txBody>
+          <a:bodyPr wrap="none" rtlCol="0">
+            <a:spAutoFit/>
+          </a:bodyPr>
+          <a:lstStyle/>
+          <a:p>
+            <a:r>
+              <a:rPr lang="en-US" dirty="0" smtClean="0"/>
+              <a:t>Should I bring</a:t>
+            </a:r>
+          </a:p>
+          <a:p>
+            <a:r>
+              <a:rPr lang="en-US" dirty="0" smtClean="0"/>
+              <a:t> an umbrella</a:t>
+            </a:r>
+            <a:endParaRPr lang="en-US" dirty="0"/>
+          </a:p>
+        </p:txBody>
+      </p:sp>
+      <p:sp>
+        <p:nvSpPr>
+          <p:cNvPr id="11" name="Right Arrow 10"/>
+          <p:cNvSpPr/>
+          <p:nvPr/>
+        </p:nvSpPr>
+        <p:spPr>
+          <a:xfrm>
+            <a:off x="2156012" y="3110484"/>
+            <a:ext cx="587188" cy="484632"/>
+          </a:xfrm>
+          <a:prstGeom prst="rightArrow">
+            <a:avLst/>
+          </a:prstGeom>
+        </p:spPr>
+        <p:style>
+          <a:lnRef idx="2">
+            <a:schemeClr val="accent1">
+              <a:shade val="50000"/>
+            </a:schemeClr>
+          </a:lnRef>
+          <a:fillRef idx="1">
+            <a:schemeClr val="accent1"/>
+          </a:fillRef>
+          <a:effectRef idx="0">
+            <a:schemeClr val="accent1"/>
+          </a:effectRef>
+          <a:fontRef idx="minor">
+            <a:schemeClr val="lt1"/>
+          </a:fontRef>
+        </p:style>
+        <p:txBody>
+          <a:bodyPr rtlCol="0" anchor="ctr"/>
+          <a:lstStyle/>
+          <a:p>
+            <a:pPr algn="ctr"/>
+            <a:endParaRPr lang="en-US"/>
+          </a:p>
+        </p:txBody>
+      </p:sp>
+      <p:sp>
+        <p:nvSpPr>
+          <p:cNvPr id="12" name="Right Arrow 11"/>
+          <p:cNvSpPr/>
+          <p:nvPr/>
+        </p:nvSpPr>
+        <p:spPr>
+          <a:xfrm>
+            <a:off x="4746812" y="3124200"/>
+            <a:ext cx="587188" cy="484632"/>
+          </a:xfrm>
+          <a:prstGeom prst="rightArrow">
+            <a:avLst/>
+          </a:prstGeom>
+        </p:spPr>
+        <p:style>
+          <a:lnRef idx="2">
+            <a:schemeClr val="accent1">
+              <a:shade val="50000"/>
+            </a:schemeClr>
+          </a:lnRef>
+          <a:fillRef idx="1">
+            <a:schemeClr val="accent1"/>
+          </a:fillRef>
+          <a:effectRef idx="0">
+            <a:schemeClr val="accent1"/>
+          </a:effectRef>
+          <a:fontRef idx="minor">
+            <a:schemeClr val="lt1"/>
+          </a:fontRef>
+        </p:style>
+        <p:txBody>
+          <a:bodyPr rtlCol="0" anchor="ctr"/>
+          <a:lstStyle/>
+          <a:p>
+            <a:pPr algn="ctr"/>
+            <a:endParaRPr lang="en-US"/>
+          </a:p>
+        </p:txBody>
+      </p:sp>
+      <p:sp>
+        <p:nvSpPr>
+          <p:cNvPr id="13" name="TextBox 12"/>
+          <p:cNvSpPr txBox="1"/>
+          <p:nvPr/>
+        </p:nvSpPr>
+        <p:spPr>
+          <a:xfrm>
+            <a:off x="7597588" y="3048000"/>
+            <a:ext cx="1189428" cy="646331"/>
+          </a:xfrm>
+          <a:prstGeom prst="rect">
+            <a:avLst/>
+          </a:prstGeom>
+          <a:noFill/>
+        </p:spPr>
+        <p:txBody>
+          <a:bodyPr wrap="none" rtlCol="0">
+            <a:spAutoFit/>
+          </a:bodyPr>
+          <a:lstStyle/>
+          <a:p>
+            <a:r>
+              <a:rPr lang="en-US" dirty="0" smtClean="0"/>
+              <a:t>Yes, it will</a:t>
+            </a:r>
+          </a:p>
+          <a:p>
+            <a:r>
+              <a:rPr lang="en-US" dirty="0" smtClean="0"/>
+              <a:t>rain today</a:t>
+            </a:r>
+            <a:endParaRPr lang="en-US" dirty="0"/>
+          </a:p>
+        </p:txBody>
+      </p:sp>
+      <p:sp>
+        <p:nvSpPr>
+          <p:cNvPr id="14" name="Right Arrow 13"/>
+          <p:cNvSpPr/>
+          <p:nvPr/>
+        </p:nvSpPr>
+        <p:spPr>
+          <a:xfrm>
+            <a:off x="6934200" y="3124200"/>
+            <a:ext cx="587188" cy="484632"/>
+          </a:xfrm>
+          <a:prstGeom prst="rightArrow">
+            <a:avLst/>
+          </a:prstGeom>
+        </p:spPr>
+        <p:style>
+          <a:lnRef idx="2">
+            <a:schemeClr val="accent1">
+              <a:shade val="50000"/>
+            </a:schemeClr>
+          </a:lnRef>
+          <a:fillRef idx="1">
+            <a:schemeClr val="accent1"/>
+          </a:fillRef>
+          <a:effectRef idx="0">
+            <a:schemeClr val="accent1"/>
+          </a:effectRef>
+          <a:fontRef idx="minor">
+            <a:schemeClr val="lt1"/>
+          </a:fontRef>
+        </p:style>
+        <p:txBody>
+          <a:bodyPr rtlCol="0" anchor="ctr"/>
+          <a:lstStyle/>
+          <a:p>
+            <a:pPr algn="ctr"/>
+            <a:endParaRPr lang="en-US"/>
+          </a:p>
+        </p:txBody>
+      </p:sp>
     </p:spTree>
+    <p:extLst>
+      <p:ext uri="{BB962C8B-B14F-4D97-AF65-F5344CB8AC3E}">
+        <p14:creationId xmlns:p14="http://schemas.microsoft.com/office/powerpoint/2010/main" val="2020058709"/>
+      </p:ext>
+    </p:extLst>
   </p:cSld>
   <p:clrMapOvr>
     <a:masterClrMapping/>
@@ -33085,7 +33841,7 @@
   <p:timing>
     <p:tnLst>
       <p:par>
-        <p:cTn xmlns:p14="http://schemas.microsoft.com/office/powerpoint/2010/main" id="1" dur="indefinite" restart="never" nodeType="tmRoot"/>
+        <p:cTn id="1" dur="indefinite" restart="never" nodeType="tmRoot"/>
       </p:par>
     </p:tnLst>
   </p:timing>
@@ -33125,8 +33881,107 @@
           <a:lstStyle/>
           <a:p>
             <a:r>
+              <a:rPr lang="en-US" dirty="0" err="1"/>
+              <a:t>Siri</a:t>
+            </a:r>
+            <a:r>
+              <a:rPr lang="en-US" dirty="0"/>
+              <a:t> in </a:t>
+            </a:r>
+            <a:r>
               <a:rPr lang="en-US" dirty="0" smtClean="0"/>
-              <a:t>Digit Recognition</a:t>
+              <a:t>Five Minutes</a:t>
+            </a:r>
+            <a:endParaRPr lang="en-US" dirty="0"/>
+          </a:p>
+        </p:txBody>
+      </p:sp>
+      <p:pic>
+        <p:nvPicPr>
+          <p:cNvPr id="4" name="Content Placeholder 3"/>
+          <p:cNvPicPr>
+            <a:picLocks noGrp="1" noChangeAspect="1"/>
+          </p:cNvPicPr>
+          <p:nvPr>
+            <p:ph idx="1"/>
+          </p:nvPr>
+        </p:nvPicPr>
+        <p:blipFill>
+          <a:blip r:embed="rId2" cstate="print">
+            <a:extLst>
+              <a:ext uri="{28A0092B-C50C-407E-A947-70E740481C1C}">
+                <a14:useLocalDpi xmlns:a14="http://schemas.microsoft.com/office/drawing/2010/main" val="0"/>
+              </a:ext>
+            </a:extLst>
+          </a:blip>
+          <a:stretch>
+            <a:fillRect/>
+          </a:stretch>
+        </p:blipFill>
+        <p:spPr>
+          <a:xfrm flipH="1">
+            <a:off x="228600" y="2819400"/>
+            <a:ext cx="1828434" cy="1219200"/>
+          </a:xfrm>
+        </p:spPr>
+      </p:pic>
+      <p:pic>
+        <p:nvPicPr>
+          <p:cNvPr id="5" name="Picture 5" descr="C:\Users\Scott\Documents\presentations\CLSP KWS talk 2012\waveform.png"/>
+          <p:cNvPicPr>
+            <a:picLocks noChangeAspect="1" noChangeArrowheads="1"/>
+          </p:cNvPicPr>
+          <p:nvPr/>
+        </p:nvPicPr>
+        <p:blipFill>
+          <a:blip r:embed="rId3" cstate="print"/>
+          <a:srcRect/>
+          <a:stretch>
+            <a:fillRect/>
+          </a:stretch>
+        </p:blipFill>
+        <p:spPr bwMode="auto">
+          <a:xfrm>
+            <a:off x="2895600" y="3009900"/>
+            <a:ext cx="1729741" cy="685800"/>
+          </a:xfrm>
+          <a:prstGeom prst="rect">
+            <a:avLst/>
+          </a:prstGeom>
+          <a:noFill/>
+        </p:spPr>
+      </p:pic>
+      <p:sp>
+        <p:nvSpPr>
+          <p:cNvPr id="6" name="TextBox 5"/>
+          <p:cNvSpPr txBox="1"/>
+          <p:nvPr/>
+        </p:nvSpPr>
+        <p:spPr>
+          <a:xfrm>
+            <a:off x="5334000" y="3048000"/>
+            <a:ext cx="1608133" cy="646331"/>
+          </a:xfrm>
+          <a:prstGeom prst="rect">
+            <a:avLst/>
+          </a:prstGeom>
+          <a:noFill/>
+        </p:spPr>
+        <p:txBody>
+          <a:bodyPr wrap="none" rtlCol="0">
+            <a:spAutoFit/>
+          </a:bodyPr>
+          <a:lstStyle/>
+          <a:p>
+            <a:r>
+              <a:rPr lang="en-US" dirty="0" smtClean="0"/>
+              <a:t>Should I bring</a:t>
+            </a:r>
+          </a:p>
+          <a:p>
+            <a:r>
+              <a:rPr lang="en-US" dirty="0" smtClean="0"/>
+              <a:t> an umbrella</a:t>
             </a:r>
             <a:endParaRPr lang="en-US" dirty="0"/>
           </a:p>
@@ -33134,104 +33989,324 @@
       </p:sp>
       <p:sp>
         <p:nvSpPr>
-          <p:cNvPr id="3" name="Content Placeholder 2"/>
-          <p:cNvSpPr>
-            <a:spLocks noGrp="1"/>
-          </p:cNvSpPr>
-          <p:nvPr>
-            <p:ph idx="1"/>
-          </p:nvPr>
+          <p:cNvPr id="11" name="Right Arrow 10"/>
+          <p:cNvSpPr/>
+          <p:nvPr/>
         </p:nvSpPr>
-        <p:spPr/>
+        <p:spPr>
+          <a:xfrm>
+            <a:off x="2156012" y="3110484"/>
+            <a:ext cx="587188" cy="484632"/>
+          </a:xfrm>
+          <a:prstGeom prst="rightArrow">
+            <a:avLst/>
+          </a:prstGeom>
+        </p:spPr>
+        <p:style>
+          <a:lnRef idx="2">
+            <a:schemeClr val="accent1">
+              <a:shade val="50000"/>
+            </a:schemeClr>
+          </a:lnRef>
+          <a:fillRef idx="1">
+            <a:schemeClr val="accent1"/>
+          </a:fillRef>
+          <a:effectRef idx="0">
+            <a:schemeClr val="accent1"/>
+          </a:effectRef>
+          <a:fontRef idx="minor">
+            <a:schemeClr val="lt1"/>
+          </a:fontRef>
+        </p:style>
         <p:txBody>
-          <a:bodyPr/>
+          <a:bodyPr rtlCol="0" anchor="ctr"/>
           <a:lstStyle/>
           <a:p>
-            <a:pPr marL="0" indent="0">
-              <a:buNone/>
-            </a:pPr>
-            <a:endParaRPr lang="en-US" dirty="0"/>
-          </a:p>
-          <a:p>
-            <a:endParaRPr lang="en-US" dirty="0" smtClean="0"/>
+            <a:pPr algn="ctr"/>
+            <a:endParaRPr lang="en-US"/>
           </a:p>
         </p:txBody>
       </p:sp>
-      <p:grpSp>
-        <p:nvGrpSpPr>
-          <p:cNvPr id="15" name="Group 14"/>
-          <p:cNvGrpSpPr/>
+      <p:sp>
+        <p:nvSpPr>
+          <p:cNvPr id="12" name="Right Arrow 11"/>
+          <p:cNvSpPr/>
           <p:nvPr/>
-        </p:nvGrpSpPr>
-        <p:grpSpPr>
+        </p:nvSpPr>
+        <p:spPr>
           <a:xfrm>
-            <a:off x="457200" y="990600"/>
-            <a:ext cx="8382000" cy="707886"/>
-            <a:chOff x="457200" y="1752600"/>
-            <a:chExt cx="8382000" cy="707886"/>
+            <a:off x="4746812" y="3124200"/>
+            <a:ext cx="587188" cy="484632"/>
           </a:xfrm>
-        </p:grpSpPr>
-        <p:sp>
-          <p:nvSpPr>
-            <p:cNvPr id="13" name="TextBox 12"/>
-            <p:cNvSpPr txBox="1"/>
-            <p:nvPr/>
-          </p:nvSpPr>
-          <p:spPr>
-            <a:xfrm>
-              <a:off x="457200" y="1752600"/>
-              <a:ext cx="8382000" cy="707886"/>
-            </a:xfrm>
-            <a:prstGeom prst="rect">
-              <a:avLst/>
-            </a:prstGeom>
-            <a:noFill/>
-          </p:spPr>
-          <p:txBody>
-            <a:bodyPr wrap="square" rtlCol="0">
-              <a:spAutoFit/>
-            </a:bodyPr>
-            <a:lstStyle/>
-            <a:p>
-              <a:r>
-                <a:rPr lang="en-US" sz="4000" dirty="0" smtClean="0"/>
-                <a:t>P(one|       ) =</a:t>
-              </a:r>
-              <a:endParaRPr lang="en-US" sz="4000" dirty="0"/>
-            </a:p>
-          </p:txBody>
-        </p:sp>
-        <p:pic>
-          <p:nvPicPr>
-            <p:cNvPr id="14" name="Picture 5" descr="C:\Users\Scott\Documents\presentations\CLSP KWS talk 2012\waveform.png"/>
-            <p:cNvPicPr>
-              <a:picLocks noChangeAspect="1" noChangeArrowheads="1"/>
-            </p:cNvPicPr>
-            <p:nvPr/>
-          </p:nvPicPr>
-          <p:blipFill>
-            <a:blip r:embed="rId2" cstate="print"/>
-            <a:srcRect/>
-            <a:stretch>
-              <a:fillRect/>
-            </a:stretch>
-          </p:blipFill>
-          <p:spPr bwMode="auto">
-            <a:xfrm>
-              <a:off x="2057400" y="1846896"/>
-              <a:ext cx="914400" cy="579171"/>
-            </a:xfrm>
-            <a:prstGeom prst="rect">
-              <a:avLst/>
-            </a:prstGeom>
-            <a:noFill/>
-          </p:spPr>
-        </p:pic>
-      </p:grpSp>
+          <a:prstGeom prst="rightArrow">
+            <a:avLst/>
+          </a:prstGeom>
+        </p:spPr>
+        <p:style>
+          <a:lnRef idx="2">
+            <a:schemeClr val="accent1">
+              <a:shade val="50000"/>
+            </a:schemeClr>
+          </a:lnRef>
+          <a:fillRef idx="1">
+            <a:schemeClr val="accent1"/>
+          </a:fillRef>
+          <a:effectRef idx="0">
+            <a:schemeClr val="accent1"/>
+          </a:effectRef>
+          <a:fontRef idx="minor">
+            <a:schemeClr val="lt1"/>
+          </a:fontRef>
+        </p:style>
+        <p:txBody>
+          <a:bodyPr rtlCol="0" anchor="ctr"/>
+          <a:lstStyle/>
+          <a:p>
+            <a:pPr algn="ctr"/>
+            <a:endParaRPr lang="en-US"/>
+          </a:p>
+        </p:txBody>
+      </p:sp>
+      <p:sp>
+        <p:nvSpPr>
+          <p:cNvPr id="13" name="TextBox 12"/>
+          <p:cNvSpPr txBox="1"/>
+          <p:nvPr/>
+        </p:nvSpPr>
+        <p:spPr>
+          <a:xfrm>
+            <a:off x="7597588" y="3048000"/>
+            <a:ext cx="1189428" cy="646331"/>
+          </a:xfrm>
+          <a:prstGeom prst="rect">
+            <a:avLst/>
+          </a:prstGeom>
+          <a:noFill/>
+        </p:spPr>
+        <p:txBody>
+          <a:bodyPr wrap="none" rtlCol="0">
+            <a:spAutoFit/>
+          </a:bodyPr>
+          <a:lstStyle/>
+          <a:p>
+            <a:r>
+              <a:rPr lang="en-US" dirty="0" smtClean="0"/>
+              <a:t>Yes, it will</a:t>
+            </a:r>
+          </a:p>
+          <a:p>
+            <a:r>
+              <a:rPr lang="en-US" dirty="0" smtClean="0"/>
+              <a:t>rain today</a:t>
+            </a:r>
+            <a:endParaRPr lang="en-US" dirty="0"/>
+          </a:p>
+        </p:txBody>
+      </p:sp>
+      <p:sp>
+        <p:nvSpPr>
+          <p:cNvPr id="14" name="Right Arrow 13"/>
+          <p:cNvSpPr/>
+          <p:nvPr/>
+        </p:nvSpPr>
+        <p:spPr>
+          <a:xfrm>
+            <a:off x="6934200" y="3124200"/>
+            <a:ext cx="587188" cy="484632"/>
+          </a:xfrm>
+          <a:prstGeom prst="rightArrow">
+            <a:avLst/>
+          </a:prstGeom>
+        </p:spPr>
+        <p:style>
+          <a:lnRef idx="2">
+            <a:schemeClr val="accent1">
+              <a:shade val="50000"/>
+            </a:schemeClr>
+          </a:lnRef>
+          <a:fillRef idx="1">
+            <a:schemeClr val="accent1"/>
+          </a:fillRef>
+          <a:effectRef idx="0">
+            <a:schemeClr val="accent1"/>
+          </a:effectRef>
+          <a:fontRef idx="minor">
+            <a:schemeClr val="lt1"/>
+          </a:fontRef>
+        </p:style>
+        <p:txBody>
+          <a:bodyPr rtlCol="0" anchor="ctr"/>
+          <a:lstStyle/>
+          <a:p>
+            <a:pPr algn="ctr"/>
+            <a:endParaRPr lang="en-US"/>
+          </a:p>
+        </p:txBody>
+      </p:sp>
+      <p:sp>
+        <p:nvSpPr>
+          <p:cNvPr id="15" name="Multiply 14"/>
+          <p:cNvSpPr/>
+          <p:nvPr/>
+        </p:nvSpPr>
+        <p:spPr>
+          <a:xfrm>
+            <a:off x="6784041" y="2952065"/>
+            <a:ext cx="887506" cy="838200"/>
+          </a:xfrm>
+          <a:prstGeom prst="mathMultiply">
+            <a:avLst/>
+          </a:prstGeom>
+          <a:solidFill>
+            <a:srgbClr val="FF0000"/>
+          </a:solidFill>
+          <a:ln w="3175"/>
+        </p:spPr>
+        <p:style>
+          <a:lnRef idx="2">
+            <a:schemeClr val="accent1">
+              <a:shade val="50000"/>
+            </a:schemeClr>
+          </a:lnRef>
+          <a:fillRef idx="1">
+            <a:schemeClr val="accent1"/>
+          </a:fillRef>
+          <a:effectRef idx="0">
+            <a:schemeClr val="accent1"/>
+          </a:effectRef>
+          <a:fontRef idx="minor">
+            <a:schemeClr val="lt1"/>
+          </a:fontRef>
+        </p:style>
+        <p:txBody>
+          <a:bodyPr rtlCol="0" anchor="ctr"/>
+          <a:lstStyle/>
+          <a:p>
+            <a:pPr algn="ctr"/>
+            <a:endParaRPr lang="en-US"/>
+          </a:p>
+        </p:txBody>
+      </p:sp>
+      <p:sp>
+        <p:nvSpPr>
+          <p:cNvPr id="16" name="Multiply 15"/>
+          <p:cNvSpPr/>
+          <p:nvPr/>
+        </p:nvSpPr>
+        <p:spPr>
+          <a:xfrm>
+            <a:off x="1981200" y="2971800"/>
+            <a:ext cx="887506" cy="838200"/>
+          </a:xfrm>
+          <a:prstGeom prst="mathMultiply">
+            <a:avLst/>
+          </a:prstGeom>
+          <a:solidFill>
+            <a:srgbClr val="FF0000"/>
+          </a:solidFill>
+          <a:ln w="3175"/>
+        </p:spPr>
+        <p:style>
+          <a:lnRef idx="2">
+            <a:schemeClr val="accent1">
+              <a:shade val="50000"/>
+            </a:schemeClr>
+          </a:lnRef>
+          <a:fillRef idx="1">
+            <a:schemeClr val="accent1"/>
+          </a:fillRef>
+          <a:effectRef idx="0">
+            <a:schemeClr val="accent1"/>
+          </a:effectRef>
+          <a:fontRef idx="minor">
+            <a:schemeClr val="lt1"/>
+          </a:fontRef>
+        </p:style>
+        <p:txBody>
+          <a:bodyPr rtlCol="0" anchor="ctr"/>
+          <a:lstStyle/>
+          <a:p>
+            <a:pPr algn="ctr"/>
+            <a:endParaRPr lang="en-US"/>
+          </a:p>
+        </p:txBody>
+      </p:sp>
+      <p:sp>
+        <p:nvSpPr>
+          <p:cNvPr id="7" name="Rectangle 6"/>
+          <p:cNvSpPr/>
+          <p:nvPr/>
+        </p:nvSpPr>
+        <p:spPr>
+          <a:xfrm>
+            <a:off x="2743200" y="2743200"/>
+            <a:ext cx="4186109" cy="1219200"/>
+          </a:xfrm>
+          <a:prstGeom prst="rect">
+            <a:avLst/>
+          </a:prstGeom>
+          <a:noFill/>
+          <a:ln w="28575"/>
+        </p:spPr>
+        <p:style>
+          <a:lnRef idx="2">
+            <a:schemeClr val="accent1">
+              <a:shade val="50000"/>
+            </a:schemeClr>
+          </a:lnRef>
+          <a:fillRef idx="1">
+            <a:schemeClr val="accent1"/>
+          </a:fillRef>
+          <a:effectRef idx="0">
+            <a:schemeClr val="accent1"/>
+          </a:effectRef>
+          <a:fontRef idx="minor">
+            <a:schemeClr val="lt1"/>
+          </a:fontRef>
+        </p:style>
+        <p:txBody>
+          <a:bodyPr rtlCol="0" anchor="ctr"/>
+          <a:lstStyle/>
+          <a:p>
+            <a:pPr algn="ctr"/>
+            <a:endParaRPr lang="en-US"/>
+          </a:p>
+        </p:txBody>
+      </p:sp>
+      <p:sp>
+        <p:nvSpPr>
+          <p:cNvPr id="8" name="TextBox 7"/>
+          <p:cNvSpPr txBox="1"/>
+          <p:nvPr/>
+        </p:nvSpPr>
+        <p:spPr>
+          <a:xfrm>
+            <a:off x="3200400" y="4050268"/>
+            <a:ext cx="3339376" cy="369332"/>
+          </a:xfrm>
+          <a:prstGeom prst="rect">
+            <a:avLst/>
+          </a:prstGeom>
+          <a:noFill/>
+        </p:spPr>
+        <p:txBody>
+          <a:bodyPr wrap="none" rtlCol="0">
+            <a:spAutoFit/>
+          </a:bodyPr>
+          <a:lstStyle/>
+          <a:p>
+            <a:r>
+              <a:rPr lang="en-US" dirty="0" smtClean="0"/>
+              <a:t>Automatic Speech Recognition</a:t>
+            </a:r>
+            <a:endParaRPr lang="en-US" dirty="0"/>
+          </a:p>
+        </p:txBody>
+      </p:sp>
     </p:spTree>
     <p:extLst>
       <p:ext uri="{BB962C8B-B14F-4D97-AF65-F5344CB8AC3E}">
-        <p14:creationId xmlns:p14="http://schemas.microsoft.com/office/powerpoint/2010/main" val="2982552292"/>
+        <p14:creationId xmlns:p14="http://schemas.microsoft.com/office/powerpoint/2010/main" val="2263904508"/>
       </p:ext>
     </p:extLst>
   </p:cSld>
@@ -33241,7 +34316,7 @@
   <p:timing>
     <p:tnLst>
       <p:par>
-        <p:cTn xmlns:p14="http://schemas.microsoft.com/office/powerpoint/2010/main" id="1" dur="indefinite" restart="never" nodeType="tmRoot"/>
+        <p:cTn id="1" dur="indefinite" restart="never" nodeType="tmRoot"/>
       </p:par>
     </p:tnLst>
   </p:timing>
@@ -33313,195 +34388,7 @@
           </a:p>
         </p:txBody>
       </p:sp>
-      <p:grpSp>
-        <p:nvGrpSpPr>
-          <p:cNvPr id="21" name="Group 20"/>
-          <p:cNvGrpSpPr/>
-          <p:nvPr/>
-        </p:nvGrpSpPr>
-        <p:grpSpPr>
-          <a:xfrm>
-            <a:off x="457200" y="990600"/>
-            <a:ext cx="8382000" cy="1323439"/>
-            <a:chOff x="457200" y="2492514"/>
-            <a:chExt cx="8382000" cy="1323439"/>
-          </a:xfrm>
-        </p:grpSpPr>
-        <p:grpSp>
-          <p:nvGrpSpPr>
-            <p:cNvPr id="15" name="Group 14"/>
-            <p:cNvGrpSpPr/>
-            <p:nvPr/>
-          </p:nvGrpSpPr>
-          <p:grpSpPr>
-            <a:xfrm>
-              <a:off x="457200" y="2492514"/>
-              <a:ext cx="8382000" cy="1323439"/>
-              <a:chOff x="457200" y="1752600"/>
-              <a:chExt cx="8382000" cy="1323439"/>
-            </a:xfrm>
-          </p:grpSpPr>
-          <p:sp>
-            <p:nvSpPr>
-              <p:cNvPr id="13" name="TextBox 12"/>
-              <p:cNvSpPr txBox="1"/>
-              <p:nvPr/>
-            </p:nvSpPr>
-            <p:spPr>
-              <a:xfrm>
-                <a:off x="457200" y="1752600"/>
-                <a:ext cx="8382000" cy="1323439"/>
-              </a:xfrm>
-              <a:prstGeom prst="rect">
-                <a:avLst/>
-              </a:prstGeom>
-              <a:noFill/>
-            </p:spPr>
-            <p:txBody>
-              <a:bodyPr wrap="square" rtlCol="0">
-                <a:spAutoFit/>
-              </a:bodyPr>
-              <a:lstStyle/>
-              <a:p>
-                <a:r>
-                  <a:rPr lang="en-US" sz="4000" dirty="0" smtClean="0"/>
-                  <a:t>P(one|       ) = P(       |one) P(one)</a:t>
-                </a:r>
-              </a:p>
-              <a:p>
-                <a:r>
-                  <a:rPr lang="en-US" sz="4000" dirty="0"/>
-                  <a:t> </a:t>
-                </a:r>
-                <a:r>
-                  <a:rPr lang="en-US" sz="4000" dirty="0" smtClean="0"/>
-                  <a:t>                               P(       )</a:t>
-                </a:r>
-                <a:endParaRPr lang="en-US" sz="4000" dirty="0"/>
-              </a:p>
-            </p:txBody>
-          </p:sp>
-          <p:pic>
-            <p:nvPicPr>
-              <p:cNvPr id="14" name="Picture 5" descr="C:\Users\Scott\Documents\presentations\CLSP KWS talk 2012\waveform.png"/>
-              <p:cNvPicPr>
-                <a:picLocks noChangeAspect="1" noChangeArrowheads="1"/>
-              </p:cNvPicPr>
-              <p:nvPr/>
-            </p:nvPicPr>
-            <p:blipFill>
-              <a:blip r:embed="rId2" cstate="print"/>
-              <a:srcRect/>
-              <a:stretch>
-                <a:fillRect/>
-              </a:stretch>
-            </p:blipFill>
-            <p:spPr bwMode="auto">
-              <a:xfrm>
-                <a:off x="2057400" y="1846896"/>
-                <a:ext cx="914400" cy="579171"/>
-              </a:xfrm>
-              <a:prstGeom prst="rect">
-                <a:avLst/>
-              </a:prstGeom>
-              <a:noFill/>
-            </p:spPr>
-          </p:pic>
-        </p:grpSp>
-        <p:pic>
-          <p:nvPicPr>
-            <p:cNvPr id="16" name="Picture 5" descr="C:\Users\Scott\Documents\presentations\CLSP KWS talk 2012\waveform.png"/>
-            <p:cNvPicPr>
-              <a:picLocks noChangeAspect="1" noChangeArrowheads="1"/>
-            </p:cNvPicPr>
-            <p:nvPr/>
-          </p:nvPicPr>
-          <p:blipFill>
-            <a:blip r:embed="rId2" cstate="print"/>
-            <a:srcRect/>
-            <a:stretch>
-              <a:fillRect/>
-            </a:stretch>
-          </p:blipFill>
-          <p:spPr bwMode="auto">
-            <a:xfrm>
-              <a:off x="4343400" y="2590800"/>
-              <a:ext cx="914400" cy="579171"/>
-            </a:xfrm>
-            <a:prstGeom prst="rect">
-              <a:avLst/>
-            </a:prstGeom>
-            <a:noFill/>
-          </p:spPr>
-        </p:pic>
-        <p:pic>
-          <p:nvPicPr>
-            <p:cNvPr id="17" name="Picture 5" descr="C:\Users\Scott\Documents\presentations\CLSP KWS talk 2012\waveform.png"/>
-            <p:cNvPicPr>
-              <a:picLocks noChangeAspect="1" noChangeArrowheads="1"/>
-            </p:cNvPicPr>
-            <p:nvPr/>
-          </p:nvPicPr>
-          <p:blipFill>
-            <a:blip r:embed="rId2" cstate="print"/>
-            <a:srcRect/>
-            <a:stretch>
-              <a:fillRect/>
-            </a:stretch>
-          </p:blipFill>
-          <p:spPr bwMode="auto">
-            <a:xfrm>
-              <a:off x="5638800" y="3200400"/>
-              <a:ext cx="914400" cy="579171"/>
-            </a:xfrm>
-            <a:prstGeom prst="rect">
-              <a:avLst/>
-            </a:prstGeom>
-            <a:noFill/>
-          </p:spPr>
-        </p:pic>
-        <p:cxnSp>
-          <p:nvCxnSpPr>
-            <p:cNvPr id="19" name="Straight Connector 18"/>
-            <p:cNvCxnSpPr/>
-            <p:nvPr/>
-          </p:nvCxnSpPr>
-          <p:spPr>
-            <a:xfrm>
-              <a:off x="3810000" y="3200400"/>
-              <a:ext cx="4267200" cy="0"/>
-            </a:xfrm>
-            <a:prstGeom prst="line">
-              <a:avLst/>
-            </a:prstGeom>
-            <a:ln w="38100">
-              <a:solidFill>
-                <a:schemeClr val="tx1"/>
-              </a:solidFill>
-            </a:ln>
-          </p:spPr>
-          <p:style>
-            <a:lnRef idx="1">
-              <a:schemeClr val="accent1"/>
-            </a:lnRef>
-            <a:fillRef idx="0">
-              <a:schemeClr val="accent1"/>
-            </a:fillRef>
-            <a:effectRef idx="0">
-              <a:schemeClr val="accent1"/>
-            </a:effectRef>
-            <a:fontRef idx="minor">
-              <a:schemeClr val="tx1"/>
-            </a:fontRef>
-          </p:style>
-        </p:cxnSp>
-      </p:grpSp>
     </p:spTree>
-    <p:extLst>
-      <p:ext uri="{BB962C8B-B14F-4D97-AF65-F5344CB8AC3E}">
-        <p14:creationId xmlns:p14="http://schemas.microsoft.com/office/powerpoint/2010/main" val="1546639689"/>
-      </p:ext>
-    </p:extLst>
   </p:cSld>
   <p:clrMapOvr>
     <a:masterClrMapping/>
@@ -33509,7 +34396,7 @@
   <p:timing>
     <p:tnLst>
       <p:par>
-        <p:cTn xmlns:p14="http://schemas.microsoft.com/office/powerpoint/2010/main" id="1" dur="indefinite" restart="never" nodeType="tmRoot"/>
+        <p:cTn id="1" dur="indefinite" restart="never" nodeType="tmRoot"/>
       </p:par>
     </p:tnLst>
   </p:timing>
@@ -33581,303 +34468,33 @@
           </a:p>
         </p:txBody>
       </p:sp>
-      <p:grpSp>
-        <p:nvGrpSpPr>
-          <p:cNvPr id="21" name="Group 20"/>
-          <p:cNvGrpSpPr/>
+      <p:pic>
+        <p:nvPicPr>
+          <p:cNvPr id="14" name="Picture 5" descr="C:\Users\Scott\Documents\presentations\CLSP KWS talk 2012\waveform.png"/>
+          <p:cNvPicPr>
+            <a:picLocks noChangeAspect="1" noChangeArrowheads="1"/>
+          </p:cNvPicPr>
           <p:nvPr/>
-        </p:nvGrpSpPr>
-        <p:grpSpPr>
+        </p:nvPicPr>
+        <p:blipFill>
+          <a:blip r:embed="rId2" cstate="print"/>
+          <a:srcRect/>
+          <a:stretch>
+            <a:fillRect/>
+          </a:stretch>
+        </p:blipFill>
+        <p:spPr bwMode="auto">
           <a:xfrm>
-            <a:off x="457200" y="990600"/>
-            <a:ext cx="8382000" cy="1323439"/>
-            <a:chOff x="457200" y="2492514"/>
-            <a:chExt cx="8382000" cy="1323439"/>
-          </a:xfrm>
-        </p:grpSpPr>
-        <p:grpSp>
-          <p:nvGrpSpPr>
-            <p:cNvPr id="15" name="Group 14"/>
-            <p:cNvGrpSpPr/>
-            <p:nvPr/>
-          </p:nvGrpSpPr>
-          <p:grpSpPr>
-            <a:xfrm>
-              <a:off x="457200" y="2492514"/>
-              <a:ext cx="8382000" cy="1323439"/>
-              <a:chOff x="457200" y="1752600"/>
-              <a:chExt cx="8382000" cy="1323439"/>
-            </a:xfrm>
-          </p:grpSpPr>
-          <p:sp>
-            <p:nvSpPr>
-              <p:cNvPr id="13" name="TextBox 12"/>
-              <p:cNvSpPr txBox="1"/>
-              <p:nvPr/>
-            </p:nvSpPr>
-            <p:spPr>
-              <a:xfrm>
-                <a:off x="457200" y="1752600"/>
-                <a:ext cx="8382000" cy="1323439"/>
-              </a:xfrm>
-              <a:prstGeom prst="rect">
-                <a:avLst/>
-              </a:prstGeom>
-              <a:noFill/>
-            </p:spPr>
-            <p:txBody>
-              <a:bodyPr wrap="square" rtlCol="0">
-                <a:spAutoFit/>
-              </a:bodyPr>
-              <a:lstStyle/>
-              <a:p>
-                <a:r>
-                  <a:rPr lang="en-US" sz="4000" dirty="0" smtClean="0"/>
-                  <a:t>P(one|       ) = P(       |one) P(one)</a:t>
-                </a:r>
-              </a:p>
-              <a:p>
-                <a:r>
-                  <a:rPr lang="en-US" sz="4000" dirty="0"/>
-                  <a:t> </a:t>
-                </a:r>
-                <a:r>
-                  <a:rPr lang="en-US" sz="4000" dirty="0" smtClean="0"/>
-                  <a:t>                               </a:t>
-                </a:r>
-                <a:endParaRPr lang="en-US" sz="4000" dirty="0"/>
-              </a:p>
-            </p:txBody>
-          </p:sp>
-          <p:pic>
-            <p:nvPicPr>
-              <p:cNvPr id="14" name="Picture 5" descr="C:\Users\Scott\Documents\presentations\CLSP KWS talk 2012\waveform.png"/>
-              <p:cNvPicPr>
-                <a:picLocks noChangeAspect="1" noChangeArrowheads="1"/>
-              </p:cNvPicPr>
-              <p:nvPr/>
-            </p:nvPicPr>
-            <p:blipFill>
-              <a:blip r:embed="rId2" cstate="print"/>
-              <a:srcRect/>
-              <a:stretch>
-                <a:fillRect/>
-              </a:stretch>
-            </p:blipFill>
-            <p:spPr bwMode="auto">
-              <a:xfrm>
-                <a:off x="2057400" y="1846896"/>
-                <a:ext cx="914400" cy="579171"/>
-              </a:xfrm>
-              <a:prstGeom prst="rect">
-                <a:avLst/>
-              </a:prstGeom>
-              <a:noFill/>
-            </p:spPr>
-          </p:pic>
-        </p:grpSp>
-        <p:pic>
-          <p:nvPicPr>
-            <p:cNvPr id="16" name="Picture 5" descr="C:\Users\Scott\Documents\presentations\CLSP KWS talk 2012\waveform.png"/>
-            <p:cNvPicPr>
-              <a:picLocks noChangeAspect="1" noChangeArrowheads="1"/>
-            </p:cNvPicPr>
-            <p:nvPr/>
-          </p:nvPicPr>
-          <p:blipFill>
-            <a:blip r:embed="rId2" cstate="print"/>
-            <a:srcRect/>
-            <a:stretch>
-              <a:fillRect/>
-            </a:stretch>
-          </p:blipFill>
-          <p:spPr bwMode="auto">
-            <a:xfrm>
-              <a:off x="4343400" y="2590800"/>
-              <a:ext cx="914400" cy="579171"/>
-            </a:xfrm>
-            <a:prstGeom prst="rect">
-              <a:avLst/>
-            </a:prstGeom>
-            <a:noFill/>
-          </p:spPr>
-        </p:pic>
-      </p:grpSp>
-      <p:sp>
-        <p:nvSpPr>
-          <p:cNvPr id="18" name="Rectangle 17"/>
-          <p:cNvSpPr/>
-          <p:nvPr/>
-        </p:nvSpPr>
-        <p:spPr>
-          <a:xfrm>
-            <a:off x="3733800" y="1088885"/>
-            <a:ext cx="2743200" cy="563433"/>
-          </a:xfrm>
-          <a:prstGeom prst="rect">
-            <a:avLst/>
-          </a:prstGeom>
-          <a:solidFill>
-            <a:srgbClr val="FFC000">
-              <a:alpha val="51000"/>
-            </a:srgbClr>
-          </a:solidFill>
-          <a:ln>
-            <a:solidFill>
-              <a:schemeClr val="tx1"/>
-            </a:solidFill>
-          </a:ln>
-        </p:spPr>
-        <p:style>
-          <a:lnRef idx="2">
-            <a:schemeClr val="accent1">
-              <a:shade val="50000"/>
-            </a:schemeClr>
-          </a:lnRef>
-          <a:fillRef idx="1">
-            <a:schemeClr val="accent1"/>
-          </a:fillRef>
-          <a:effectRef idx="0">
-            <a:schemeClr val="accent1"/>
-          </a:effectRef>
-          <a:fontRef idx="minor">
-            <a:schemeClr val="lt1"/>
-          </a:fontRef>
-        </p:style>
-        <p:txBody>
-          <a:bodyPr rtlCol="0" anchor="ctr"/>
-          <a:lstStyle/>
-          <a:p>
-            <a:pPr algn="ctr"/>
-            <a:endParaRPr lang="en-US"/>
-          </a:p>
-        </p:txBody>
-      </p:sp>
-      <p:sp>
-        <p:nvSpPr>
-          <p:cNvPr id="20" name="Rectangle 19"/>
-          <p:cNvSpPr/>
-          <p:nvPr/>
-        </p:nvSpPr>
-        <p:spPr>
-          <a:xfrm>
-            <a:off x="6553200" y="1084896"/>
-            <a:ext cx="1676400" cy="567422"/>
-          </a:xfrm>
-          <a:prstGeom prst="rect">
-            <a:avLst/>
-          </a:prstGeom>
-          <a:solidFill>
-            <a:srgbClr val="92D050">
-              <a:alpha val="51000"/>
-            </a:srgbClr>
-          </a:solidFill>
-          <a:ln>
-            <a:solidFill>
-              <a:schemeClr val="tx1"/>
-            </a:solidFill>
-          </a:ln>
-        </p:spPr>
-        <p:style>
-          <a:lnRef idx="2">
-            <a:schemeClr val="accent1">
-              <a:shade val="50000"/>
-            </a:schemeClr>
-          </a:lnRef>
-          <a:fillRef idx="1">
-            <a:schemeClr val="accent1"/>
-          </a:fillRef>
-          <a:effectRef idx="0">
-            <a:schemeClr val="accent1"/>
-          </a:effectRef>
-          <a:fontRef idx="minor">
-            <a:schemeClr val="lt1"/>
-          </a:fontRef>
-        </p:style>
-        <p:txBody>
-          <a:bodyPr rtlCol="0" anchor="ctr"/>
-          <a:lstStyle/>
-          <a:p>
-            <a:pPr algn="ctr"/>
-            <a:endParaRPr lang="en-US"/>
-          </a:p>
-        </p:txBody>
-      </p:sp>
-      <p:sp>
-        <p:nvSpPr>
-          <p:cNvPr id="24" name="TextBox 23"/>
-          <p:cNvSpPr txBox="1"/>
-          <p:nvPr/>
-        </p:nvSpPr>
-        <p:spPr>
-          <a:xfrm>
-            <a:off x="3685847" y="1824335"/>
-            <a:ext cx="2839106" cy="461665"/>
+            <a:off x="2057400" y="1084896"/>
+            <a:ext cx="914400" cy="579171"/>
           </a:xfrm>
           <a:prstGeom prst="rect">
             <a:avLst/>
           </a:prstGeom>
           <a:noFill/>
         </p:spPr>
-        <p:txBody>
-          <a:bodyPr wrap="square" rtlCol="0">
-            <a:spAutoFit/>
-          </a:bodyPr>
-          <a:lstStyle/>
-          <a:p>
-            <a:pPr algn="ctr"/>
-            <a:r>
-              <a:rPr lang="en-US" sz="2400" b="1" dirty="0" smtClean="0"/>
-              <a:t>Acoustic Model</a:t>
-            </a:r>
-            <a:endParaRPr lang="en-US" sz="2400" b="1" dirty="0"/>
-          </a:p>
-        </p:txBody>
-      </p:sp>
-      <p:sp>
-        <p:nvSpPr>
-          <p:cNvPr id="26" name="TextBox 25"/>
-          <p:cNvSpPr txBox="1"/>
-          <p:nvPr/>
-        </p:nvSpPr>
-        <p:spPr>
-          <a:xfrm>
-            <a:off x="6572906" y="1828800"/>
-            <a:ext cx="1636988" cy="830997"/>
-          </a:xfrm>
-          <a:prstGeom prst="rect">
-            <a:avLst/>
-          </a:prstGeom>
-          <a:noFill/>
-        </p:spPr>
-        <p:txBody>
-          <a:bodyPr wrap="none" rtlCol="0">
-            <a:spAutoFit/>
-          </a:bodyPr>
-          <a:lstStyle/>
-          <a:p>
-            <a:pPr algn="ctr"/>
-            <a:r>
-              <a:rPr lang="en-US" sz="2400" b="1" dirty="0" smtClean="0"/>
-              <a:t>Language</a:t>
-            </a:r>
-          </a:p>
-          <a:p>
-            <a:pPr algn="ctr"/>
-            <a:r>
-              <a:rPr lang="en-US" sz="2400" b="1" dirty="0" smtClean="0"/>
-              <a:t>Model</a:t>
-            </a:r>
-            <a:endParaRPr lang="en-US" sz="2400" b="1" dirty="0"/>
-          </a:p>
-        </p:txBody>
-      </p:sp>
+      </p:pic>
     </p:spTree>
-    <p:extLst>
-      <p:ext uri="{BB962C8B-B14F-4D97-AF65-F5344CB8AC3E}">
-        <p14:creationId xmlns:p14="http://schemas.microsoft.com/office/powerpoint/2010/main" val="2328317698"/>
-      </p:ext>
-    </p:extLst>
   </p:cSld>
   <p:clrMapOvr>
     <a:masterClrMapping/>
@@ -33885,7 +34502,7 @@
   <p:timing>
     <p:tnLst>
       <p:par>
-        <p:cTn xmlns:p14="http://schemas.microsoft.com/office/powerpoint/2010/main" id="1" dur="indefinite" restart="never" nodeType="tmRoot"/>
+        <p:cTn id="1" dur="indefinite" restart="never" nodeType="tmRoot"/>
       </p:par>
     </p:tnLst>
   </p:timing>
